--- a/lectures/08_multiclass_classification_n_to_n_2hidden/0_ML_concepts_multiclass.pptx
+++ b/lectures/08_multiclass_classification_n_to_n_2hidden/0_ML_concepts_multiclass.pptx
@@ -5,7 +5,7 @@
     <p:sldMasterId id="2147483648" r:id="rId1"/>
   </p:sldMasterIdLst>
   <p:notesMasterIdLst>
-    <p:notesMasterId r:id="rId21"/>
+    <p:notesMasterId r:id="rId30"/>
   </p:notesMasterIdLst>
   <p:sldIdLst>
     <p:sldId id="256" r:id="rId2"/>
@@ -27,6 +27,15 @@
     <p:sldId id="274" r:id="rId18"/>
     <p:sldId id="269" r:id="rId19"/>
     <p:sldId id="272" r:id="rId20"/>
+    <p:sldId id="276" r:id="rId21"/>
+    <p:sldId id="277" r:id="rId22"/>
+    <p:sldId id="278" r:id="rId23"/>
+    <p:sldId id="280" r:id="rId24"/>
+    <p:sldId id="281" r:id="rId25"/>
+    <p:sldId id="282" r:id="rId26"/>
+    <p:sldId id="283" r:id="rId27"/>
+    <p:sldId id="284" r:id="rId28"/>
+    <p:sldId id="285" r:id="rId29"/>
   </p:sldIdLst>
   <p:sldSz cx="12192000" cy="6858000"/>
   <p:notesSz cx="6858000" cy="9144000"/>
@@ -136,7 +145,7 @@
 <file path=ppt/revisionInfo.xml><?xml version="1.0" encoding="utf-8"?>
 <p1510:revInfo xmlns:a="http://schemas.openxmlformats.org/drawingml/2006/main" xmlns:r="http://schemas.openxmlformats.org/officeDocument/2006/relationships" xmlns:p1510="http://schemas.microsoft.com/office/powerpoint/2015/10/main">
   <p1510:revLst>
-    <p1510:client id="{69090D41-60B8-4636-A275-1996D027DEDB}" v="211" dt="2025-05-05T00:11:41.992"/>
+    <p1510:client id="{69090D41-60B8-4636-A275-1996D027DEDB}" v="229" dt="2025-05-05T01:45:19.805"/>
   </p1510:revLst>
 </p1510:revInfo>
 </file>
@@ -146,7 +155,7 @@
   <pc:docChgLst>
     <pc:chgData name="Weifeng Xu" userId="e7aed605-a3dd-4d5a-a692-a87037af107b" providerId="ADAL" clId="{69090D41-60B8-4636-A275-1996D027DEDB}"/>
     <pc:docChg chg="undo custSel addSld delSld modSld sldOrd">
-      <pc:chgData name="Weifeng Xu" userId="e7aed605-a3dd-4d5a-a692-a87037af107b" providerId="ADAL" clId="{69090D41-60B8-4636-A275-1996D027DEDB}" dt="2025-05-05T00:38:04.788" v="4245" actId="1076"/>
+      <pc:chgData name="Weifeng Xu" userId="e7aed605-a3dd-4d5a-a692-a87037af107b" providerId="ADAL" clId="{69090D41-60B8-4636-A275-1996D027DEDB}" dt="2025-05-05T02:01:40.995" v="4514" actId="1076"/>
       <pc:docMkLst>
         <pc:docMk/>
       </pc:docMkLst>
@@ -1866,7 +1875,7 @@
         </pc:spChg>
       </pc:sldChg>
       <pc:sldChg chg="addSp delSp modSp new mod ord modClrScheme chgLayout">
-        <pc:chgData name="Weifeng Xu" userId="e7aed605-a3dd-4d5a-a692-a87037af107b" providerId="ADAL" clId="{69090D41-60B8-4636-A275-1996D027DEDB}" dt="2025-05-04T19:58:11.960" v="2966" actId="6549"/>
+        <pc:chgData name="Weifeng Xu" userId="e7aed605-a3dd-4d5a-a692-a87037af107b" providerId="ADAL" clId="{69090D41-60B8-4636-A275-1996D027DEDB}" dt="2025-05-05T01:21:44.476" v="4316" actId="1076"/>
         <pc:sldMkLst>
           <pc:docMk/>
           <pc:sldMk cId="2150245760" sldId="271"/>
@@ -1965,6 +1974,14 @@
             <pc:docMk/>
             <pc:sldMk cId="2150245760" sldId="271"/>
             <ac:spMk id="45" creationId="{712EFEA0-18DC-3627-2566-6CE26FBA94FD}"/>
+          </ac:spMkLst>
+        </pc:spChg>
+        <pc:spChg chg="add mod">
+          <ac:chgData name="Weifeng Xu" userId="e7aed605-a3dd-4d5a-a692-a87037af107b" providerId="ADAL" clId="{69090D41-60B8-4636-A275-1996D027DEDB}" dt="2025-05-05T01:21:44.476" v="4316" actId="1076"/>
+          <ac:spMkLst>
+            <pc:docMk/>
+            <pc:sldMk cId="2150245760" sldId="271"/>
+            <ac:spMk id="47" creationId="{72C750AF-5FAF-11F4-0E2A-AFADF2F17AD1}"/>
           </ac:spMkLst>
         </pc:spChg>
         <pc:picChg chg="add mod">
@@ -2263,7 +2280,7 @@
         </pc:cxnChg>
       </pc:sldChg>
       <pc:sldChg chg="addSp modSp new mod">
-        <pc:chgData name="Weifeng Xu" userId="e7aed605-a3dd-4d5a-a692-a87037af107b" providerId="ADAL" clId="{69090D41-60B8-4636-A275-1996D027DEDB}" dt="2025-05-05T00:38:04.788" v="4245" actId="1076"/>
+        <pc:chgData name="Weifeng Xu" userId="e7aed605-a3dd-4d5a-a692-a87037af107b" providerId="ADAL" clId="{69090D41-60B8-4636-A275-1996D027DEDB}" dt="2025-05-05T01:09:51.415" v="4262" actId="14100"/>
         <pc:sldMkLst>
           <pc:docMk/>
           <pc:sldMk cId="1783593539" sldId="274"/>
@@ -2285,7 +2302,7 @@
           </ac:spMkLst>
         </pc:spChg>
         <pc:spChg chg="add mod">
-          <ac:chgData name="Weifeng Xu" userId="e7aed605-a3dd-4d5a-a692-a87037af107b" providerId="ADAL" clId="{69090D41-60B8-4636-A275-1996D027DEDB}" dt="2025-05-04T21:21:05.378" v="3754" actId="207"/>
+          <ac:chgData name="Weifeng Xu" userId="e7aed605-a3dd-4d5a-a692-a87037af107b" providerId="ADAL" clId="{69090D41-60B8-4636-A275-1996D027DEDB}" dt="2025-05-05T01:08:03.641" v="4249" actId="1076"/>
           <ac:spMkLst>
             <pc:docMk/>
             <pc:sldMk cId="1783593539" sldId="274"/>
@@ -2293,7 +2310,7 @@
           </ac:spMkLst>
         </pc:spChg>
         <pc:spChg chg="add mod">
-          <ac:chgData name="Weifeng Xu" userId="e7aed605-a3dd-4d5a-a692-a87037af107b" providerId="ADAL" clId="{69090D41-60B8-4636-A275-1996D027DEDB}" dt="2025-05-04T21:19:33.141" v="3744" actId="1076"/>
+          <ac:chgData name="Weifeng Xu" userId="e7aed605-a3dd-4d5a-a692-a87037af107b" providerId="ADAL" clId="{69090D41-60B8-4636-A275-1996D027DEDB}" dt="2025-05-05T01:08:03.641" v="4249" actId="1076"/>
           <ac:spMkLst>
             <pc:docMk/>
             <pc:sldMk cId="1783593539" sldId="274"/>
@@ -2301,7 +2318,7 @@
           </ac:spMkLst>
         </pc:spChg>
         <pc:spChg chg="add mod">
-          <ac:chgData name="Weifeng Xu" userId="e7aed605-a3dd-4d5a-a692-a87037af107b" providerId="ADAL" clId="{69090D41-60B8-4636-A275-1996D027DEDB}" dt="2025-05-04T21:24:09.415" v="3781" actId="207"/>
+          <ac:chgData name="Weifeng Xu" userId="e7aed605-a3dd-4d5a-a692-a87037af107b" providerId="ADAL" clId="{69090D41-60B8-4636-A275-1996D027DEDB}" dt="2025-05-05T01:07:56.630" v="4247" actId="1076"/>
           <ac:spMkLst>
             <pc:docMk/>
             <pc:sldMk cId="1783593539" sldId="274"/>
@@ -2309,7 +2326,7 @@
           </ac:spMkLst>
         </pc:spChg>
         <pc:spChg chg="add mod">
-          <ac:chgData name="Weifeng Xu" userId="e7aed605-a3dd-4d5a-a692-a87037af107b" providerId="ADAL" clId="{69090D41-60B8-4636-A275-1996D027DEDB}" dt="2025-05-04T21:19:33.141" v="3744" actId="1076"/>
+          <ac:chgData name="Weifeng Xu" userId="e7aed605-a3dd-4d5a-a692-a87037af107b" providerId="ADAL" clId="{69090D41-60B8-4636-A275-1996D027DEDB}" dt="2025-05-05T01:07:59.176" v="4248" actId="1076"/>
           <ac:spMkLst>
             <pc:docMk/>
             <pc:sldMk cId="1783593539" sldId="274"/>
@@ -2349,7 +2366,7 @@
           </ac:picMkLst>
         </pc:picChg>
         <pc:picChg chg="add mod">
-          <ac:chgData name="Weifeng Xu" userId="e7aed605-a3dd-4d5a-a692-a87037af107b" providerId="ADAL" clId="{69090D41-60B8-4636-A275-1996D027DEDB}" dt="2025-05-04T21:19:33.141" v="3744" actId="1076"/>
+          <ac:chgData name="Weifeng Xu" userId="e7aed605-a3dd-4d5a-a692-a87037af107b" providerId="ADAL" clId="{69090D41-60B8-4636-A275-1996D027DEDB}" dt="2025-05-05T01:08:03.641" v="4249" actId="1076"/>
           <ac:picMkLst>
             <pc:docMk/>
             <pc:sldMk cId="1783593539" sldId="274"/>
@@ -2365,11 +2382,19 @@
           </ac:picMkLst>
         </pc:picChg>
         <pc:picChg chg="add mod">
-          <ac:chgData name="Weifeng Xu" userId="e7aed605-a3dd-4d5a-a692-a87037af107b" providerId="ADAL" clId="{69090D41-60B8-4636-A275-1996D027DEDB}" dt="2025-05-05T00:38:04.788" v="4245" actId="1076"/>
+          <ac:chgData name="Weifeng Xu" userId="e7aed605-a3dd-4d5a-a692-a87037af107b" providerId="ADAL" clId="{69090D41-60B8-4636-A275-1996D027DEDB}" dt="2025-05-05T01:08:48.219" v="4254" actId="14100"/>
           <ac:picMkLst>
             <pc:docMk/>
             <pc:sldMk cId="1783593539" sldId="274"/>
             <ac:picMk id="24" creationId="{4BEE0A65-C3FB-B6DC-B7F6-D4168DD7B211}"/>
+          </ac:picMkLst>
+        </pc:picChg>
+        <pc:picChg chg="add mod modCrop">
+          <ac:chgData name="Weifeng Xu" userId="e7aed605-a3dd-4d5a-a692-a87037af107b" providerId="ADAL" clId="{69090D41-60B8-4636-A275-1996D027DEDB}" dt="2025-05-05T01:09:51.415" v="4262" actId="14100"/>
+          <ac:picMkLst>
+            <pc:docMk/>
+            <pc:sldMk cId="1783593539" sldId="274"/>
+            <ac:picMk id="26" creationId="{BBBE18A3-AD32-9161-0BBF-E39AE40FF123}"/>
           </ac:picMkLst>
         </pc:picChg>
         <pc:inkChg chg="add mod">
@@ -2427,6 +2452,364 @@
             <ac:picMk id="4" creationId="{BF10DEA5-F95A-BF6D-C367-1521B702325C}"/>
           </ac:picMkLst>
         </pc:picChg>
+      </pc:sldChg>
+      <pc:sldChg chg="addSp modSp new mod modClrScheme chgLayout">
+        <pc:chgData name="Weifeng Xu" userId="e7aed605-a3dd-4d5a-a692-a87037af107b" providerId="ADAL" clId="{69090D41-60B8-4636-A275-1996D027DEDB}" dt="2025-05-05T01:16:32.042" v="4267"/>
+        <pc:sldMkLst>
+          <pc:docMk/>
+          <pc:sldMk cId="495228592" sldId="276"/>
+        </pc:sldMkLst>
+        <pc:spChg chg="add mod">
+          <ac:chgData name="Weifeng Xu" userId="e7aed605-a3dd-4d5a-a692-a87037af107b" providerId="ADAL" clId="{69090D41-60B8-4636-A275-1996D027DEDB}" dt="2025-05-05T01:16:13.071" v="4266" actId="6549"/>
+          <ac:spMkLst>
+            <pc:docMk/>
+            <pc:sldMk cId="495228592" sldId="276"/>
+            <ac:spMk id="2" creationId="{05EE78BB-519C-86FD-511B-DE62EAFF1CC2}"/>
+          </ac:spMkLst>
+        </pc:spChg>
+        <pc:spChg chg="add mod">
+          <ac:chgData name="Weifeng Xu" userId="e7aed605-a3dd-4d5a-a692-a87037af107b" providerId="ADAL" clId="{69090D41-60B8-4636-A275-1996D027DEDB}" dt="2025-05-05T01:16:32.042" v="4267"/>
+          <ac:spMkLst>
+            <pc:docMk/>
+            <pc:sldMk cId="495228592" sldId="276"/>
+            <ac:spMk id="3" creationId="{606AF7ED-2A7B-ABF1-133B-A3C8E9F6AC68}"/>
+          </ac:spMkLst>
+        </pc:spChg>
+      </pc:sldChg>
+      <pc:sldChg chg="addSp delSp modSp new mod modClrScheme chgLayout">
+        <pc:chgData name="Weifeng Xu" userId="e7aed605-a3dd-4d5a-a692-a87037af107b" providerId="ADAL" clId="{69090D41-60B8-4636-A275-1996D027DEDB}" dt="2025-05-05T01:25:53.851" v="4328" actId="1076"/>
+        <pc:sldMkLst>
+          <pc:docMk/>
+          <pc:sldMk cId="3629368376" sldId="277"/>
+        </pc:sldMkLst>
+        <pc:spChg chg="del mod ord">
+          <ac:chgData name="Weifeng Xu" userId="e7aed605-a3dd-4d5a-a692-a87037af107b" providerId="ADAL" clId="{69090D41-60B8-4636-A275-1996D027DEDB}" dt="2025-05-05T01:16:39.432" v="4269" actId="700"/>
+          <ac:spMkLst>
+            <pc:docMk/>
+            <pc:sldMk cId="3629368376" sldId="277"/>
+            <ac:spMk id="2" creationId="{45D65170-CDE4-DC5A-DEE7-782C53FBC1C7}"/>
+          </ac:spMkLst>
+        </pc:spChg>
+        <pc:spChg chg="del mod ord">
+          <ac:chgData name="Weifeng Xu" userId="e7aed605-a3dd-4d5a-a692-a87037af107b" providerId="ADAL" clId="{69090D41-60B8-4636-A275-1996D027DEDB}" dt="2025-05-05T01:16:39.432" v="4269" actId="700"/>
+          <ac:spMkLst>
+            <pc:docMk/>
+            <pc:sldMk cId="3629368376" sldId="277"/>
+            <ac:spMk id="3" creationId="{253E8175-4D8D-935E-AF5D-064652758A55}"/>
+          </ac:spMkLst>
+        </pc:spChg>
+        <pc:spChg chg="add del mod ord">
+          <ac:chgData name="Weifeng Xu" userId="e7aed605-a3dd-4d5a-a692-a87037af107b" providerId="ADAL" clId="{69090D41-60B8-4636-A275-1996D027DEDB}" dt="2025-05-05T01:19:14.894" v="4305"/>
+          <ac:spMkLst>
+            <pc:docMk/>
+            <pc:sldMk cId="3629368376" sldId="277"/>
+            <ac:spMk id="4" creationId="{78DE5A5C-2BEA-53EE-62A6-79CEBC804C34}"/>
+          </ac:spMkLst>
+        </pc:spChg>
+        <pc:spChg chg="add del mod ord">
+          <ac:chgData name="Weifeng Xu" userId="e7aed605-a3dd-4d5a-a692-a87037af107b" providerId="ADAL" clId="{69090D41-60B8-4636-A275-1996D027DEDB}" dt="2025-05-05T01:18:10.199" v="4284" actId="478"/>
+          <ac:spMkLst>
+            <pc:docMk/>
+            <pc:sldMk cId="3629368376" sldId="277"/>
+            <ac:spMk id="5" creationId="{1C09C1E8-0967-057F-F4EB-5A10BC0488D1}"/>
+          </ac:spMkLst>
+        </pc:spChg>
+        <pc:spChg chg="add del mod">
+          <ac:chgData name="Weifeng Xu" userId="e7aed605-a3dd-4d5a-a692-a87037af107b" providerId="ADAL" clId="{69090D41-60B8-4636-A275-1996D027DEDB}" dt="2025-05-05T01:18:16.715" v="4285" actId="700"/>
+          <ac:spMkLst>
+            <pc:docMk/>
+            <pc:sldMk cId="3629368376" sldId="277"/>
+            <ac:spMk id="7" creationId="{946CB308-D85B-2481-00B3-2613363BF79F}"/>
+          </ac:spMkLst>
+        </pc:spChg>
+        <pc:spChg chg="add del mod">
+          <ac:chgData name="Weifeng Xu" userId="e7aed605-a3dd-4d5a-a692-a87037af107b" providerId="ADAL" clId="{69090D41-60B8-4636-A275-1996D027DEDB}" dt="2025-05-05T01:19:01.552" v="4297" actId="22"/>
+          <ac:spMkLst>
+            <pc:docMk/>
+            <pc:sldMk cId="3629368376" sldId="277"/>
+            <ac:spMk id="9" creationId="{7F73A491-6EDC-5739-108E-45E32931AF94}"/>
+          </ac:spMkLst>
+        </pc:spChg>
+        <pc:spChg chg="add mod">
+          <ac:chgData name="Weifeng Xu" userId="e7aed605-a3dd-4d5a-a692-a87037af107b" providerId="ADAL" clId="{69090D41-60B8-4636-A275-1996D027DEDB}" dt="2025-05-05T01:25:49.230" v="4327" actId="207"/>
+          <ac:spMkLst>
+            <pc:docMk/>
+            <pc:sldMk cId="3629368376" sldId="277"/>
+            <ac:spMk id="13" creationId="{37FA6BE3-3B85-A390-6584-2C7884915F61}"/>
+          </ac:spMkLst>
+        </pc:spChg>
+        <pc:picChg chg="add mod">
+          <ac:chgData name="Weifeng Xu" userId="e7aed605-a3dd-4d5a-a692-a87037af107b" providerId="ADAL" clId="{69090D41-60B8-4636-A275-1996D027DEDB}" dt="2025-05-05T01:25:53.851" v="4328" actId="1076"/>
+          <ac:picMkLst>
+            <pc:docMk/>
+            <pc:sldMk cId="3629368376" sldId="277"/>
+            <ac:picMk id="11" creationId="{ECC42EAF-B437-09A6-8D3D-80D9C0EDC8B4}"/>
+          </ac:picMkLst>
+        </pc:picChg>
+        <pc:picChg chg="add mod">
+          <ac:chgData name="Weifeng Xu" userId="e7aed605-a3dd-4d5a-a692-a87037af107b" providerId="ADAL" clId="{69090D41-60B8-4636-A275-1996D027DEDB}" dt="2025-05-05T01:25:32.786" v="4323" actId="1076"/>
+          <ac:picMkLst>
+            <pc:docMk/>
+            <pc:sldMk cId="3629368376" sldId="277"/>
+            <ac:picMk id="7170" creationId="{9939C3CF-F287-FD7F-6342-6E44F6F67D74}"/>
+          </ac:picMkLst>
+        </pc:picChg>
+      </pc:sldChg>
+      <pc:sldChg chg="addSp delSp modSp new mod modClrScheme chgLayout">
+        <pc:chgData name="Weifeng Xu" userId="e7aed605-a3dd-4d5a-a692-a87037af107b" providerId="ADAL" clId="{69090D41-60B8-4636-A275-1996D027DEDB}" dt="2025-05-05T01:32:44.557" v="4331"/>
+        <pc:sldMkLst>
+          <pc:docMk/>
+          <pc:sldMk cId="1472723351" sldId="278"/>
+        </pc:sldMkLst>
+        <pc:spChg chg="del mod ord">
+          <ac:chgData name="Weifeng Xu" userId="e7aed605-a3dd-4d5a-a692-a87037af107b" providerId="ADAL" clId="{69090D41-60B8-4636-A275-1996D027DEDB}" dt="2025-05-05T01:32:41.391" v="4330" actId="700"/>
+          <ac:spMkLst>
+            <pc:docMk/>
+            <pc:sldMk cId="1472723351" sldId="278"/>
+            <ac:spMk id="2" creationId="{123101BB-081C-D26E-00DC-E07B37817737}"/>
+          </ac:spMkLst>
+        </pc:spChg>
+        <pc:spChg chg="add mod ord">
+          <ac:chgData name="Weifeng Xu" userId="e7aed605-a3dd-4d5a-a692-a87037af107b" providerId="ADAL" clId="{69090D41-60B8-4636-A275-1996D027DEDB}" dt="2025-05-05T01:32:44.557" v="4331"/>
+          <ac:spMkLst>
+            <pc:docMk/>
+            <pc:sldMk cId="1472723351" sldId="278"/>
+            <ac:spMk id="3" creationId="{78287D52-35B6-0CF8-6F95-5C063852C261}"/>
+          </ac:spMkLst>
+        </pc:spChg>
+        <pc:spChg chg="add mod ord">
+          <ac:chgData name="Weifeng Xu" userId="e7aed605-a3dd-4d5a-a692-a87037af107b" providerId="ADAL" clId="{69090D41-60B8-4636-A275-1996D027DEDB}" dt="2025-05-05T01:32:41.391" v="4330" actId="700"/>
+          <ac:spMkLst>
+            <pc:docMk/>
+            <pc:sldMk cId="1472723351" sldId="278"/>
+            <ac:spMk id="4" creationId="{360DA14D-F7C3-EE03-8532-6A311AFC313B}"/>
+          </ac:spMkLst>
+        </pc:spChg>
+      </pc:sldChg>
+      <pc:sldChg chg="addSp delSp modSp new del mod modClrScheme chgLayout">
+        <pc:chgData name="Weifeng Xu" userId="e7aed605-a3dd-4d5a-a692-a87037af107b" providerId="ADAL" clId="{69090D41-60B8-4636-A275-1996D027DEDB}" dt="2025-05-05T01:44:35.522" v="4366" actId="47"/>
+        <pc:sldMkLst>
+          <pc:docMk/>
+          <pc:sldMk cId="1885935106" sldId="279"/>
+        </pc:sldMkLst>
+        <pc:spChg chg="del mod ord">
+          <ac:chgData name="Weifeng Xu" userId="e7aed605-a3dd-4d5a-a692-a87037af107b" providerId="ADAL" clId="{69090D41-60B8-4636-A275-1996D027DEDB}" dt="2025-05-05T01:32:52.399" v="4333" actId="700"/>
+          <ac:spMkLst>
+            <pc:docMk/>
+            <pc:sldMk cId="1885935106" sldId="279"/>
+            <ac:spMk id="2" creationId="{0462061A-84E9-BCB7-4788-08B353022669}"/>
+          </ac:spMkLst>
+        </pc:spChg>
+        <pc:spChg chg="del mod ord">
+          <ac:chgData name="Weifeng Xu" userId="e7aed605-a3dd-4d5a-a692-a87037af107b" providerId="ADAL" clId="{69090D41-60B8-4636-A275-1996D027DEDB}" dt="2025-05-05T01:32:52.399" v="4333" actId="700"/>
+          <ac:spMkLst>
+            <pc:docMk/>
+            <pc:sldMk cId="1885935106" sldId="279"/>
+            <ac:spMk id="3" creationId="{BD1882EB-51BD-FAE6-689E-BD4F0A986BB0}"/>
+          </ac:spMkLst>
+        </pc:spChg>
+        <pc:spChg chg="add mod ord">
+          <ac:chgData name="Weifeng Xu" userId="e7aed605-a3dd-4d5a-a692-a87037af107b" providerId="ADAL" clId="{69090D41-60B8-4636-A275-1996D027DEDB}" dt="2025-05-05T01:33:35.634" v="4335" actId="20577"/>
+          <ac:spMkLst>
+            <pc:docMk/>
+            <pc:sldMk cId="1885935106" sldId="279"/>
+            <ac:spMk id="4" creationId="{334CC027-FFFE-39FA-ACF7-CE0725CEDBA3}"/>
+          </ac:spMkLst>
+        </pc:spChg>
+        <pc:spChg chg="add mod ord">
+          <ac:chgData name="Weifeng Xu" userId="e7aed605-a3dd-4d5a-a692-a87037af107b" providerId="ADAL" clId="{69090D41-60B8-4636-A275-1996D027DEDB}" dt="2025-05-05T01:32:52.399" v="4333" actId="700"/>
+          <ac:spMkLst>
+            <pc:docMk/>
+            <pc:sldMk cId="1885935106" sldId="279"/>
+            <ac:spMk id="5" creationId="{D038BDF1-6580-F779-7F17-ECFD61E0F85C}"/>
+          </ac:spMkLst>
+        </pc:spChg>
+      </pc:sldChg>
+      <pc:sldChg chg="addSp delSp modSp new mod modClrScheme chgLayout">
+        <pc:chgData name="Weifeng Xu" userId="e7aed605-a3dd-4d5a-a692-a87037af107b" providerId="ADAL" clId="{69090D41-60B8-4636-A275-1996D027DEDB}" dt="2025-05-05T01:40:17.329" v="4347" actId="14100"/>
+        <pc:sldMkLst>
+          <pc:docMk/>
+          <pc:sldMk cId="545826806" sldId="280"/>
+        </pc:sldMkLst>
+        <pc:spChg chg="del">
+          <ac:chgData name="Weifeng Xu" userId="e7aed605-a3dd-4d5a-a692-a87037af107b" providerId="ADAL" clId="{69090D41-60B8-4636-A275-1996D027DEDB}" dt="2025-05-05T01:38:56.599" v="4337" actId="700"/>
+          <ac:spMkLst>
+            <pc:docMk/>
+            <pc:sldMk cId="545826806" sldId="280"/>
+            <ac:spMk id="2" creationId="{38599586-9E80-37CF-2462-515841B83615}"/>
+          </ac:spMkLst>
+        </pc:spChg>
+        <pc:spChg chg="del">
+          <ac:chgData name="Weifeng Xu" userId="e7aed605-a3dd-4d5a-a692-a87037af107b" providerId="ADAL" clId="{69090D41-60B8-4636-A275-1996D027DEDB}" dt="2025-05-05T01:38:56.599" v="4337" actId="700"/>
+          <ac:spMkLst>
+            <pc:docMk/>
+            <pc:sldMk cId="545826806" sldId="280"/>
+            <ac:spMk id="3" creationId="{CD9D0F75-1B60-6992-4002-7FD59AA048D3}"/>
+          </ac:spMkLst>
+        </pc:spChg>
+        <pc:spChg chg="add mod">
+          <ac:chgData name="Weifeng Xu" userId="e7aed605-a3dd-4d5a-a692-a87037af107b" providerId="ADAL" clId="{69090D41-60B8-4636-A275-1996D027DEDB}" dt="2025-05-05T01:40:17.329" v="4347" actId="14100"/>
+          <ac:spMkLst>
+            <pc:docMk/>
+            <pc:sldMk cId="545826806" sldId="280"/>
+            <ac:spMk id="5" creationId="{4E39BB3D-B79B-AFD4-E6B8-3B02084EEF65}"/>
+          </ac:spMkLst>
+        </pc:spChg>
+        <pc:picChg chg="add mod">
+          <ac:chgData name="Weifeng Xu" userId="e7aed605-a3dd-4d5a-a692-a87037af107b" providerId="ADAL" clId="{69090D41-60B8-4636-A275-1996D027DEDB}" dt="2025-05-05T01:40:02.152" v="4343" actId="1076"/>
+          <ac:picMkLst>
+            <pc:docMk/>
+            <pc:sldMk cId="545826806" sldId="280"/>
+            <ac:picMk id="10242" creationId="{1343F3F4-E3B1-3117-3F37-E0CF745DFFA4}"/>
+          </ac:picMkLst>
+        </pc:picChg>
+      </pc:sldChg>
+      <pc:sldChg chg="addSp modSp new mod modClrScheme chgLayout">
+        <pc:chgData name="Weifeng Xu" userId="e7aed605-a3dd-4d5a-a692-a87037af107b" providerId="ADAL" clId="{69090D41-60B8-4636-A275-1996D027DEDB}" dt="2025-05-05T01:42:07.354" v="4356" actId="207"/>
+        <pc:sldMkLst>
+          <pc:docMk/>
+          <pc:sldMk cId="1846476847" sldId="281"/>
+        </pc:sldMkLst>
+        <pc:spChg chg="add mod">
+          <ac:chgData name="Weifeng Xu" userId="e7aed605-a3dd-4d5a-a692-a87037af107b" providerId="ADAL" clId="{69090D41-60B8-4636-A275-1996D027DEDB}" dt="2025-05-05T01:41:20.162" v="4350"/>
+          <ac:spMkLst>
+            <pc:docMk/>
+            <pc:sldMk cId="1846476847" sldId="281"/>
+            <ac:spMk id="2" creationId="{96D7FC87-E36A-D83A-96C4-A01CC08B16F6}"/>
+          </ac:spMkLst>
+        </pc:spChg>
+        <pc:spChg chg="add mod">
+          <ac:chgData name="Weifeng Xu" userId="e7aed605-a3dd-4d5a-a692-a87037af107b" providerId="ADAL" clId="{69090D41-60B8-4636-A275-1996D027DEDB}" dt="2025-05-05T01:42:07.354" v="4356" actId="207"/>
+          <ac:spMkLst>
+            <pc:docMk/>
+            <pc:sldMk cId="1846476847" sldId="281"/>
+            <ac:spMk id="3" creationId="{78F9E78F-53B4-E732-923B-ECCB30D08BED}"/>
+          </ac:spMkLst>
+        </pc:spChg>
+      </pc:sldChg>
+      <pc:sldChg chg="addSp delSp modSp new mod modClrScheme chgLayout">
+        <pc:chgData name="Weifeng Xu" userId="e7aed605-a3dd-4d5a-a692-a87037af107b" providerId="ADAL" clId="{69090D41-60B8-4636-A275-1996D027DEDB}" dt="2025-05-05T01:43:32.678" v="4364" actId="14100"/>
+        <pc:sldMkLst>
+          <pc:docMk/>
+          <pc:sldMk cId="1740457000" sldId="282"/>
+        </pc:sldMkLst>
+        <pc:spChg chg="del">
+          <ac:chgData name="Weifeng Xu" userId="e7aed605-a3dd-4d5a-a692-a87037af107b" providerId="ADAL" clId="{69090D41-60B8-4636-A275-1996D027DEDB}" dt="2025-05-05T01:43:09.178" v="4358" actId="700"/>
+          <ac:spMkLst>
+            <pc:docMk/>
+            <pc:sldMk cId="1740457000" sldId="282"/>
+            <ac:spMk id="2" creationId="{AEBC5241-1F9E-E89E-E35C-289C67E9EC82}"/>
+          </ac:spMkLst>
+        </pc:spChg>
+        <pc:spChg chg="del">
+          <ac:chgData name="Weifeng Xu" userId="e7aed605-a3dd-4d5a-a692-a87037af107b" providerId="ADAL" clId="{69090D41-60B8-4636-A275-1996D027DEDB}" dt="2025-05-05T01:43:09.178" v="4358" actId="700"/>
+          <ac:spMkLst>
+            <pc:docMk/>
+            <pc:sldMk cId="1740457000" sldId="282"/>
+            <ac:spMk id="3" creationId="{66BEC113-4124-C0F1-A7AF-87ECDE49C050}"/>
+          </ac:spMkLst>
+        </pc:spChg>
+        <pc:picChg chg="add mod">
+          <ac:chgData name="Weifeng Xu" userId="e7aed605-a3dd-4d5a-a692-a87037af107b" providerId="ADAL" clId="{69090D41-60B8-4636-A275-1996D027DEDB}" dt="2025-05-05T01:43:32.678" v="4364" actId="14100"/>
+          <ac:picMkLst>
+            <pc:docMk/>
+            <pc:sldMk cId="1740457000" sldId="282"/>
+            <ac:picMk id="5" creationId="{B1E92E06-8E6E-750D-CDA6-9714052C3FF6}"/>
+          </ac:picMkLst>
+        </pc:picChg>
+      </pc:sldChg>
+      <pc:sldChg chg="addSp delSp modSp new mod modClrScheme chgLayout">
+        <pc:chgData name="Weifeng Xu" userId="e7aed605-a3dd-4d5a-a692-a87037af107b" providerId="ADAL" clId="{69090D41-60B8-4636-A275-1996D027DEDB}" dt="2025-05-05T01:56:58.333" v="4492" actId="20577"/>
+        <pc:sldMkLst>
+          <pc:docMk/>
+          <pc:sldMk cId="1312178182" sldId="283"/>
+        </pc:sldMkLst>
+        <pc:spChg chg="add mod">
+          <ac:chgData name="Weifeng Xu" userId="e7aed605-a3dd-4d5a-a692-a87037af107b" providerId="ADAL" clId="{69090D41-60B8-4636-A275-1996D027DEDB}" dt="2025-05-05T01:45:10.895" v="4392" actId="20577"/>
+          <ac:spMkLst>
+            <pc:docMk/>
+            <pc:sldMk cId="1312178182" sldId="283"/>
+            <ac:spMk id="2" creationId="{3A7D6A03-A22D-46EE-F960-A431154FCEC2}"/>
+          </ac:spMkLst>
+        </pc:spChg>
+        <pc:spChg chg="add del mod">
+          <ac:chgData name="Weifeng Xu" userId="e7aed605-a3dd-4d5a-a692-a87037af107b" providerId="ADAL" clId="{69090D41-60B8-4636-A275-1996D027DEDB}" dt="2025-05-05T01:56:58.333" v="4492" actId="20577"/>
+          <ac:spMkLst>
+            <pc:docMk/>
+            <pc:sldMk cId="1312178182" sldId="283"/>
+            <ac:spMk id="3" creationId="{3E281087-FD8D-D04A-DEA2-DB7F598F989B}"/>
+          </ac:spMkLst>
+        </pc:spChg>
+        <pc:spChg chg="add mod">
+          <ac:chgData name="Weifeng Xu" userId="e7aed605-a3dd-4d5a-a692-a87037af107b" providerId="ADAL" clId="{69090D41-60B8-4636-A275-1996D027DEDB}" dt="2025-05-05T01:45:17.810" v="4394"/>
+          <ac:spMkLst>
+            <pc:docMk/>
+            <pc:sldMk cId="1312178182" sldId="283"/>
+            <ac:spMk id="4" creationId="{575CA560-7890-B91D-EEBE-921D3E67A4ED}"/>
+          </ac:spMkLst>
+        </pc:spChg>
+      </pc:sldChg>
+      <pc:sldChg chg="addSp delSp modSp new mod">
+        <pc:chgData name="Weifeng Xu" userId="e7aed605-a3dd-4d5a-a692-a87037af107b" providerId="ADAL" clId="{69090D41-60B8-4636-A275-1996D027DEDB}" dt="2025-05-05T02:01:40.995" v="4514" actId="1076"/>
+        <pc:sldMkLst>
+          <pc:docMk/>
+          <pc:sldMk cId="383624214" sldId="284"/>
+        </pc:sldMkLst>
+        <pc:spChg chg="mod">
+          <ac:chgData name="Weifeng Xu" userId="e7aed605-a3dd-4d5a-a692-a87037af107b" providerId="ADAL" clId="{69090D41-60B8-4636-A275-1996D027DEDB}" dt="2025-05-05T01:57:48.053" v="4494"/>
+          <ac:spMkLst>
+            <pc:docMk/>
+            <pc:sldMk cId="383624214" sldId="284"/>
+            <ac:spMk id="2" creationId="{85BC1A98-0533-672A-1569-25B4C9F7CB0A}"/>
+          </ac:spMkLst>
+        </pc:spChg>
+        <pc:spChg chg="mod">
+          <ac:chgData name="Weifeng Xu" userId="e7aed605-a3dd-4d5a-a692-a87037af107b" providerId="ADAL" clId="{69090D41-60B8-4636-A275-1996D027DEDB}" dt="2025-05-05T01:58:17.221" v="4498" actId="14100"/>
+          <ac:spMkLst>
+            <pc:docMk/>
+            <pc:sldMk cId="383624214" sldId="284"/>
+            <ac:spMk id="3" creationId="{72B03BB4-FD0C-BA6C-A3FA-E279216A4430}"/>
+          </ac:spMkLst>
+        </pc:spChg>
+        <pc:spChg chg="add del">
+          <ac:chgData name="Weifeng Xu" userId="e7aed605-a3dd-4d5a-a692-a87037af107b" providerId="ADAL" clId="{69090D41-60B8-4636-A275-1996D027DEDB}" dt="2025-05-05T01:58:20.487" v="4500" actId="22"/>
+          <ac:spMkLst>
+            <pc:docMk/>
+            <pc:sldMk cId="383624214" sldId="284"/>
+            <ac:spMk id="5" creationId="{E3E11F70-C2EE-9B98-2518-4F48A878A63B}"/>
+          </ac:spMkLst>
+        </pc:spChg>
+        <pc:picChg chg="add mod">
+          <ac:chgData name="Weifeng Xu" userId="e7aed605-a3dd-4d5a-a692-a87037af107b" providerId="ADAL" clId="{69090D41-60B8-4636-A275-1996D027DEDB}" dt="2025-05-05T02:01:40.995" v="4514" actId="1076"/>
+          <ac:picMkLst>
+            <pc:docMk/>
+            <pc:sldMk cId="383624214" sldId="284"/>
+            <ac:picMk id="7" creationId="{6F5E78A8-A985-6229-2C39-B54A76021699}"/>
+          </ac:picMkLst>
+        </pc:picChg>
+      </pc:sldChg>
+      <pc:sldChg chg="modSp new mod">
+        <pc:chgData name="Weifeng Xu" userId="e7aed605-a3dd-4d5a-a692-a87037af107b" providerId="ADAL" clId="{69090D41-60B8-4636-A275-1996D027DEDB}" dt="2025-05-05T01:59:56.660" v="4513"/>
+        <pc:sldMkLst>
+          <pc:docMk/>
+          <pc:sldMk cId="3552171113" sldId="285"/>
+        </pc:sldMkLst>
+        <pc:spChg chg="mod">
+          <ac:chgData name="Weifeng Xu" userId="e7aed605-a3dd-4d5a-a692-a87037af107b" providerId="ADAL" clId="{69090D41-60B8-4636-A275-1996D027DEDB}" dt="2025-05-05T01:59:39.623" v="4512" actId="20577"/>
+          <ac:spMkLst>
+            <pc:docMk/>
+            <pc:sldMk cId="3552171113" sldId="285"/>
+            <ac:spMk id="2" creationId="{53196785-2E4F-2843-F302-C1DA79193394}"/>
+          </ac:spMkLst>
+        </pc:spChg>
+        <pc:spChg chg="mod">
+          <ac:chgData name="Weifeng Xu" userId="e7aed605-a3dd-4d5a-a692-a87037af107b" providerId="ADAL" clId="{69090D41-60B8-4636-A275-1996D027DEDB}" dt="2025-05-05T01:59:56.660" v="4513"/>
+          <ac:spMkLst>
+            <pc:docMk/>
+            <pc:sldMk cId="3552171113" sldId="285"/>
+            <ac:spMk id="3" creationId="{4977BAF4-F7D6-CE1D-1AE7-5E273BABDE53}"/>
+          </ac:spMkLst>
+        </pc:spChg>
       </pc:sldChg>
     </pc:docChg>
   </pc:docChgLst>
@@ -9270,6 +9653,89 @@
           </a:p>
         </p:txBody>
       </p:sp>
+      <p:sp>
+        <p:nvSpPr>
+          <p:cNvPr id="47" name="TextBox 46">
+            <a:extLst>
+              <a:ext uri="{FF2B5EF4-FFF2-40B4-BE49-F238E27FC236}">
+                <a16:creationId xmlns:a16="http://schemas.microsoft.com/office/drawing/2014/main" id="{72C750AF-5FAF-11F4-0E2A-AFADF2F17AD1}"/>
+              </a:ext>
+            </a:extLst>
+          </p:cNvPr>
+          <p:cNvSpPr txBox="1"/>
+          <p:nvPr/>
+        </p:nvSpPr>
+        <p:spPr>
+          <a:xfrm>
+            <a:off x="454140" y="6138120"/>
+            <a:ext cx="2603500" cy="306174"/>
+          </a:xfrm>
+          <a:prstGeom prst="rect">
+            <a:avLst/>
+          </a:prstGeom>
+          <a:noFill/>
+        </p:spPr>
+        <p:txBody>
+          <a:bodyPr wrap="square">
+            <a:spAutoFit/>
+          </a:bodyPr>
+          <a:lstStyle/>
+          <a:p>
+            <a:pPr>
+              <a:lnSpc>
+                <a:spcPts val="1425"/>
+              </a:lnSpc>
+            </a:pPr>
+            <a:r>
+              <a:rPr lang="en-US" sz="2400" b="0" dirty="0" err="1">
+                <a:solidFill>
+                  <a:srgbClr val="4EC9B0"/>
+                </a:solidFill>
+                <a:effectLst/>
+                <a:latin typeface="Consolas" panose="020B0609020204030204" pitchFamily="49" charset="0"/>
+              </a:rPr>
+              <a:t>nn</a:t>
+            </a:r>
+            <a:r>
+              <a:rPr lang="en-US" sz="2400" b="0" dirty="0" err="1">
+                <a:solidFill>
+                  <a:srgbClr val="CCCCCC"/>
+                </a:solidFill>
+                <a:effectLst/>
+                <a:latin typeface="Consolas" panose="020B0609020204030204" pitchFamily="49" charset="0"/>
+              </a:rPr>
+              <a:t>.</a:t>
+            </a:r>
+            <a:r>
+              <a:rPr lang="en-US" sz="2400" b="0" dirty="0" err="1">
+                <a:solidFill>
+                  <a:srgbClr val="4EC9B0"/>
+                </a:solidFill>
+                <a:effectLst/>
+                <a:latin typeface="Consolas" panose="020B0609020204030204" pitchFamily="49" charset="0"/>
+              </a:rPr>
+              <a:t>Softmax</a:t>
+            </a:r>
+            <a:r>
+              <a:rPr lang="en-US" sz="2400" b="0" dirty="0">
+                <a:solidFill>
+                  <a:srgbClr val="4EC9B0"/>
+                </a:solidFill>
+                <a:effectLst/>
+                <a:latin typeface="Consolas" panose="020B0609020204030204" pitchFamily="49" charset="0"/>
+              </a:rPr>
+              <a:t>()</a:t>
+            </a:r>
+            <a:endParaRPr lang="en-US" sz="2400" b="0" dirty="0">
+              <a:solidFill>
+                <a:srgbClr val="CCCCCC"/>
+              </a:solidFill>
+              <a:effectLst/>
+              <a:latin typeface="Consolas" panose="020B0609020204030204" pitchFamily="49" charset="0"/>
+            </a:endParaRPr>
+          </a:p>
+        </p:txBody>
+      </p:sp>
     </p:spTree>
     <p:extLst>
       <p:ext uri="{BB962C8B-B14F-4D97-AF65-F5344CB8AC3E}">
@@ -10962,7 +11428,7 @@
         </p:blipFill>
         <p:spPr>
           <a:xfrm>
-            <a:off x="4807386" y="3995646"/>
+            <a:off x="4290259" y="3691287"/>
             <a:ext cx="2073672" cy="554586"/>
           </a:xfrm>
           <a:prstGeom prst="rect">
@@ -10984,7 +11450,7 @@
         </p:nvSpPr>
         <p:spPr>
           <a:xfrm>
-            <a:off x="7079412" y="3968580"/>
+            <a:off x="6562285" y="3664221"/>
             <a:ext cx="1805729" cy="523220"/>
           </a:xfrm>
           <a:prstGeom prst="rect">
@@ -11047,7 +11513,7 @@
         </p:nvSpPr>
         <p:spPr>
           <a:xfrm>
-            <a:off x="4244830" y="4027012"/>
+            <a:off x="3727703" y="3722653"/>
             <a:ext cx="364202" cy="523220"/>
           </a:xfrm>
           <a:prstGeom prst="rect">
@@ -11082,7 +11548,7 @@
         </p:nvSpPr>
         <p:spPr>
           <a:xfrm>
-            <a:off x="1228048" y="4669338"/>
+            <a:off x="1139963" y="4332111"/>
             <a:ext cx="1599043" cy="523220"/>
           </a:xfrm>
           <a:prstGeom prst="rect">
@@ -11121,7 +11587,7 @@
         </p:nvSpPr>
         <p:spPr>
           <a:xfrm>
-            <a:off x="3313652" y="3557521"/>
+            <a:off x="3234714" y="3328721"/>
             <a:ext cx="344442" cy="1333849"/>
           </a:xfrm>
           <a:prstGeom prst="rightBrace">
@@ -11498,8 +11964,37 @@
         </p:blipFill>
         <p:spPr>
           <a:xfrm>
-            <a:off x="1097688" y="5736145"/>
-            <a:ext cx="6853799" cy="444091"/>
+            <a:off x="940061" y="5424303"/>
+            <a:ext cx="5622224" cy="364291"/>
+          </a:xfrm>
+          <a:prstGeom prst="rect">
+            <a:avLst/>
+          </a:prstGeom>
+        </p:spPr>
+      </p:pic>
+      <p:pic>
+        <p:nvPicPr>
+          <p:cNvPr id="26" name="Picture 25">
+            <a:extLst>
+              <a:ext uri="{FF2B5EF4-FFF2-40B4-BE49-F238E27FC236}">
+                <a16:creationId xmlns:a16="http://schemas.microsoft.com/office/drawing/2014/main" id="{BBBE18A3-AD32-9161-0BBF-E39AE40FF123}"/>
+              </a:ext>
+            </a:extLst>
+          </p:cNvPr>
+          <p:cNvPicPr>
+            <a:picLocks noChangeAspect="1"/>
+          </p:cNvPicPr>
+          <p:nvPr/>
+        </p:nvPicPr>
+        <p:blipFill>
+          <a:blip r:embed="rId14"/>
+          <a:srcRect l="1451" t="15035"/>
+          <a:stretch/>
+        </p:blipFill>
+        <p:spPr>
+          <a:xfrm>
+            <a:off x="940061" y="5899432"/>
+            <a:ext cx="7523220" cy="322166"/>
           </a:xfrm>
           <a:prstGeom prst="rect">
             <a:avLst/>
@@ -11972,6 +12467,1223 @@
     <p:extLst>
       <p:ext uri="{BB962C8B-B14F-4D97-AF65-F5344CB8AC3E}">
         <p14:creationId xmlns:p14="http://schemas.microsoft.com/office/powerpoint/2010/main" val="3637650244"/>
+      </p:ext>
+    </p:extLst>
+  </p:cSld>
+  <p:clrMapOvr>
+    <a:masterClrMapping/>
+  </p:clrMapOvr>
+</p:sld>
+</file>
+
+<file path=ppt/slides/slide20.xml><?xml version="1.0" encoding="utf-8"?>
+<p:sld xmlns:a="http://schemas.openxmlformats.org/drawingml/2006/main" xmlns:r="http://schemas.openxmlformats.org/officeDocument/2006/relationships" xmlns:p="http://schemas.openxmlformats.org/presentationml/2006/main">
+  <p:cSld>
+    <p:spTree>
+      <p:nvGrpSpPr>
+        <p:cNvPr id="1" name=""/>
+        <p:cNvGrpSpPr/>
+        <p:nvPr/>
+      </p:nvGrpSpPr>
+      <p:grpSpPr>
+        <a:xfrm>
+          <a:off x="0" y="0"/>
+          <a:ext cx="0" cy="0"/>
+          <a:chOff x="0" y="0"/>
+          <a:chExt cx="0" cy="0"/>
+        </a:xfrm>
+      </p:grpSpPr>
+      <p:sp>
+        <p:nvSpPr>
+          <p:cNvPr id="2" name="Title 1">
+            <a:extLst>
+              <a:ext uri="{FF2B5EF4-FFF2-40B4-BE49-F238E27FC236}">
+                <a16:creationId xmlns:a16="http://schemas.microsoft.com/office/drawing/2014/main" id="{05EE78BB-519C-86FD-511B-DE62EAFF1CC2}"/>
+              </a:ext>
+            </a:extLst>
+          </p:cNvPr>
+          <p:cNvSpPr>
+            <a:spLocks noGrp="1"/>
+          </p:cNvSpPr>
+          <p:nvPr>
+            <p:ph type="title"/>
+          </p:nvPr>
+        </p:nvSpPr>
+        <p:spPr/>
+        <p:txBody>
+          <a:bodyPr/>
+          <a:lstStyle/>
+          <a:p>
+            <a:r>
+              <a:rPr lang="en-US" dirty="0"/>
+              <a:t>Activation Function</a:t>
+            </a:r>
+          </a:p>
+        </p:txBody>
+      </p:sp>
+      <p:sp>
+        <p:nvSpPr>
+          <p:cNvPr id="3" name="Text Placeholder 2">
+            <a:extLst>
+              <a:ext uri="{FF2B5EF4-FFF2-40B4-BE49-F238E27FC236}">
+                <a16:creationId xmlns:a16="http://schemas.microsoft.com/office/drawing/2014/main" id="{606AF7ED-2A7B-ABF1-133B-A3C8E9F6AC68}"/>
+              </a:ext>
+            </a:extLst>
+          </p:cNvPr>
+          <p:cNvSpPr>
+            <a:spLocks noGrp="1"/>
+          </p:cNvSpPr>
+          <p:nvPr>
+            <p:ph type="body" idx="1"/>
+          </p:nvPr>
+        </p:nvSpPr>
+        <p:spPr/>
+        <p:txBody>
+          <a:bodyPr/>
+          <a:lstStyle/>
+          <a:p>
+            <a:r>
+              <a:rPr lang="en-US" dirty="0"/>
+              <a:t>Enabling Non-Linear Learning</a:t>
+            </a:r>
+          </a:p>
+        </p:txBody>
+      </p:sp>
+    </p:spTree>
+    <p:extLst>
+      <p:ext uri="{BB962C8B-B14F-4D97-AF65-F5344CB8AC3E}">
+        <p14:creationId xmlns:p14="http://schemas.microsoft.com/office/powerpoint/2010/main" val="495228592"/>
+      </p:ext>
+    </p:extLst>
+  </p:cSld>
+  <p:clrMapOvr>
+    <a:masterClrMapping/>
+  </p:clrMapOvr>
+</p:sld>
+</file>
+
+<file path=ppt/slides/slide21.xml><?xml version="1.0" encoding="utf-8"?>
+<p:sld xmlns:a="http://schemas.openxmlformats.org/drawingml/2006/main" xmlns:r="http://schemas.openxmlformats.org/officeDocument/2006/relationships" xmlns:p="http://schemas.openxmlformats.org/presentationml/2006/main">
+  <p:cSld>
+    <p:spTree>
+      <p:nvGrpSpPr>
+        <p:cNvPr id="1" name=""/>
+        <p:cNvGrpSpPr/>
+        <p:nvPr/>
+      </p:nvGrpSpPr>
+      <p:grpSpPr>
+        <a:xfrm>
+          <a:off x="0" y="0"/>
+          <a:ext cx="0" cy="0"/>
+          <a:chOff x="0" y="0"/>
+          <a:chExt cx="0" cy="0"/>
+        </a:xfrm>
+      </p:grpSpPr>
+      <p:sp>
+        <p:nvSpPr>
+          <p:cNvPr id="4" name="Title 3">
+            <a:extLst>
+              <a:ext uri="{FF2B5EF4-FFF2-40B4-BE49-F238E27FC236}">
+                <a16:creationId xmlns:a16="http://schemas.microsoft.com/office/drawing/2014/main" id="{78DE5A5C-2BEA-53EE-62A6-79CEBC804C34}"/>
+              </a:ext>
+            </a:extLst>
+          </p:cNvPr>
+          <p:cNvSpPr>
+            <a:spLocks noGrp="1"/>
+          </p:cNvSpPr>
+          <p:nvPr>
+            <p:ph type="title"/>
+          </p:nvPr>
+        </p:nvSpPr>
+        <p:spPr/>
+        <p:txBody>
+          <a:bodyPr/>
+          <a:lstStyle/>
+          <a:p>
+            <a:r>
+              <a:rPr lang="en-US" dirty="0"/>
+              <a:t>Activation Function: </a:t>
+            </a:r>
+            <a:r>
+              <a:rPr lang="en-GB" dirty="0"/>
+              <a:t>Introduces non-linearity in neural networks</a:t>
+            </a:r>
+            <a:endParaRPr lang="en-US" dirty="0"/>
+          </a:p>
+        </p:txBody>
+      </p:sp>
+      <p:pic>
+        <p:nvPicPr>
+          <p:cNvPr id="7170" name="Picture 2">
+            <a:extLst>
+              <a:ext uri="{FF2B5EF4-FFF2-40B4-BE49-F238E27FC236}">
+                <a16:creationId xmlns:a16="http://schemas.microsoft.com/office/drawing/2014/main" id="{9939C3CF-F287-FD7F-6342-6E44F6F67D74}"/>
+              </a:ext>
+            </a:extLst>
+          </p:cNvPr>
+          <p:cNvPicPr>
+            <a:picLocks noChangeAspect="1" noChangeArrowheads="1"/>
+          </p:cNvPicPr>
+          <p:nvPr/>
+        </p:nvPicPr>
+        <p:blipFill>
+          <a:blip r:embed="rId2">
+            <a:extLst>
+              <a:ext uri="{28A0092B-C50C-407E-A947-70E740481C1C}">
+                <a14:useLocalDpi xmlns:a14="http://schemas.microsoft.com/office/drawing/2010/main" val="0"/>
+              </a:ext>
+            </a:extLst>
+          </a:blip>
+          <a:srcRect/>
+          <a:stretch>
+            <a:fillRect/>
+          </a:stretch>
+        </p:blipFill>
+        <p:spPr bwMode="auto">
+          <a:xfrm>
+            <a:off x="2849880" y="1845464"/>
+            <a:ext cx="8334375" cy="4191000"/>
+          </a:xfrm>
+          <a:prstGeom prst="rect">
+            <a:avLst/>
+          </a:prstGeom>
+          <a:noFill/>
+          <a:extLst>
+            <a:ext uri="{909E8E84-426E-40DD-AFC4-6F175D3DCCD1}">
+              <a14:hiddenFill xmlns:a14="http://schemas.microsoft.com/office/drawing/2010/main">
+                <a:solidFill>
+                  <a:srgbClr val="FFFFFF"/>
+                </a:solidFill>
+              </a14:hiddenFill>
+            </a:ext>
+          </a:extLst>
+        </p:spPr>
+      </p:pic>
+      <p:pic>
+        <p:nvPicPr>
+          <p:cNvPr id="11" name="Picture 10">
+            <a:extLst>
+              <a:ext uri="{FF2B5EF4-FFF2-40B4-BE49-F238E27FC236}">
+                <a16:creationId xmlns:a16="http://schemas.microsoft.com/office/drawing/2014/main" id="{ECC42EAF-B437-09A6-8D3D-80D9C0EDC8B4}"/>
+              </a:ext>
+            </a:extLst>
+          </p:cNvPr>
+          <p:cNvPicPr>
+            <a:picLocks noChangeAspect="1"/>
+          </p:cNvPicPr>
+          <p:nvPr/>
+        </p:nvPicPr>
+        <p:blipFill>
+          <a:blip r:embed="rId3"/>
+          <a:stretch>
+            <a:fillRect/>
+          </a:stretch>
+        </p:blipFill>
+        <p:spPr>
+          <a:xfrm>
+            <a:off x="281940" y="6040423"/>
+            <a:ext cx="3340314" cy="301634"/>
+          </a:xfrm>
+          <a:prstGeom prst="rect">
+            <a:avLst/>
+          </a:prstGeom>
+        </p:spPr>
+      </p:pic>
+      <p:sp>
+        <p:nvSpPr>
+          <p:cNvPr id="13" name="TextBox 12">
+            <a:extLst>
+              <a:ext uri="{FF2B5EF4-FFF2-40B4-BE49-F238E27FC236}">
+                <a16:creationId xmlns:a16="http://schemas.microsoft.com/office/drawing/2014/main" id="{37FA6BE3-3B85-A390-6584-2C7884915F61}"/>
+              </a:ext>
+            </a:extLst>
+          </p:cNvPr>
+          <p:cNvSpPr txBox="1"/>
+          <p:nvPr/>
+        </p:nvSpPr>
+        <p:spPr>
+          <a:xfrm>
+            <a:off x="281940" y="5144356"/>
+            <a:ext cx="2451100" cy="646331"/>
+          </a:xfrm>
+          <a:prstGeom prst="rect">
+            <a:avLst/>
+          </a:prstGeom>
+          <a:solidFill>
+            <a:schemeClr val="accent4">
+              <a:lumMod val="20000"/>
+              <a:lumOff val="80000"/>
+            </a:schemeClr>
+          </a:solidFill>
+        </p:spPr>
+        <p:txBody>
+          <a:bodyPr wrap="square">
+            <a:spAutoFit/>
+          </a:bodyPr>
+          <a:lstStyle/>
+          <a:p>
+            <a:r>
+              <a:rPr lang="en-GB" dirty="0" err="1"/>
+              <a:t>ReLU’s</a:t>
+            </a:r>
+            <a:r>
+              <a:rPr lang="en-GB" dirty="0"/>
+              <a:t> simplicity makes training faster</a:t>
+            </a:r>
+            <a:endParaRPr lang="en-US" dirty="0"/>
+          </a:p>
+        </p:txBody>
+      </p:sp>
+    </p:spTree>
+    <p:extLst>
+      <p:ext uri="{BB962C8B-B14F-4D97-AF65-F5344CB8AC3E}">
+        <p14:creationId xmlns:p14="http://schemas.microsoft.com/office/powerpoint/2010/main" val="3629368376"/>
+      </p:ext>
+    </p:extLst>
+  </p:cSld>
+  <p:clrMapOvr>
+    <a:masterClrMapping/>
+  </p:clrMapOvr>
+</p:sld>
+</file>
+
+<file path=ppt/slides/slide22.xml><?xml version="1.0" encoding="utf-8"?>
+<p:sld xmlns:a="http://schemas.openxmlformats.org/drawingml/2006/main" xmlns:r="http://schemas.openxmlformats.org/officeDocument/2006/relationships" xmlns:p="http://schemas.openxmlformats.org/presentationml/2006/main">
+  <p:cSld>
+    <p:spTree>
+      <p:nvGrpSpPr>
+        <p:cNvPr id="1" name=""/>
+        <p:cNvGrpSpPr/>
+        <p:nvPr/>
+      </p:nvGrpSpPr>
+      <p:grpSpPr>
+        <a:xfrm>
+          <a:off x="0" y="0"/>
+          <a:ext cx="0" cy="0"/>
+          <a:chOff x="0" y="0"/>
+          <a:chExt cx="0" cy="0"/>
+        </a:xfrm>
+      </p:grpSpPr>
+      <p:sp>
+        <p:nvSpPr>
+          <p:cNvPr id="3" name="Title 2">
+            <a:extLst>
+              <a:ext uri="{FF2B5EF4-FFF2-40B4-BE49-F238E27FC236}">
+                <a16:creationId xmlns:a16="http://schemas.microsoft.com/office/drawing/2014/main" id="{78287D52-35B6-0CF8-6F95-5C063852C261}"/>
+              </a:ext>
+            </a:extLst>
+          </p:cNvPr>
+          <p:cNvSpPr>
+            <a:spLocks noGrp="1"/>
+          </p:cNvSpPr>
+          <p:nvPr>
+            <p:ph type="title"/>
+          </p:nvPr>
+        </p:nvSpPr>
+        <p:spPr/>
+        <p:txBody>
+          <a:bodyPr/>
+          <a:lstStyle/>
+          <a:p>
+            <a:r>
+              <a:rPr lang="en-US" dirty="0"/>
+              <a:t>Optimizer</a:t>
+            </a:r>
+          </a:p>
+        </p:txBody>
+      </p:sp>
+      <p:sp>
+        <p:nvSpPr>
+          <p:cNvPr id="4" name="Text Placeholder 3">
+            <a:extLst>
+              <a:ext uri="{FF2B5EF4-FFF2-40B4-BE49-F238E27FC236}">
+                <a16:creationId xmlns:a16="http://schemas.microsoft.com/office/drawing/2014/main" id="{360DA14D-F7C3-EE03-8532-6A311AFC313B}"/>
+              </a:ext>
+            </a:extLst>
+          </p:cNvPr>
+          <p:cNvSpPr>
+            <a:spLocks noGrp="1"/>
+          </p:cNvSpPr>
+          <p:nvPr>
+            <p:ph type="body" idx="1"/>
+          </p:nvPr>
+        </p:nvSpPr>
+        <p:spPr/>
+        <p:txBody>
+          <a:bodyPr/>
+          <a:lstStyle/>
+          <a:p>
+            <a:endParaRPr lang="en-US"/>
+          </a:p>
+        </p:txBody>
+      </p:sp>
+    </p:spTree>
+    <p:extLst>
+      <p:ext uri="{BB962C8B-B14F-4D97-AF65-F5344CB8AC3E}">
+        <p14:creationId xmlns:p14="http://schemas.microsoft.com/office/powerpoint/2010/main" val="1472723351"/>
+      </p:ext>
+    </p:extLst>
+  </p:cSld>
+  <p:clrMapOvr>
+    <a:masterClrMapping/>
+  </p:clrMapOvr>
+</p:sld>
+</file>
+
+<file path=ppt/slides/slide23.xml><?xml version="1.0" encoding="utf-8"?>
+<p:sld xmlns:a="http://schemas.openxmlformats.org/drawingml/2006/main" xmlns:r="http://schemas.openxmlformats.org/officeDocument/2006/relationships" xmlns:p="http://schemas.openxmlformats.org/presentationml/2006/main">
+  <p:cSld>
+    <p:spTree>
+      <p:nvGrpSpPr>
+        <p:cNvPr id="1" name=""/>
+        <p:cNvGrpSpPr/>
+        <p:nvPr/>
+      </p:nvGrpSpPr>
+      <p:grpSpPr>
+        <a:xfrm>
+          <a:off x="0" y="0"/>
+          <a:ext cx="0" cy="0"/>
+          <a:chOff x="0" y="0"/>
+          <a:chExt cx="0" cy="0"/>
+        </a:xfrm>
+      </p:grpSpPr>
+      <p:pic>
+        <p:nvPicPr>
+          <p:cNvPr id="10242" name="Picture 2">
+            <a:extLst>
+              <a:ext uri="{FF2B5EF4-FFF2-40B4-BE49-F238E27FC236}">
+                <a16:creationId xmlns:a16="http://schemas.microsoft.com/office/drawing/2014/main" id="{1343F3F4-E3B1-3117-3F37-E0CF745DFFA4}"/>
+              </a:ext>
+            </a:extLst>
+          </p:cNvPr>
+          <p:cNvPicPr>
+            <a:picLocks noChangeAspect="1" noChangeArrowheads="1"/>
+          </p:cNvPicPr>
+          <p:nvPr/>
+        </p:nvPicPr>
+        <p:blipFill>
+          <a:blip r:embed="rId2">
+            <a:extLst>
+              <a:ext uri="{28A0092B-C50C-407E-A947-70E740481C1C}">
+                <a14:useLocalDpi xmlns:a14="http://schemas.microsoft.com/office/drawing/2010/main" val="0"/>
+              </a:ext>
+            </a:extLst>
+          </a:blip>
+          <a:srcRect/>
+          <a:stretch>
+            <a:fillRect/>
+          </a:stretch>
+        </p:blipFill>
+        <p:spPr bwMode="auto">
+          <a:xfrm>
+            <a:off x="2067560" y="285750"/>
+            <a:ext cx="8056880" cy="6042660"/>
+          </a:xfrm>
+          <a:prstGeom prst="rect">
+            <a:avLst/>
+          </a:prstGeom>
+          <a:noFill/>
+          <a:extLst>
+            <a:ext uri="{909E8E84-426E-40DD-AFC4-6F175D3DCCD1}">
+              <a14:hiddenFill xmlns:a14="http://schemas.microsoft.com/office/drawing/2010/main">
+                <a:solidFill>
+                  <a:srgbClr val="FFFFFF"/>
+                </a:solidFill>
+              </a14:hiddenFill>
+            </a:ext>
+          </a:extLst>
+        </p:spPr>
+      </p:pic>
+      <p:sp>
+        <p:nvSpPr>
+          <p:cNvPr id="5" name="TextBox 4">
+            <a:extLst>
+              <a:ext uri="{FF2B5EF4-FFF2-40B4-BE49-F238E27FC236}">
+                <a16:creationId xmlns:a16="http://schemas.microsoft.com/office/drawing/2014/main" id="{4E39BB3D-B79B-AFD4-E6B8-3B02084EEF65}"/>
+              </a:ext>
+            </a:extLst>
+          </p:cNvPr>
+          <p:cNvSpPr txBox="1"/>
+          <p:nvPr/>
+        </p:nvSpPr>
+        <p:spPr>
+          <a:xfrm>
+            <a:off x="2506980" y="6328410"/>
+            <a:ext cx="6525260" cy="338554"/>
+          </a:xfrm>
+          <a:prstGeom prst="rect">
+            <a:avLst/>
+          </a:prstGeom>
+          <a:noFill/>
+        </p:spPr>
+        <p:txBody>
+          <a:bodyPr wrap="square">
+            <a:spAutoFit/>
+          </a:bodyPr>
+          <a:lstStyle/>
+          <a:p>
+            <a:r>
+              <a:rPr lang="en-US" sz="1600" dirty="0"/>
+              <a:t>https://community.deeplearning.ai/t/optimization-algorithms/305154/3</a:t>
+            </a:r>
+          </a:p>
+        </p:txBody>
+      </p:sp>
+    </p:spTree>
+    <p:extLst>
+      <p:ext uri="{BB962C8B-B14F-4D97-AF65-F5344CB8AC3E}">
+        <p14:creationId xmlns:p14="http://schemas.microsoft.com/office/powerpoint/2010/main" val="545826806"/>
+      </p:ext>
+    </p:extLst>
+  </p:cSld>
+  <p:clrMapOvr>
+    <a:masterClrMapping/>
+  </p:clrMapOvr>
+</p:sld>
+</file>
+
+<file path=ppt/slides/slide24.xml><?xml version="1.0" encoding="utf-8"?>
+<p:sld xmlns:a="http://schemas.openxmlformats.org/drawingml/2006/main" xmlns:r="http://schemas.openxmlformats.org/officeDocument/2006/relationships" xmlns:p="http://schemas.openxmlformats.org/presentationml/2006/main">
+  <p:cSld>
+    <p:spTree>
+      <p:nvGrpSpPr>
+        <p:cNvPr id="1" name=""/>
+        <p:cNvGrpSpPr/>
+        <p:nvPr/>
+      </p:nvGrpSpPr>
+      <p:grpSpPr>
+        <a:xfrm>
+          <a:off x="0" y="0"/>
+          <a:ext cx="0" cy="0"/>
+          <a:chOff x="0" y="0"/>
+          <a:chExt cx="0" cy="0"/>
+        </a:xfrm>
+      </p:grpSpPr>
+      <p:sp>
+        <p:nvSpPr>
+          <p:cNvPr id="2" name="Title 1">
+            <a:extLst>
+              <a:ext uri="{FF2B5EF4-FFF2-40B4-BE49-F238E27FC236}">
+                <a16:creationId xmlns:a16="http://schemas.microsoft.com/office/drawing/2014/main" id="{96D7FC87-E36A-D83A-96C4-A01CC08B16F6}"/>
+              </a:ext>
+            </a:extLst>
+          </p:cNvPr>
+          <p:cNvSpPr>
+            <a:spLocks noGrp="1"/>
+          </p:cNvSpPr>
+          <p:nvPr>
+            <p:ph type="title"/>
+          </p:nvPr>
+        </p:nvSpPr>
+        <p:spPr/>
+        <p:txBody>
+          <a:bodyPr/>
+          <a:lstStyle/>
+          <a:p>
+            <a:r>
+              <a:rPr lang="en-US" dirty="0"/>
+              <a:t>Adam Optimizer</a:t>
+            </a:r>
+          </a:p>
+        </p:txBody>
+      </p:sp>
+      <p:sp>
+        <p:nvSpPr>
+          <p:cNvPr id="3" name="Content Placeholder 2">
+            <a:extLst>
+              <a:ext uri="{FF2B5EF4-FFF2-40B4-BE49-F238E27FC236}">
+                <a16:creationId xmlns:a16="http://schemas.microsoft.com/office/drawing/2014/main" id="{78F9E78F-53B4-E732-923B-ECCB30D08BED}"/>
+              </a:ext>
+            </a:extLst>
+          </p:cNvPr>
+          <p:cNvSpPr>
+            <a:spLocks noGrp="1"/>
+          </p:cNvSpPr>
+          <p:nvPr>
+            <p:ph idx="1"/>
+          </p:nvPr>
+        </p:nvSpPr>
+        <p:spPr/>
+        <p:txBody>
+          <a:bodyPr>
+            <a:normAutofit fontScale="92500" lnSpcReduction="10000"/>
+          </a:bodyPr>
+          <a:lstStyle/>
+          <a:p>
+            <a:pPr rtl="0">
+              <a:buFont typeface="Arial" panose="020B0604020202020204" pitchFamily="34" charset="0"/>
+              <a:buChar char="•"/>
+            </a:pPr>
+            <a:r>
+              <a:rPr lang="en-US" dirty="0"/>
+              <a:t>Definition: Adaptive Moment Estimation, a gradient-based optimization algorithm</a:t>
+            </a:r>
+          </a:p>
+          <a:p>
+            <a:pPr rtl="0">
+              <a:buFont typeface="Arial" panose="020B0604020202020204" pitchFamily="34" charset="0"/>
+              <a:buChar char="•"/>
+            </a:pPr>
+            <a:r>
+              <a:rPr lang="en-US" dirty="0"/>
+              <a:t>How It Works:</a:t>
+            </a:r>
+          </a:p>
+          <a:p>
+            <a:pPr marL="742950" lvl="1" indent="-285750" rtl="0">
+              <a:buFont typeface="Arial" panose="020B0604020202020204" pitchFamily="34" charset="0"/>
+              <a:buChar char="•"/>
+            </a:pPr>
+            <a:r>
+              <a:rPr lang="en-US" dirty="0"/>
+              <a:t>Combines momentum (moving average of gradients) and </a:t>
+            </a:r>
+            <a:r>
+              <a:rPr lang="en-US" dirty="0" err="1"/>
+              <a:t>RMSProp</a:t>
+            </a:r>
+            <a:r>
+              <a:rPr lang="en-US" dirty="0"/>
+              <a:t> (adaptive learning rates)</a:t>
+            </a:r>
+          </a:p>
+          <a:p>
+            <a:pPr marL="742950" lvl="1" indent="-285750" rtl="0">
+              <a:buFont typeface="Arial" panose="020B0604020202020204" pitchFamily="34" charset="0"/>
+              <a:buChar char="•"/>
+            </a:pPr>
+            <a:r>
+              <a:rPr lang="en-US" dirty="0"/>
+              <a:t>Updates weights to minimize cross-entropy loss</a:t>
+            </a:r>
+          </a:p>
+          <a:p>
+            <a:pPr rtl="0">
+              <a:buFont typeface="Arial" panose="020B0604020202020204" pitchFamily="34" charset="0"/>
+              <a:buChar char="•"/>
+            </a:pPr>
+            <a:r>
+              <a:rPr lang="en-US" dirty="0"/>
+              <a:t>In </a:t>
+            </a:r>
+            <a:r>
+              <a:rPr lang="en-US" dirty="0" err="1"/>
+              <a:t>PyTorch</a:t>
+            </a:r>
+            <a:r>
+              <a:rPr lang="en-US" dirty="0"/>
+              <a:t> Code:</a:t>
+            </a:r>
+          </a:p>
+          <a:p>
+            <a:pPr marL="742950" lvl="1" indent="-285750" rtl="0">
+              <a:buFont typeface="Arial" panose="020B0604020202020204" pitchFamily="34" charset="0"/>
+              <a:buChar char="•"/>
+            </a:pPr>
+            <a:r>
+              <a:rPr lang="en-US" dirty="0">
+                <a:solidFill>
+                  <a:schemeClr val="accent2"/>
+                </a:solidFill>
+              </a:rPr>
+              <a:t>optimizer = </a:t>
+            </a:r>
+            <a:r>
+              <a:rPr lang="en-US" dirty="0" err="1">
+                <a:solidFill>
+                  <a:schemeClr val="accent2"/>
+                </a:solidFill>
+              </a:rPr>
+              <a:t>optim.Adam</a:t>
+            </a:r>
+            <a:r>
+              <a:rPr lang="en-US" dirty="0">
+                <a:solidFill>
+                  <a:schemeClr val="accent2"/>
+                </a:solidFill>
+              </a:rPr>
+              <a:t>(</a:t>
+            </a:r>
+            <a:r>
+              <a:rPr lang="en-US" dirty="0" err="1">
+                <a:solidFill>
+                  <a:schemeClr val="accent2"/>
+                </a:solidFill>
+              </a:rPr>
+              <a:t>model.parameters</a:t>
+            </a:r>
+            <a:r>
+              <a:rPr lang="en-US" dirty="0">
+                <a:solidFill>
+                  <a:schemeClr val="accent2"/>
+                </a:solidFill>
+              </a:rPr>
+              <a:t>(), </a:t>
+            </a:r>
+            <a:r>
+              <a:rPr lang="en-US" dirty="0" err="1">
+                <a:solidFill>
+                  <a:schemeClr val="accent2"/>
+                </a:solidFill>
+              </a:rPr>
+              <a:t>lr</a:t>
+            </a:r>
+            <a:r>
+              <a:rPr lang="en-US" dirty="0">
+                <a:solidFill>
+                  <a:schemeClr val="accent2"/>
+                </a:solidFill>
+              </a:rPr>
+              <a:t>=0.001)</a:t>
+            </a:r>
+          </a:p>
+          <a:p>
+            <a:pPr marL="742950" lvl="1" indent="-285750" rtl="0">
+              <a:buFont typeface="Arial" panose="020B0604020202020204" pitchFamily="34" charset="0"/>
+              <a:buChar char="•"/>
+            </a:pPr>
+            <a:r>
+              <a:rPr lang="en-US" dirty="0" err="1">
+                <a:solidFill>
+                  <a:schemeClr val="accent2"/>
+                </a:solidFill>
+              </a:rPr>
+              <a:t>optimizer.step</a:t>
+            </a:r>
+            <a:r>
+              <a:rPr lang="en-US" dirty="0">
+                <a:solidFill>
+                  <a:schemeClr val="accent2"/>
+                </a:solidFill>
+              </a:rPr>
+              <a:t>() </a:t>
+            </a:r>
+            <a:r>
+              <a:rPr lang="en-US" dirty="0"/>
+              <a:t>updates weights after backpropagation</a:t>
+            </a:r>
+          </a:p>
+          <a:p>
+            <a:pPr rtl="0">
+              <a:buFont typeface="Arial" panose="020B0604020202020204" pitchFamily="34" charset="0"/>
+              <a:buChar char="•"/>
+            </a:pPr>
+            <a:r>
+              <a:rPr lang="en-US" dirty="0"/>
+              <a:t>Benefits:</a:t>
+            </a:r>
+          </a:p>
+          <a:p>
+            <a:pPr marL="742950" lvl="1" indent="-285750" rtl="0">
+              <a:buFont typeface="Arial" panose="020B0604020202020204" pitchFamily="34" charset="0"/>
+              <a:buChar char="•"/>
+            </a:pPr>
+            <a:r>
+              <a:rPr lang="en-US" dirty="0"/>
+              <a:t>Fast convergence</a:t>
+            </a:r>
+          </a:p>
+          <a:p>
+            <a:pPr marL="742950" lvl="1" indent="-285750" rtl="0">
+              <a:buFont typeface="Arial" panose="020B0604020202020204" pitchFamily="34" charset="0"/>
+              <a:buChar char="•"/>
+            </a:pPr>
+            <a:r>
+              <a:rPr lang="en-US" dirty="0"/>
+              <a:t>Adapts to different features (e.g., Iris’s varying scales)</a:t>
+            </a:r>
+          </a:p>
+        </p:txBody>
+      </p:sp>
+    </p:spTree>
+    <p:extLst>
+      <p:ext uri="{BB962C8B-B14F-4D97-AF65-F5344CB8AC3E}">
+        <p14:creationId xmlns:p14="http://schemas.microsoft.com/office/powerpoint/2010/main" val="1846476847"/>
+      </p:ext>
+    </p:extLst>
+  </p:cSld>
+  <p:clrMapOvr>
+    <a:masterClrMapping/>
+  </p:clrMapOvr>
+</p:sld>
+</file>
+
+<file path=ppt/slides/slide25.xml><?xml version="1.0" encoding="utf-8"?>
+<p:sld xmlns:a="http://schemas.openxmlformats.org/drawingml/2006/main" xmlns:r="http://schemas.openxmlformats.org/officeDocument/2006/relationships" xmlns:p="http://schemas.openxmlformats.org/presentationml/2006/main">
+  <p:cSld>
+    <p:spTree>
+      <p:nvGrpSpPr>
+        <p:cNvPr id="1" name=""/>
+        <p:cNvGrpSpPr/>
+        <p:nvPr/>
+      </p:nvGrpSpPr>
+      <p:grpSpPr>
+        <a:xfrm>
+          <a:off x="0" y="0"/>
+          <a:ext cx="0" cy="0"/>
+          <a:chOff x="0" y="0"/>
+          <a:chExt cx="0" cy="0"/>
+        </a:xfrm>
+      </p:grpSpPr>
+      <p:pic>
+        <p:nvPicPr>
+          <p:cNvPr id="5" name="Picture 4">
+            <a:extLst>
+              <a:ext uri="{FF2B5EF4-FFF2-40B4-BE49-F238E27FC236}">
+                <a16:creationId xmlns:a16="http://schemas.microsoft.com/office/drawing/2014/main" id="{B1E92E06-8E6E-750D-CDA6-9714052C3FF6}"/>
+              </a:ext>
+            </a:extLst>
+          </p:cNvPr>
+          <p:cNvPicPr>
+            <a:picLocks noChangeAspect="1"/>
+          </p:cNvPicPr>
+          <p:nvPr/>
+        </p:nvPicPr>
+        <p:blipFill>
+          <a:blip r:embed="rId2"/>
+          <a:stretch>
+            <a:fillRect/>
+          </a:stretch>
+        </p:blipFill>
+        <p:spPr>
+          <a:xfrm>
+            <a:off x="1153300" y="0"/>
+            <a:ext cx="10196888" cy="6858000"/>
+          </a:xfrm>
+          <a:prstGeom prst="rect">
+            <a:avLst/>
+          </a:prstGeom>
+        </p:spPr>
+      </p:pic>
+    </p:spTree>
+    <p:extLst>
+      <p:ext uri="{BB962C8B-B14F-4D97-AF65-F5344CB8AC3E}">
+        <p14:creationId xmlns:p14="http://schemas.microsoft.com/office/powerpoint/2010/main" val="1740457000"/>
+      </p:ext>
+    </p:extLst>
+  </p:cSld>
+  <p:clrMapOvr>
+    <a:masterClrMapping/>
+  </p:clrMapOvr>
+</p:sld>
+</file>
+
+<file path=ppt/slides/slide26.xml><?xml version="1.0" encoding="utf-8"?>
+<p:sld xmlns:a="http://schemas.openxmlformats.org/drawingml/2006/main" xmlns:r="http://schemas.openxmlformats.org/officeDocument/2006/relationships" xmlns:p="http://schemas.openxmlformats.org/presentationml/2006/main">
+  <p:cSld>
+    <p:spTree>
+      <p:nvGrpSpPr>
+        <p:cNvPr id="1" name=""/>
+        <p:cNvGrpSpPr/>
+        <p:nvPr/>
+      </p:nvGrpSpPr>
+      <p:grpSpPr>
+        <a:xfrm>
+          <a:off x="0" y="0"/>
+          <a:ext cx="0" cy="0"/>
+          <a:chOff x="0" y="0"/>
+          <a:chExt cx="0" cy="0"/>
+        </a:xfrm>
+      </p:grpSpPr>
+      <p:sp>
+        <p:nvSpPr>
+          <p:cNvPr id="2" name="Title 1">
+            <a:extLst>
+              <a:ext uri="{FF2B5EF4-FFF2-40B4-BE49-F238E27FC236}">
+                <a16:creationId xmlns:a16="http://schemas.microsoft.com/office/drawing/2014/main" id="{3A7D6A03-A22D-46EE-F960-A431154FCEC2}"/>
+              </a:ext>
+            </a:extLst>
+          </p:cNvPr>
+          <p:cNvSpPr>
+            <a:spLocks noGrp="1"/>
+          </p:cNvSpPr>
+          <p:nvPr>
+            <p:ph type="title"/>
+          </p:nvPr>
+        </p:nvSpPr>
+        <p:spPr/>
+        <p:txBody>
+          <a:bodyPr/>
+          <a:lstStyle/>
+          <a:p>
+            <a:r>
+              <a:rPr lang="en-US" dirty="0"/>
+              <a:t>Which optimizer to use</a:t>
+            </a:r>
+          </a:p>
+        </p:txBody>
+      </p:sp>
+      <p:sp>
+        <p:nvSpPr>
+          <p:cNvPr id="3" name="Content Placeholder 2">
+            <a:extLst>
+              <a:ext uri="{FF2B5EF4-FFF2-40B4-BE49-F238E27FC236}">
+                <a16:creationId xmlns:a16="http://schemas.microsoft.com/office/drawing/2014/main" id="{3E281087-FD8D-D04A-DEA2-DB7F598F989B}"/>
+              </a:ext>
+            </a:extLst>
+          </p:cNvPr>
+          <p:cNvSpPr>
+            <a:spLocks noGrp="1"/>
+          </p:cNvSpPr>
+          <p:nvPr>
+            <p:ph idx="1"/>
+          </p:nvPr>
+        </p:nvSpPr>
+        <p:spPr/>
+        <p:txBody>
+          <a:bodyPr/>
+          <a:lstStyle/>
+          <a:p>
+            <a:r>
+              <a:rPr lang="en-GB" dirty="0"/>
+              <a:t>Use Adam when you want good performance quickly and don't want to worry too much about hyperparameter tuning.</a:t>
+            </a:r>
+          </a:p>
+          <a:p>
+            <a:r>
+              <a:rPr lang="en-GB" dirty="0"/>
+              <a:t>Use SGD (with momentum) when training very large models, fine-tuning pre-trained networks, or when you want tighter control over optimization </a:t>
+            </a:r>
+            <a:r>
+              <a:rPr lang="en-GB" dirty="0" err="1"/>
+              <a:t>behavior</a:t>
+            </a:r>
+            <a:r>
+              <a:rPr lang="en-GB" dirty="0"/>
+              <a:t>.</a:t>
+            </a:r>
+          </a:p>
+          <a:p>
+            <a:r>
+              <a:rPr lang="en-US" dirty="0"/>
+              <a:t>Compare both optimizers for Iris training with 100 epochs (150 samples) </a:t>
+            </a:r>
+          </a:p>
+          <a:p>
+            <a:endParaRPr lang="en-GB" dirty="0"/>
+          </a:p>
+        </p:txBody>
+      </p:sp>
+    </p:spTree>
+    <p:extLst>
+      <p:ext uri="{BB962C8B-B14F-4D97-AF65-F5344CB8AC3E}">
+        <p14:creationId xmlns:p14="http://schemas.microsoft.com/office/powerpoint/2010/main" val="1312178182"/>
+      </p:ext>
+    </p:extLst>
+  </p:cSld>
+  <p:clrMapOvr>
+    <a:masterClrMapping/>
+  </p:clrMapOvr>
+</p:sld>
+</file>
+
+<file path=ppt/slides/slide27.xml><?xml version="1.0" encoding="utf-8"?>
+<p:sld xmlns:a="http://schemas.openxmlformats.org/drawingml/2006/main" xmlns:r="http://schemas.openxmlformats.org/officeDocument/2006/relationships" xmlns:p="http://schemas.openxmlformats.org/presentationml/2006/main">
+  <p:cSld>
+    <p:spTree>
+      <p:nvGrpSpPr>
+        <p:cNvPr id="1" name=""/>
+        <p:cNvGrpSpPr/>
+        <p:nvPr/>
+      </p:nvGrpSpPr>
+      <p:grpSpPr>
+        <a:xfrm>
+          <a:off x="0" y="0"/>
+          <a:ext cx="0" cy="0"/>
+          <a:chOff x="0" y="0"/>
+          <a:chExt cx="0" cy="0"/>
+        </a:xfrm>
+      </p:grpSpPr>
+      <p:sp>
+        <p:nvSpPr>
+          <p:cNvPr id="2" name="Title 1">
+            <a:extLst>
+              <a:ext uri="{FF2B5EF4-FFF2-40B4-BE49-F238E27FC236}">
+                <a16:creationId xmlns:a16="http://schemas.microsoft.com/office/drawing/2014/main" id="{85BC1A98-0533-672A-1569-25B4C9F7CB0A}"/>
+              </a:ext>
+            </a:extLst>
+          </p:cNvPr>
+          <p:cNvSpPr>
+            <a:spLocks noGrp="1"/>
+          </p:cNvSpPr>
+          <p:nvPr>
+            <p:ph type="title"/>
+          </p:nvPr>
+        </p:nvSpPr>
+        <p:spPr/>
+        <p:txBody>
+          <a:bodyPr/>
+          <a:lstStyle/>
+          <a:p>
+            <a:r>
+              <a:rPr lang="en-US" dirty="0"/>
+              <a:t>Putting It All Together</a:t>
+            </a:r>
+          </a:p>
+        </p:txBody>
+      </p:sp>
+      <p:sp>
+        <p:nvSpPr>
+          <p:cNvPr id="3" name="Content Placeholder 2">
+            <a:extLst>
+              <a:ext uri="{FF2B5EF4-FFF2-40B4-BE49-F238E27FC236}">
+                <a16:creationId xmlns:a16="http://schemas.microsoft.com/office/drawing/2014/main" id="{72B03BB4-FD0C-BA6C-A3FA-E279216A4430}"/>
+              </a:ext>
+            </a:extLst>
+          </p:cNvPr>
+          <p:cNvSpPr>
+            <a:spLocks noGrp="1"/>
+          </p:cNvSpPr>
+          <p:nvPr>
+            <p:ph idx="1"/>
+          </p:nvPr>
+        </p:nvSpPr>
+        <p:spPr>
+          <a:xfrm>
+            <a:off x="838200" y="1825625"/>
+            <a:ext cx="10515600" cy="2573655"/>
+          </a:xfrm>
+        </p:spPr>
+        <p:txBody>
+          <a:bodyPr/>
+          <a:lstStyle/>
+          <a:p>
+            <a:pPr rtl="0">
+              <a:buFont typeface="Arial" panose="020B0604020202020204" pitchFamily="34" charset="0"/>
+              <a:buChar char="•"/>
+            </a:pPr>
+            <a:r>
+              <a:rPr lang="en-US" b="1" dirty="0"/>
+              <a:t>Entropy</a:t>
+            </a:r>
+            <a:r>
+              <a:rPr lang="en-US" dirty="0"/>
+              <a:t>: Measures uncertainty in predictions (goal: low entropy for correct class)</a:t>
+            </a:r>
+          </a:p>
+          <a:p>
+            <a:pPr rtl="0">
+              <a:buFont typeface="Arial" panose="020B0604020202020204" pitchFamily="34" charset="0"/>
+              <a:buChar char="•"/>
+            </a:pPr>
+            <a:r>
+              <a:rPr lang="en-US" b="1" dirty="0"/>
+              <a:t>Cross-Entropy Loss</a:t>
+            </a:r>
+            <a:r>
+              <a:rPr lang="en-US" dirty="0"/>
+              <a:t>: Guides model to reduce uncertainty (criterion)</a:t>
+            </a:r>
+          </a:p>
+          <a:p>
+            <a:pPr rtl="0">
+              <a:buFont typeface="Arial" panose="020B0604020202020204" pitchFamily="34" charset="0"/>
+              <a:buChar char="•"/>
+            </a:pPr>
+            <a:r>
+              <a:rPr lang="en-US" b="1" dirty="0" err="1"/>
+              <a:t>ReLU</a:t>
+            </a:r>
+            <a:r>
+              <a:rPr lang="en-US" dirty="0"/>
+              <a:t>: Enables learning complex patterns in Iris features (relu1, relu2)</a:t>
+            </a:r>
+          </a:p>
+          <a:p>
+            <a:pPr rtl="0">
+              <a:buFont typeface="Arial" panose="020B0604020202020204" pitchFamily="34" charset="0"/>
+              <a:buChar char="•"/>
+            </a:pPr>
+            <a:r>
+              <a:rPr lang="en-US" b="1" dirty="0"/>
+              <a:t>Adam</a:t>
+            </a:r>
+            <a:r>
+              <a:rPr lang="en-US" dirty="0"/>
+              <a:t>: Optimizes weights to minimize loss (optimizer)</a:t>
+            </a:r>
+          </a:p>
+        </p:txBody>
+      </p:sp>
+      <p:pic>
+        <p:nvPicPr>
+          <p:cNvPr id="7" name="Picture 6">
+            <a:extLst>
+              <a:ext uri="{FF2B5EF4-FFF2-40B4-BE49-F238E27FC236}">
+                <a16:creationId xmlns:a16="http://schemas.microsoft.com/office/drawing/2014/main" id="{6F5E78A8-A985-6229-2C39-B54A76021699}"/>
+              </a:ext>
+            </a:extLst>
+          </p:cNvPr>
+          <p:cNvPicPr>
+            <a:picLocks noChangeAspect="1"/>
+          </p:cNvPicPr>
+          <p:nvPr/>
+        </p:nvPicPr>
+        <p:blipFill>
+          <a:blip r:embed="rId2"/>
+          <a:stretch>
+            <a:fillRect/>
+          </a:stretch>
+        </p:blipFill>
+        <p:spPr>
+          <a:xfrm>
+            <a:off x="929384" y="4399280"/>
+            <a:ext cx="8638273" cy="1846263"/>
+          </a:xfrm>
+          <a:prstGeom prst="rect">
+            <a:avLst/>
+          </a:prstGeom>
+        </p:spPr>
+      </p:pic>
+    </p:spTree>
+    <p:extLst>
+      <p:ext uri="{BB962C8B-B14F-4D97-AF65-F5344CB8AC3E}">
+        <p14:creationId xmlns:p14="http://schemas.microsoft.com/office/powerpoint/2010/main" val="383624214"/>
+      </p:ext>
+    </p:extLst>
+  </p:cSld>
+  <p:clrMapOvr>
+    <a:masterClrMapping/>
+  </p:clrMapOvr>
+</p:sld>
+</file>
+
+<file path=ppt/slides/slide28.xml><?xml version="1.0" encoding="utf-8"?>
+<p:sld xmlns:a="http://schemas.openxmlformats.org/drawingml/2006/main" xmlns:r="http://schemas.openxmlformats.org/officeDocument/2006/relationships" xmlns:p="http://schemas.openxmlformats.org/presentationml/2006/main">
+  <p:cSld>
+    <p:spTree>
+      <p:nvGrpSpPr>
+        <p:cNvPr id="1" name=""/>
+        <p:cNvGrpSpPr/>
+        <p:nvPr/>
+      </p:nvGrpSpPr>
+      <p:grpSpPr>
+        <a:xfrm>
+          <a:off x="0" y="0"/>
+          <a:ext cx="0" cy="0"/>
+          <a:chOff x="0" y="0"/>
+          <a:chExt cx="0" cy="0"/>
+        </a:xfrm>
+      </p:grpSpPr>
+      <p:sp>
+        <p:nvSpPr>
+          <p:cNvPr id="2" name="Title 1">
+            <a:extLst>
+              <a:ext uri="{FF2B5EF4-FFF2-40B4-BE49-F238E27FC236}">
+                <a16:creationId xmlns:a16="http://schemas.microsoft.com/office/drawing/2014/main" id="{53196785-2E4F-2843-F302-C1DA79193394}"/>
+              </a:ext>
+            </a:extLst>
+          </p:cNvPr>
+          <p:cNvSpPr>
+            <a:spLocks noGrp="1"/>
+          </p:cNvSpPr>
+          <p:nvPr>
+            <p:ph type="title"/>
+          </p:nvPr>
+        </p:nvSpPr>
+        <p:spPr/>
+        <p:txBody>
+          <a:bodyPr/>
+          <a:lstStyle/>
+          <a:p>
+            <a:r>
+              <a:rPr lang="en-US" dirty="0"/>
+              <a:t>Summary</a:t>
+            </a:r>
+          </a:p>
+        </p:txBody>
+      </p:sp>
+      <p:sp>
+        <p:nvSpPr>
+          <p:cNvPr id="3" name="Content Placeholder 2">
+            <a:extLst>
+              <a:ext uri="{FF2B5EF4-FFF2-40B4-BE49-F238E27FC236}">
+                <a16:creationId xmlns:a16="http://schemas.microsoft.com/office/drawing/2014/main" id="{4977BAF4-F7D6-CE1D-1AE7-5E273BABDE53}"/>
+              </a:ext>
+            </a:extLst>
+          </p:cNvPr>
+          <p:cNvSpPr>
+            <a:spLocks noGrp="1"/>
+          </p:cNvSpPr>
+          <p:nvPr>
+            <p:ph idx="1"/>
+          </p:nvPr>
+        </p:nvSpPr>
+        <p:spPr/>
+        <p:txBody>
+          <a:bodyPr/>
+          <a:lstStyle/>
+          <a:p>
+            <a:pPr rtl="0">
+              <a:buFont typeface="Arial" panose="020B0604020202020204" pitchFamily="34" charset="0"/>
+              <a:buChar char="•"/>
+            </a:pPr>
+            <a:r>
+              <a:rPr lang="en-US" dirty="0"/>
+              <a:t>Entropy: Quantifies prediction uncertainty</a:t>
+            </a:r>
+          </a:p>
+          <a:p>
+            <a:pPr rtl="0">
+              <a:buFont typeface="Arial" panose="020B0604020202020204" pitchFamily="34" charset="0"/>
+              <a:buChar char="•"/>
+            </a:pPr>
+            <a:r>
+              <a:rPr lang="en-US" dirty="0"/>
+              <a:t>Cross-Entropy Loss: Measures prediction error for multiclass tasks</a:t>
+            </a:r>
+          </a:p>
+          <a:p>
+            <a:pPr rtl="0">
+              <a:buFont typeface="Arial" panose="020B0604020202020204" pitchFamily="34" charset="0"/>
+              <a:buChar char="•"/>
+            </a:pPr>
+            <a:r>
+              <a:rPr lang="en-US" dirty="0" err="1"/>
+              <a:t>ReLU</a:t>
+            </a:r>
+            <a:r>
+              <a:rPr lang="en-US" dirty="0"/>
+              <a:t>: Adds non-linearity for complex patterns</a:t>
+            </a:r>
+          </a:p>
+          <a:p>
+            <a:pPr rtl="0">
+              <a:buFont typeface="Arial" panose="020B0604020202020204" pitchFamily="34" charset="0"/>
+              <a:buChar char="•"/>
+            </a:pPr>
+            <a:r>
+              <a:rPr lang="en-US" dirty="0"/>
+              <a:t>Adam Optimizer: Efficiently minimizes loss</a:t>
+            </a:r>
+          </a:p>
+          <a:p>
+            <a:pPr rtl="0">
+              <a:buFont typeface="Arial" panose="020B0604020202020204" pitchFamily="34" charset="0"/>
+              <a:buChar char="•"/>
+            </a:pPr>
+            <a:r>
+              <a:rPr lang="en-US" dirty="0"/>
+              <a:t>Application: These concepts power our </a:t>
+            </a:r>
+            <a:r>
+              <a:rPr lang="en-US" dirty="0" err="1"/>
+              <a:t>PyTorch</a:t>
+            </a:r>
+            <a:r>
+              <a:rPr lang="en-US" dirty="0"/>
+              <a:t> model to classify Iris species with high accuracy</a:t>
+            </a:r>
+          </a:p>
+          <a:p>
+            <a:endParaRPr lang="en-US" dirty="0"/>
+          </a:p>
+        </p:txBody>
+      </p:sp>
+    </p:spTree>
+    <p:extLst>
+      <p:ext uri="{BB962C8B-B14F-4D97-AF65-F5344CB8AC3E}">
+        <p14:creationId xmlns:p14="http://schemas.microsoft.com/office/powerpoint/2010/main" val="3552171113"/>
       </p:ext>
     </p:extLst>
   </p:cSld>

--- a/lectures/08_multiclass_classification_n_to_n_2hidden/0_ML_concepts_multiclass.pptx
+++ b/lectures/08_multiclass_classification_n_to_n_2hidden/0_ML_concepts_multiclass.pptx
@@ -155,7 +155,7 @@
   <pc:docChgLst>
     <pc:chgData name="Weifeng Xu" userId="e7aed605-a3dd-4d5a-a692-a87037af107b" providerId="ADAL" clId="{69090D41-60B8-4636-A275-1996D027DEDB}"/>
     <pc:docChg chg="undo custSel addSld delSld modSld sldOrd">
-      <pc:chgData name="Weifeng Xu" userId="e7aed605-a3dd-4d5a-a692-a87037af107b" providerId="ADAL" clId="{69090D41-60B8-4636-A275-1996D027DEDB}" dt="2025-05-05T02:01:40.995" v="4514" actId="1076"/>
+      <pc:chgData name="Weifeng Xu" userId="e7aed605-a3dd-4d5a-a692-a87037af107b" providerId="ADAL" clId="{69090D41-60B8-4636-A275-1996D027DEDB}" dt="2025-05-20T13:45:22.817" v="4525" actId="1076"/>
       <pc:docMkLst>
         <pc:docMk/>
       </pc:docMkLst>
@@ -241,14 +241,6 @@
             <ac:spMk id="3" creationId="{72B21226-2F4F-8E2C-6400-9187E1B9C480}"/>
           </ac:spMkLst>
         </pc:spChg>
-        <pc:spChg chg="add del mod">
-          <ac:chgData name="Weifeng Xu" userId="e7aed605-a3dd-4d5a-a692-a87037af107b" providerId="ADAL" clId="{69090D41-60B8-4636-A275-1996D027DEDB}" dt="2025-05-04T11:46:43.040" v="2047" actId="21"/>
-          <ac:spMkLst>
-            <pc:docMk/>
-            <pc:sldMk cId="2182874950" sldId="258"/>
-            <ac:spMk id="5" creationId="{C5553DAC-30B2-C282-FFDC-825B6D0BE2B0}"/>
-          </ac:spMkLst>
-        </pc:spChg>
         <pc:spChg chg="add mod">
           <ac:chgData name="Weifeng Xu" userId="e7aed605-a3dd-4d5a-a692-a87037af107b" providerId="ADAL" clId="{69090D41-60B8-4636-A275-1996D027DEDB}" dt="2025-05-03T23:38:51.494" v="821" actId="1076"/>
           <ac:spMkLst>
@@ -343,14 +335,6 @@
             <pc:docMk/>
             <pc:sldMk cId="2182874950" sldId="258"/>
             <ac:spMk id="59" creationId="{50045047-9872-534B-BE7F-C8AFA0123FED}"/>
-          </ac:spMkLst>
-        </pc:spChg>
-        <pc:spChg chg="add del mod">
-          <ac:chgData name="Weifeng Xu" userId="e7aed605-a3dd-4d5a-a692-a87037af107b" providerId="ADAL" clId="{69090D41-60B8-4636-A275-1996D027DEDB}" dt="2025-05-04T20:08:48.729" v="2973" actId="478"/>
-          <ac:spMkLst>
-            <pc:docMk/>
-            <pc:sldMk cId="2182874950" sldId="258"/>
-            <ac:spMk id="60" creationId="{4F3864B2-A4BA-259F-D772-BBA70F6DA6D5}"/>
           </ac:spMkLst>
         </pc:spChg>
         <pc:spChg chg="add mod">
@@ -867,14 +851,6 @@
             <ac:spMk id="34" creationId="{57C67789-9F7C-6A41-75FF-398BE39E49FF}"/>
           </ac:spMkLst>
         </pc:spChg>
-        <pc:spChg chg="add del mod">
-          <ac:chgData name="Weifeng Xu" userId="e7aed605-a3dd-4d5a-a692-a87037af107b" providerId="ADAL" clId="{69090D41-60B8-4636-A275-1996D027DEDB}" dt="2025-05-04T00:17:05.457" v="1335" actId="478"/>
-          <ac:spMkLst>
-            <pc:docMk/>
-            <pc:sldMk cId="2892488957" sldId="261"/>
-            <ac:spMk id="36" creationId="{51153DBF-BEED-A575-6538-F515FB74830A}"/>
-          </ac:spMkLst>
-        </pc:spChg>
         <pc:spChg chg="add mod">
           <ac:chgData name="Weifeng Xu" userId="e7aed605-a3dd-4d5a-a692-a87037af107b" providerId="ADAL" clId="{69090D41-60B8-4636-A275-1996D027DEDB}" dt="2025-05-04T01:12:29.821" v="1525" actId="208"/>
           <ac:spMkLst>
@@ -899,14 +875,6 @@
             <ac:spMk id="40" creationId="{1D2601CF-AABB-8B3C-0DCC-D1558C3E0581}"/>
           </ac:spMkLst>
         </pc:spChg>
-        <pc:picChg chg="add del mod">
-          <ac:chgData name="Weifeng Xu" userId="e7aed605-a3dd-4d5a-a692-a87037af107b" providerId="ADAL" clId="{69090D41-60B8-4636-A275-1996D027DEDB}" dt="2025-05-04T00:00:16.598" v="1076" actId="21"/>
-          <ac:picMkLst>
-            <pc:docMk/>
-            <pc:sldMk cId="2892488957" sldId="261"/>
-            <ac:picMk id="2050" creationId="{3943C196-7A62-6B98-D315-2E64B3F468E6}"/>
-          </ac:picMkLst>
-        </pc:picChg>
       </pc:sldChg>
       <pc:sldChg chg="addSp delSp modSp new mod modClrScheme chgLayout">
         <pc:chgData name="Weifeng Xu" userId="e7aed605-a3dd-4d5a-a692-a87037af107b" providerId="ADAL" clId="{69090D41-60B8-4636-A275-1996D027DEDB}" dt="2025-05-04T22:12:00.114" v="3933" actId="404"/>
@@ -914,14 +882,6 @@
           <pc:docMk/>
           <pc:sldMk cId="151526665" sldId="262"/>
         </pc:sldMkLst>
-        <pc:spChg chg="del mod">
-          <ac:chgData name="Weifeng Xu" userId="e7aed605-a3dd-4d5a-a692-a87037af107b" providerId="ADAL" clId="{69090D41-60B8-4636-A275-1996D027DEDB}" dt="2025-05-04T00:17:34.092" v="1339" actId="700"/>
-          <ac:spMkLst>
-            <pc:docMk/>
-            <pc:sldMk cId="151526665" sldId="262"/>
-            <ac:spMk id="2" creationId="{A48D3BD4-FA50-D48E-2352-52A7834B7FE1}"/>
-          </ac:spMkLst>
-        </pc:spChg>
         <pc:spChg chg="add mod">
           <ac:chgData name="Weifeng Xu" userId="e7aed605-a3dd-4d5a-a692-a87037af107b" providerId="ADAL" clId="{69090D41-60B8-4636-A275-1996D027DEDB}" dt="2025-05-04T22:12:00.114" v="3933" actId="404"/>
           <ac:spMkLst>
@@ -936,14 +896,6 @@
             <pc:docMk/>
             <pc:sldMk cId="151526665" sldId="262"/>
             <ac:picMk id="6" creationId="{0C96BD9F-5BB2-1CA8-6C93-0D390074EAB4}"/>
-          </ac:picMkLst>
-        </pc:picChg>
-        <pc:picChg chg="add del mod">
-          <ac:chgData name="Weifeng Xu" userId="e7aed605-a3dd-4d5a-a692-a87037af107b" providerId="ADAL" clId="{69090D41-60B8-4636-A275-1996D027DEDB}" dt="2025-05-04T00:18:47.984" v="1408" actId="478"/>
-          <ac:picMkLst>
-            <pc:docMk/>
-            <pc:sldMk cId="151526665" sldId="262"/>
-            <ac:picMk id="2050" creationId="{3943C196-7A62-6B98-D315-2E64B3F468E6}"/>
           </ac:picMkLst>
         </pc:picChg>
       </pc:sldChg>
@@ -1056,54 +1008,6 @@
             <ac:spMk id="45" creationId="{88CFA14A-817A-FEC7-559F-F6B076F4F2D9}"/>
           </ac:spMkLst>
         </pc:spChg>
-        <pc:grpChg chg="del mod">
-          <ac:chgData name="Weifeng Xu" userId="e7aed605-a3dd-4d5a-a692-a87037af107b" providerId="ADAL" clId="{69090D41-60B8-4636-A275-1996D027DEDB}" dt="2025-05-04T20:20:14.037" v="3336" actId="478"/>
-          <ac:grpSpMkLst>
-            <pc:docMk/>
-            <pc:sldMk cId="1683674305" sldId="263"/>
-            <ac:grpSpMk id="44" creationId="{FD7A754E-6F75-6B67-8121-1FDC8BF2FE9E}"/>
-          </ac:grpSpMkLst>
-        </pc:grpChg>
-        <pc:grpChg chg="del mod">
-          <ac:chgData name="Weifeng Xu" userId="e7aed605-a3dd-4d5a-a692-a87037af107b" providerId="ADAL" clId="{69090D41-60B8-4636-A275-1996D027DEDB}" dt="2025-05-04T20:22:25.617" v="3360"/>
-          <ac:grpSpMkLst>
-            <pc:docMk/>
-            <pc:sldMk cId="1683674305" sldId="263"/>
-            <ac:grpSpMk id="58" creationId="{1F4B2CA9-EFBD-27EB-13FB-E14C1C74D8D2}"/>
-          </ac:grpSpMkLst>
-        </pc:grpChg>
-        <pc:grpChg chg="del mod">
-          <ac:chgData name="Weifeng Xu" userId="e7aed605-a3dd-4d5a-a692-a87037af107b" providerId="ADAL" clId="{69090D41-60B8-4636-A275-1996D027DEDB}" dt="2025-05-04T20:22:26.657" v="3362"/>
-          <ac:grpSpMkLst>
-            <pc:docMk/>
-            <pc:sldMk cId="1683674305" sldId="263"/>
-            <ac:grpSpMk id="60" creationId="{19C558E5-2C55-3235-5176-B05F29DD5702}"/>
-          </ac:grpSpMkLst>
-        </pc:grpChg>
-        <pc:grpChg chg="del mod">
-          <ac:chgData name="Weifeng Xu" userId="e7aed605-a3dd-4d5a-a692-a87037af107b" providerId="ADAL" clId="{69090D41-60B8-4636-A275-1996D027DEDB}" dt="2025-05-04T20:22:40.204" v="3367"/>
-          <ac:grpSpMkLst>
-            <pc:docMk/>
-            <pc:sldMk cId="1683674305" sldId="263"/>
-            <ac:grpSpMk id="62" creationId="{C2F4FB46-23A2-65D9-30F4-56F190263974}"/>
-          </ac:grpSpMkLst>
-        </pc:grpChg>
-        <pc:grpChg chg="del mod">
-          <ac:chgData name="Weifeng Xu" userId="e7aed605-a3dd-4d5a-a692-a87037af107b" providerId="ADAL" clId="{69090D41-60B8-4636-A275-1996D027DEDB}" dt="2025-05-04T20:22:40.204" v="3367"/>
-          <ac:grpSpMkLst>
-            <pc:docMk/>
-            <pc:sldMk cId="1683674305" sldId="263"/>
-            <ac:grpSpMk id="65" creationId="{7553B36A-6D5F-3455-AF54-C712DB02DEBF}"/>
-          </ac:grpSpMkLst>
-        </pc:grpChg>
-        <pc:grpChg chg="del mod">
-          <ac:chgData name="Weifeng Xu" userId="e7aed605-a3dd-4d5a-a692-a87037af107b" providerId="ADAL" clId="{69090D41-60B8-4636-A275-1996D027DEDB}" dt="2025-05-04T20:22:41.257" v="3369"/>
-          <ac:grpSpMkLst>
-            <pc:docMk/>
-            <pc:sldMk cId="1683674305" sldId="263"/>
-            <ac:grpSpMk id="67" creationId="{163A214C-8E91-8977-B8C7-E31C777214B1}"/>
-          </ac:grpSpMkLst>
-        </pc:grpChg>
         <pc:grpChg chg="mod">
           <ac:chgData name="Weifeng Xu" userId="e7aed605-a3dd-4d5a-a692-a87037af107b" providerId="ADAL" clId="{69090D41-60B8-4636-A275-1996D027DEDB}" dt="2025-05-04T20:22:41.257" v="3369"/>
           <ac:grpSpMkLst>
@@ -1224,44 +1128,12 @@
             <ac:picMk id="40" creationId="{F578043D-1039-A408-0351-BA0455401D3A}"/>
           </ac:picMkLst>
         </pc:picChg>
-        <pc:inkChg chg="add mod">
-          <ac:chgData name="Weifeng Xu" userId="e7aed605-a3dd-4d5a-a692-a87037af107b" providerId="ADAL" clId="{69090D41-60B8-4636-A275-1996D027DEDB}" dt="2025-05-04T00:21:04.162" v="1425"/>
-          <ac:inkMkLst>
-            <pc:docMk/>
-            <pc:sldMk cId="1683674305" sldId="263"/>
-            <ac:inkMk id="41" creationId="{D0D3E108-F31B-77A9-D451-FD4EECCEAE61}"/>
-          </ac:inkMkLst>
-        </pc:inkChg>
-        <pc:inkChg chg="add mod">
-          <ac:chgData name="Weifeng Xu" userId="e7aed605-a3dd-4d5a-a692-a87037af107b" providerId="ADAL" clId="{69090D41-60B8-4636-A275-1996D027DEDB}" dt="2025-05-04T00:21:04.162" v="1425"/>
-          <ac:inkMkLst>
-            <pc:docMk/>
-            <pc:sldMk cId="1683674305" sldId="263"/>
-            <ac:inkMk id="42" creationId="{BFEDA359-EA31-96B7-6F6F-50E85D8BFA15}"/>
-          </ac:inkMkLst>
-        </pc:inkChg>
-        <pc:inkChg chg="add mod">
-          <ac:chgData name="Weifeng Xu" userId="e7aed605-a3dd-4d5a-a692-a87037af107b" providerId="ADAL" clId="{69090D41-60B8-4636-A275-1996D027DEDB}" dt="2025-05-04T00:21:04.162" v="1425"/>
-          <ac:inkMkLst>
-            <pc:docMk/>
-            <pc:sldMk cId="1683674305" sldId="263"/>
-            <ac:inkMk id="43" creationId="{B9B7C988-F64F-938E-7131-0F48171CBF27}"/>
-          </ac:inkMkLst>
-        </pc:inkChg>
         <pc:inkChg chg="add">
           <ac:chgData name="Weifeng Xu" userId="e7aed605-a3dd-4d5a-a692-a87037af107b" providerId="ADAL" clId="{69090D41-60B8-4636-A275-1996D027DEDB}" dt="2025-05-04T20:22:01.594" v="3353" actId="9405"/>
           <ac:inkMkLst>
             <pc:docMk/>
             <pc:sldMk cId="1683674305" sldId="263"/>
             <ac:inkMk id="54" creationId="{A615AEB3-CD51-F49B-D5E4-C5BD23A2DE72}"/>
-          </ac:inkMkLst>
-        </pc:inkChg>
-        <pc:inkChg chg="add del">
-          <ac:chgData name="Weifeng Xu" userId="e7aed605-a3dd-4d5a-a692-a87037af107b" providerId="ADAL" clId="{69090D41-60B8-4636-A275-1996D027DEDB}" dt="2025-05-04T20:22:08.919" v="3355" actId="9405"/>
-          <ac:inkMkLst>
-            <pc:docMk/>
-            <pc:sldMk cId="1683674305" sldId="263"/>
-            <ac:inkMk id="55" creationId="{A1B02E44-41C5-F614-1ABC-303D23134D96}"/>
           </ac:inkMkLst>
         </pc:inkChg>
         <pc:inkChg chg="add mod">
@@ -1334,22 +1206,6 @@
             <pc:docMk/>
             <pc:sldMk cId="1683674305" sldId="263"/>
             <ac:cxnSpMk id="47" creationId="{4EEB96FB-C4E9-9CC1-3D83-67C82A654F4B}"/>
-          </ac:cxnSpMkLst>
-        </pc:cxnChg>
-        <pc:cxnChg chg="add del mod">
-          <ac:chgData name="Weifeng Xu" userId="e7aed605-a3dd-4d5a-a692-a87037af107b" providerId="ADAL" clId="{69090D41-60B8-4636-A275-1996D027DEDB}" dt="2025-05-04T20:21:34.303" v="3346" actId="478"/>
-          <ac:cxnSpMkLst>
-            <pc:docMk/>
-            <pc:sldMk cId="1683674305" sldId="263"/>
-            <ac:cxnSpMk id="48" creationId="{E807FE05-D11B-240F-FF39-F2AF4ACED068}"/>
-          </ac:cxnSpMkLst>
-        </pc:cxnChg>
-        <pc:cxnChg chg="add del mod">
-          <ac:chgData name="Weifeng Xu" userId="e7aed605-a3dd-4d5a-a692-a87037af107b" providerId="ADAL" clId="{69090D41-60B8-4636-A275-1996D027DEDB}" dt="2025-05-04T20:21:45.369" v="3349" actId="478"/>
-          <ac:cxnSpMkLst>
-            <pc:docMk/>
-            <pc:sldMk cId="1683674305" sldId="263"/>
-            <ac:cxnSpMk id="49" creationId="{C75FD06F-6C84-01AB-55D2-BFC338065933}"/>
           </ac:cxnSpMkLst>
         </pc:cxnChg>
         <pc:cxnChg chg="add mod">
@@ -1430,22 +1286,6 @@
             <ac:picMk id="4" creationId="{A5A18B8E-196F-4DB7-406C-5BD0CAADA528}"/>
           </ac:picMkLst>
         </pc:picChg>
-        <pc:picChg chg="add del mod">
-          <ac:chgData name="Weifeng Xu" userId="e7aed605-a3dd-4d5a-a692-a87037af107b" providerId="ADAL" clId="{69090D41-60B8-4636-A275-1996D027DEDB}" dt="2025-05-04T02:01:20.628" v="1958" actId="478"/>
-          <ac:picMkLst>
-            <pc:docMk/>
-            <pc:sldMk cId="14529535" sldId="264"/>
-            <ac:picMk id="5" creationId="{20DB069A-5E05-0CED-B394-F2B5E7717755}"/>
-          </ac:picMkLst>
-        </pc:picChg>
-        <pc:picChg chg="add del mod">
-          <ac:chgData name="Weifeng Xu" userId="e7aed605-a3dd-4d5a-a692-a87037af107b" providerId="ADAL" clId="{69090D41-60B8-4636-A275-1996D027DEDB}" dt="2025-05-04T02:03:00.455" v="1966" actId="478"/>
-          <ac:picMkLst>
-            <pc:docMk/>
-            <pc:sldMk cId="14529535" sldId="264"/>
-            <ac:picMk id="6" creationId="{34DCD21E-D1EB-9A0F-C150-7E0FEA00440F}"/>
-          </ac:picMkLst>
-        </pc:picChg>
         <pc:picChg chg="add mod">
           <ac:chgData name="Weifeng Xu" userId="e7aed605-a3dd-4d5a-a692-a87037af107b" providerId="ADAL" clId="{69090D41-60B8-4636-A275-1996D027DEDB}" dt="2025-05-04T13:10:29.426" v="2108" actId="1076"/>
           <ac:picMkLst>
@@ -1492,22 +1332,6 @@
           <pc:docMk/>
           <pc:sldMk cId="2513134488" sldId="265"/>
         </pc:sldMkLst>
-        <pc:spChg chg="del mod ord">
-          <ac:chgData name="Weifeng Xu" userId="e7aed605-a3dd-4d5a-a692-a87037af107b" providerId="ADAL" clId="{69090D41-60B8-4636-A275-1996D027DEDB}" dt="2025-05-04T02:10:55.341" v="2039" actId="700"/>
-          <ac:spMkLst>
-            <pc:docMk/>
-            <pc:sldMk cId="2513134488" sldId="265"/>
-            <ac:spMk id="2" creationId="{6B22DA36-1C93-8CB0-ECD0-240984330F74}"/>
-          </ac:spMkLst>
-        </pc:spChg>
-        <pc:spChg chg="del mod ord">
-          <ac:chgData name="Weifeng Xu" userId="e7aed605-a3dd-4d5a-a692-a87037af107b" providerId="ADAL" clId="{69090D41-60B8-4636-A275-1996D027DEDB}" dt="2025-05-04T02:10:55.341" v="2039" actId="700"/>
-          <ac:spMkLst>
-            <pc:docMk/>
-            <pc:sldMk cId="2513134488" sldId="265"/>
-            <ac:spMk id="3" creationId="{37D29B6D-077F-C611-273A-BB5631F2198C}"/>
-          </ac:spMkLst>
-        </pc:spChg>
         <pc:spChg chg="add mod ord">
           <ac:chgData name="Weifeng Xu" userId="e7aed605-a3dd-4d5a-a692-a87037af107b" providerId="ADAL" clId="{69090D41-60B8-4636-A275-1996D027DEDB}" dt="2025-05-04T02:10:58.399" v="2040"/>
           <ac:spMkLst>
@@ -1538,22 +1362,6 @@
           <pc:docMk/>
           <pc:sldMk cId="2697101003" sldId="266"/>
         </pc:sldMkLst>
-        <pc:spChg chg="del mod ord">
-          <ac:chgData name="Weifeng Xu" userId="e7aed605-a3dd-4d5a-a692-a87037af107b" providerId="ADAL" clId="{69090D41-60B8-4636-A275-1996D027DEDB}" dt="2025-05-04T02:11:21.528" v="2042" actId="700"/>
-          <ac:spMkLst>
-            <pc:docMk/>
-            <pc:sldMk cId="2697101003" sldId="266"/>
-            <ac:spMk id="2" creationId="{7C30AD58-514F-A7D0-7A08-6267617A691E}"/>
-          </ac:spMkLst>
-        </pc:spChg>
-        <pc:spChg chg="del mod ord">
-          <ac:chgData name="Weifeng Xu" userId="e7aed605-a3dd-4d5a-a692-a87037af107b" providerId="ADAL" clId="{69090D41-60B8-4636-A275-1996D027DEDB}" dt="2025-05-04T02:11:21.528" v="2042" actId="700"/>
-          <ac:spMkLst>
-            <pc:docMk/>
-            <pc:sldMk cId="2697101003" sldId="266"/>
-            <ac:spMk id="3" creationId="{1376880C-80FF-11A4-9F02-96A6FBD3AF4D}"/>
-          </ac:spMkLst>
-        </pc:spChg>
         <pc:spChg chg="add mod ord">
           <ac:chgData name="Weifeng Xu" userId="e7aed605-a3dd-4d5a-a692-a87037af107b" providerId="ADAL" clId="{69090D41-60B8-4636-A275-1996D027DEDB}" dt="2025-05-04T23:50:40.716" v="4038" actId="6549"/>
           <ac:spMkLst>
@@ -1591,22 +1399,6 @@
           <pc:docMk/>
           <pc:sldMk cId="2718594992" sldId="267"/>
         </pc:sldMkLst>
-        <pc:spChg chg="del">
-          <ac:chgData name="Weifeng Xu" userId="e7aed605-a3dd-4d5a-a692-a87037af107b" providerId="ADAL" clId="{69090D41-60B8-4636-A275-1996D027DEDB}" dt="2025-05-04T11:47:49.462" v="2051" actId="700"/>
-          <ac:spMkLst>
-            <pc:docMk/>
-            <pc:sldMk cId="2718594992" sldId="267"/>
-            <ac:spMk id="2" creationId="{543B8A8A-311A-7E83-D494-F7B5760C43CD}"/>
-          </ac:spMkLst>
-        </pc:spChg>
-        <pc:spChg chg="del">
-          <ac:chgData name="Weifeng Xu" userId="e7aed605-a3dd-4d5a-a692-a87037af107b" providerId="ADAL" clId="{69090D41-60B8-4636-A275-1996D027DEDB}" dt="2025-05-04T11:47:49.462" v="2051" actId="700"/>
-          <ac:spMkLst>
-            <pc:docMk/>
-            <pc:sldMk cId="2718594992" sldId="267"/>
-            <ac:spMk id="3" creationId="{0956F353-63A9-EF82-7861-999E3702642A}"/>
-          </ac:spMkLst>
-        </pc:spChg>
         <pc:picChg chg="add mod">
           <ac:chgData name="Weifeng Xu" userId="e7aed605-a3dd-4d5a-a692-a87037af107b" providerId="ADAL" clId="{69090D41-60B8-4636-A275-1996D027DEDB}" dt="2025-05-04T11:48:14.823" v="2052"/>
           <ac:picMkLst>
@@ -1629,22 +1421,6 @@
           <pc:docMk/>
           <pc:sldMk cId="2848934703" sldId="268"/>
         </pc:sldMkLst>
-        <pc:spChg chg="del mod ord">
-          <ac:chgData name="Weifeng Xu" userId="e7aed605-a3dd-4d5a-a692-a87037af107b" providerId="ADAL" clId="{69090D41-60B8-4636-A275-1996D027DEDB}" dt="2025-05-04T12:50:49.081" v="2054" actId="700"/>
-          <ac:spMkLst>
-            <pc:docMk/>
-            <pc:sldMk cId="2848934703" sldId="268"/>
-            <ac:spMk id="2" creationId="{539D0B38-0B28-30F2-D214-6C01BA3901C9}"/>
-          </ac:spMkLst>
-        </pc:spChg>
-        <pc:spChg chg="del">
-          <ac:chgData name="Weifeng Xu" userId="e7aed605-a3dd-4d5a-a692-a87037af107b" providerId="ADAL" clId="{69090D41-60B8-4636-A275-1996D027DEDB}" dt="2025-05-04T12:50:49.081" v="2054" actId="700"/>
-          <ac:spMkLst>
-            <pc:docMk/>
-            <pc:sldMk cId="2848934703" sldId="268"/>
-            <ac:spMk id="3" creationId="{C41E3B34-A044-F242-8026-8A7545EFB817}"/>
-          </ac:spMkLst>
-        </pc:spChg>
         <pc:spChg chg="add mod ord">
           <ac:chgData name="Weifeng Xu" userId="e7aed605-a3dd-4d5a-a692-a87037af107b" providerId="ADAL" clId="{69090D41-60B8-4636-A275-1996D027DEDB}" dt="2025-05-04T23:47:37.298" v="4026" actId="20577"/>
           <ac:spMkLst>
@@ -1677,14 +1453,6 @@
             <ac:spMk id="18" creationId="{07F59B44-BFCC-B32D-A232-240B62F299B1}"/>
           </ac:spMkLst>
         </pc:spChg>
-        <pc:spChg chg="add del mod">
-          <ac:chgData name="Weifeng Xu" userId="e7aed605-a3dd-4d5a-a692-a87037af107b" providerId="ADAL" clId="{69090D41-60B8-4636-A275-1996D027DEDB}" dt="2025-05-04T20:38:27.893" v="3504" actId="478"/>
-          <ac:spMkLst>
-            <pc:docMk/>
-            <pc:sldMk cId="2848934703" sldId="268"/>
-            <ac:spMk id="19" creationId="{244EF3C4-862F-D021-D243-8036A2F85B82}"/>
-          </ac:spMkLst>
-        </pc:spChg>
         <pc:spChg chg="add mod">
           <ac:chgData name="Weifeng Xu" userId="e7aed605-a3dd-4d5a-a692-a87037af107b" providerId="ADAL" clId="{69090D41-60B8-4636-A275-1996D027DEDB}" dt="2025-05-04T20:43:11.938" v="3534" actId="1076"/>
           <ac:spMkLst>
@@ -1725,46 +1493,6 @@
             <ac:graphicFrameMk id="14" creationId="{B1F80447-D85E-EF74-E83A-E888CB052341}"/>
           </ac:graphicFrameMkLst>
         </pc:graphicFrameChg>
-        <pc:picChg chg="add del mod">
-          <ac:chgData name="Weifeng Xu" userId="e7aed605-a3dd-4d5a-a692-a87037af107b" providerId="ADAL" clId="{69090D41-60B8-4636-A275-1996D027DEDB}" dt="2025-05-04T12:56:56.617" v="2067" actId="478"/>
-          <ac:picMkLst>
-            <pc:docMk/>
-            <pc:sldMk cId="2848934703" sldId="268"/>
-            <ac:picMk id="7" creationId="{F07FCC5D-E681-72B7-9119-2322F7B86608}"/>
-          </ac:picMkLst>
-        </pc:picChg>
-        <pc:picChg chg="add del mod">
-          <ac:chgData name="Weifeng Xu" userId="e7aed605-a3dd-4d5a-a692-a87037af107b" providerId="ADAL" clId="{69090D41-60B8-4636-A275-1996D027DEDB}" dt="2025-05-04T20:40:41.488" v="3511" actId="478"/>
-          <ac:picMkLst>
-            <pc:docMk/>
-            <pc:sldMk cId="2848934703" sldId="268"/>
-            <ac:picMk id="9" creationId="{D7D4F863-A836-A21A-6EB7-0268FE808EF6}"/>
-          </ac:picMkLst>
-        </pc:picChg>
-        <pc:picChg chg="add del mod">
-          <ac:chgData name="Weifeng Xu" userId="e7aed605-a3dd-4d5a-a692-a87037af107b" providerId="ADAL" clId="{69090D41-60B8-4636-A275-1996D027DEDB}" dt="2025-05-04T13:04:12.335" v="2103" actId="478"/>
-          <ac:picMkLst>
-            <pc:docMk/>
-            <pc:sldMk cId="2848934703" sldId="268"/>
-            <ac:picMk id="11" creationId="{0FD52F0B-1B57-827F-7583-81D0B3334F79}"/>
-          </ac:picMkLst>
-        </pc:picChg>
-        <pc:picChg chg="add del mod">
-          <ac:chgData name="Weifeng Xu" userId="e7aed605-a3dd-4d5a-a692-a87037af107b" providerId="ADAL" clId="{69090D41-60B8-4636-A275-1996D027DEDB}" dt="2025-05-04T19:41:08.821" v="2880" actId="478"/>
-          <ac:picMkLst>
-            <pc:docMk/>
-            <pc:sldMk cId="2848934703" sldId="268"/>
-            <ac:picMk id="21" creationId="{89546667-011D-CB7B-DF3D-A14CC29C62AE}"/>
-          </ac:picMkLst>
-        </pc:picChg>
-        <pc:picChg chg="add del mod">
-          <ac:chgData name="Weifeng Xu" userId="e7aed605-a3dd-4d5a-a692-a87037af107b" providerId="ADAL" clId="{69090D41-60B8-4636-A275-1996D027DEDB}" dt="2025-05-04T19:42:54.245" v="2886" actId="478"/>
-          <ac:picMkLst>
-            <pc:docMk/>
-            <pc:sldMk cId="2848934703" sldId="268"/>
-            <ac:picMk id="23" creationId="{ABFFBC0E-B386-A10C-B05A-776D099E18A9}"/>
-          </ac:picMkLst>
-        </pc:picChg>
         <pc:picChg chg="add mod">
           <ac:chgData name="Weifeng Xu" userId="e7aed605-a3dd-4d5a-a692-a87037af107b" providerId="ADAL" clId="{69090D41-60B8-4636-A275-1996D027DEDB}" dt="2025-05-04T23:45:07.823" v="4022" actId="207"/>
           <ac:picMkLst>
@@ -1787,38 +1515,6 @@
           <pc:docMk/>
           <pc:sldMk cId="2627592652" sldId="269"/>
         </pc:sldMkLst>
-        <pc:spChg chg="del mod ord">
-          <ac:chgData name="Weifeng Xu" userId="e7aed605-a3dd-4d5a-a692-a87037af107b" providerId="ADAL" clId="{69090D41-60B8-4636-A275-1996D027DEDB}" dt="2025-05-04T13:03:41.185" v="2092" actId="700"/>
-          <ac:spMkLst>
-            <pc:docMk/>
-            <pc:sldMk cId="2627592652" sldId="269"/>
-            <ac:spMk id="2" creationId="{68D0DAF1-F583-6B98-36EF-628E47D59F61}"/>
-          </ac:spMkLst>
-        </pc:spChg>
-        <pc:spChg chg="del">
-          <ac:chgData name="Weifeng Xu" userId="e7aed605-a3dd-4d5a-a692-a87037af107b" providerId="ADAL" clId="{69090D41-60B8-4636-A275-1996D027DEDB}" dt="2025-05-04T13:03:41.185" v="2092" actId="700"/>
-          <ac:spMkLst>
-            <pc:docMk/>
-            <pc:sldMk cId="2627592652" sldId="269"/>
-            <ac:spMk id="3" creationId="{EE42AE8D-97E8-A3EC-BBCD-13DBD389CEA5}"/>
-          </ac:spMkLst>
-        </pc:spChg>
-        <pc:spChg chg="add del mod ord">
-          <ac:chgData name="Weifeng Xu" userId="e7aed605-a3dd-4d5a-a692-a87037af107b" providerId="ADAL" clId="{69090D41-60B8-4636-A275-1996D027DEDB}" dt="2025-05-04T13:03:50.228" v="2095" actId="700"/>
-          <ac:spMkLst>
-            <pc:docMk/>
-            <pc:sldMk cId="2627592652" sldId="269"/>
-            <ac:spMk id="4" creationId="{D9A9E910-622E-9679-44E5-6310F0DDF00B}"/>
-          </ac:spMkLst>
-        </pc:spChg>
-        <pc:spChg chg="add del mod">
-          <ac:chgData name="Weifeng Xu" userId="e7aed605-a3dd-4d5a-a692-a87037af107b" providerId="ADAL" clId="{69090D41-60B8-4636-A275-1996D027DEDB}" dt="2025-05-04T21:25:03.006" v="3789" actId="478"/>
-          <ac:spMkLst>
-            <pc:docMk/>
-            <pc:sldMk cId="2627592652" sldId="269"/>
-            <ac:spMk id="9" creationId="{C2E747B6-0665-B389-2D12-1819FA373C07}"/>
-          </ac:spMkLst>
-        </pc:spChg>
         <pc:spChg chg="add mod ord">
           <ac:chgData name="Weifeng Xu" userId="e7aed605-a3dd-4d5a-a692-a87037af107b" providerId="ADAL" clId="{69090D41-60B8-4636-A275-1996D027DEDB}" dt="2025-05-04T21:24:53.987" v="3788"/>
           <ac:spMkLst>
@@ -1857,22 +1553,6 @@
           <pc:docMk/>
           <pc:sldMk cId="3686103974" sldId="270"/>
         </pc:sldMkLst>
-        <pc:spChg chg="add mod">
-          <ac:chgData name="Weifeng Xu" userId="e7aed605-a3dd-4d5a-a692-a87037af107b" providerId="ADAL" clId="{69090D41-60B8-4636-A275-1996D027DEDB}" dt="2025-05-04T15:18:41.437" v="2123"/>
-          <ac:spMkLst>
-            <pc:docMk/>
-            <pc:sldMk cId="3686103974" sldId="270"/>
-            <ac:spMk id="2" creationId="{131FEB87-16D9-5BE0-DF6F-C813C672CA92}"/>
-          </ac:spMkLst>
-        </pc:spChg>
-        <pc:spChg chg="add mod">
-          <ac:chgData name="Weifeng Xu" userId="e7aed605-a3dd-4d5a-a692-a87037af107b" providerId="ADAL" clId="{69090D41-60B8-4636-A275-1996D027DEDB}" dt="2025-05-04T15:20:36.164" v="2126"/>
-          <ac:spMkLst>
-            <pc:docMk/>
-            <pc:sldMk cId="3686103974" sldId="270"/>
-            <ac:spMk id="3" creationId="{363F9076-816B-EFCD-66B3-6FD374148779}"/>
-          </ac:spMkLst>
-        </pc:spChg>
       </pc:sldChg>
       <pc:sldChg chg="addSp delSp modSp new mod ord modClrScheme chgLayout">
         <pc:chgData name="Weifeng Xu" userId="e7aed605-a3dd-4d5a-a692-a87037af107b" providerId="ADAL" clId="{69090D41-60B8-4636-A275-1996D027DEDB}" dt="2025-05-05T01:21:44.476" v="4316" actId="1076"/>
@@ -1880,46 +1560,6 @@
           <pc:docMk/>
           <pc:sldMk cId="2150245760" sldId="271"/>
         </pc:sldMkLst>
-        <pc:spChg chg="del mod ord">
-          <ac:chgData name="Weifeng Xu" userId="e7aed605-a3dd-4d5a-a692-a87037af107b" providerId="ADAL" clId="{69090D41-60B8-4636-A275-1996D027DEDB}" dt="2025-05-04T15:18:54.786" v="2125" actId="700"/>
-          <ac:spMkLst>
-            <pc:docMk/>
-            <pc:sldMk cId="2150245760" sldId="271"/>
-            <ac:spMk id="2" creationId="{F2BEC40D-0813-BB1D-1521-CBC32B55C249}"/>
-          </ac:spMkLst>
-        </pc:spChg>
-        <pc:spChg chg="del mod ord">
-          <ac:chgData name="Weifeng Xu" userId="e7aed605-a3dd-4d5a-a692-a87037af107b" providerId="ADAL" clId="{69090D41-60B8-4636-A275-1996D027DEDB}" dt="2025-05-04T15:18:54.786" v="2125" actId="700"/>
-          <ac:spMkLst>
-            <pc:docMk/>
-            <pc:sldMk cId="2150245760" sldId="271"/>
-            <ac:spMk id="3" creationId="{0D213857-25F9-3F2B-B1CA-28D32025DC6F}"/>
-          </ac:spMkLst>
-        </pc:spChg>
-        <pc:spChg chg="add del mod ord">
-          <ac:chgData name="Weifeng Xu" userId="e7aed605-a3dd-4d5a-a692-a87037af107b" providerId="ADAL" clId="{69090D41-60B8-4636-A275-1996D027DEDB}" dt="2025-05-04T15:21:05.787" v="2127" actId="700"/>
-          <ac:spMkLst>
-            <pc:docMk/>
-            <pc:sldMk cId="2150245760" sldId="271"/>
-            <ac:spMk id="4" creationId="{C8FB3D07-941A-9AF3-E30E-EA7B65A40F72}"/>
-          </ac:spMkLst>
-        </pc:spChg>
-        <pc:spChg chg="add del mod ord">
-          <ac:chgData name="Weifeng Xu" userId="e7aed605-a3dd-4d5a-a692-a87037af107b" providerId="ADAL" clId="{69090D41-60B8-4636-A275-1996D027DEDB}" dt="2025-05-04T15:21:05.787" v="2127" actId="700"/>
-          <ac:spMkLst>
-            <pc:docMk/>
-            <pc:sldMk cId="2150245760" sldId="271"/>
-            <ac:spMk id="5" creationId="{FE286443-E16D-2B43-0BDE-F7AC9E881CF0}"/>
-          </ac:spMkLst>
-        </pc:spChg>
-        <pc:spChg chg="add del mod ord">
-          <ac:chgData name="Weifeng Xu" userId="e7aed605-a3dd-4d5a-a692-a87037af107b" providerId="ADAL" clId="{69090D41-60B8-4636-A275-1996D027DEDB}" dt="2025-05-04T15:21:11.922" v="2128" actId="700"/>
-          <ac:spMkLst>
-            <pc:docMk/>
-            <pc:sldMk cId="2150245760" sldId="271"/>
-            <ac:spMk id="6" creationId="{C4F2116D-C558-E829-658D-5A6E41FCBE29}"/>
-          </ac:spMkLst>
-        </pc:spChg>
         <pc:spChg chg="add mod">
           <ac:chgData name="Weifeng Xu" userId="e7aed605-a3dd-4d5a-a692-a87037af107b" providerId="ADAL" clId="{69090D41-60B8-4636-A275-1996D027DEDB}" dt="2025-05-04T19:58:11.960" v="2966" actId="6549"/>
           <ac:spMkLst>
@@ -1958,14 +1598,6 @@
             <pc:docMk/>
             <pc:sldMk cId="2150245760" sldId="271"/>
             <ac:spMk id="27" creationId="{335FBF8C-EC4C-2B92-7B7D-4877108259FF}"/>
-          </ac:spMkLst>
-        </pc:spChg>
-        <pc:spChg chg="add del mod">
-          <ac:chgData name="Weifeng Xu" userId="e7aed605-a3dd-4d5a-a692-a87037af107b" providerId="ADAL" clId="{69090D41-60B8-4636-A275-1996D027DEDB}" dt="2025-05-04T15:48:20.108" v="2288" actId="478"/>
-          <ac:spMkLst>
-            <pc:docMk/>
-            <pc:sldMk cId="2150245760" sldId="271"/>
-            <ac:spMk id="30" creationId="{44ECAD27-E0DA-1B72-8309-364E480D0D83}"/>
           </ac:spMkLst>
         </pc:spChg>
         <pc:spChg chg="add mod">
@@ -2081,35 +1713,11 @@
         </pc:picChg>
       </pc:sldChg>
       <pc:sldChg chg="addSp delSp modSp add mod modClrScheme chgLayout">
-        <pc:chgData name="Weifeng Xu" userId="e7aed605-a3dd-4d5a-a692-a87037af107b" providerId="ADAL" clId="{69090D41-60B8-4636-A275-1996D027DEDB}" dt="2025-05-05T00:12:48.273" v="4241" actId="1076"/>
+        <pc:chgData name="Weifeng Xu" userId="e7aed605-a3dd-4d5a-a692-a87037af107b" providerId="ADAL" clId="{69090D41-60B8-4636-A275-1996D027DEDB}" dt="2025-05-20T13:45:22.817" v="4525" actId="1076"/>
         <pc:sldMkLst>
           <pc:docMk/>
           <pc:sldMk cId="2994016025" sldId="273"/>
         </pc:sldMkLst>
-        <pc:spChg chg="add del mod">
-          <ac:chgData name="Weifeng Xu" userId="e7aed605-a3dd-4d5a-a692-a87037af107b" providerId="ADAL" clId="{69090D41-60B8-4636-A275-1996D027DEDB}" dt="2025-05-04T20:46:10.520" v="3537" actId="700"/>
-          <ac:spMkLst>
-            <pc:docMk/>
-            <pc:sldMk cId="2994016025" sldId="273"/>
-            <ac:spMk id="3" creationId="{DAF34144-40D8-4F70-A3D9-133D4ADB849C}"/>
-          </ac:spMkLst>
-        </pc:spChg>
-        <pc:spChg chg="del mod">
-          <ac:chgData name="Weifeng Xu" userId="e7aed605-a3dd-4d5a-a692-a87037af107b" providerId="ADAL" clId="{69090D41-60B8-4636-A275-1996D027DEDB}" dt="2025-05-04T20:46:10.520" v="3537" actId="700"/>
-          <ac:spMkLst>
-            <pc:docMk/>
-            <pc:sldMk cId="2994016025" sldId="273"/>
-            <ac:spMk id="4" creationId="{11E043C2-5CC9-5408-7BDA-023071FCCC9B}"/>
-          </ac:spMkLst>
-        </pc:spChg>
-        <pc:spChg chg="del">
-          <ac:chgData name="Weifeng Xu" userId="e7aed605-a3dd-4d5a-a692-a87037af107b" providerId="ADAL" clId="{69090D41-60B8-4636-A275-1996D027DEDB}" dt="2025-05-04T20:46:04.430" v="3536" actId="478"/>
-          <ac:spMkLst>
-            <pc:docMk/>
-            <pc:sldMk cId="2994016025" sldId="273"/>
-            <ac:spMk id="5" creationId="{4B7043D5-0CC5-F66A-0768-06B20E593ABB}"/>
-          </ac:spMkLst>
-        </pc:spChg>
         <pc:spChg chg="add mod ord">
           <ac:chgData name="Weifeng Xu" userId="e7aed605-a3dd-4d5a-a692-a87037af107b" providerId="ADAL" clId="{69090D41-60B8-4636-A275-1996D027DEDB}" dt="2025-05-04T23:51:34.472" v="4046"/>
           <ac:spMkLst>
@@ -2134,22 +1742,6 @@
             <ac:spMk id="15" creationId="{D8D48CDA-2310-7105-C67B-2F5B856D65FD}"/>
           </ac:spMkLst>
         </pc:spChg>
-        <pc:spChg chg="del">
-          <ac:chgData name="Weifeng Xu" userId="e7aed605-a3dd-4d5a-a692-a87037af107b" providerId="ADAL" clId="{69090D41-60B8-4636-A275-1996D027DEDB}" dt="2025-05-04T20:46:17.164" v="3540" actId="478"/>
-          <ac:spMkLst>
-            <pc:docMk/>
-            <pc:sldMk cId="2994016025" sldId="273"/>
-            <ac:spMk id="16" creationId="{686774E4-6D76-76BB-AF82-515682F34ED7}"/>
-          </ac:spMkLst>
-        </pc:spChg>
-        <pc:spChg chg="del">
-          <ac:chgData name="Weifeng Xu" userId="e7aed605-a3dd-4d5a-a692-a87037af107b" providerId="ADAL" clId="{69090D41-60B8-4636-A275-1996D027DEDB}" dt="2025-05-04T20:46:15.038" v="3539" actId="478"/>
-          <ac:spMkLst>
-            <pc:docMk/>
-            <pc:sldMk cId="2994016025" sldId="273"/>
-            <ac:spMk id="18" creationId="{F3B63103-DC3A-3FB5-8F16-1E45F4B38173}"/>
-          </ac:spMkLst>
-        </pc:spChg>
         <pc:spChg chg="add mod">
           <ac:chgData name="Weifeng Xu" userId="e7aed605-a3dd-4d5a-a692-a87037af107b" providerId="ADAL" clId="{69090D41-60B8-4636-A275-1996D027DEDB}" dt="2025-05-05T00:10:34.611" v="4167" actId="1076"/>
           <ac:spMkLst>
@@ -2159,61 +1751,21 @@
           </ac:spMkLst>
         </pc:spChg>
         <pc:spChg chg="add del mod">
-          <ac:chgData name="Weifeng Xu" userId="e7aed605-a3dd-4d5a-a692-a87037af107b" providerId="ADAL" clId="{69090D41-60B8-4636-A275-1996D027DEDB}" dt="2025-05-05T00:08:16.463" v="4135" actId="478"/>
-          <ac:spMkLst>
-            <pc:docMk/>
-            <pc:sldMk cId="2994016025" sldId="273"/>
-            <ac:spMk id="23" creationId="{39213AB5-7FFF-5750-7B2A-E4071B77D6DE}"/>
-          </ac:spMkLst>
-        </pc:spChg>
-        <pc:spChg chg="del">
-          <ac:chgData name="Weifeng Xu" userId="e7aed605-a3dd-4d5a-a692-a87037af107b" providerId="ADAL" clId="{69090D41-60B8-4636-A275-1996D027DEDB}" dt="2025-05-04T20:46:15.038" v="3539" actId="478"/>
-          <ac:spMkLst>
-            <pc:docMk/>
-            <pc:sldMk cId="2994016025" sldId="273"/>
-            <ac:spMk id="26" creationId="{E79CD8DA-48F1-501E-1BFB-F31C309558DC}"/>
-          </ac:spMkLst>
-        </pc:spChg>
-        <pc:spChg chg="add mod">
-          <ac:chgData name="Weifeng Xu" userId="e7aed605-a3dd-4d5a-a692-a87037af107b" providerId="ADAL" clId="{69090D41-60B8-4636-A275-1996D027DEDB}" dt="2025-05-05T00:11:18.062" v="4175" actId="1076"/>
+          <ac:chgData name="Weifeng Xu" userId="e7aed605-a3dd-4d5a-a692-a87037af107b" providerId="ADAL" clId="{69090D41-60B8-4636-A275-1996D027DEDB}" dt="2025-05-20T13:44:47.485" v="4520"/>
           <ac:spMkLst>
             <pc:docMk/>
             <pc:sldMk cId="2994016025" sldId="273"/>
             <ac:spMk id="28" creationId="{18A89ECF-E73D-2771-D673-9F5235F3A604}"/>
           </ac:spMkLst>
         </pc:spChg>
-        <pc:spChg chg="add mod">
-          <ac:chgData name="Weifeng Xu" userId="e7aed605-a3dd-4d5a-a692-a87037af107b" providerId="ADAL" clId="{69090D41-60B8-4636-A275-1996D027DEDB}" dt="2025-05-05T00:12:20.723" v="4237" actId="207"/>
+        <pc:spChg chg="add del mod">
+          <ac:chgData name="Weifeng Xu" userId="e7aed605-a3dd-4d5a-a692-a87037af107b" providerId="ADAL" clId="{69090D41-60B8-4636-A275-1996D027DEDB}" dt="2025-05-20T13:44:47.483" v="4518" actId="478"/>
           <ac:spMkLst>
             <pc:docMk/>
             <pc:sldMk cId="2994016025" sldId="273"/>
             <ac:spMk id="30" creationId="{BEFADC7B-A33C-9E58-3F18-BAD83257FC7D}"/>
           </ac:spMkLst>
         </pc:spChg>
-        <pc:graphicFrameChg chg="del">
-          <ac:chgData name="Weifeng Xu" userId="e7aed605-a3dd-4d5a-a692-a87037af107b" providerId="ADAL" clId="{69090D41-60B8-4636-A275-1996D027DEDB}" dt="2025-05-04T20:46:15.038" v="3539" actId="478"/>
-          <ac:graphicFrameMkLst>
-            <pc:docMk/>
-            <pc:sldMk cId="2994016025" sldId="273"/>
-            <ac:graphicFrameMk id="12" creationId="{EA54174C-3ACF-2208-F395-12C64DF4F514}"/>
-          </ac:graphicFrameMkLst>
-        </pc:graphicFrameChg>
-        <pc:graphicFrameChg chg="del">
-          <ac:chgData name="Weifeng Xu" userId="e7aed605-a3dd-4d5a-a692-a87037af107b" providerId="ADAL" clId="{69090D41-60B8-4636-A275-1996D027DEDB}" dt="2025-05-04T20:46:15.038" v="3539" actId="478"/>
-          <ac:graphicFrameMkLst>
-            <pc:docMk/>
-            <pc:sldMk cId="2994016025" sldId="273"/>
-            <ac:graphicFrameMk id="13" creationId="{78ED037C-9799-ADF4-CF36-BF91D63D982A}"/>
-          </ac:graphicFrameMkLst>
-        </pc:graphicFrameChg>
-        <pc:graphicFrameChg chg="del">
-          <ac:chgData name="Weifeng Xu" userId="e7aed605-a3dd-4d5a-a692-a87037af107b" providerId="ADAL" clId="{69090D41-60B8-4636-A275-1996D027DEDB}" dt="2025-05-04T20:46:15.038" v="3539" actId="478"/>
-          <ac:graphicFrameMkLst>
-            <pc:docMk/>
-            <pc:sldMk cId="2994016025" sldId="273"/>
-            <ac:graphicFrameMk id="14" creationId="{D01CFCAF-9477-7B73-C263-246F95D10F44}"/>
-          </ac:graphicFrameMkLst>
-        </pc:graphicFrameChg>
         <pc:picChg chg="add mod modCrop">
           <ac:chgData name="Weifeng Xu" userId="e7aed605-a3dd-4d5a-a692-a87037af107b" providerId="ADAL" clId="{69090D41-60B8-4636-A275-1996D027DEDB}" dt="2025-05-05T00:10:38.009" v="4169" actId="14100"/>
           <ac:picMkLst>
@@ -2223,7 +1775,7 @@
           </ac:picMkLst>
         </pc:picChg>
         <pc:picChg chg="mod modCrop">
-          <ac:chgData name="Weifeng Xu" userId="e7aed605-a3dd-4d5a-a692-a87037af107b" providerId="ADAL" clId="{69090D41-60B8-4636-A275-1996D027DEDB}" dt="2025-05-05T00:11:18.062" v="4175" actId="1076"/>
+          <ac:chgData name="Weifeng Xu" userId="e7aed605-a3dd-4d5a-a692-a87037af107b" providerId="ADAL" clId="{69090D41-60B8-4636-A275-1996D027DEDB}" dt="2025-05-20T13:45:17.992" v="4523" actId="14100"/>
           <ac:picMkLst>
             <pc:docMk/>
             <pc:sldMk cId="2994016025" sldId="273"/>
@@ -2238,24 +1790,8 @@
             <ac:picMk id="19" creationId="{2DD0C426-5B20-1643-9A5B-AAC43B7CDA9D}"/>
           </ac:picMkLst>
         </pc:picChg>
-        <pc:picChg chg="del">
-          <ac:chgData name="Weifeng Xu" userId="e7aed605-a3dd-4d5a-a692-a87037af107b" providerId="ADAL" clId="{69090D41-60B8-4636-A275-1996D027DEDB}" dt="2025-05-04T20:46:12.194" v="3538" actId="478"/>
-          <ac:picMkLst>
-            <pc:docMk/>
-            <pc:sldMk cId="2994016025" sldId="273"/>
-            <ac:picMk id="25" creationId="{64B9C7E2-9D2A-DCCC-7BA0-AEE29F46073D}"/>
-          </ac:picMkLst>
-        </pc:picChg>
-        <pc:picChg chg="add del mod">
-          <ac:chgData name="Weifeng Xu" userId="e7aed605-a3dd-4d5a-a692-a87037af107b" providerId="ADAL" clId="{69090D41-60B8-4636-A275-1996D027DEDB}" dt="2025-05-05T00:11:06.849" v="4173" actId="478"/>
-          <ac:picMkLst>
-            <pc:docMk/>
-            <pc:sldMk cId="2994016025" sldId="273"/>
-            <ac:picMk id="27" creationId="{4B50488E-FCBD-19CB-496E-B9AA3B2F5627}"/>
-          </ac:picMkLst>
-        </pc:picChg>
         <pc:picChg chg="add mod modCrop">
-          <ac:chgData name="Weifeng Xu" userId="e7aed605-a3dd-4d5a-a692-a87037af107b" providerId="ADAL" clId="{69090D41-60B8-4636-A275-1996D027DEDB}" dt="2025-05-05T00:12:48.273" v="4241" actId="1076"/>
+          <ac:chgData name="Weifeng Xu" userId="e7aed605-a3dd-4d5a-a692-a87037af107b" providerId="ADAL" clId="{69090D41-60B8-4636-A275-1996D027DEDB}" dt="2025-05-20T13:45:22.817" v="4525" actId="1076"/>
           <ac:picMkLst>
             <pc:docMk/>
             <pc:sldMk cId="2994016025" sldId="273"/>
@@ -2270,8 +1806,8 @@
             <ac:cxnSpMk id="22" creationId="{AD3E06A6-5F34-7860-9DB4-B7735ADA5563}"/>
           </ac:cxnSpMkLst>
         </pc:cxnChg>
-        <pc:cxnChg chg="add mod">
-          <ac:chgData name="Weifeng Xu" userId="e7aed605-a3dd-4d5a-a692-a87037af107b" providerId="ADAL" clId="{69090D41-60B8-4636-A275-1996D027DEDB}" dt="2025-05-05T00:12:30.808" v="4239" actId="13822"/>
+        <pc:cxnChg chg="add del mod">
+          <ac:chgData name="Weifeng Xu" userId="e7aed605-a3dd-4d5a-a692-a87037af107b" providerId="ADAL" clId="{69090D41-60B8-4636-A275-1996D027DEDB}" dt="2025-05-20T13:44:50.457" v="4521" actId="478"/>
           <ac:cxnSpMkLst>
             <pc:docMk/>
             <pc:sldMk cId="2994016025" sldId="273"/>
@@ -2436,14 +1972,6 @@
           <pc:docMk/>
           <pc:sldMk cId="1245700757" sldId="275"/>
         </pc:sldMkLst>
-        <pc:spChg chg="del">
-          <ac:chgData name="Weifeng Xu" userId="e7aed605-a3dd-4d5a-a692-a87037af107b" providerId="ADAL" clId="{69090D41-60B8-4636-A275-1996D027DEDB}" dt="2025-05-04T23:50:09.667" v="4033" actId="700"/>
-          <ac:spMkLst>
-            <pc:docMk/>
-            <pc:sldMk cId="1245700757" sldId="275"/>
-            <ac:spMk id="2" creationId="{35BC23E7-7229-852A-2C3E-673F99833328}"/>
-          </ac:spMkLst>
-        </pc:spChg>
         <pc:picChg chg="add mod">
           <ac:chgData name="Weifeng Xu" userId="e7aed605-a3dd-4d5a-a692-a87037af107b" providerId="ADAL" clId="{69090D41-60B8-4636-A275-1996D027DEDB}" dt="2025-05-04T23:50:17.691" v="4037" actId="1076"/>
           <ac:picMkLst>
@@ -2482,52 +2010,12 @@
           <pc:docMk/>
           <pc:sldMk cId="3629368376" sldId="277"/>
         </pc:sldMkLst>
-        <pc:spChg chg="del mod ord">
-          <ac:chgData name="Weifeng Xu" userId="e7aed605-a3dd-4d5a-a692-a87037af107b" providerId="ADAL" clId="{69090D41-60B8-4636-A275-1996D027DEDB}" dt="2025-05-05T01:16:39.432" v="4269" actId="700"/>
-          <ac:spMkLst>
-            <pc:docMk/>
-            <pc:sldMk cId="3629368376" sldId="277"/>
-            <ac:spMk id="2" creationId="{45D65170-CDE4-DC5A-DEE7-782C53FBC1C7}"/>
-          </ac:spMkLst>
-        </pc:spChg>
-        <pc:spChg chg="del mod ord">
-          <ac:chgData name="Weifeng Xu" userId="e7aed605-a3dd-4d5a-a692-a87037af107b" providerId="ADAL" clId="{69090D41-60B8-4636-A275-1996D027DEDB}" dt="2025-05-05T01:16:39.432" v="4269" actId="700"/>
-          <ac:spMkLst>
-            <pc:docMk/>
-            <pc:sldMk cId="3629368376" sldId="277"/>
-            <ac:spMk id="3" creationId="{253E8175-4D8D-935E-AF5D-064652758A55}"/>
-          </ac:spMkLst>
-        </pc:spChg>
         <pc:spChg chg="add del mod ord">
           <ac:chgData name="Weifeng Xu" userId="e7aed605-a3dd-4d5a-a692-a87037af107b" providerId="ADAL" clId="{69090D41-60B8-4636-A275-1996D027DEDB}" dt="2025-05-05T01:19:14.894" v="4305"/>
           <ac:spMkLst>
             <pc:docMk/>
             <pc:sldMk cId="3629368376" sldId="277"/>
             <ac:spMk id="4" creationId="{78DE5A5C-2BEA-53EE-62A6-79CEBC804C34}"/>
-          </ac:spMkLst>
-        </pc:spChg>
-        <pc:spChg chg="add del mod ord">
-          <ac:chgData name="Weifeng Xu" userId="e7aed605-a3dd-4d5a-a692-a87037af107b" providerId="ADAL" clId="{69090D41-60B8-4636-A275-1996D027DEDB}" dt="2025-05-05T01:18:10.199" v="4284" actId="478"/>
-          <ac:spMkLst>
-            <pc:docMk/>
-            <pc:sldMk cId="3629368376" sldId="277"/>
-            <ac:spMk id="5" creationId="{1C09C1E8-0967-057F-F4EB-5A10BC0488D1}"/>
-          </ac:spMkLst>
-        </pc:spChg>
-        <pc:spChg chg="add del mod">
-          <ac:chgData name="Weifeng Xu" userId="e7aed605-a3dd-4d5a-a692-a87037af107b" providerId="ADAL" clId="{69090D41-60B8-4636-A275-1996D027DEDB}" dt="2025-05-05T01:18:16.715" v="4285" actId="700"/>
-          <ac:spMkLst>
-            <pc:docMk/>
-            <pc:sldMk cId="3629368376" sldId="277"/>
-            <ac:spMk id="7" creationId="{946CB308-D85B-2481-00B3-2613363BF79F}"/>
-          </ac:spMkLst>
-        </pc:spChg>
-        <pc:spChg chg="add del mod">
-          <ac:chgData name="Weifeng Xu" userId="e7aed605-a3dd-4d5a-a692-a87037af107b" providerId="ADAL" clId="{69090D41-60B8-4636-A275-1996D027DEDB}" dt="2025-05-05T01:19:01.552" v="4297" actId="22"/>
-          <ac:spMkLst>
-            <pc:docMk/>
-            <pc:sldMk cId="3629368376" sldId="277"/>
-            <ac:spMk id="9" creationId="{7F73A491-6EDC-5739-108E-45E32931AF94}"/>
           </ac:spMkLst>
         </pc:spChg>
         <pc:spChg chg="add mod">
@@ -2561,14 +2049,6 @@
           <pc:docMk/>
           <pc:sldMk cId="1472723351" sldId="278"/>
         </pc:sldMkLst>
-        <pc:spChg chg="del mod ord">
-          <ac:chgData name="Weifeng Xu" userId="e7aed605-a3dd-4d5a-a692-a87037af107b" providerId="ADAL" clId="{69090D41-60B8-4636-A275-1996D027DEDB}" dt="2025-05-05T01:32:41.391" v="4330" actId="700"/>
-          <ac:spMkLst>
-            <pc:docMk/>
-            <pc:sldMk cId="1472723351" sldId="278"/>
-            <ac:spMk id="2" creationId="{123101BB-081C-D26E-00DC-E07B37817737}"/>
-          </ac:spMkLst>
-        </pc:spChg>
         <pc:spChg chg="add mod ord">
           <ac:chgData name="Weifeng Xu" userId="e7aed605-a3dd-4d5a-a692-a87037af107b" providerId="ADAL" clId="{69090D41-60B8-4636-A275-1996D027DEDB}" dt="2025-05-05T01:32:44.557" v="4331"/>
           <ac:spMkLst>
@@ -2592,38 +2072,6 @@
           <pc:docMk/>
           <pc:sldMk cId="1885935106" sldId="279"/>
         </pc:sldMkLst>
-        <pc:spChg chg="del mod ord">
-          <ac:chgData name="Weifeng Xu" userId="e7aed605-a3dd-4d5a-a692-a87037af107b" providerId="ADAL" clId="{69090D41-60B8-4636-A275-1996D027DEDB}" dt="2025-05-05T01:32:52.399" v="4333" actId="700"/>
-          <ac:spMkLst>
-            <pc:docMk/>
-            <pc:sldMk cId="1885935106" sldId="279"/>
-            <ac:spMk id="2" creationId="{0462061A-84E9-BCB7-4788-08B353022669}"/>
-          </ac:spMkLst>
-        </pc:spChg>
-        <pc:spChg chg="del mod ord">
-          <ac:chgData name="Weifeng Xu" userId="e7aed605-a3dd-4d5a-a692-a87037af107b" providerId="ADAL" clId="{69090D41-60B8-4636-A275-1996D027DEDB}" dt="2025-05-05T01:32:52.399" v="4333" actId="700"/>
-          <ac:spMkLst>
-            <pc:docMk/>
-            <pc:sldMk cId="1885935106" sldId="279"/>
-            <ac:spMk id="3" creationId="{BD1882EB-51BD-FAE6-689E-BD4F0A986BB0}"/>
-          </ac:spMkLst>
-        </pc:spChg>
-        <pc:spChg chg="add mod ord">
-          <ac:chgData name="Weifeng Xu" userId="e7aed605-a3dd-4d5a-a692-a87037af107b" providerId="ADAL" clId="{69090D41-60B8-4636-A275-1996D027DEDB}" dt="2025-05-05T01:33:35.634" v="4335" actId="20577"/>
-          <ac:spMkLst>
-            <pc:docMk/>
-            <pc:sldMk cId="1885935106" sldId="279"/>
-            <ac:spMk id="4" creationId="{334CC027-FFFE-39FA-ACF7-CE0725CEDBA3}"/>
-          </ac:spMkLst>
-        </pc:spChg>
-        <pc:spChg chg="add mod ord">
-          <ac:chgData name="Weifeng Xu" userId="e7aed605-a3dd-4d5a-a692-a87037af107b" providerId="ADAL" clId="{69090D41-60B8-4636-A275-1996D027DEDB}" dt="2025-05-05T01:32:52.399" v="4333" actId="700"/>
-          <ac:spMkLst>
-            <pc:docMk/>
-            <pc:sldMk cId="1885935106" sldId="279"/>
-            <ac:spMk id="5" creationId="{D038BDF1-6580-F779-7F17-ECFD61E0F85C}"/>
-          </ac:spMkLst>
-        </pc:spChg>
       </pc:sldChg>
       <pc:sldChg chg="addSp delSp modSp new mod modClrScheme chgLayout">
         <pc:chgData name="Weifeng Xu" userId="e7aed605-a3dd-4d5a-a692-a87037af107b" providerId="ADAL" clId="{69090D41-60B8-4636-A275-1996D027DEDB}" dt="2025-05-05T01:40:17.329" v="4347" actId="14100"/>
@@ -2631,22 +2079,6 @@
           <pc:docMk/>
           <pc:sldMk cId="545826806" sldId="280"/>
         </pc:sldMkLst>
-        <pc:spChg chg="del">
-          <ac:chgData name="Weifeng Xu" userId="e7aed605-a3dd-4d5a-a692-a87037af107b" providerId="ADAL" clId="{69090D41-60B8-4636-A275-1996D027DEDB}" dt="2025-05-05T01:38:56.599" v="4337" actId="700"/>
-          <ac:spMkLst>
-            <pc:docMk/>
-            <pc:sldMk cId="545826806" sldId="280"/>
-            <ac:spMk id="2" creationId="{38599586-9E80-37CF-2462-515841B83615}"/>
-          </ac:spMkLst>
-        </pc:spChg>
-        <pc:spChg chg="del">
-          <ac:chgData name="Weifeng Xu" userId="e7aed605-a3dd-4d5a-a692-a87037af107b" providerId="ADAL" clId="{69090D41-60B8-4636-A275-1996D027DEDB}" dt="2025-05-05T01:38:56.599" v="4337" actId="700"/>
-          <ac:spMkLst>
-            <pc:docMk/>
-            <pc:sldMk cId="545826806" sldId="280"/>
-            <ac:spMk id="3" creationId="{CD9D0F75-1B60-6992-4002-7FD59AA048D3}"/>
-          </ac:spMkLst>
-        </pc:spChg>
         <pc:spChg chg="add mod">
           <ac:chgData name="Weifeng Xu" userId="e7aed605-a3dd-4d5a-a692-a87037af107b" providerId="ADAL" clId="{69090D41-60B8-4636-A275-1996D027DEDB}" dt="2025-05-05T01:40:17.329" v="4347" actId="14100"/>
           <ac:spMkLst>
@@ -2693,22 +2125,6 @@
           <pc:docMk/>
           <pc:sldMk cId="1740457000" sldId="282"/>
         </pc:sldMkLst>
-        <pc:spChg chg="del">
-          <ac:chgData name="Weifeng Xu" userId="e7aed605-a3dd-4d5a-a692-a87037af107b" providerId="ADAL" clId="{69090D41-60B8-4636-A275-1996D027DEDB}" dt="2025-05-05T01:43:09.178" v="4358" actId="700"/>
-          <ac:spMkLst>
-            <pc:docMk/>
-            <pc:sldMk cId="1740457000" sldId="282"/>
-            <ac:spMk id="2" creationId="{AEBC5241-1F9E-E89E-E35C-289C67E9EC82}"/>
-          </ac:spMkLst>
-        </pc:spChg>
-        <pc:spChg chg="del">
-          <ac:chgData name="Weifeng Xu" userId="e7aed605-a3dd-4d5a-a692-a87037af107b" providerId="ADAL" clId="{69090D41-60B8-4636-A275-1996D027DEDB}" dt="2025-05-05T01:43:09.178" v="4358" actId="700"/>
-          <ac:spMkLst>
-            <pc:docMk/>
-            <pc:sldMk cId="1740457000" sldId="282"/>
-            <ac:spMk id="3" creationId="{66BEC113-4124-C0F1-A7AF-87ECDE49C050}"/>
-          </ac:spMkLst>
-        </pc:spChg>
         <pc:picChg chg="add mod">
           <ac:chgData name="Weifeng Xu" userId="e7aed605-a3dd-4d5a-a692-a87037af107b" providerId="ADAL" clId="{69090D41-60B8-4636-A275-1996D027DEDB}" dt="2025-05-05T01:43:32.678" v="4364" actId="14100"/>
           <ac:picMkLst>
@@ -2740,14 +2156,6 @@
             <ac:spMk id="3" creationId="{3E281087-FD8D-D04A-DEA2-DB7F598F989B}"/>
           </ac:spMkLst>
         </pc:spChg>
-        <pc:spChg chg="add mod">
-          <ac:chgData name="Weifeng Xu" userId="e7aed605-a3dd-4d5a-a692-a87037af107b" providerId="ADAL" clId="{69090D41-60B8-4636-A275-1996D027DEDB}" dt="2025-05-05T01:45:17.810" v="4394"/>
-          <ac:spMkLst>
-            <pc:docMk/>
-            <pc:sldMk cId="1312178182" sldId="283"/>
-            <ac:spMk id="4" creationId="{575CA560-7890-B91D-EEBE-921D3E67A4ED}"/>
-          </ac:spMkLst>
-        </pc:spChg>
       </pc:sldChg>
       <pc:sldChg chg="addSp delSp modSp new mod">
         <pc:chgData name="Weifeng Xu" userId="e7aed605-a3dd-4d5a-a692-a87037af107b" providerId="ADAL" clId="{69090D41-60B8-4636-A275-1996D027DEDB}" dt="2025-05-05T02:01:40.995" v="4514" actId="1076"/>
@@ -2769,14 +2177,6 @@
             <pc:docMk/>
             <pc:sldMk cId="383624214" sldId="284"/>
             <ac:spMk id="3" creationId="{72B03BB4-FD0C-BA6C-A3FA-E279216A4430}"/>
-          </ac:spMkLst>
-        </pc:spChg>
-        <pc:spChg chg="add del">
-          <ac:chgData name="Weifeng Xu" userId="e7aed605-a3dd-4d5a-a692-a87037af107b" providerId="ADAL" clId="{69090D41-60B8-4636-A275-1996D027DEDB}" dt="2025-05-05T01:58:20.487" v="4500" actId="22"/>
-          <ac:spMkLst>
-            <pc:docMk/>
-            <pc:sldMk cId="383624214" sldId="284"/>
-            <ac:spMk id="5" creationId="{E3E11F70-C2EE-9B98-2518-4F48A878A63B}"/>
           </ac:spMkLst>
         </pc:spChg>
         <pc:picChg chg="add mod">
@@ -4341,7 +3741,7 @@
           <a:p>
             <a:fld id="{2A59A54D-A59E-4D85-AEC9-D5AFF867AB55}" type="datetimeFigureOut">
               <a:rPr lang="en-US" smtClean="0"/>
-              <a:t>5/3/2025</a:t>
+              <a:t>5/20/2025</a:t>
             </a:fld>
             <a:endParaRPr lang="en-US"/>
           </a:p>
@@ -5474,7 +4874,7 @@
           <a:p>
             <a:fld id="{4263717A-E3C1-4BED-ABE0-B7069385E023}" type="datetimeFigureOut">
               <a:rPr lang="en-US" smtClean="0"/>
-              <a:t>5/3/2025</a:t>
+              <a:t>5/20/2025</a:t>
             </a:fld>
             <a:endParaRPr lang="en-US"/>
           </a:p>
@@ -5647,7 +5047,7 @@
           <a:p>
             <a:fld id="{4263717A-E3C1-4BED-ABE0-B7069385E023}" type="datetimeFigureOut">
               <a:rPr lang="en-US" smtClean="0"/>
-              <a:t>5/3/2025</a:t>
+              <a:t>5/20/2025</a:t>
             </a:fld>
             <a:endParaRPr lang="en-US"/>
           </a:p>
@@ -5825,7 +5225,7 @@
           <a:p>
             <a:fld id="{4263717A-E3C1-4BED-ABE0-B7069385E023}" type="datetimeFigureOut">
               <a:rPr lang="en-US" smtClean="0"/>
-              <a:t>5/3/2025</a:t>
+              <a:t>5/20/2025</a:t>
             </a:fld>
             <a:endParaRPr lang="en-US"/>
           </a:p>
@@ -5993,7 +5393,7 @@
           <a:p>
             <a:fld id="{4263717A-E3C1-4BED-ABE0-B7069385E023}" type="datetimeFigureOut">
               <a:rPr lang="en-US" smtClean="0"/>
-              <a:t>5/3/2025</a:t>
+              <a:t>5/20/2025</a:t>
             </a:fld>
             <a:endParaRPr lang="en-US"/>
           </a:p>
@@ -6238,7 +5638,7 @@
           <a:p>
             <a:fld id="{4263717A-E3C1-4BED-ABE0-B7069385E023}" type="datetimeFigureOut">
               <a:rPr lang="en-US" smtClean="0"/>
-              <a:t>5/3/2025</a:t>
+              <a:t>5/20/2025</a:t>
             </a:fld>
             <a:endParaRPr lang="en-US"/>
           </a:p>
@@ -6467,7 +5867,7 @@
           <a:p>
             <a:fld id="{4263717A-E3C1-4BED-ABE0-B7069385E023}" type="datetimeFigureOut">
               <a:rPr lang="en-US" smtClean="0"/>
-              <a:t>5/3/2025</a:t>
+              <a:t>5/20/2025</a:t>
             </a:fld>
             <a:endParaRPr lang="en-US"/>
           </a:p>
@@ -6831,7 +6231,7 @@
           <a:p>
             <a:fld id="{4263717A-E3C1-4BED-ABE0-B7069385E023}" type="datetimeFigureOut">
               <a:rPr lang="en-US" smtClean="0"/>
-              <a:t>5/3/2025</a:t>
+              <a:t>5/20/2025</a:t>
             </a:fld>
             <a:endParaRPr lang="en-US"/>
           </a:p>
@@ -6948,7 +6348,7 @@
           <a:p>
             <a:fld id="{4263717A-E3C1-4BED-ABE0-B7069385E023}" type="datetimeFigureOut">
               <a:rPr lang="en-US" smtClean="0"/>
-              <a:t>5/3/2025</a:t>
+              <a:t>5/20/2025</a:t>
             </a:fld>
             <a:endParaRPr lang="en-US"/>
           </a:p>
@@ -7043,7 +6443,7 @@
           <a:p>
             <a:fld id="{4263717A-E3C1-4BED-ABE0-B7069385E023}" type="datetimeFigureOut">
               <a:rPr lang="en-US" smtClean="0"/>
-              <a:t>5/3/2025</a:t>
+              <a:t>5/20/2025</a:t>
             </a:fld>
             <a:endParaRPr lang="en-US"/>
           </a:p>
@@ -7318,7 +6718,7 @@
           <a:p>
             <a:fld id="{4263717A-E3C1-4BED-ABE0-B7069385E023}" type="datetimeFigureOut">
               <a:rPr lang="en-US" smtClean="0"/>
-              <a:t>5/3/2025</a:t>
+              <a:t>5/20/2025</a:t>
             </a:fld>
             <a:endParaRPr lang="en-US"/>
           </a:p>
@@ -7570,7 +6970,7 @@
           <a:p>
             <a:fld id="{4263717A-E3C1-4BED-ABE0-B7069385E023}" type="datetimeFigureOut">
               <a:rPr lang="en-US" smtClean="0"/>
-              <a:t>5/3/2025</a:t>
+              <a:t>5/20/2025</a:t>
             </a:fld>
             <a:endParaRPr lang="en-US"/>
           </a:p>
@@ -7789,7 +7189,7 @@
           <a:p>
             <a:fld id="{4263717A-E3C1-4BED-ABE0-B7069385E023}" type="datetimeFigureOut">
               <a:rPr lang="en-US" smtClean="0"/>
-              <a:t>5/3/2025</a:t>
+              <a:t>5/20/2025</a:t>
             </a:fld>
             <a:endParaRPr lang="en-US"/>
           </a:p>
@@ -10820,7 +10220,7 @@
         <p:spPr>
           <a:xfrm>
             <a:off x="6348703" y="1661629"/>
-            <a:ext cx="3573427" cy="2038947"/>
+            <a:ext cx="4553129" cy="2597951"/>
           </a:xfrm>
           <a:prstGeom prst="rect">
             <a:avLst/>
@@ -11068,41 +10468,6 @@
           </a:fontRef>
         </p:style>
       </p:cxnSp>
-      <p:sp>
-        <p:nvSpPr>
-          <p:cNvPr id="28" name="TextBox 27">
-            <a:extLst>
-              <a:ext uri="{FF2B5EF4-FFF2-40B4-BE49-F238E27FC236}">
-                <a16:creationId xmlns:a16="http://schemas.microsoft.com/office/drawing/2014/main" id="{18A89ECF-E73D-2771-D673-9F5235F3A604}"/>
-              </a:ext>
-            </a:extLst>
-          </p:cNvPr>
-          <p:cNvSpPr txBox="1"/>
-          <p:nvPr/>
-        </p:nvSpPr>
-        <p:spPr>
-          <a:xfrm>
-            <a:off x="9911354" y="2084679"/>
-            <a:ext cx="1442446" cy="369332"/>
-          </a:xfrm>
-          <a:prstGeom prst="rect">
-            <a:avLst/>
-          </a:prstGeom>
-          <a:noFill/>
-        </p:spPr>
-        <p:txBody>
-          <a:bodyPr wrap="none" rtlCol="0">
-            <a:spAutoFit/>
-          </a:bodyPr>
-          <a:lstStyle/>
-          <a:p>
-            <a:r>
-              <a:rPr lang="en-US" dirty="0"/>
-              <a:t>- Entropy of y</a:t>
-            </a:r>
-          </a:p>
-        </p:txBody>
-      </p:sp>
       <p:pic>
         <p:nvPicPr>
           <p:cNvPr id="29" name="Picture 28">
@@ -11124,7 +10489,7 @@
         </p:blipFill>
         <p:spPr>
           <a:xfrm>
-            <a:off x="6348703" y="3974387"/>
+            <a:off x="6213135" y="4572048"/>
             <a:ext cx="4610047" cy="900646"/>
           </a:xfrm>
           <a:prstGeom prst="rect">
@@ -11132,88 +10497,6 @@
           </a:prstGeom>
         </p:spPr>
       </p:pic>
-      <p:sp>
-        <p:nvSpPr>
-          <p:cNvPr id="30" name="TextBox 29">
-            <a:extLst>
-              <a:ext uri="{FF2B5EF4-FFF2-40B4-BE49-F238E27FC236}">
-                <a16:creationId xmlns:a16="http://schemas.microsoft.com/office/drawing/2014/main" id="{BEFADC7B-A33C-9E58-3F18-BAD83257FC7D}"/>
-              </a:ext>
-            </a:extLst>
-          </p:cNvPr>
-          <p:cNvSpPr txBox="1"/>
-          <p:nvPr/>
-        </p:nvSpPr>
-        <p:spPr>
-          <a:xfrm>
-            <a:off x="10320516" y="2691630"/>
-            <a:ext cx="883920" cy="769441"/>
-          </a:xfrm>
-          <a:prstGeom prst="rect">
-            <a:avLst/>
-          </a:prstGeom>
-          <a:solidFill>
-            <a:schemeClr val="accent4">
-              <a:lumMod val="20000"/>
-              <a:lumOff val="80000"/>
-            </a:schemeClr>
-          </a:solidFill>
-        </p:spPr>
-        <p:txBody>
-          <a:bodyPr wrap="square" rtlCol="0">
-            <a:spAutoFit/>
-          </a:bodyPr>
-          <a:lstStyle/>
-          <a:p>
-            <a:r>
-              <a:rPr lang="en-US" sz="1100" dirty="0"/>
-              <a:t>omitted due to the minimax problem </a:t>
-            </a:r>
-          </a:p>
-        </p:txBody>
-      </p:sp>
-      <p:cxnSp>
-        <p:nvCxnSpPr>
-          <p:cNvPr id="32" name="Straight Arrow Connector 31">
-            <a:extLst>
-              <a:ext uri="{FF2B5EF4-FFF2-40B4-BE49-F238E27FC236}">
-                <a16:creationId xmlns:a16="http://schemas.microsoft.com/office/drawing/2014/main" id="{D9E46063-C86C-AED1-740F-7AB42EEDEF91}"/>
-              </a:ext>
-            </a:extLst>
-          </p:cNvPr>
-          <p:cNvCxnSpPr>
-            <a:stCxn id="30" idx="0"/>
-            <a:endCxn id="28" idx="2"/>
-          </p:cNvCxnSpPr>
-          <p:nvPr/>
-        </p:nvCxnSpPr>
-        <p:spPr>
-          <a:xfrm flipH="1" flipV="1">
-            <a:off x="10632577" y="2454011"/>
-            <a:ext cx="129899" cy="237619"/>
-          </a:xfrm>
-          <a:prstGeom prst="straightConnector1">
-            <a:avLst/>
-          </a:prstGeom>
-          <a:ln>
-            <a:tailEnd type="triangle"/>
-          </a:ln>
-        </p:spPr>
-        <p:style>
-          <a:lnRef idx="1">
-            <a:schemeClr val="accent2"/>
-          </a:lnRef>
-          <a:fillRef idx="0">
-            <a:schemeClr val="accent2"/>
-          </a:fillRef>
-          <a:effectRef idx="0">
-            <a:schemeClr val="accent2"/>
-          </a:effectRef>
-          <a:fontRef idx="minor">
-            <a:schemeClr val="tx1"/>
-          </a:fontRef>
-        </p:style>
-      </p:cxnSp>
     </p:spTree>
     <p:extLst>
       <p:ext uri="{BB962C8B-B14F-4D97-AF65-F5344CB8AC3E}">
@@ -11672,8 +10955,8 @@
             <a:chExt cx="378720" cy="377280"/>
           </a:xfrm>
         </p:grpSpPr>
-        <mc:AlternateContent xmlns:mc="http://schemas.openxmlformats.org/markup-compatibility/2006">
-          <mc:Choice xmlns:p14="http://schemas.microsoft.com/office/powerpoint/2010/main" Requires="p14">
+        <mc:AlternateContent xmlns:mc="http://schemas.openxmlformats.org/markup-compatibility/2006" xmlns:p14="http://schemas.microsoft.com/office/powerpoint/2010/main">
+          <mc:Choice Requires="p14">
             <p:contentPart p14:bwMode="auto" r:id="rId5">
               <p14:nvContentPartPr>
                 <p14:cNvPr id="15" name="Ink 14">
@@ -11692,7 +10975,7 @@
               </p14:xfrm>
             </p:contentPart>
           </mc:Choice>
-          <mc:Fallback>
+          <mc:Fallback xmlns="">
             <p:pic>
               <p:nvPicPr>
                 <p:cNvPr id="15" name="Ink 14">
@@ -11723,8 +11006,8 @@
             </p:pic>
           </mc:Fallback>
         </mc:AlternateContent>
-        <mc:AlternateContent xmlns:mc="http://schemas.openxmlformats.org/markup-compatibility/2006">
-          <mc:Choice xmlns:p14="http://schemas.microsoft.com/office/powerpoint/2010/main" Requires="p14">
+        <mc:AlternateContent xmlns:mc="http://schemas.openxmlformats.org/markup-compatibility/2006" xmlns:p14="http://schemas.microsoft.com/office/powerpoint/2010/main">
+          <mc:Choice Requires="p14">
             <p:contentPart p14:bwMode="auto" r:id="rId7">
               <p14:nvContentPartPr>
                 <p14:cNvPr id="16" name="Ink 15">
@@ -11743,7 +11026,7 @@
               </p14:xfrm>
             </p:contentPart>
           </mc:Choice>
-          <mc:Fallback>
+          <mc:Fallback xmlns="">
             <p:pic>
               <p:nvPicPr>
                 <p:cNvPr id="16" name="Ink 15">
@@ -11795,8 +11078,8 @@
             <a:chExt cx="443160" cy="451800"/>
           </a:xfrm>
         </p:grpSpPr>
-        <mc:AlternateContent xmlns:mc="http://schemas.openxmlformats.org/markup-compatibility/2006">
-          <mc:Choice xmlns:p14="http://schemas.microsoft.com/office/powerpoint/2010/main" Requires="p14">
+        <mc:AlternateContent xmlns:mc="http://schemas.openxmlformats.org/markup-compatibility/2006" xmlns:p14="http://schemas.microsoft.com/office/powerpoint/2010/main">
+          <mc:Choice Requires="p14">
             <p:contentPart p14:bwMode="auto" r:id="rId9">
               <p14:nvContentPartPr>
                 <p14:cNvPr id="18" name="Ink 17">
@@ -11815,7 +11098,7 @@
               </p14:xfrm>
             </p:contentPart>
           </mc:Choice>
-          <mc:Fallback>
+          <mc:Fallback xmlns="">
             <p:pic>
               <p:nvPicPr>
                 <p:cNvPr id="18" name="Ink 17">
@@ -11846,8 +11129,8 @@
             </p:pic>
           </mc:Fallback>
         </mc:AlternateContent>
-        <mc:AlternateContent xmlns:mc="http://schemas.openxmlformats.org/markup-compatibility/2006">
-          <mc:Choice xmlns:p14="http://schemas.microsoft.com/office/powerpoint/2010/main" Requires="p14">
+        <mc:AlternateContent xmlns:mc="http://schemas.openxmlformats.org/markup-compatibility/2006" xmlns:p14="http://schemas.microsoft.com/office/powerpoint/2010/main">
+          <mc:Choice Requires="p14">
             <p:contentPart p14:bwMode="auto" r:id="rId11">
               <p14:nvContentPartPr>
                 <p14:cNvPr id="19" name="Ink 18">
@@ -11866,7 +11149,7 @@
               </p14:xfrm>
             </p:contentPart>
           </mc:Choice>
-          <mc:Fallback>
+          <mc:Fallback xmlns="">
             <p:pic>
               <p:nvPicPr>
                 <p:cNvPr id="19" name="Ink 18">
@@ -20387,8 +19670,8 @@
           </a:fontRef>
         </p:style>
       </p:cxnSp>
-      <mc:AlternateContent xmlns:mc="http://schemas.openxmlformats.org/markup-compatibility/2006">
-        <mc:Choice xmlns:p14="http://schemas.microsoft.com/office/powerpoint/2010/main" Requires="p14">
+      <mc:AlternateContent xmlns:mc="http://schemas.openxmlformats.org/markup-compatibility/2006" xmlns:p14="http://schemas.microsoft.com/office/powerpoint/2010/main">
+        <mc:Choice Requires="p14">
           <p:contentPart p14:bwMode="auto" r:id="rId5">
             <p14:nvContentPartPr>
               <p14:cNvPr id="54" name="Ink 53">
@@ -20407,7 +19690,7 @@
             </p14:xfrm>
           </p:contentPart>
         </mc:Choice>
-        <mc:Fallback>
+        <mc:Fallback xmlns="">
           <p:pic>
             <p:nvPicPr>
               <p:cNvPr id="54" name="Ink 53">
@@ -20438,8 +19721,8 @@
           </p:pic>
         </mc:Fallback>
       </mc:AlternateContent>
-      <mc:AlternateContent xmlns:mc="http://schemas.openxmlformats.org/markup-compatibility/2006">
-        <mc:Choice xmlns:p14="http://schemas.microsoft.com/office/powerpoint/2010/main" Requires="p14">
+      <mc:AlternateContent xmlns:mc="http://schemas.openxmlformats.org/markup-compatibility/2006" xmlns:p14="http://schemas.microsoft.com/office/powerpoint/2010/main">
+        <mc:Choice Requires="p14">
           <p:contentPart p14:bwMode="auto" r:id="rId7">
             <p14:nvContentPartPr>
               <p14:cNvPr id="59" name="Ink 58">
@@ -20458,7 +19741,7 @@
             </p14:xfrm>
           </p:contentPart>
         </mc:Choice>
-        <mc:Fallback>
+        <mc:Fallback xmlns="">
           <p:pic>
             <p:nvPicPr>
               <p:cNvPr id="59" name="Ink 58">
@@ -20489,8 +19772,8 @@
           </p:pic>
         </mc:Fallback>
       </mc:AlternateContent>
-      <mc:AlternateContent xmlns:mc="http://schemas.openxmlformats.org/markup-compatibility/2006">
-        <mc:Choice xmlns:p14="http://schemas.microsoft.com/office/powerpoint/2010/main" Requires="p14">
+      <mc:AlternateContent xmlns:mc="http://schemas.openxmlformats.org/markup-compatibility/2006" xmlns:p14="http://schemas.microsoft.com/office/powerpoint/2010/main">
+        <mc:Choice Requires="p14">
           <p:contentPart p14:bwMode="auto" r:id="rId9">
             <p14:nvContentPartPr>
               <p14:cNvPr id="61" name="Ink 60">
@@ -20509,7 +19792,7 @@
             </p14:xfrm>
           </p:contentPart>
         </mc:Choice>
-        <mc:Fallback>
+        <mc:Fallback xmlns="">
           <p:pic>
             <p:nvPicPr>
               <p:cNvPr id="61" name="Ink 60">
@@ -20560,8 +19843,8 @@
             <a:chExt cx="8451720" cy="3302280"/>
           </a:xfrm>
         </p:grpSpPr>
-        <mc:AlternateContent xmlns:mc="http://schemas.openxmlformats.org/markup-compatibility/2006">
-          <mc:Choice xmlns:p14="http://schemas.microsoft.com/office/powerpoint/2010/main" Requires="p14">
+        <mc:AlternateContent xmlns:mc="http://schemas.openxmlformats.org/markup-compatibility/2006" xmlns:p14="http://schemas.microsoft.com/office/powerpoint/2010/main">
+          <mc:Choice Requires="p14">
             <p:contentPart p14:bwMode="auto" r:id="rId11">
               <p14:nvContentPartPr>
                 <p14:cNvPr id="56" name="Ink 55">
@@ -20580,7 +19863,7 @@
               </p14:xfrm>
             </p:contentPart>
           </mc:Choice>
-          <mc:Fallback>
+          <mc:Fallback xmlns="">
             <p:pic>
               <p:nvPicPr>
                 <p:cNvPr id="56" name="Ink 55">
@@ -20611,8 +19894,8 @@
             </p:pic>
           </mc:Fallback>
         </mc:AlternateContent>
-        <mc:AlternateContent xmlns:mc="http://schemas.openxmlformats.org/markup-compatibility/2006">
-          <mc:Choice xmlns:p14="http://schemas.microsoft.com/office/powerpoint/2010/main" Requires="p14">
+        <mc:AlternateContent xmlns:mc="http://schemas.openxmlformats.org/markup-compatibility/2006" xmlns:p14="http://schemas.microsoft.com/office/powerpoint/2010/main">
+          <mc:Choice Requires="p14">
             <p:contentPart p14:bwMode="auto" r:id="rId13">
               <p14:nvContentPartPr>
                 <p14:cNvPr id="57" name="Ink 56">
@@ -20631,7 +19914,7 @@
               </p14:xfrm>
             </p:contentPart>
           </mc:Choice>
-          <mc:Fallback>
+          <mc:Fallback xmlns="">
             <p:pic>
               <p:nvPicPr>
                 <p:cNvPr id="57" name="Ink 56">
@@ -20662,8 +19945,8 @@
             </p:pic>
           </mc:Fallback>
         </mc:AlternateContent>
-        <mc:AlternateContent xmlns:mc="http://schemas.openxmlformats.org/markup-compatibility/2006">
-          <mc:Choice xmlns:p14="http://schemas.microsoft.com/office/powerpoint/2010/main" Requires="p14">
+        <mc:AlternateContent xmlns:mc="http://schemas.openxmlformats.org/markup-compatibility/2006" xmlns:p14="http://schemas.microsoft.com/office/powerpoint/2010/main">
+          <mc:Choice Requires="p14">
             <p:contentPart p14:bwMode="auto" r:id="rId15">
               <p14:nvContentPartPr>
                 <p14:cNvPr id="63" name="Ink 62">
@@ -20682,7 +19965,7 @@
               </p14:xfrm>
             </p:contentPart>
           </mc:Choice>
-          <mc:Fallback>
+          <mc:Fallback xmlns="">
             <p:pic>
               <p:nvPicPr>
                 <p:cNvPr id="63" name="Ink 62">
@@ -20713,8 +19996,8 @@
             </p:pic>
           </mc:Fallback>
         </mc:AlternateContent>
-        <mc:AlternateContent xmlns:mc="http://schemas.openxmlformats.org/markup-compatibility/2006">
-          <mc:Choice xmlns:p14="http://schemas.microsoft.com/office/powerpoint/2010/main" Requires="p14">
+        <mc:AlternateContent xmlns:mc="http://schemas.openxmlformats.org/markup-compatibility/2006" xmlns:p14="http://schemas.microsoft.com/office/powerpoint/2010/main">
+          <mc:Choice Requires="p14">
             <p:contentPart p14:bwMode="auto" r:id="rId17">
               <p14:nvContentPartPr>
                 <p14:cNvPr id="64" name="Ink 63">
@@ -20733,7 +20016,7 @@
               </p14:xfrm>
             </p:contentPart>
           </mc:Choice>
-          <mc:Fallback>
+          <mc:Fallback xmlns="">
             <p:pic>
               <p:nvPicPr>
                 <p:cNvPr id="64" name="Ink 63">
@@ -20764,8 +20047,8 @@
             </p:pic>
           </mc:Fallback>
         </mc:AlternateContent>
-        <mc:AlternateContent xmlns:mc="http://schemas.openxmlformats.org/markup-compatibility/2006">
-          <mc:Choice xmlns:p14="http://schemas.microsoft.com/office/powerpoint/2010/main" Requires="p14">
+        <mc:AlternateContent xmlns:mc="http://schemas.openxmlformats.org/markup-compatibility/2006" xmlns:p14="http://schemas.microsoft.com/office/powerpoint/2010/main">
+          <mc:Choice Requires="p14">
             <p:contentPart p14:bwMode="auto" r:id="rId19">
               <p14:nvContentPartPr>
                 <p14:cNvPr id="66" name="Ink 65">
@@ -20784,7 +20067,7 @@
               </p14:xfrm>
             </p:contentPart>
           </mc:Choice>
-          <mc:Fallback>
+          <mc:Fallback xmlns="">
             <p:pic>
               <p:nvPicPr>
                 <p:cNvPr id="66" name="Ink 65">
@@ -20815,8 +20098,8 @@
             </p:pic>
           </mc:Fallback>
         </mc:AlternateContent>
-        <mc:AlternateContent xmlns:mc="http://schemas.openxmlformats.org/markup-compatibility/2006">
-          <mc:Choice xmlns:p14="http://schemas.microsoft.com/office/powerpoint/2010/main" Requires="p14">
+        <mc:AlternateContent xmlns:mc="http://schemas.openxmlformats.org/markup-compatibility/2006" xmlns:p14="http://schemas.microsoft.com/office/powerpoint/2010/main">
+          <mc:Choice Requires="p14">
             <p:contentPart p14:bwMode="auto" r:id="rId21">
               <p14:nvContentPartPr>
                 <p14:cNvPr id="68" name="Ink 67">
@@ -20835,7 +20118,7 @@
               </p14:xfrm>
             </p:contentPart>
           </mc:Choice>
-          <mc:Fallback>
+          <mc:Fallback xmlns="">
             <p:pic>
               <p:nvPicPr>
                 <p:cNvPr id="68" name="Ink 67">

--- a/lectures/08_multiclass_classification_n_to_n_2hidden/0_ML_concepts_multiclass.pptx
+++ b/lectures/08_multiclass_classification_n_to_n_2hidden/0_ML_concepts_multiclass.pptx
@@ -5,7 +5,7 @@
     <p:sldMasterId id="2147483648" r:id="rId1"/>
   </p:sldMasterIdLst>
   <p:notesMasterIdLst>
-    <p:notesMasterId r:id="rId30"/>
+    <p:notesMasterId r:id="rId37"/>
   </p:notesMasterIdLst>
   <p:sldIdLst>
     <p:sldId id="256" r:id="rId2"/>
@@ -17,25 +17,32 @@
     <p:sldId id="261" r:id="rId8"/>
     <p:sldId id="263" r:id="rId9"/>
     <p:sldId id="262" r:id="rId10"/>
-    <p:sldId id="264" r:id="rId11"/>
-    <p:sldId id="271" r:id="rId12"/>
-    <p:sldId id="267" r:id="rId13"/>
-    <p:sldId id="266" r:id="rId14"/>
-    <p:sldId id="268" r:id="rId15"/>
-    <p:sldId id="273" r:id="rId16"/>
-    <p:sldId id="275" r:id="rId17"/>
-    <p:sldId id="274" r:id="rId18"/>
-    <p:sldId id="269" r:id="rId19"/>
-    <p:sldId id="272" r:id="rId20"/>
-    <p:sldId id="276" r:id="rId21"/>
-    <p:sldId id="277" r:id="rId22"/>
-    <p:sldId id="278" r:id="rId23"/>
-    <p:sldId id="280" r:id="rId24"/>
-    <p:sldId id="281" r:id="rId25"/>
-    <p:sldId id="282" r:id="rId26"/>
-    <p:sldId id="283" r:id="rId27"/>
-    <p:sldId id="284" r:id="rId28"/>
-    <p:sldId id="285" r:id="rId29"/>
+    <p:sldId id="287" r:id="rId11"/>
+    <p:sldId id="288" r:id="rId12"/>
+    <p:sldId id="289" r:id="rId13"/>
+    <p:sldId id="286" r:id="rId14"/>
+    <p:sldId id="264" r:id="rId15"/>
+    <p:sldId id="271" r:id="rId16"/>
+    <p:sldId id="267" r:id="rId17"/>
+    <p:sldId id="266" r:id="rId18"/>
+    <p:sldId id="273" r:id="rId19"/>
+    <p:sldId id="292" r:id="rId20"/>
+    <p:sldId id="290" r:id="rId21"/>
+    <p:sldId id="268" r:id="rId22"/>
+    <p:sldId id="291" r:id="rId23"/>
+    <p:sldId id="275" r:id="rId24"/>
+    <p:sldId id="274" r:id="rId25"/>
+    <p:sldId id="269" r:id="rId26"/>
+    <p:sldId id="272" r:id="rId27"/>
+    <p:sldId id="276" r:id="rId28"/>
+    <p:sldId id="277" r:id="rId29"/>
+    <p:sldId id="278" r:id="rId30"/>
+    <p:sldId id="280" r:id="rId31"/>
+    <p:sldId id="281" r:id="rId32"/>
+    <p:sldId id="282" r:id="rId33"/>
+    <p:sldId id="283" r:id="rId34"/>
+    <p:sldId id="284" r:id="rId35"/>
+    <p:sldId id="285" r:id="rId36"/>
   </p:sldIdLst>
   <p:sldSz cx="12192000" cy="6858000"/>
   <p:notesSz cx="6858000" cy="9144000"/>
@@ -145,7 +152,7 @@
 <file path=ppt/revisionInfo.xml><?xml version="1.0" encoding="utf-8"?>
 <p1510:revInfo xmlns:a="http://schemas.openxmlformats.org/drawingml/2006/main" xmlns:r="http://schemas.openxmlformats.org/officeDocument/2006/relationships" xmlns:p1510="http://schemas.microsoft.com/office/powerpoint/2015/10/main">
   <p1510:revLst>
-    <p1510:client id="{69090D41-60B8-4636-A275-1996D027DEDB}" v="229" dt="2025-05-05T01:45:19.805"/>
+    <p1510:client id="{69090D41-60B8-4636-A275-1996D027DEDB}" v="308" dt="2025-06-03T00:14:50.771"/>
   </p1510:revLst>
 </p1510:revInfo>
 </file>
@@ -154,8 +161,8 @@
 <pc:chgInfo xmlns:a="http://schemas.openxmlformats.org/drawingml/2006/main" xmlns:r="http://schemas.openxmlformats.org/officeDocument/2006/relationships" xmlns:ac="http://schemas.microsoft.com/office/drawing/2013/main/command" xmlns:pc="http://schemas.microsoft.com/office/powerpoint/2013/main/command">
   <pc:docChgLst>
     <pc:chgData name="Weifeng Xu" userId="e7aed605-a3dd-4d5a-a692-a87037af107b" providerId="ADAL" clId="{69090D41-60B8-4636-A275-1996D027DEDB}"/>
-    <pc:docChg chg="undo custSel addSld delSld modSld sldOrd">
-      <pc:chgData name="Weifeng Xu" userId="e7aed605-a3dd-4d5a-a692-a87037af107b" providerId="ADAL" clId="{69090D41-60B8-4636-A275-1996D027DEDB}" dt="2025-05-20T13:45:22.817" v="4525" actId="1076"/>
+    <pc:docChg chg="undo redo custSel addSld delSld modSld sldOrd">
+      <pc:chgData name="Weifeng Xu" userId="e7aed605-a3dd-4d5a-a692-a87037af107b" providerId="ADAL" clId="{69090D41-60B8-4636-A275-1996D027DEDB}" dt="2025-06-03T00:23:32.734" v="6385" actId="1076"/>
       <pc:docMkLst>
         <pc:docMk/>
       </pc:docMkLst>
@@ -220,7 +227,7 @@
         </pc:sldMkLst>
       </pc:sldChg>
       <pc:sldChg chg="addSp delSp modSp new mod modNotesTx">
-        <pc:chgData name="Weifeng Xu" userId="e7aed605-a3dd-4d5a-a692-a87037af107b" providerId="ADAL" clId="{69090D41-60B8-4636-A275-1996D027DEDB}" dt="2025-05-04T22:04:45.157" v="3868" actId="20577"/>
+        <pc:chgData name="Weifeng Xu" userId="e7aed605-a3dd-4d5a-a692-a87037af107b" providerId="ADAL" clId="{69090D41-60B8-4636-A275-1996D027DEDB}" dt="2025-06-02T16:20:42.745" v="4534" actId="20577"/>
         <pc:sldMkLst>
           <pc:docMk/>
           <pc:sldMk cId="2182874950" sldId="258"/>
@@ -338,7 +345,7 @@
           </ac:spMkLst>
         </pc:spChg>
         <pc:spChg chg="add mod">
-          <ac:chgData name="Weifeng Xu" userId="e7aed605-a3dd-4d5a-a692-a87037af107b" providerId="ADAL" clId="{69090D41-60B8-4636-A275-1996D027DEDB}" dt="2025-05-04T20:10:11.967" v="2982" actId="207"/>
+          <ac:chgData name="Weifeng Xu" userId="e7aed605-a3dd-4d5a-a692-a87037af107b" providerId="ADAL" clId="{69090D41-60B8-4636-A275-1996D027DEDB}" dt="2025-06-02T16:20:42.745" v="4534" actId="20577"/>
           <ac:spMkLst>
             <pc:docMk/>
             <pc:sldMk cId="2182874950" sldId="258"/>
@@ -784,7 +791,7 @@
         </pc:sldMkLst>
       </pc:sldChg>
       <pc:sldChg chg="addSp delSp modSp new mod modClrScheme chgLayout">
-        <pc:chgData name="Weifeng Xu" userId="e7aed605-a3dd-4d5a-a692-a87037af107b" providerId="ADAL" clId="{69090D41-60B8-4636-A275-1996D027DEDB}" dt="2025-05-04T22:02:21.858" v="3831" actId="20577"/>
+        <pc:chgData name="Weifeng Xu" userId="e7aed605-a3dd-4d5a-a692-a87037af107b" providerId="ADAL" clId="{69090D41-60B8-4636-A275-1996D027DEDB}" dt="2025-06-02T21:10:56.749" v="6028" actId="478"/>
         <pc:sldMkLst>
           <pc:docMk/>
           <pc:sldMk cId="2232272763" sldId="260"/>
@@ -797,8 +804,8 @@
             <ac:spMk id="5" creationId="{5BF9A4BD-F70E-7752-8E5D-EE29B4646DE2}"/>
           </ac:spMkLst>
         </pc:spChg>
-        <pc:spChg chg="add mod">
-          <ac:chgData name="Weifeng Xu" userId="e7aed605-a3dd-4d5a-a692-a87037af107b" providerId="ADAL" clId="{69090D41-60B8-4636-A275-1996D027DEDB}" dt="2025-05-04T22:02:21.858" v="3831" actId="20577"/>
+        <pc:spChg chg="add del mod">
+          <ac:chgData name="Weifeng Xu" userId="e7aed605-a3dd-4d5a-a692-a87037af107b" providerId="ADAL" clId="{69090D41-60B8-4636-A275-1996D027DEDB}" dt="2025-06-02T21:10:56.749" v="6028" actId="478"/>
           <ac:spMkLst>
             <pc:docMk/>
             <pc:sldMk cId="2232272763" sldId="260"/>
@@ -1416,13 +1423,13 @@
         </pc:sldMkLst>
       </pc:sldChg>
       <pc:sldChg chg="addSp delSp modSp new mod modClrScheme chgLayout modNotesTx">
-        <pc:chgData name="Weifeng Xu" userId="e7aed605-a3dd-4d5a-a692-a87037af107b" providerId="ADAL" clId="{69090D41-60B8-4636-A275-1996D027DEDB}" dt="2025-05-04T23:47:37.298" v="4026" actId="20577"/>
+        <pc:chgData name="Weifeng Xu" userId="e7aed605-a3dd-4d5a-a692-a87037af107b" providerId="ADAL" clId="{69090D41-60B8-4636-A275-1996D027DEDB}" dt="2025-06-03T00:22:29.936" v="6379" actId="20577"/>
         <pc:sldMkLst>
           <pc:docMk/>
           <pc:sldMk cId="2848934703" sldId="268"/>
         </pc:sldMkLst>
         <pc:spChg chg="add mod ord">
-          <ac:chgData name="Weifeng Xu" userId="e7aed605-a3dd-4d5a-a692-a87037af107b" providerId="ADAL" clId="{69090D41-60B8-4636-A275-1996D027DEDB}" dt="2025-05-04T23:47:37.298" v="4026" actId="20577"/>
+          <ac:chgData name="Weifeng Xu" userId="e7aed605-a3dd-4d5a-a692-a87037af107b" providerId="ADAL" clId="{69090D41-60B8-4636-A275-1996D027DEDB}" dt="2025-06-03T00:22:29.936" v="6379" actId="20577"/>
           <ac:spMkLst>
             <pc:docMk/>
             <pc:sldMk cId="2848934703" sldId="268"/>
@@ -1712,14 +1719,46 @@
           </ac:picMkLst>
         </pc:picChg>
       </pc:sldChg>
-      <pc:sldChg chg="addSp delSp modSp add mod modClrScheme chgLayout">
-        <pc:chgData name="Weifeng Xu" userId="e7aed605-a3dd-4d5a-a692-a87037af107b" providerId="ADAL" clId="{69090D41-60B8-4636-A275-1996D027DEDB}" dt="2025-05-20T13:45:22.817" v="4525" actId="1076"/>
+      <pc:sldChg chg="addSp delSp modSp add mod ord modClrScheme chgLayout">
+        <pc:chgData name="Weifeng Xu" userId="e7aed605-a3dd-4d5a-a692-a87037af107b" providerId="ADAL" clId="{69090D41-60B8-4636-A275-1996D027DEDB}" dt="2025-06-03T00:20:37.047" v="6364" actId="1076"/>
         <pc:sldMkLst>
           <pc:docMk/>
           <pc:sldMk cId="2994016025" sldId="273"/>
         </pc:sldMkLst>
-        <pc:spChg chg="add mod ord">
-          <ac:chgData name="Weifeng Xu" userId="e7aed605-a3dd-4d5a-a692-a87037af107b" providerId="ADAL" clId="{69090D41-60B8-4636-A275-1996D027DEDB}" dt="2025-05-04T23:51:34.472" v="4046"/>
+        <pc:spChg chg="add mod">
+          <ac:chgData name="Weifeng Xu" userId="e7aed605-a3dd-4d5a-a692-a87037af107b" providerId="ADAL" clId="{69090D41-60B8-4636-A275-1996D027DEDB}" dt="2025-06-03T00:17:55.506" v="6305" actId="1076"/>
+          <ac:spMkLst>
+            <pc:docMk/>
+            <pc:sldMk cId="2994016025" sldId="273"/>
+            <ac:spMk id="2" creationId="{E86C2BB9-F73F-C099-4842-A58C9239708A}"/>
+          </ac:spMkLst>
+        </pc:spChg>
+        <pc:spChg chg="add mod">
+          <ac:chgData name="Weifeng Xu" userId="e7aed605-a3dd-4d5a-a692-a87037af107b" providerId="ADAL" clId="{69090D41-60B8-4636-A275-1996D027DEDB}" dt="2025-06-03T00:17:25.651" v="6303" actId="6549"/>
+          <ac:spMkLst>
+            <pc:docMk/>
+            <pc:sldMk cId="2994016025" sldId="273"/>
+            <ac:spMk id="3" creationId="{5022CAC2-4CD6-67C7-07B7-FA77BA51D658}"/>
+          </ac:spMkLst>
+        </pc:spChg>
+        <pc:spChg chg="add mod">
+          <ac:chgData name="Weifeng Xu" userId="e7aed605-a3dd-4d5a-a692-a87037af107b" providerId="ADAL" clId="{69090D41-60B8-4636-A275-1996D027DEDB}" dt="2025-06-03T00:17:55.506" v="6305" actId="1076"/>
+          <ac:spMkLst>
+            <pc:docMk/>
+            <pc:sldMk cId="2994016025" sldId="273"/>
+            <ac:spMk id="4" creationId="{8C832118-6020-16C0-1FDB-F6A7827761BC}"/>
+          </ac:spMkLst>
+        </pc:spChg>
+        <pc:spChg chg="add mod">
+          <ac:chgData name="Weifeng Xu" userId="e7aed605-a3dd-4d5a-a692-a87037af107b" providerId="ADAL" clId="{69090D41-60B8-4636-A275-1996D027DEDB}" dt="2025-06-03T00:17:55.506" v="6305" actId="1076"/>
+          <ac:spMkLst>
+            <pc:docMk/>
+            <pc:sldMk cId="2994016025" sldId="273"/>
+            <ac:spMk id="5" creationId="{EE438E7B-7495-B793-7404-582DF8BC4BA0}"/>
+          </ac:spMkLst>
+        </pc:spChg>
+        <pc:spChg chg="add del mod ord">
+          <ac:chgData name="Weifeng Xu" userId="e7aed605-a3dd-4d5a-a692-a87037af107b" providerId="ADAL" clId="{69090D41-60B8-4636-A275-1996D027DEDB}" dt="2025-06-02T21:12:05.319" v="6031" actId="700"/>
           <ac:spMkLst>
             <pc:docMk/>
             <pc:sldMk cId="2994016025" sldId="273"/>
@@ -1727,7 +1766,15 @@
           </ac:spMkLst>
         </pc:spChg>
         <pc:spChg chg="add mod">
-          <ac:chgData name="Weifeng Xu" userId="e7aed605-a3dd-4d5a-a692-a87037af107b" providerId="ADAL" clId="{69090D41-60B8-4636-A275-1996D027DEDB}" dt="2025-05-04T20:50:58.712" v="3575" actId="1076"/>
+          <ac:chgData name="Weifeng Xu" userId="e7aed605-a3dd-4d5a-a692-a87037af107b" providerId="ADAL" clId="{69090D41-60B8-4636-A275-1996D027DEDB}" dt="2025-06-03T00:17:55.506" v="6305" actId="1076"/>
+          <ac:spMkLst>
+            <pc:docMk/>
+            <pc:sldMk cId="2994016025" sldId="273"/>
+            <ac:spMk id="7" creationId="{7285E129-8AED-2042-ADF9-9AA41D40BFE3}"/>
+          </ac:spMkLst>
+        </pc:spChg>
+        <pc:spChg chg="add del mod">
+          <ac:chgData name="Weifeng Xu" userId="e7aed605-a3dd-4d5a-a692-a87037af107b" providerId="ADAL" clId="{69090D41-60B8-4636-A275-1996D027DEDB}" dt="2025-06-02T21:05:56.032" v="6008" actId="478"/>
           <ac:spMkLst>
             <pc:docMk/>
             <pc:sldMk cId="2994016025" sldId="273"/>
@@ -1735,7 +1782,39 @@
           </ac:spMkLst>
         </pc:spChg>
         <pc:spChg chg="add mod">
-          <ac:chgData name="Weifeng Xu" userId="e7aed605-a3dd-4d5a-a692-a87037af107b" providerId="ADAL" clId="{69090D41-60B8-4636-A275-1996D027DEDB}" dt="2025-05-05T00:05:39.444" v="4067" actId="1076"/>
+          <ac:chgData name="Weifeng Xu" userId="e7aed605-a3dd-4d5a-a692-a87037af107b" providerId="ADAL" clId="{69090D41-60B8-4636-A275-1996D027DEDB}" dt="2025-06-03T00:16:57.347" v="6291" actId="6549"/>
+          <ac:spMkLst>
+            <pc:docMk/>
+            <pc:sldMk cId="2994016025" sldId="273"/>
+            <ac:spMk id="11" creationId="{90A7E917-3806-2FDB-A831-E7DF4BA3FDD3}"/>
+          </ac:spMkLst>
+        </pc:spChg>
+        <pc:spChg chg="add mod">
+          <ac:chgData name="Weifeng Xu" userId="e7aed605-a3dd-4d5a-a692-a87037af107b" providerId="ADAL" clId="{69090D41-60B8-4636-A275-1996D027DEDB}" dt="2025-06-03T00:14:49.211" v="6250" actId="1076"/>
+          <ac:spMkLst>
+            <pc:docMk/>
+            <pc:sldMk cId="2994016025" sldId="273"/>
+            <ac:spMk id="12" creationId="{8EB4F382-3C2E-C842-3DC2-EC987A27E117}"/>
+          </ac:spMkLst>
+        </pc:spChg>
+        <pc:spChg chg="add mod">
+          <ac:chgData name="Weifeng Xu" userId="e7aed605-a3dd-4d5a-a692-a87037af107b" providerId="ADAL" clId="{69090D41-60B8-4636-A275-1996D027DEDB}" dt="2025-06-03T00:14:49.211" v="6250" actId="1076"/>
+          <ac:spMkLst>
+            <pc:docMk/>
+            <pc:sldMk cId="2994016025" sldId="273"/>
+            <ac:spMk id="13" creationId="{BB6F7B74-073B-AAB5-2392-CC8F1BFEB7E2}"/>
+          </ac:spMkLst>
+        </pc:spChg>
+        <pc:spChg chg="add mod">
+          <ac:chgData name="Weifeng Xu" userId="e7aed605-a3dd-4d5a-a692-a87037af107b" providerId="ADAL" clId="{69090D41-60B8-4636-A275-1996D027DEDB}" dt="2025-06-03T00:14:49.211" v="6250" actId="1076"/>
+          <ac:spMkLst>
+            <pc:docMk/>
+            <pc:sldMk cId="2994016025" sldId="273"/>
+            <ac:spMk id="14" creationId="{2B58BE7A-D2A2-A01C-A384-08B6B3FABA7D}"/>
+          </ac:spMkLst>
+        </pc:spChg>
+        <pc:spChg chg="add del mod">
+          <ac:chgData name="Weifeng Xu" userId="e7aed605-a3dd-4d5a-a692-a87037af107b" providerId="ADAL" clId="{69090D41-60B8-4636-A275-1996D027DEDB}" dt="2025-06-02T21:12:37.944" v="6038" actId="478"/>
           <ac:spMkLst>
             <pc:docMk/>
             <pc:sldMk cId="2994016025" sldId="273"/>
@@ -1743,75 +1822,139 @@
           </ac:spMkLst>
         </pc:spChg>
         <pc:spChg chg="add mod">
-          <ac:chgData name="Weifeng Xu" userId="e7aed605-a3dd-4d5a-a692-a87037af107b" providerId="ADAL" clId="{69090D41-60B8-4636-A275-1996D027DEDB}" dt="2025-05-05T00:10:34.611" v="4167" actId="1076"/>
+          <ac:chgData name="Weifeng Xu" userId="e7aed605-a3dd-4d5a-a692-a87037af107b" providerId="ADAL" clId="{69090D41-60B8-4636-A275-1996D027DEDB}" dt="2025-06-03T00:17:02.372" v="6293" actId="6549"/>
+          <ac:spMkLst>
+            <pc:docMk/>
+            <pc:sldMk cId="2994016025" sldId="273"/>
+            <ac:spMk id="16" creationId="{D19EF253-DA30-D5B6-9179-6F052DB9CD92}"/>
+          </ac:spMkLst>
+        </pc:spChg>
+        <pc:spChg chg="add mod">
+          <ac:chgData name="Weifeng Xu" userId="e7aed605-a3dd-4d5a-a692-a87037af107b" providerId="ADAL" clId="{69090D41-60B8-4636-A275-1996D027DEDB}" dt="2025-06-03T00:18:40.491" v="6311" actId="14100"/>
+          <ac:spMkLst>
+            <pc:docMk/>
+            <pc:sldMk cId="2994016025" sldId="273"/>
+            <ac:spMk id="18" creationId="{A486D88A-59C0-FECE-D81F-8D081F9BADFF}"/>
+          </ac:spMkLst>
+        </pc:spChg>
+        <pc:spChg chg="add del mod">
+          <ac:chgData name="Weifeng Xu" userId="e7aed605-a3dd-4d5a-a692-a87037af107b" providerId="ADAL" clId="{69090D41-60B8-4636-A275-1996D027DEDB}" dt="2025-06-02T21:12:35.422" v="6037" actId="478"/>
           <ac:spMkLst>
             <pc:docMk/>
             <pc:sldMk cId="2994016025" sldId="273"/>
             <ac:spMk id="20" creationId="{70F099BF-D9D1-B768-016F-4F2BA2A9CF73}"/>
           </ac:spMkLst>
         </pc:spChg>
-        <pc:spChg chg="add del mod">
-          <ac:chgData name="Weifeng Xu" userId="e7aed605-a3dd-4d5a-a692-a87037af107b" providerId="ADAL" clId="{69090D41-60B8-4636-A275-1996D027DEDB}" dt="2025-05-20T13:44:47.485" v="4520"/>
+        <pc:spChg chg="add mod">
+          <ac:chgData name="Weifeng Xu" userId="e7aed605-a3dd-4d5a-a692-a87037af107b" providerId="ADAL" clId="{69090D41-60B8-4636-A275-1996D027DEDB}" dt="2025-06-03T00:20:05.965" v="6356" actId="207"/>
           <ac:spMkLst>
             <pc:docMk/>
             <pc:sldMk cId="2994016025" sldId="273"/>
-            <ac:spMk id="28" creationId="{18A89ECF-E73D-2771-D673-9F5235F3A604}"/>
+            <ac:spMk id="21" creationId="{E600A070-B39D-D8E9-72B6-0BFB90E3C216}"/>
           </ac:spMkLst>
         </pc:spChg>
-        <pc:spChg chg="add del mod">
-          <ac:chgData name="Weifeng Xu" userId="e7aed605-a3dd-4d5a-a692-a87037af107b" providerId="ADAL" clId="{69090D41-60B8-4636-A275-1996D027DEDB}" dt="2025-05-20T13:44:47.483" v="4518" actId="478"/>
+        <pc:spChg chg="add mod">
+          <ac:chgData name="Weifeng Xu" userId="e7aed605-a3dd-4d5a-a692-a87037af107b" providerId="ADAL" clId="{69090D41-60B8-4636-A275-1996D027DEDB}" dt="2025-06-03T00:20:17.396" v="6358" actId="14100"/>
           <ac:spMkLst>
             <pc:docMk/>
             <pc:sldMk cId="2994016025" sldId="273"/>
-            <ac:spMk id="30" creationId="{BEFADC7B-A33C-9E58-3F18-BAD83257FC7D}"/>
+            <ac:spMk id="23" creationId="{0A29A196-2477-2396-16F5-E79AF0B3DA41}"/>
+          </ac:spMkLst>
+        </pc:spChg>
+        <pc:spChg chg="add mod">
+          <ac:chgData name="Weifeng Xu" userId="e7aed605-a3dd-4d5a-a692-a87037af107b" providerId="ADAL" clId="{69090D41-60B8-4636-A275-1996D027DEDB}" dt="2025-06-03T00:20:19.732" v="6359" actId="14100"/>
+          <ac:spMkLst>
+            <pc:docMk/>
+            <pc:sldMk cId="2994016025" sldId="273"/>
+            <ac:spMk id="24" creationId="{213C9BD1-EA04-1250-4D12-20A5F939B765}"/>
+          </ac:spMkLst>
+        </pc:spChg>
+        <pc:spChg chg="add mod">
+          <ac:chgData name="Weifeng Xu" userId="e7aed605-a3dd-4d5a-a692-a87037af107b" providerId="ADAL" clId="{69090D41-60B8-4636-A275-1996D027DEDB}" dt="2025-06-03T00:20:26.004" v="6361" actId="1076"/>
+          <ac:spMkLst>
+            <pc:docMk/>
+            <pc:sldMk cId="2994016025" sldId="273"/>
+            <ac:spMk id="25" creationId="{37F2D8A6-D6EB-155D-181B-03436B25C59A}"/>
+          </ac:spMkLst>
+        </pc:spChg>
+        <pc:spChg chg="add mod">
+          <ac:chgData name="Weifeng Xu" userId="e7aed605-a3dd-4d5a-a692-a87037af107b" providerId="ADAL" clId="{69090D41-60B8-4636-A275-1996D027DEDB}" dt="2025-06-03T00:20:32.566" v="6363" actId="1076"/>
+          <ac:spMkLst>
+            <pc:docMk/>
+            <pc:sldMk cId="2994016025" sldId="273"/>
+            <ac:spMk id="26" creationId="{61E842C9-1C17-4173-721A-5FE40E560819}"/>
+          </ac:spMkLst>
+        </pc:spChg>
+        <pc:spChg chg="add mod">
+          <ac:chgData name="Weifeng Xu" userId="e7aed605-a3dd-4d5a-a692-a87037af107b" providerId="ADAL" clId="{69090D41-60B8-4636-A275-1996D027DEDB}" dt="2025-06-03T00:20:29.953" v="6362" actId="1076"/>
+          <ac:spMkLst>
+            <pc:docMk/>
+            <pc:sldMk cId="2994016025" sldId="273"/>
+            <ac:spMk id="27" creationId="{4FE886FC-571F-2DC7-3E41-E801209FAEC4}"/>
+          </ac:spMkLst>
+        </pc:spChg>
+        <pc:spChg chg="add mod">
+          <ac:chgData name="Weifeng Xu" userId="e7aed605-a3dd-4d5a-a692-a87037af107b" providerId="ADAL" clId="{69090D41-60B8-4636-A275-1996D027DEDB}" dt="2025-06-03T00:17:55.506" v="6305" actId="1076"/>
+          <ac:spMkLst>
+            <pc:docMk/>
+            <pc:sldMk cId="2994016025" sldId="273"/>
+            <ac:spMk id="28" creationId="{D66F7837-42A5-FFFC-7D7D-3AD89F1D7448}"/>
+          </ac:spMkLst>
+        </pc:spChg>
+        <pc:spChg chg="add mod">
+          <ac:chgData name="Weifeng Xu" userId="e7aed605-a3dd-4d5a-a692-a87037af107b" providerId="ADAL" clId="{69090D41-60B8-4636-A275-1996D027DEDB}" dt="2025-06-03T00:16:27.752" v="6274" actId="1076"/>
+          <ac:spMkLst>
+            <pc:docMk/>
+            <pc:sldMk cId="2994016025" sldId="273"/>
+            <ac:spMk id="30" creationId="{C3A5DEA0-E490-FEA4-03E8-28BF21849BC2}"/>
+          </ac:spMkLst>
+        </pc:spChg>
+        <pc:spChg chg="add mod">
+          <ac:chgData name="Weifeng Xu" userId="e7aed605-a3dd-4d5a-a692-a87037af107b" providerId="ADAL" clId="{69090D41-60B8-4636-A275-1996D027DEDB}" dt="2025-06-03T00:20:37.047" v="6364" actId="1076"/>
+          <ac:spMkLst>
+            <pc:docMk/>
+            <pc:sldMk cId="2994016025" sldId="273"/>
+            <ac:spMk id="31" creationId="{1C1F075D-D1F0-5812-3284-8C20879CF08B}"/>
           </ac:spMkLst>
         </pc:spChg>
         <pc:picChg chg="add mod modCrop">
-          <ac:chgData name="Weifeng Xu" userId="e7aed605-a3dd-4d5a-a692-a87037af107b" providerId="ADAL" clId="{69090D41-60B8-4636-A275-1996D027DEDB}" dt="2025-05-05T00:10:38.009" v="4169" actId="14100"/>
+          <ac:chgData name="Weifeng Xu" userId="e7aed605-a3dd-4d5a-a692-a87037af107b" providerId="ADAL" clId="{69090D41-60B8-4636-A275-1996D027DEDB}" dt="2025-06-03T00:18:13.953" v="6307" actId="1076"/>
           <ac:picMkLst>
             <pc:docMk/>
             <pc:sldMk cId="2994016025" sldId="273"/>
             <ac:picMk id="8" creationId="{5F9190EF-2CDB-F82F-AC96-B64E4B5FA9CC}"/>
           </ac:picMkLst>
         </pc:picChg>
-        <pc:picChg chg="mod modCrop">
-          <ac:chgData name="Weifeng Xu" userId="e7aed605-a3dd-4d5a-a692-a87037af107b" providerId="ADAL" clId="{69090D41-60B8-4636-A275-1996D027DEDB}" dt="2025-05-20T13:45:17.992" v="4523" actId="14100"/>
+        <pc:picChg chg="del mod modCrop">
+          <ac:chgData name="Weifeng Xu" userId="e7aed605-a3dd-4d5a-a692-a87037af107b" providerId="ADAL" clId="{69090D41-60B8-4636-A275-1996D027DEDB}" dt="2025-06-02T21:05:54.314" v="6007" actId="478"/>
           <ac:picMkLst>
             <pc:docMk/>
             <pc:sldMk cId="2994016025" sldId="273"/>
             <ac:picMk id="9" creationId="{FA8CE187-455F-75F4-F8E8-FE9CF4D8C3F8}"/>
           </ac:picMkLst>
         </pc:picChg>
-        <pc:picChg chg="add mod modCrop">
-          <ac:chgData name="Weifeng Xu" userId="e7aed605-a3dd-4d5a-a692-a87037af107b" providerId="ADAL" clId="{69090D41-60B8-4636-A275-1996D027DEDB}" dt="2025-05-05T00:10:34.611" v="4167" actId="1076"/>
+        <pc:picChg chg="add del mod modCrop">
+          <ac:chgData name="Weifeng Xu" userId="e7aed605-a3dd-4d5a-a692-a87037af107b" providerId="ADAL" clId="{69090D41-60B8-4636-A275-1996D027DEDB}" dt="2025-06-02T21:12:32.663" v="6036" actId="478"/>
           <ac:picMkLst>
             <pc:docMk/>
             <pc:sldMk cId="2994016025" sldId="273"/>
             <ac:picMk id="19" creationId="{2DD0C426-5B20-1643-9A5B-AAC43B7CDA9D}"/>
           </ac:picMkLst>
         </pc:picChg>
-        <pc:picChg chg="add mod modCrop">
-          <ac:chgData name="Weifeng Xu" userId="e7aed605-a3dd-4d5a-a692-a87037af107b" providerId="ADAL" clId="{69090D41-60B8-4636-A275-1996D027DEDB}" dt="2025-05-20T13:45:22.817" v="4525" actId="1076"/>
+        <pc:picChg chg="add del mod modCrop">
+          <ac:chgData name="Weifeng Xu" userId="e7aed605-a3dd-4d5a-a692-a87037af107b" providerId="ADAL" clId="{69090D41-60B8-4636-A275-1996D027DEDB}" dt="2025-06-02T21:05:57.183" v="6009" actId="478"/>
           <ac:picMkLst>
             <pc:docMk/>
             <pc:sldMk cId="2994016025" sldId="273"/>
             <ac:picMk id="29" creationId="{8FE5B172-0671-3E21-6BC8-E2A86A90618B}"/>
           </ac:picMkLst>
         </pc:picChg>
-        <pc:cxnChg chg="add mod">
-          <ac:chgData name="Weifeng Xu" userId="e7aed605-a3dd-4d5a-a692-a87037af107b" providerId="ADAL" clId="{69090D41-60B8-4636-A275-1996D027DEDB}" dt="2025-05-05T00:10:34.611" v="4167" actId="1076"/>
+        <pc:cxnChg chg="add del mod">
+          <ac:chgData name="Weifeng Xu" userId="e7aed605-a3dd-4d5a-a692-a87037af107b" providerId="ADAL" clId="{69090D41-60B8-4636-A275-1996D027DEDB}" dt="2025-06-02T21:12:35.422" v="6037" actId="478"/>
           <ac:cxnSpMkLst>
             <pc:docMk/>
             <pc:sldMk cId="2994016025" sldId="273"/>
             <ac:cxnSpMk id="22" creationId="{AD3E06A6-5F34-7860-9DB4-B7735ADA5563}"/>
-          </ac:cxnSpMkLst>
-        </pc:cxnChg>
-        <pc:cxnChg chg="add del mod">
-          <ac:chgData name="Weifeng Xu" userId="e7aed605-a3dd-4d5a-a692-a87037af107b" providerId="ADAL" clId="{69090D41-60B8-4636-A275-1996D027DEDB}" dt="2025-05-20T13:44:50.457" v="4521" actId="478"/>
-          <ac:cxnSpMkLst>
-            <pc:docMk/>
-            <pc:sldMk cId="2994016025" sldId="273"/>
-            <ac:cxnSpMk id="32" creationId="{D9E46063-C86C-AED1-740F-7AB42EEDEF91}"/>
           </ac:cxnSpMkLst>
         </pc:cxnChg>
       </pc:sldChg>
@@ -2210,6 +2353,486 @@
             <ac:spMk id="3" creationId="{4977BAF4-F7D6-CE1D-1AE7-5E273BABDE53}"/>
           </ac:spMkLst>
         </pc:spChg>
+      </pc:sldChg>
+      <pc:sldChg chg="modSp add mod ord">
+        <pc:chgData name="Weifeng Xu" userId="e7aed605-a3dd-4d5a-a692-a87037af107b" providerId="ADAL" clId="{69090D41-60B8-4636-A275-1996D027DEDB}" dt="2025-06-02T21:07:53.346" v="6026" actId="20577"/>
+        <pc:sldMkLst>
+          <pc:docMk/>
+          <pc:sldMk cId="263890869" sldId="286"/>
+        </pc:sldMkLst>
+        <pc:spChg chg="mod">
+          <ac:chgData name="Weifeng Xu" userId="e7aed605-a3dd-4d5a-a692-a87037af107b" providerId="ADAL" clId="{69090D41-60B8-4636-A275-1996D027DEDB}" dt="2025-06-02T21:07:53.346" v="6026" actId="20577"/>
+          <ac:spMkLst>
+            <pc:docMk/>
+            <pc:sldMk cId="263890869" sldId="286"/>
+            <ac:spMk id="4" creationId="{B09E384C-5E82-114F-F713-B73A92B6F546}"/>
+          </ac:spMkLst>
+        </pc:spChg>
+      </pc:sldChg>
+      <pc:sldChg chg="modSp add mod ord">
+        <pc:chgData name="Weifeng Xu" userId="e7aed605-a3dd-4d5a-a692-a87037af107b" providerId="ADAL" clId="{69090D41-60B8-4636-A275-1996D027DEDB}" dt="2025-06-02T21:07:44.173" v="6018"/>
+        <pc:sldMkLst>
+          <pc:docMk/>
+          <pc:sldMk cId="3686400147" sldId="287"/>
+        </pc:sldMkLst>
+        <pc:spChg chg="mod">
+          <ac:chgData name="Weifeng Xu" userId="e7aed605-a3dd-4d5a-a692-a87037af107b" providerId="ADAL" clId="{69090D41-60B8-4636-A275-1996D027DEDB}" dt="2025-06-02T21:07:44.173" v="6018"/>
+          <ac:spMkLst>
+            <pc:docMk/>
+            <pc:sldMk cId="3686400147" sldId="287"/>
+            <ac:spMk id="4" creationId="{B9384A85-E0A3-5177-1E71-0E53589F9F30}"/>
+          </ac:spMkLst>
+        </pc:spChg>
+        <pc:spChg chg="mod">
+          <ac:chgData name="Weifeng Xu" userId="e7aed605-a3dd-4d5a-a692-a87037af107b" providerId="ADAL" clId="{69090D41-60B8-4636-A275-1996D027DEDB}" dt="2025-06-02T19:05:56.955" v="4594" actId="20577"/>
+          <ac:spMkLst>
+            <pc:docMk/>
+            <pc:sldMk cId="3686400147" sldId="287"/>
+            <ac:spMk id="5" creationId="{68C9196E-3E3A-E041-D3D4-9EB8875A31CF}"/>
+          </ac:spMkLst>
+        </pc:spChg>
+      </pc:sldChg>
+      <pc:sldChg chg="addSp delSp modSp new mod modClrScheme chgLayout">
+        <pc:chgData name="Weifeng Xu" userId="e7aed605-a3dd-4d5a-a692-a87037af107b" providerId="ADAL" clId="{69090D41-60B8-4636-A275-1996D027DEDB}" dt="2025-06-02T20:58:45.855" v="5996" actId="14734"/>
+        <pc:sldMkLst>
+          <pc:docMk/>
+          <pc:sldMk cId="1807367971" sldId="288"/>
+        </pc:sldMkLst>
+        <pc:spChg chg="del mod ord">
+          <ac:chgData name="Weifeng Xu" userId="e7aed605-a3dd-4d5a-a692-a87037af107b" providerId="ADAL" clId="{69090D41-60B8-4636-A275-1996D027DEDB}" dt="2025-06-02T19:08:47.048" v="4637" actId="700"/>
+          <ac:spMkLst>
+            <pc:docMk/>
+            <pc:sldMk cId="1807367971" sldId="288"/>
+            <ac:spMk id="2" creationId="{AEB1082A-F847-818B-C80A-739E90F41BAA}"/>
+          </ac:spMkLst>
+        </pc:spChg>
+        <pc:spChg chg="del mod ord">
+          <ac:chgData name="Weifeng Xu" userId="e7aed605-a3dd-4d5a-a692-a87037af107b" providerId="ADAL" clId="{69090D41-60B8-4636-A275-1996D027DEDB}" dt="2025-06-02T19:08:47.048" v="4637" actId="700"/>
+          <ac:spMkLst>
+            <pc:docMk/>
+            <pc:sldMk cId="1807367971" sldId="288"/>
+            <ac:spMk id="3" creationId="{9F31DD02-64E6-0088-7D47-468D728118E4}"/>
+          </ac:spMkLst>
+        </pc:spChg>
+        <pc:spChg chg="add del mod ord">
+          <ac:chgData name="Weifeng Xu" userId="e7aed605-a3dd-4d5a-a692-a87037af107b" providerId="ADAL" clId="{69090D41-60B8-4636-A275-1996D027DEDB}" dt="2025-06-02T19:13:14.922" v="4713" actId="700"/>
+          <ac:spMkLst>
+            <pc:docMk/>
+            <pc:sldMk cId="1807367971" sldId="288"/>
+            <ac:spMk id="4" creationId="{C4DA332D-6229-E3B5-3BA1-04F09F711965}"/>
+          </ac:spMkLst>
+        </pc:spChg>
+        <pc:spChg chg="add del mod ord">
+          <ac:chgData name="Weifeng Xu" userId="e7aed605-a3dd-4d5a-a692-a87037af107b" providerId="ADAL" clId="{69090D41-60B8-4636-A275-1996D027DEDB}" dt="2025-06-02T19:13:14.922" v="4713" actId="700"/>
+          <ac:spMkLst>
+            <pc:docMk/>
+            <pc:sldMk cId="1807367971" sldId="288"/>
+            <ac:spMk id="5" creationId="{FD4FC434-1C49-3808-4972-B733A3405908}"/>
+          </ac:spMkLst>
+        </pc:spChg>
+        <pc:spChg chg="add mod">
+          <ac:chgData name="Weifeng Xu" userId="e7aed605-a3dd-4d5a-a692-a87037af107b" providerId="ADAL" clId="{69090D41-60B8-4636-A275-1996D027DEDB}" dt="2025-06-02T19:25:45.911" v="5023" actId="1076"/>
+          <ac:spMkLst>
+            <pc:docMk/>
+            <pc:sldMk cId="1807367971" sldId="288"/>
+            <ac:spMk id="6" creationId="{19FC117B-5F48-27FF-6BCD-F66A9019D887}"/>
+          </ac:spMkLst>
+        </pc:spChg>
+        <pc:spChg chg="add del mod">
+          <ac:chgData name="Weifeng Xu" userId="e7aed605-a3dd-4d5a-a692-a87037af107b" providerId="ADAL" clId="{69090D41-60B8-4636-A275-1996D027DEDB}" dt="2025-06-02T19:22:53.430" v="4871" actId="478"/>
+          <ac:spMkLst>
+            <pc:docMk/>
+            <pc:sldMk cId="1807367971" sldId="288"/>
+            <ac:spMk id="7" creationId="{E882984D-49F6-F1D2-F8AD-F9838A0D3625}"/>
+          </ac:spMkLst>
+        </pc:spChg>
+        <pc:spChg chg="add mod">
+          <ac:chgData name="Weifeng Xu" userId="e7aed605-a3dd-4d5a-a692-a87037af107b" providerId="ADAL" clId="{69090D41-60B8-4636-A275-1996D027DEDB}" dt="2025-06-02T19:30:56.822" v="5275" actId="1076"/>
+          <ac:spMkLst>
+            <pc:docMk/>
+            <pc:sldMk cId="1807367971" sldId="288"/>
+            <ac:spMk id="8" creationId="{F7BD7984-ABD3-968E-6678-C458FAA6ADD7}"/>
+          </ac:spMkLst>
+        </pc:spChg>
+        <pc:spChg chg="add mod">
+          <ac:chgData name="Weifeng Xu" userId="e7aed605-a3dd-4d5a-a692-a87037af107b" providerId="ADAL" clId="{69090D41-60B8-4636-A275-1996D027DEDB}" dt="2025-06-02T19:31:23.947" v="5282" actId="113"/>
+          <ac:spMkLst>
+            <pc:docMk/>
+            <pc:sldMk cId="1807367971" sldId="288"/>
+            <ac:spMk id="9" creationId="{5A49F3B4-135F-9995-A339-ECDB4628C43A}"/>
+          </ac:spMkLst>
+        </pc:spChg>
+        <pc:spChg chg="add mod">
+          <ac:chgData name="Weifeng Xu" userId="e7aed605-a3dd-4d5a-a692-a87037af107b" providerId="ADAL" clId="{69090D41-60B8-4636-A275-1996D027DEDB}" dt="2025-06-02T19:31:38.255" v="5286" actId="207"/>
+          <ac:spMkLst>
+            <pc:docMk/>
+            <pc:sldMk cId="1807367971" sldId="288"/>
+            <ac:spMk id="10" creationId="{6E48D9BD-372B-939D-9585-A670C4C81391}"/>
+          </ac:spMkLst>
+        </pc:spChg>
+        <pc:spChg chg="add mod">
+          <ac:chgData name="Weifeng Xu" userId="e7aed605-a3dd-4d5a-a692-a87037af107b" providerId="ADAL" clId="{69090D41-60B8-4636-A275-1996D027DEDB}" dt="2025-06-02T19:31:05.798" v="5279" actId="1076"/>
+          <ac:spMkLst>
+            <pc:docMk/>
+            <pc:sldMk cId="1807367971" sldId="288"/>
+            <ac:spMk id="12" creationId="{4148360A-D505-F3FF-B018-2140A5E7875F}"/>
+          </ac:spMkLst>
+        </pc:spChg>
+        <pc:spChg chg="add del mod">
+          <ac:chgData name="Weifeng Xu" userId="e7aed605-a3dd-4d5a-a692-a87037af107b" providerId="ADAL" clId="{69090D41-60B8-4636-A275-1996D027DEDB}" dt="2025-06-02T19:36:11.472" v="5359" actId="478"/>
+          <ac:spMkLst>
+            <pc:docMk/>
+            <pc:sldMk cId="1807367971" sldId="288"/>
+            <ac:spMk id="13" creationId="{07C9F441-E15A-512A-0F49-3C9C764B7EDC}"/>
+          </ac:spMkLst>
+        </pc:spChg>
+        <pc:graphicFrameChg chg="add mod modGraphic">
+          <ac:chgData name="Weifeng Xu" userId="e7aed605-a3dd-4d5a-a692-a87037af107b" providerId="ADAL" clId="{69090D41-60B8-4636-A275-1996D027DEDB}" dt="2025-06-02T20:58:45.855" v="5996" actId="14734"/>
+          <ac:graphicFrameMkLst>
+            <pc:docMk/>
+            <pc:sldMk cId="1807367971" sldId="288"/>
+            <ac:graphicFrameMk id="14" creationId="{52565C83-04E3-5C94-023C-34576D22549E}"/>
+          </ac:graphicFrameMkLst>
+        </pc:graphicFrameChg>
+        <pc:picChg chg="add mod">
+          <ac:chgData name="Weifeng Xu" userId="e7aed605-a3dd-4d5a-a692-a87037af107b" providerId="ADAL" clId="{69090D41-60B8-4636-A275-1996D027DEDB}" dt="2025-06-02T19:30:47.274" v="5273" actId="1076"/>
+          <ac:picMkLst>
+            <pc:docMk/>
+            <pc:sldMk cId="1807367971" sldId="288"/>
+            <ac:picMk id="1026" creationId="{C5BC6A69-E020-0D6E-C300-245C4880DD47}"/>
+          </ac:picMkLst>
+        </pc:picChg>
+        <pc:picChg chg="add del mod">
+          <ac:chgData name="Weifeng Xu" userId="e7aed605-a3dd-4d5a-a692-a87037af107b" providerId="ADAL" clId="{69090D41-60B8-4636-A275-1996D027DEDB}" dt="2025-06-02T19:15:50.908" v="4727" actId="478"/>
+          <ac:picMkLst>
+            <pc:docMk/>
+            <pc:sldMk cId="1807367971" sldId="288"/>
+            <ac:picMk id="1028" creationId="{296B6BD2-E49F-D10E-194C-B3ED6AD7EF87}"/>
+          </ac:picMkLst>
+        </pc:picChg>
+        <pc:picChg chg="add del">
+          <ac:chgData name="Weifeng Xu" userId="e7aed605-a3dd-4d5a-a692-a87037af107b" providerId="ADAL" clId="{69090D41-60B8-4636-A275-1996D027DEDB}" dt="2025-06-02T19:16:01.744" v="4729" actId="478"/>
+          <ac:picMkLst>
+            <pc:docMk/>
+            <pc:sldMk cId="1807367971" sldId="288"/>
+            <ac:picMk id="1030" creationId="{A3231A57-3C16-15BD-AC2B-DDCBA5970C10}"/>
+          </ac:picMkLst>
+        </pc:picChg>
+        <pc:picChg chg="add mod">
+          <ac:chgData name="Weifeng Xu" userId="e7aed605-a3dd-4d5a-a692-a87037af107b" providerId="ADAL" clId="{69090D41-60B8-4636-A275-1996D027DEDB}" dt="2025-06-02T19:25:45.911" v="5023" actId="1076"/>
+          <ac:picMkLst>
+            <pc:docMk/>
+            <pc:sldMk cId="1807367971" sldId="288"/>
+            <ac:picMk id="1032" creationId="{A8F2FD44-3097-5519-BAB0-5100FB692CAD}"/>
+          </ac:picMkLst>
+        </pc:picChg>
+      </pc:sldChg>
+      <pc:sldChg chg="new del">
+        <pc:chgData name="Weifeng Xu" userId="e7aed605-a3dd-4d5a-a692-a87037af107b" providerId="ADAL" clId="{69090D41-60B8-4636-A275-1996D027DEDB}" dt="2025-06-02T19:34:59.050" v="5349" actId="680"/>
+        <pc:sldMkLst>
+          <pc:docMk/>
+          <pc:sldMk cId="2671048077" sldId="289"/>
+        </pc:sldMkLst>
+      </pc:sldChg>
+      <pc:sldChg chg="addSp modSp new mod">
+        <pc:chgData name="Weifeng Xu" userId="e7aed605-a3dd-4d5a-a692-a87037af107b" providerId="ADAL" clId="{69090D41-60B8-4636-A275-1996D027DEDB}" dt="2025-06-02T21:15:56.643" v="6065" actId="113"/>
+        <pc:sldMkLst>
+          <pc:docMk/>
+          <pc:sldMk cId="3779709545" sldId="289"/>
+        </pc:sldMkLst>
+        <pc:spChg chg="add mod">
+          <ac:chgData name="Weifeng Xu" userId="e7aed605-a3dd-4d5a-a692-a87037af107b" providerId="ADAL" clId="{69090D41-60B8-4636-A275-1996D027DEDB}" dt="2025-06-02T19:49:16.397" v="5587" actId="1076"/>
+          <ac:spMkLst>
+            <pc:docMk/>
+            <pc:sldMk cId="3779709545" sldId="289"/>
+            <ac:spMk id="2" creationId="{0C643C25-02D3-FCE9-3FD2-EF04A1C483BC}"/>
+          </ac:spMkLst>
+        </pc:spChg>
+        <pc:spChg chg="add mod">
+          <ac:chgData name="Weifeng Xu" userId="e7aed605-a3dd-4d5a-a692-a87037af107b" providerId="ADAL" clId="{69090D41-60B8-4636-A275-1996D027DEDB}" dt="2025-06-02T19:56:47.700" v="5801" actId="1076"/>
+          <ac:spMkLst>
+            <pc:docMk/>
+            <pc:sldMk cId="3779709545" sldId="289"/>
+            <ac:spMk id="3" creationId="{02E99F81-0325-DBEC-E7C5-4FA6ACEE1D01}"/>
+          </ac:spMkLst>
+        </pc:spChg>
+        <pc:spChg chg="add mod">
+          <ac:chgData name="Weifeng Xu" userId="e7aed605-a3dd-4d5a-a692-a87037af107b" providerId="ADAL" clId="{69090D41-60B8-4636-A275-1996D027DEDB}" dt="2025-06-02T21:14:02.567" v="6045" actId="207"/>
+          <ac:spMkLst>
+            <pc:docMk/>
+            <pc:sldMk cId="3779709545" sldId="289"/>
+            <ac:spMk id="4" creationId="{7AA7506C-E141-CB27-23E2-72A837BAC968}"/>
+          </ac:spMkLst>
+        </pc:spChg>
+        <pc:spChg chg="add mod">
+          <ac:chgData name="Weifeng Xu" userId="e7aed605-a3dd-4d5a-a692-a87037af107b" providerId="ADAL" clId="{69090D41-60B8-4636-A275-1996D027DEDB}" dt="2025-06-02T21:14:11.011" v="6046" actId="207"/>
+          <ac:spMkLst>
+            <pc:docMk/>
+            <pc:sldMk cId="3779709545" sldId="289"/>
+            <ac:spMk id="5" creationId="{B42D2810-FB40-4134-9319-BF39A5858364}"/>
+          </ac:spMkLst>
+        </pc:spChg>
+        <pc:spChg chg="add mod">
+          <ac:chgData name="Weifeng Xu" userId="e7aed605-a3dd-4d5a-a692-a87037af107b" providerId="ADAL" clId="{69090D41-60B8-4636-A275-1996D027DEDB}" dt="2025-06-02T20:01:54.861" v="5861" actId="1076"/>
+          <ac:spMkLst>
+            <pc:docMk/>
+            <pc:sldMk cId="3779709545" sldId="289"/>
+            <ac:spMk id="7" creationId="{8285E031-EF52-E40F-3BF3-0D1DBCBB439B}"/>
+          </ac:spMkLst>
+        </pc:spChg>
+        <pc:spChg chg="add mod">
+          <ac:chgData name="Weifeng Xu" userId="e7aed605-a3dd-4d5a-a692-a87037af107b" providerId="ADAL" clId="{69090D41-60B8-4636-A275-1996D027DEDB}" dt="2025-06-02T20:01:54.861" v="5861" actId="1076"/>
+          <ac:spMkLst>
+            <pc:docMk/>
+            <pc:sldMk cId="3779709545" sldId="289"/>
+            <ac:spMk id="8" creationId="{A8442563-8A10-64C4-27AA-F6C824CC35B9}"/>
+          </ac:spMkLst>
+        </pc:spChg>
+        <pc:spChg chg="add mod">
+          <ac:chgData name="Weifeng Xu" userId="e7aed605-a3dd-4d5a-a692-a87037af107b" providerId="ADAL" clId="{69090D41-60B8-4636-A275-1996D027DEDB}" dt="2025-06-02T20:01:54.861" v="5861" actId="1076"/>
+          <ac:spMkLst>
+            <pc:docMk/>
+            <pc:sldMk cId="3779709545" sldId="289"/>
+            <ac:spMk id="9" creationId="{D7EC7BB6-A8AE-889A-DF38-BCF132A03538}"/>
+          </ac:spMkLst>
+        </pc:spChg>
+        <pc:spChg chg="add mod">
+          <ac:chgData name="Weifeng Xu" userId="e7aed605-a3dd-4d5a-a692-a87037af107b" providerId="ADAL" clId="{69090D41-60B8-4636-A275-1996D027DEDB}" dt="2025-06-02T20:01:54.861" v="5861" actId="1076"/>
+          <ac:spMkLst>
+            <pc:docMk/>
+            <pc:sldMk cId="3779709545" sldId="289"/>
+            <ac:spMk id="10" creationId="{065E40EA-4364-F5AA-25F4-C75593E32A38}"/>
+          </ac:spMkLst>
+        </pc:spChg>
+        <pc:spChg chg="add mod">
+          <ac:chgData name="Weifeng Xu" userId="e7aed605-a3dd-4d5a-a692-a87037af107b" providerId="ADAL" clId="{69090D41-60B8-4636-A275-1996D027DEDB}" dt="2025-06-02T20:01:54.861" v="5861" actId="1076"/>
+          <ac:spMkLst>
+            <pc:docMk/>
+            <pc:sldMk cId="3779709545" sldId="289"/>
+            <ac:spMk id="11" creationId="{AB9E5F4D-12A3-6964-1490-EA6063035E87}"/>
+          </ac:spMkLst>
+        </pc:spChg>
+        <pc:spChg chg="add mod">
+          <ac:chgData name="Weifeng Xu" userId="e7aed605-a3dd-4d5a-a692-a87037af107b" providerId="ADAL" clId="{69090D41-60B8-4636-A275-1996D027DEDB}" dt="2025-06-02T20:01:54.861" v="5861" actId="1076"/>
+          <ac:spMkLst>
+            <pc:docMk/>
+            <pc:sldMk cId="3779709545" sldId="289"/>
+            <ac:spMk id="12" creationId="{11FEDF55-F827-0D8E-3E71-53F556F9267A}"/>
+          </ac:spMkLst>
+        </pc:spChg>
+        <pc:spChg chg="add mod">
+          <ac:chgData name="Weifeng Xu" userId="e7aed605-a3dd-4d5a-a692-a87037af107b" providerId="ADAL" clId="{69090D41-60B8-4636-A275-1996D027DEDB}" dt="2025-06-02T20:01:54.861" v="5861" actId="1076"/>
+          <ac:spMkLst>
+            <pc:docMk/>
+            <pc:sldMk cId="3779709545" sldId="289"/>
+            <ac:spMk id="21" creationId="{3BAE48EC-FA14-363C-B4CC-7808B0F93774}"/>
+          </ac:spMkLst>
+        </pc:spChg>
+        <pc:spChg chg="add mod">
+          <ac:chgData name="Weifeng Xu" userId="e7aed605-a3dd-4d5a-a692-a87037af107b" providerId="ADAL" clId="{69090D41-60B8-4636-A275-1996D027DEDB}" dt="2025-06-02T20:01:54.861" v="5861" actId="1076"/>
+          <ac:spMkLst>
+            <pc:docMk/>
+            <pc:sldMk cId="3779709545" sldId="289"/>
+            <ac:spMk id="22" creationId="{776788C9-2917-715F-DC81-209CFCC9CDDE}"/>
+          </ac:spMkLst>
+        </pc:spChg>
+        <pc:spChg chg="add mod">
+          <ac:chgData name="Weifeng Xu" userId="e7aed605-a3dd-4d5a-a692-a87037af107b" providerId="ADAL" clId="{69090D41-60B8-4636-A275-1996D027DEDB}" dt="2025-06-02T20:01:54.861" v="5861" actId="1076"/>
+          <ac:spMkLst>
+            <pc:docMk/>
+            <pc:sldMk cId="3779709545" sldId="289"/>
+            <ac:spMk id="23" creationId="{3A86216E-A05A-B762-B0CC-B37CD1D38ED8}"/>
+          </ac:spMkLst>
+        </pc:spChg>
+        <pc:spChg chg="add mod">
+          <ac:chgData name="Weifeng Xu" userId="e7aed605-a3dd-4d5a-a692-a87037af107b" providerId="ADAL" clId="{69090D41-60B8-4636-A275-1996D027DEDB}" dt="2025-06-02T20:01:54.861" v="5861" actId="1076"/>
+          <ac:spMkLst>
+            <pc:docMk/>
+            <pc:sldMk cId="3779709545" sldId="289"/>
+            <ac:spMk id="24" creationId="{D7330894-97E4-7260-73E4-C498350D0EE3}"/>
+          </ac:spMkLst>
+        </pc:spChg>
+        <pc:spChg chg="add mod">
+          <ac:chgData name="Weifeng Xu" userId="e7aed605-a3dd-4d5a-a692-a87037af107b" providerId="ADAL" clId="{69090D41-60B8-4636-A275-1996D027DEDB}" dt="2025-06-02T19:56:47.700" v="5801" actId="1076"/>
+          <ac:spMkLst>
+            <pc:docMk/>
+            <pc:sldMk cId="3779709545" sldId="289"/>
+            <ac:spMk id="25" creationId="{4EF122CC-3D77-D0DE-AA0E-7F682D15FCCD}"/>
+          </ac:spMkLst>
+        </pc:spChg>
+        <pc:spChg chg="add mod">
+          <ac:chgData name="Weifeng Xu" userId="e7aed605-a3dd-4d5a-a692-a87037af107b" providerId="ADAL" clId="{69090D41-60B8-4636-A275-1996D027DEDB}" dt="2025-06-02T20:02:00.962" v="5862" actId="1076"/>
+          <ac:spMkLst>
+            <pc:docMk/>
+            <pc:sldMk cId="3779709545" sldId="289"/>
+            <ac:spMk id="26" creationId="{43900D36-3196-B4C7-282C-B916A9EC1358}"/>
+          </ac:spMkLst>
+        </pc:spChg>
+        <pc:spChg chg="add mod">
+          <ac:chgData name="Weifeng Xu" userId="e7aed605-a3dd-4d5a-a692-a87037af107b" providerId="ADAL" clId="{69090D41-60B8-4636-A275-1996D027DEDB}" dt="2025-06-02T20:02:00.962" v="5862" actId="1076"/>
+          <ac:spMkLst>
+            <pc:docMk/>
+            <pc:sldMk cId="3779709545" sldId="289"/>
+            <ac:spMk id="27" creationId="{DD9853B7-5F8D-FE22-D10C-0B0FA1BB4030}"/>
+          </ac:spMkLst>
+        </pc:spChg>
+        <pc:spChg chg="add mod">
+          <ac:chgData name="Weifeng Xu" userId="e7aed605-a3dd-4d5a-a692-a87037af107b" providerId="ADAL" clId="{69090D41-60B8-4636-A275-1996D027DEDB}" dt="2025-06-02T20:02:00.962" v="5862" actId="1076"/>
+          <ac:spMkLst>
+            <pc:docMk/>
+            <pc:sldMk cId="3779709545" sldId="289"/>
+            <ac:spMk id="28" creationId="{BEE6EB8A-8ACE-3BD0-65F6-BE063EEC0FC8}"/>
+          </ac:spMkLst>
+        </pc:spChg>
+        <pc:spChg chg="add mod">
+          <ac:chgData name="Weifeng Xu" userId="e7aed605-a3dd-4d5a-a692-a87037af107b" providerId="ADAL" clId="{69090D41-60B8-4636-A275-1996D027DEDB}" dt="2025-06-02T20:02:00.962" v="5862" actId="1076"/>
+          <ac:spMkLst>
+            <pc:docMk/>
+            <pc:sldMk cId="3779709545" sldId="289"/>
+            <ac:spMk id="29" creationId="{C74942E8-7133-1B6B-F917-E5F22C534D0D}"/>
+          </ac:spMkLst>
+        </pc:spChg>
+        <pc:spChg chg="add mod">
+          <ac:chgData name="Weifeng Xu" userId="e7aed605-a3dd-4d5a-a692-a87037af107b" providerId="ADAL" clId="{69090D41-60B8-4636-A275-1996D027DEDB}" dt="2025-06-02T21:14:59.302" v="6058" actId="113"/>
+          <ac:spMkLst>
+            <pc:docMk/>
+            <pc:sldMk cId="3779709545" sldId="289"/>
+            <ac:spMk id="32" creationId="{57F1B27A-0DBF-C994-4D32-B5717DD816B6}"/>
+          </ac:spMkLst>
+        </pc:spChg>
+        <pc:spChg chg="add mod">
+          <ac:chgData name="Weifeng Xu" userId="e7aed605-a3dd-4d5a-a692-a87037af107b" providerId="ADAL" clId="{69090D41-60B8-4636-A275-1996D027DEDB}" dt="2025-06-02T21:15:56.643" v="6065" actId="113"/>
+          <ac:spMkLst>
+            <pc:docMk/>
+            <pc:sldMk cId="3779709545" sldId="289"/>
+            <ac:spMk id="35" creationId="{ACC4C347-41FA-EB5F-CC9A-AC24EA1AB651}"/>
+          </ac:spMkLst>
+        </pc:spChg>
+        <pc:cxnChg chg="add mod">
+          <ac:chgData name="Weifeng Xu" userId="e7aed605-a3dd-4d5a-a692-a87037af107b" providerId="ADAL" clId="{69090D41-60B8-4636-A275-1996D027DEDB}" dt="2025-06-02T20:01:45.777" v="5860" actId="1076"/>
+          <ac:cxnSpMkLst>
+            <pc:docMk/>
+            <pc:sldMk cId="3779709545" sldId="289"/>
+            <ac:cxnSpMk id="14" creationId="{C2D00B67-CC88-3555-9B48-7836D15173AE}"/>
+          </ac:cxnSpMkLst>
+        </pc:cxnChg>
+        <pc:cxnChg chg="add mod">
+          <ac:chgData name="Weifeng Xu" userId="e7aed605-a3dd-4d5a-a692-a87037af107b" providerId="ADAL" clId="{69090D41-60B8-4636-A275-1996D027DEDB}" dt="2025-06-02T20:01:45.777" v="5860" actId="1076"/>
+          <ac:cxnSpMkLst>
+            <pc:docMk/>
+            <pc:sldMk cId="3779709545" sldId="289"/>
+            <ac:cxnSpMk id="16" creationId="{05F2DED3-F4A4-6F95-EA56-2F21F631962E}"/>
+          </ac:cxnSpMkLst>
+        </pc:cxnChg>
+        <pc:cxnChg chg="add mod">
+          <ac:chgData name="Weifeng Xu" userId="e7aed605-a3dd-4d5a-a692-a87037af107b" providerId="ADAL" clId="{69090D41-60B8-4636-A275-1996D027DEDB}" dt="2025-06-02T19:52:11.794" v="5636" actId="1076"/>
+          <ac:cxnSpMkLst>
+            <pc:docMk/>
+            <pc:sldMk cId="3779709545" sldId="289"/>
+            <ac:cxnSpMk id="18" creationId="{031EFEF5-13AF-46E5-98F2-D016FA755E39}"/>
+          </ac:cxnSpMkLst>
+        </pc:cxnChg>
+        <pc:cxnChg chg="add mod">
+          <ac:chgData name="Weifeng Xu" userId="e7aed605-a3dd-4d5a-a692-a87037af107b" providerId="ADAL" clId="{69090D41-60B8-4636-A275-1996D027DEDB}" dt="2025-06-02T19:52:11.794" v="5636" actId="1076"/>
+          <ac:cxnSpMkLst>
+            <pc:docMk/>
+            <pc:sldMk cId="3779709545" sldId="289"/>
+            <ac:cxnSpMk id="20" creationId="{7E7FDF6B-F7CB-8E46-B4CD-466C3A15D72C}"/>
+          </ac:cxnSpMkLst>
+        </pc:cxnChg>
+      </pc:sldChg>
+      <pc:sldChg chg="modSp add mod">
+        <pc:chgData name="Weifeng Xu" userId="e7aed605-a3dd-4d5a-a692-a87037af107b" providerId="ADAL" clId="{69090D41-60B8-4636-A275-1996D027DEDB}" dt="2025-06-02T21:05:13.819" v="6002" actId="20577"/>
+        <pc:sldMkLst>
+          <pc:docMk/>
+          <pc:sldMk cId="2958233388" sldId="290"/>
+        </pc:sldMkLst>
+        <pc:spChg chg="mod">
+          <ac:chgData name="Weifeng Xu" userId="e7aed605-a3dd-4d5a-a692-a87037af107b" providerId="ADAL" clId="{69090D41-60B8-4636-A275-1996D027DEDB}" dt="2025-06-02T21:05:13.819" v="6002" actId="20577"/>
+          <ac:spMkLst>
+            <pc:docMk/>
+            <pc:sldMk cId="2958233388" sldId="290"/>
+            <ac:spMk id="4" creationId="{9B7AE238-387F-A395-6F37-C5CFEF8C54A3}"/>
+          </ac:spMkLst>
+        </pc:spChg>
+      </pc:sldChg>
+      <pc:sldChg chg="delSp modSp add mod">
+        <pc:chgData name="Weifeng Xu" userId="e7aed605-a3dd-4d5a-a692-a87037af107b" providerId="ADAL" clId="{69090D41-60B8-4636-A275-1996D027DEDB}" dt="2025-06-03T00:23:32.734" v="6385" actId="1076"/>
+        <pc:sldMkLst>
+          <pc:docMk/>
+          <pc:sldMk cId="2668507805" sldId="291"/>
+        </pc:sldMkLst>
+        <pc:spChg chg="del mod">
+          <ac:chgData name="Weifeng Xu" userId="e7aed605-a3dd-4d5a-a692-a87037af107b" providerId="ADAL" clId="{69090D41-60B8-4636-A275-1996D027DEDB}" dt="2025-06-03T00:23:25.530" v="6384" actId="478"/>
+          <ac:spMkLst>
+            <pc:docMk/>
+            <pc:sldMk cId="2668507805" sldId="291"/>
+            <ac:spMk id="20" creationId="{994FEDAB-565D-73BB-FFD5-CF05812E7D68}"/>
+          </ac:spMkLst>
+        </pc:spChg>
+        <pc:picChg chg="mod">
+          <ac:chgData name="Weifeng Xu" userId="e7aed605-a3dd-4d5a-a692-a87037af107b" providerId="ADAL" clId="{69090D41-60B8-4636-A275-1996D027DEDB}" dt="2025-06-03T00:23:32.734" v="6385" actId="1076"/>
+          <ac:picMkLst>
+            <pc:docMk/>
+            <pc:sldMk cId="2668507805" sldId="291"/>
+            <ac:picMk id="8" creationId="{FE84682E-B34C-4337-E703-96EE02A47DA9}"/>
+          </ac:picMkLst>
+        </pc:picChg>
+        <pc:picChg chg="del">
+          <ac:chgData name="Weifeng Xu" userId="e7aed605-a3dd-4d5a-a692-a87037af107b" providerId="ADAL" clId="{69090D41-60B8-4636-A275-1996D027DEDB}" dt="2025-06-03T00:23:21.367" v="6380" actId="478"/>
+          <ac:picMkLst>
+            <pc:docMk/>
+            <pc:sldMk cId="2668507805" sldId="291"/>
+            <ac:picMk id="19" creationId="{8E2CB060-5B1E-2FE0-B20C-0B0258DC99AE}"/>
+          </ac:picMkLst>
+        </pc:picChg>
+        <pc:cxnChg chg="del mod">
+          <ac:chgData name="Weifeng Xu" userId="e7aed605-a3dd-4d5a-a692-a87037af107b" providerId="ADAL" clId="{69090D41-60B8-4636-A275-1996D027DEDB}" dt="2025-06-03T00:23:23.197" v="6382" actId="478"/>
+          <ac:cxnSpMkLst>
+            <pc:docMk/>
+            <pc:sldMk cId="2668507805" sldId="291"/>
+            <ac:cxnSpMk id="22" creationId="{E7189B49-D92B-A4C4-A95B-38CFB4C5E50D}"/>
+          </ac:cxnSpMkLst>
+        </pc:cxnChg>
+      </pc:sldChg>
+      <pc:sldChg chg="delSp modSp add mod">
+        <pc:chgData name="Weifeng Xu" userId="e7aed605-a3dd-4d5a-a692-a87037af107b" providerId="ADAL" clId="{69090D41-60B8-4636-A275-1996D027DEDB}" dt="2025-06-03T00:21:36.965" v="6374" actId="1076"/>
+        <pc:sldMkLst>
+          <pc:docMk/>
+          <pc:sldMk cId="34415168" sldId="292"/>
+        </pc:sldMkLst>
+        <pc:spChg chg="mod">
+          <ac:chgData name="Weifeng Xu" userId="e7aed605-a3dd-4d5a-a692-a87037af107b" providerId="ADAL" clId="{69090D41-60B8-4636-A275-1996D027DEDB}" dt="2025-06-03T00:21:36.965" v="6374" actId="1076"/>
+          <ac:spMkLst>
+            <pc:docMk/>
+            <pc:sldMk cId="34415168" sldId="292"/>
+            <ac:spMk id="20" creationId="{DACDD88A-814E-1F1D-A50E-3C84FC01E404}"/>
+          </ac:spMkLst>
+        </pc:spChg>
+        <pc:picChg chg="del">
+          <ac:chgData name="Weifeng Xu" userId="e7aed605-a3dd-4d5a-a692-a87037af107b" providerId="ADAL" clId="{69090D41-60B8-4636-A275-1996D027DEDB}" dt="2025-06-03T00:21:05.615" v="6365" actId="478"/>
+          <ac:picMkLst>
+            <pc:docMk/>
+            <pc:sldMk cId="34415168" sldId="292"/>
+            <ac:picMk id="8" creationId="{0043B0DC-5E06-9A10-AB06-73E629F0F5FE}"/>
+          </ac:picMkLst>
+        </pc:picChg>
+        <pc:picChg chg="mod">
+          <ac:chgData name="Weifeng Xu" userId="e7aed605-a3dd-4d5a-a692-a87037af107b" providerId="ADAL" clId="{69090D41-60B8-4636-A275-1996D027DEDB}" dt="2025-06-03T00:21:36.965" v="6374" actId="1076"/>
+          <ac:picMkLst>
+            <pc:docMk/>
+            <pc:sldMk cId="34415168" sldId="292"/>
+            <ac:picMk id="19" creationId="{91561FF8-D8A8-60FE-EABD-6424279F2086}"/>
+          </ac:picMkLst>
+        </pc:picChg>
+        <pc:cxnChg chg="mod">
+          <ac:chgData name="Weifeng Xu" userId="e7aed605-a3dd-4d5a-a692-a87037af107b" providerId="ADAL" clId="{69090D41-60B8-4636-A275-1996D027DEDB}" dt="2025-06-03T00:21:36.965" v="6374" actId="1076"/>
+          <ac:cxnSpMkLst>
+            <pc:docMk/>
+            <pc:sldMk cId="34415168" sldId="292"/>
+            <ac:cxnSpMk id="22" creationId="{7F2BF856-CA6D-279B-573F-34F5A52A8047}"/>
+          </ac:cxnSpMkLst>
+        </pc:cxnChg>
       </pc:sldChg>
     </pc:docChg>
   </pc:docChgLst>
@@ -3741,7 +4364,7 @@
           <a:p>
             <a:fld id="{2A59A54D-A59E-4D85-AEC9-D5AFF867AB55}" type="datetimeFigureOut">
               <a:rPr lang="en-US" smtClean="0"/>
-              <a:t>5/20/2025</a:t>
+              <a:t>6/2/2025</a:t>
             </a:fld>
             <a:endParaRPr lang="en-US"/>
           </a:p>
@@ -4500,7 +5123,7 @@
           <a:p>
             <a:fld id="{AD4B3522-F598-4236-847D-901DDEE8B2B8}" type="slidenum">
               <a:rPr lang="en-US" smtClean="0"/>
-              <a:t>10</a:t>
+              <a:t>14</a:t>
             </a:fld>
             <a:endParaRPr lang="en-US"/>
           </a:p>
@@ -4520,6 +5143,290 @@
 </file>
 
 <file path=ppt/notesSlides/notesSlide3.xml><?xml version="1.0" encoding="utf-8"?>
+<p:notes xmlns:a="http://schemas.openxmlformats.org/drawingml/2006/main" xmlns:r="http://schemas.openxmlformats.org/officeDocument/2006/relationships" xmlns:p="http://schemas.openxmlformats.org/presentationml/2006/main">
+  <p:cSld>
+    <p:spTree>
+      <p:nvGrpSpPr>
+        <p:cNvPr id="1" name="">
+          <a:extLst>
+            <a:ext uri="{FF2B5EF4-FFF2-40B4-BE49-F238E27FC236}">
+              <a16:creationId xmlns:a16="http://schemas.microsoft.com/office/drawing/2014/main" id="{D820EBB4-1CF5-919A-29CB-27C254D3E3FA}"/>
+            </a:ext>
+          </a:extLst>
+        </p:cNvPr>
+        <p:cNvGrpSpPr/>
+        <p:nvPr/>
+      </p:nvGrpSpPr>
+      <p:grpSpPr>
+        <a:xfrm>
+          <a:off x="0" y="0"/>
+          <a:ext cx="0" cy="0"/>
+          <a:chOff x="0" y="0"/>
+          <a:chExt cx="0" cy="0"/>
+        </a:xfrm>
+      </p:grpSpPr>
+      <p:sp>
+        <p:nvSpPr>
+          <p:cNvPr id="2" name="Slide Image Placeholder 1">
+            <a:extLst>
+              <a:ext uri="{FF2B5EF4-FFF2-40B4-BE49-F238E27FC236}">
+                <a16:creationId xmlns:a16="http://schemas.microsoft.com/office/drawing/2014/main" id="{BB4AC4A7-30C4-6DC5-AAFD-521AB020FBEF}"/>
+              </a:ext>
+            </a:extLst>
+          </p:cNvPr>
+          <p:cNvSpPr>
+            <a:spLocks noGrp="1" noRot="1" noChangeAspect="1"/>
+          </p:cNvSpPr>
+          <p:nvPr>
+            <p:ph type="sldImg"/>
+          </p:nvPr>
+        </p:nvSpPr>
+        <p:spPr/>
+      </p:sp>
+      <p:sp>
+        <p:nvSpPr>
+          <p:cNvPr id="3" name="Notes Placeholder 2">
+            <a:extLst>
+              <a:ext uri="{FF2B5EF4-FFF2-40B4-BE49-F238E27FC236}">
+                <a16:creationId xmlns:a16="http://schemas.microsoft.com/office/drawing/2014/main" id="{3ED4A041-9C12-81A9-3232-3250658DE563}"/>
+              </a:ext>
+            </a:extLst>
+          </p:cNvPr>
+          <p:cNvSpPr>
+            <a:spLocks noGrp="1"/>
+          </p:cNvSpPr>
+          <p:nvPr>
+            <p:ph type="body" idx="1"/>
+          </p:nvPr>
+        </p:nvSpPr>
+        <p:spPr/>
+        <p:txBody>
+          <a:bodyPr/>
+          <a:lstStyle/>
+          <a:p>
+            <a:r>
+              <a:rPr lang="en-US" dirty="0"/>
+              <a:t>Formula:  L = -\sum </a:t>
+            </a:r>
+            <a:r>
+              <a:rPr lang="en-US" dirty="0" err="1"/>
+              <a:t>y_i</a:t>
+            </a:r>
+            <a:r>
+              <a:rPr lang="en-US" dirty="0"/>
+              <a:t> \log(\hat{y}_i) \\</a:t>
+            </a:r>
+          </a:p>
+          <a:p>
+            <a:r>
+              <a:rPr lang="en-US" dirty="0"/>
+              <a:t> </a:t>
+            </a:r>
+            <a:r>
+              <a:rPr lang="en-US" dirty="0" err="1"/>
+              <a:t>y_i</a:t>
+            </a:r>
+            <a:r>
+              <a:rPr lang="en-US" dirty="0"/>
+              <a:t> : \text{True label (1 for correct class, 0 otherwise)}\\</a:t>
+            </a:r>
+          </a:p>
+          <a:p>
+            <a:endParaRPr lang="en-US" dirty="0"/>
+          </a:p>
+          <a:p>
+            <a:r>
+              <a:rPr lang="en-US" dirty="0"/>
+              <a:t>\hat{y}_i : \text{Predicted probability for class ( i )}</a:t>
+            </a:r>
+          </a:p>
+        </p:txBody>
+      </p:sp>
+      <p:sp>
+        <p:nvSpPr>
+          <p:cNvPr id="4" name="Slide Number Placeholder 3">
+            <a:extLst>
+              <a:ext uri="{FF2B5EF4-FFF2-40B4-BE49-F238E27FC236}">
+                <a16:creationId xmlns:a16="http://schemas.microsoft.com/office/drawing/2014/main" id="{E288A6D8-9733-0380-5DDA-645EFAA8A2D5}"/>
+              </a:ext>
+            </a:extLst>
+          </p:cNvPr>
+          <p:cNvSpPr>
+            <a:spLocks noGrp="1"/>
+          </p:cNvSpPr>
+          <p:nvPr>
+            <p:ph type="sldNum" sz="quarter" idx="5"/>
+          </p:nvPr>
+        </p:nvSpPr>
+        <p:spPr/>
+        <p:txBody>
+          <a:bodyPr/>
+          <a:lstStyle/>
+          <a:p>
+            <a:fld id="{AD4B3522-F598-4236-847D-901DDEE8B2B8}" type="slidenum">
+              <a:rPr lang="en-US" smtClean="0"/>
+              <a:t>18</a:t>
+            </a:fld>
+            <a:endParaRPr lang="en-US"/>
+          </a:p>
+        </p:txBody>
+      </p:sp>
+    </p:spTree>
+    <p:extLst>
+      <p:ext uri="{BB962C8B-B14F-4D97-AF65-F5344CB8AC3E}">
+        <p14:creationId xmlns:p14="http://schemas.microsoft.com/office/powerpoint/2010/main" val="493200094"/>
+      </p:ext>
+    </p:extLst>
+  </p:cSld>
+  <p:clrMapOvr>
+    <a:masterClrMapping/>
+  </p:clrMapOvr>
+</p:notes>
+</file>
+
+<file path=ppt/notesSlides/notesSlide4.xml><?xml version="1.0" encoding="utf-8"?>
+<p:notes xmlns:a="http://schemas.openxmlformats.org/drawingml/2006/main" xmlns:r="http://schemas.openxmlformats.org/officeDocument/2006/relationships" xmlns:p="http://schemas.openxmlformats.org/presentationml/2006/main">
+  <p:cSld>
+    <p:spTree>
+      <p:nvGrpSpPr>
+        <p:cNvPr id="1" name="">
+          <a:extLst>
+            <a:ext uri="{FF2B5EF4-FFF2-40B4-BE49-F238E27FC236}">
+              <a16:creationId xmlns:a16="http://schemas.microsoft.com/office/drawing/2014/main" id="{707FAF56-D073-BAE7-57B7-35D69F6F0918}"/>
+            </a:ext>
+          </a:extLst>
+        </p:cNvPr>
+        <p:cNvGrpSpPr/>
+        <p:nvPr/>
+      </p:nvGrpSpPr>
+      <p:grpSpPr>
+        <a:xfrm>
+          <a:off x="0" y="0"/>
+          <a:ext cx="0" cy="0"/>
+          <a:chOff x="0" y="0"/>
+          <a:chExt cx="0" cy="0"/>
+        </a:xfrm>
+      </p:grpSpPr>
+      <p:sp>
+        <p:nvSpPr>
+          <p:cNvPr id="2" name="Slide Image Placeholder 1">
+            <a:extLst>
+              <a:ext uri="{FF2B5EF4-FFF2-40B4-BE49-F238E27FC236}">
+                <a16:creationId xmlns:a16="http://schemas.microsoft.com/office/drawing/2014/main" id="{F41A0257-4F46-9697-2A1A-91E961742C75}"/>
+              </a:ext>
+            </a:extLst>
+          </p:cNvPr>
+          <p:cNvSpPr>
+            <a:spLocks noGrp="1" noRot="1" noChangeAspect="1"/>
+          </p:cNvSpPr>
+          <p:nvPr>
+            <p:ph type="sldImg"/>
+          </p:nvPr>
+        </p:nvSpPr>
+        <p:spPr/>
+      </p:sp>
+      <p:sp>
+        <p:nvSpPr>
+          <p:cNvPr id="3" name="Notes Placeholder 2">
+            <a:extLst>
+              <a:ext uri="{FF2B5EF4-FFF2-40B4-BE49-F238E27FC236}">
+                <a16:creationId xmlns:a16="http://schemas.microsoft.com/office/drawing/2014/main" id="{A1D9FAD8-0EF3-466F-F54A-60F1085E0B3C}"/>
+              </a:ext>
+            </a:extLst>
+          </p:cNvPr>
+          <p:cNvSpPr>
+            <a:spLocks noGrp="1"/>
+          </p:cNvSpPr>
+          <p:nvPr>
+            <p:ph type="body" idx="1"/>
+          </p:nvPr>
+        </p:nvSpPr>
+        <p:spPr/>
+        <p:txBody>
+          <a:bodyPr/>
+          <a:lstStyle/>
+          <a:p>
+            <a:r>
+              <a:rPr lang="en-US" dirty="0"/>
+              <a:t>Formula:  L = -\sum </a:t>
+            </a:r>
+            <a:r>
+              <a:rPr lang="en-US" dirty="0" err="1"/>
+              <a:t>y_i</a:t>
+            </a:r>
+            <a:r>
+              <a:rPr lang="en-US" dirty="0"/>
+              <a:t> \log(\hat{y}_i) \\</a:t>
+            </a:r>
+          </a:p>
+          <a:p>
+            <a:r>
+              <a:rPr lang="en-US" dirty="0"/>
+              <a:t> </a:t>
+            </a:r>
+            <a:r>
+              <a:rPr lang="en-US" dirty="0" err="1"/>
+              <a:t>y_i</a:t>
+            </a:r>
+            <a:r>
+              <a:rPr lang="en-US" dirty="0"/>
+              <a:t> : \text{True label (1 for correct class, 0 otherwise)}\\</a:t>
+            </a:r>
+          </a:p>
+          <a:p>
+            <a:endParaRPr lang="en-US" dirty="0"/>
+          </a:p>
+          <a:p>
+            <a:r>
+              <a:rPr lang="en-US" dirty="0"/>
+              <a:t>\hat{y}_i : \text{Predicted probability for class ( i )}</a:t>
+            </a:r>
+          </a:p>
+        </p:txBody>
+      </p:sp>
+      <p:sp>
+        <p:nvSpPr>
+          <p:cNvPr id="4" name="Slide Number Placeholder 3">
+            <a:extLst>
+              <a:ext uri="{FF2B5EF4-FFF2-40B4-BE49-F238E27FC236}">
+                <a16:creationId xmlns:a16="http://schemas.microsoft.com/office/drawing/2014/main" id="{513376C9-2AA0-A06B-FD86-86628571649B}"/>
+              </a:ext>
+            </a:extLst>
+          </p:cNvPr>
+          <p:cNvSpPr>
+            <a:spLocks noGrp="1"/>
+          </p:cNvSpPr>
+          <p:nvPr>
+            <p:ph type="sldNum" sz="quarter" idx="5"/>
+          </p:nvPr>
+        </p:nvSpPr>
+        <p:spPr/>
+        <p:txBody>
+          <a:bodyPr/>
+          <a:lstStyle/>
+          <a:p>
+            <a:fld id="{AD4B3522-F598-4236-847D-901DDEE8B2B8}" type="slidenum">
+              <a:rPr lang="en-US" smtClean="0"/>
+              <a:t>19</a:t>
+            </a:fld>
+            <a:endParaRPr lang="en-US"/>
+          </a:p>
+        </p:txBody>
+      </p:sp>
+    </p:spTree>
+    <p:extLst>
+      <p:ext uri="{BB962C8B-B14F-4D97-AF65-F5344CB8AC3E}">
+        <p14:creationId xmlns:p14="http://schemas.microsoft.com/office/powerpoint/2010/main" val="1601609158"/>
+      </p:ext>
+    </p:extLst>
+  </p:cSld>
+  <p:clrMapOvr>
+    <a:masterClrMapping/>
+  </p:clrMapOvr>
+</p:notes>
+</file>
+
+<file path=ppt/notesSlides/notesSlide5.xml><?xml version="1.0" encoding="utf-8"?>
 <p:notes xmlns:a="http://schemas.openxmlformats.org/drawingml/2006/main" xmlns:r="http://schemas.openxmlformats.org/officeDocument/2006/relationships" xmlns:p="http://schemas.openxmlformats.org/presentationml/2006/main">
   <p:cSld>
     <p:spTree>
@@ -4584,7 +5491,7 @@
           <a:p>
             <a:fld id="{AD4B3522-F598-4236-847D-901DDEE8B2B8}" type="slidenum">
               <a:rPr lang="en-US" smtClean="0"/>
-              <a:t>14</a:t>
+              <a:t>21</a:t>
             </a:fld>
             <a:endParaRPr lang="en-US"/>
           </a:p>
@@ -4603,7 +5510,7 @@
 </p:notes>
 </file>
 
-<file path=ppt/notesSlides/notesSlide4.xml><?xml version="1.0" encoding="utf-8"?>
+<file path=ppt/notesSlides/notesSlide6.xml><?xml version="1.0" encoding="utf-8"?>
 <p:notes xmlns:a="http://schemas.openxmlformats.org/drawingml/2006/main" xmlns:r="http://schemas.openxmlformats.org/officeDocument/2006/relationships" xmlns:p="http://schemas.openxmlformats.org/presentationml/2006/main">
   <p:cSld>
     <p:spTree>
@@ -4611,7 +5518,7 @@
         <p:cNvPr id="1" name="">
           <a:extLst>
             <a:ext uri="{FF2B5EF4-FFF2-40B4-BE49-F238E27FC236}">
-              <a16:creationId xmlns:a16="http://schemas.microsoft.com/office/drawing/2014/main" id="{D820EBB4-1CF5-919A-29CB-27C254D3E3FA}"/>
+              <a16:creationId xmlns:a16="http://schemas.microsoft.com/office/drawing/2014/main" id="{8F2E80C2-1311-1AB6-32CC-AA68156F95C6}"/>
             </a:ext>
           </a:extLst>
         </p:cNvPr>
@@ -4631,7 +5538,7 @@
           <p:cNvPr id="2" name="Slide Image Placeholder 1">
             <a:extLst>
               <a:ext uri="{FF2B5EF4-FFF2-40B4-BE49-F238E27FC236}">
-                <a16:creationId xmlns:a16="http://schemas.microsoft.com/office/drawing/2014/main" id="{BB4AC4A7-30C4-6DC5-AAFD-521AB020FBEF}"/>
+                <a16:creationId xmlns:a16="http://schemas.microsoft.com/office/drawing/2014/main" id="{C375C9B2-C084-9403-5ABC-64F272E58783}"/>
               </a:ext>
             </a:extLst>
           </p:cNvPr>
@@ -4649,7 +5556,7 @@
           <p:cNvPr id="3" name="Notes Placeholder 2">
             <a:extLst>
               <a:ext uri="{FF2B5EF4-FFF2-40B4-BE49-F238E27FC236}">
-                <a16:creationId xmlns:a16="http://schemas.microsoft.com/office/drawing/2014/main" id="{3ED4A041-9C12-81A9-3232-3250658DE563}"/>
+                <a16:creationId xmlns:a16="http://schemas.microsoft.com/office/drawing/2014/main" id="{540E37D9-632B-EC07-06B4-91B9CB58B72D}"/>
               </a:ext>
             </a:extLst>
           </p:cNvPr>
@@ -4708,7 +5615,7 @@
           <p:cNvPr id="4" name="Slide Number Placeholder 3">
             <a:extLst>
               <a:ext uri="{FF2B5EF4-FFF2-40B4-BE49-F238E27FC236}">
-                <a16:creationId xmlns:a16="http://schemas.microsoft.com/office/drawing/2014/main" id="{E288A6D8-9733-0380-5DDA-645EFAA8A2D5}"/>
+                <a16:creationId xmlns:a16="http://schemas.microsoft.com/office/drawing/2014/main" id="{7947CD3D-5673-D795-1B97-73E1652BB327}"/>
               </a:ext>
             </a:extLst>
           </p:cNvPr>
@@ -4726,7 +5633,7 @@
           <a:p>
             <a:fld id="{AD4B3522-F598-4236-847D-901DDEE8B2B8}" type="slidenum">
               <a:rPr lang="en-US" smtClean="0"/>
-              <a:t>15</a:t>
+              <a:t>22</a:t>
             </a:fld>
             <a:endParaRPr lang="en-US"/>
           </a:p>
@@ -4735,7 +5642,7 @@
     </p:spTree>
     <p:extLst>
       <p:ext uri="{BB962C8B-B14F-4D97-AF65-F5344CB8AC3E}">
-        <p14:creationId xmlns:p14="http://schemas.microsoft.com/office/powerpoint/2010/main" val="493200094"/>
+        <p14:creationId xmlns:p14="http://schemas.microsoft.com/office/powerpoint/2010/main" val="1281879401"/>
       </p:ext>
     </p:extLst>
   </p:cSld>
@@ -4874,7 +5781,7 @@
           <a:p>
             <a:fld id="{4263717A-E3C1-4BED-ABE0-B7069385E023}" type="datetimeFigureOut">
               <a:rPr lang="en-US" smtClean="0"/>
-              <a:t>5/20/2025</a:t>
+              <a:t>6/2/2025</a:t>
             </a:fld>
             <a:endParaRPr lang="en-US"/>
           </a:p>
@@ -5047,7 +5954,7 @@
           <a:p>
             <a:fld id="{4263717A-E3C1-4BED-ABE0-B7069385E023}" type="datetimeFigureOut">
               <a:rPr lang="en-US" smtClean="0"/>
-              <a:t>5/20/2025</a:t>
+              <a:t>6/2/2025</a:t>
             </a:fld>
             <a:endParaRPr lang="en-US"/>
           </a:p>
@@ -5225,7 +6132,7 @@
           <a:p>
             <a:fld id="{4263717A-E3C1-4BED-ABE0-B7069385E023}" type="datetimeFigureOut">
               <a:rPr lang="en-US" smtClean="0"/>
-              <a:t>5/20/2025</a:t>
+              <a:t>6/2/2025</a:t>
             </a:fld>
             <a:endParaRPr lang="en-US"/>
           </a:p>
@@ -5393,7 +6300,7 @@
           <a:p>
             <a:fld id="{4263717A-E3C1-4BED-ABE0-B7069385E023}" type="datetimeFigureOut">
               <a:rPr lang="en-US" smtClean="0"/>
-              <a:t>5/20/2025</a:t>
+              <a:t>6/2/2025</a:t>
             </a:fld>
             <a:endParaRPr lang="en-US"/>
           </a:p>
@@ -5638,7 +6545,7 @@
           <a:p>
             <a:fld id="{4263717A-E3C1-4BED-ABE0-B7069385E023}" type="datetimeFigureOut">
               <a:rPr lang="en-US" smtClean="0"/>
-              <a:t>5/20/2025</a:t>
+              <a:t>6/2/2025</a:t>
             </a:fld>
             <a:endParaRPr lang="en-US"/>
           </a:p>
@@ -5867,7 +6774,7 @@
           <a:p>
             <a:fld id="{4263717A-E3C1-4BED-ABE0-B7069385E023}" type="datetimeFigureOut">
               <a:rPr lang="en-US" smtClean="0"/>
-              <a:t>5/20/2025</a:t>
+              <a:t>6/2/2025</a:t>
             </a:fld>
             <a:endParaRPr lang="en-US"/>
           </a:p>
@@ -6231,7 +7138,7 @@
           <a:p>
             <a:fld id="{4263717A-E3C1-4BED-ABE0-B7069385E023}" type="datetimeFigureOut">
               <a:rPr lang="en-US" smtClean="0"/>
-              <a:t>5/20/2025</a:t>
+              <a:t>6/2/2025</a:t>
             </a:fld>
             <a:endParaRPr lang="en-US"/>
           </a:p>
@@ -6348,7 +7255,7 @@
           <a:p>
             <a:fld id="{4263717A-E3C1-4BED-ABE0-B7069385E023}" type="datetimeFigureOut">
               <a:rPr lang="en-US" smtClean="0"/>
-              <a:t>5/20/2025</a:t>
+              <a:t>6/2/2025</a:t>
             </a:fld>
             <a:endParaRPr lang="en-US"/>
           </a:p>
@@ -6443,7 +7350,7 @@
           <a:p>
             <a:fld id="{4263717A-E3C1-4BED-ABE0-B7069385E023}" type="datetimeFigureOut">
               <a:rPr lang="en-US" smtClean="0"/>
-              <a:t>5/20/2025</a:t>
+              <a:t>6/2/2025</a:t>
             </a:fld>
             <a:endParaRPr lang="en-US"/>
           </a:p>
@@ -6718,7 +7625,7 @@
           <a:p>
             <a:fld id="{4263717A-E3C1-4BED-ABE0-B7069385E023}" type="datetimeFigureOut">
               <a:rPr lang="en-US" smtClean="0"/>
-              <a:t>5/20/2025</a:t>
+              <a:t>6/2/2025</a:t>
             </a:fld>
             <a:endParaRPr lang="en-US"/>
           </a:p>
@@ -6970,7 +7877,7 @@
           <a:p>
             <a:fld id="{4263717A-E3C1-4BED-ABE0-B7069385E023}" type="datetimeFigureOut">
               <a:rPr lang="en-US" smtClean="0"/>
-              <a:t>5/20/2025</a:t>
+              <a:t>6/2/2025</a:t>
             </a:fld>
             <a:endParaRPr lang="en-US"/>
           </a:p>
@@ -7189,7 +8096,7 @@
           <a:p>
             <a:fld id="{4263717A-E3C1-4BED-ABE0-B7069385E023}" type="datetimeFigureOut">
               <a:rPr lang="en-US" smtClean="0"/>
-              <a:t>5/20/2025</a:t>
+              <a:t>6/2/2025</a:t>
             </a:fld>
             <a:endParaRPr lang="en-US"/>
           </a:p>
@@ -7708,7 +8615,13 @@
   <p:cSld>
     <p:spTree>
       <p:nvGrpSpPr>
-        <p:cNvPr id="1" name=""/>
+        <p:cNvPr id="1" name="">
+          <a:extLst>
+            <a:ext uri="{FF2B5EF4-FFF2-40B4-BE49-F238E27FC236}">
+              <a16:creationId xmlns:a16="http://schemas.microsoft.com/office/drawing/2014/main" id="{6E1CD8C1-19A1-09F6-5025-2591ED627EBB}"/>
+            </a:ext>
+          </a:extLst>
+        </p:cNvPr>
         <p:cNvGrpSpPr/>
         <p:nvPr/>
       </p:nvGrpSpPr>
@@ -7722,10 +8635,10 @@
       </p:grpSpPr>
       <p:sp>
         <p:nvSpPr>
-          <p:cNvPr id="2" name="Title 1">
-            <a:extLst>
-              <a:ext uri="{FF2B5EF4-FFF2-40B4-BE49-F238E27FC236}">
-                <a16:creationId xmlns:a16="http://schemas.microsoft.com/office/drawing/2014/main" id="{618AD4ED-DC94-C0AF-6A84-DDFC5879D74A}"/>
+          <p:cNvPr id="4" name="Title 3">
+            <a:extLst>
+              <a:ext uri="{FF2B5EF4-FFF2-40B4-BE49-F238E27FC236}">
+                <a16:creationId xmlns:a16="http://schemas.microsoft.com/office/drawing/2014/main" id="{B9384A85-E0A3-5177-1E71-0E53589F9F30}"/>
               </a:ext>
             </a:extLst>
           </p:cNvPr>
@@ -7743,24 +8656,17 @@
           <a:p>
             <a:r>
               <a:rPr lang="en-US" dirty="0"/>
-              <a:t>Measure a model’s confidence</a:t>
-            </a:r>
-            <a:br>
-              <a:rPr lang="en-US" dirty="0"/>
-            </a:br>
-            <a:r>
-              <a:rPr lang="en-US" dirty="0"/>
-              <a:t>using entropy </a:t>
+              <a:t>Example 1: Entropy (Information Theory) for Data Compression</a:t>
             </a:r>
           </a:p>
         </p:txBody>
       </p:sp>
       <p:sp>
         <p:nvSpPr>
-          <p:cNvPr id="3" name="Content Placeholder 2">
-            <a:extLst>
-              <a:ext uri="{FF2B5EF4-FFF2-40B4-BE49-F238E27FC236}">
-                <a16:creationId xmlns:a16="http://schemas.microsoft.com/office/drawing/2014/main" id="{D29E05CE-0409-6D8A-C49E-C9BE2E2F0CF5}"/>
+          <p:cNvPr id="5" name="Text Placeholder 4">
+            <a:extLst>
+              <a:ext uri="{FF2B5EF4-FFF2-40B4-BE49-F238E27FC236}">
+                <a16:creationId xmlns:a16="http://schemas.microsoft.com/office/drawing/2014/main" id="{68C9196E-3E3A-E041-D3D4-9EB8875A31CF}"/>
               </a:ext>
             </a:extLst>
           </p:cNvPr>
@@ -7768,498 +8674,26 @@
             <a:spLocks noGrp="1"/>
           </p:cNvSpPr>
           <p:nvPr>
-            <p:ph idx="1"/>
+            <p:ph type="body" idx="1"/>
           </p:nvPr>
         </p:nvSpPr>
-        <p:spPr>
-          <a:xfrm>
-            <a:off x="838199" y="1825626"/>
-            <a:ext cx="5257801" cy="4474506"/>
-          </a:xfrm>
-        </p:spPr>
+        <p:spPr/>
         <p:txBody>
-          <a:bodyPr>
-            <a:normAutofit/>
-          </a:bodyPr>
+          <a:bodyPr/>
           <a:lstStyle/>
           <a:p>
             <a:r>
-              <a:rPr lang="pt-BR" dirty="0"/>
-              <a:t>Iris dataset with 3 classes [Setosa, Versicolor, Virginica]</a:t>
-            </a:r>
-          </a:p>
-          <a:p>
-            <a:r>
-              <a:rPr lang="pt-BR" dirty="0"/>
-              <a:t>The model is a random variable</a:t>
-            </a:r>
-          </a:p>
-          <a:p>
-            <a:pPr lvl="1"/>
-            <a:r>
-              <a:rPr lang="pt-BR" dirty="0"/>
-              <a:t>with or without training</a:t>
-            </a:r>
-          </a:p>
-          <a:p>
-            <a:r>
-              <a:rPr lang="pt-BR" dirty="0"/>
-              <a:t>Model prediction results:</a:t>
-            </a:r>
-          </a:p>
-          <a:p>
-            <a:pPr lvl="1"/>
-            <a:r>
               <a:rPr lang="en-GB" dirty="0"/>
-              <a:t>Prediction case 1 : [0.33, 0.33, 0.33] → </a:t>
-            </a:r>
-            <a:r>
-              <a:rPr lang="en-GB" dirty="0">
-                <a:solidFill>
-                  <a:srgbClr val="FF0000"/>
-                </a:solidFill>
-              </a:rPr>
-              <a:t>High</a:t>
-            </a:r>
-            <a:r>
-              <a:rPr lang="en-GB" dirty="0"/>
-              <a:t> entropy → </a:t>
-            </a:r>
-            <a:r>
-              <a:rPr lang="en-GB" dirty="0">
-                <a:solidFill>
-                  <a:srgbClr val="FF0000"/>
-                </a:solidFill>
-              </a:rPr>
-              <a:t>High</a:t>
-            </a:r>
-            <a:r>
-              <a:rPr lang="en-GB" dirty="0"/>
-              <a:t> uncertainty → confidence is low</a:t>
-            </a:r>
-          </a:p>
-          <a:p>
-            <a:pPr lvl="1"/>
-            <a:r>
-              <a:rPr lang="en-GB" dirty="0"/>
-              <a:t>Prediction case 2: [0.8, 0.1, 0.1] → </a:t>
-            </a:r>
-            <a:r>
-              <a:rPr lang="en-GB" dirty="0">
-                <a:solidFill>
-                  <a:schemeClr val="accent5"/>
-                </a:solidFill>
-              </a:rPr>
-              <a:t>Low</a:t>
-            </a:r>
-            <a:r>
-              <a:rPr lang="en-GB" dirty="0"/>
-              <a:t> entropy → </a:t>
-            </a:r>
-            <a:r>
-              <a:rPr lang="en-GB" dirty="0">
-                <a:solidFill>
-                  <a:schemeClr val="accent5"/>
-                </a:solidFill>
-              </a:rPr>
-              <a:t>Low</a:t>
-            </a:r>
-            <a:r>
-              <a:rPr lang="en-GB" dirty="0"/>
-              <a:t> uncertainty → </a:t>
-            </a:r>
-            <a:r>
-              <a:rPr lang="en-US" dirty="0"/>
-              <a:t>confidence</a:t>
-            </a:r>
-            <a:r>
-              <a:rPr lang="en-GB" dirty="0"/>
-              <a:t> is higher</a:t>
-            </a:r>
-          </a:p>
-          <a:p>
-            <a:pPr lvl="1"/>
-            <a:endParaRPr lang="en-GB" dirty="0"/>
-          </a:p>
-          <a:p>
-            <a:pPr marL="0" indent="0">
-              <a:buNone/>
-            </a:pPr>
+              <a:t>Calculates the smallest amount of information required to convey a message</a:t>
+            </a:r>
             <a:endParaRPr lang="en-US" dirty="0"/>
-          </a:p>
-        </p:txBody>
-      </p:sp>
-      <p:pic>
-        <p:nvPicPr>
-          <p:cNvPr id="4" name="Picture 3">
-            <a:extLst>
-              <a:ext uri="{FF2B5EF4-FFF2-40B4-BE49-F238E27FC236}">
-                <a16:creationId xmlns:a16="http://schemas.microsoft.com/office/drawing/2014/main" id="{A5A18B8E-196F-4DB7-406C-5BD0CAADA528}"/>
-              </a:ext>
-            </a:extLst>
-          </p:cNvPr>
-          <p:cNvPicPr>
-            <a:picLocks noChangeAspect="1"/>
-          </p:cNvPicPr>
-          <p:nvPr/>
-        </p:nvPicPr>
-        <p:blipFill>
-          <a:blip r:embed="rId3"/>
-          <a:stretch>
-            <a:fillRect/>
-          </a:stretch>
-        </p:blipFill>
-        <p:spPr>
-          <a:xfrm>
-            <a:off x="6617561" y="4053924"/>
-            <a:ext cx="4523673" cy="1818412"/>
-          </a:xfrm>
-          <a:prstGeom prst="rect">
-            <a:avLst/>
-          </a:prstGeom>
-        </p:spPr>
-      </p:pic>
-      <p:pic>
-        <p:nvPicPr>
-          <p:cNvPr id="4098" name="Picture 2">
-            <a:extLst>
-              <a:ext uri="{FF2B5EF4-FFF2-40B4-BE49-F238E27FC236}">
-                <a16:creationId xmlns:a16="http://schemas.microsoft.com/office/drawing/2014/main" id="{5EB3E601-AABF-BAEA-EC0E-758A2EBC16B1}"/>
-              </a:ext>
-            </a:extLst>
-          </p:cNvPr>
-          <p:cNvPicPr>
-            <a:picLocks noChangeAspect="1" noChangeArrowheads="1"/>
-          </p:cNvPicPr>
-          <p:nvPr/>
-        </p:nvPicPr>
-        <p:blipFill>
-          <a:blip r:embed="rId4">
-            <a:extLst>
-              <a:ext uri="{28A0092B-C50C-407E-A947-70E740481C1C}">
-                <a14:useLocalDpi xmlns:a14="http://schemas.microsoft.com/office/drawing/2010/main" val="0"/>
-              </a:ext>
-            </a:extLst>
-          </a:blip>
-          <a:srcRect/>
-          <a:stretch>
-            <a:fillRect/>
-          </a:stretch>
-        </p:blipFill>
-        <p:spPr bwMode="auto">
-          <a:xfrm>
-            <a:off x="7318120" y="1321786"/>
-            <a:ext cx="3250480" cy="2379597"/>
-          </a:xfrm>
-          <a:prstGeom prst="rect">
-            <a:avLst/>
-          </a:prstGeom>
-          <a:noFill/>
-          <a:extLst>
-            <a:ext uri="{909E8E84-426E-40DD-AFC4-6F175D3DCCD1}">
-              <a14:hiddenFill xmlns:a14="http://schemas.microsoft.com/office/drawing/2010/main">
-                <a:solidFill>
-                  <a:srgbClr val="FFFFFF"/>
-                </a:solidFill>
-              </a14:hiddenFill>
-            </a:ext>
-          </a:extLst>
-        </p:spPr>
-      </p:pic>
-      <p:cxnSp>
-        <p:nvCxnSpPr>
-          <p:cNvPr id="8" name="Straight Arrow Connector 7">
-            <a:extLst>
-              <a:ext uri="{FF2B5EF4-FFF2-40B4-BE49-F238E27FC236}">
-                <a16:creationId xmlns:a16="http://schemas.microsoft.com/office/drawing/2014/main" id="{71B1AAE0-F1CE-5A76-72E2-C8C7B74CFEB3}"/>
-              </a:ext>
-            </a:extLst>
-          </p:cNvPr>
-          <p:cNvCxnSpPr/>
-          <p:nvPr/>
-        </p:nvCxnSpPr>
-        <p:spPr>
-          <a:xfrm flipH="1">
-            <a:off x="7477178" y="3623006"/>
-            <a:ext cx="792480" cy="522514"/>
-          </a:xfrm>
-          <a:prstGeom prst="straightConnector1">
-            <a:avLst/>
-          </a:prstGeom>
-          <a:ln>
-            <a:tailEnd type="triangle"/>
-          </a:ln>
-        </p:spPr>
-        <p:style>
-          <a:lnRef idx="1">
-            <a:schemeClr val="accent2"/>
-          </a:lnRef>
-          <a:fillRef idx="0">
-            <a:schemeClr val="accent2"/>
-          </a:fillRef>
-          <a:effectRef idx="0">
-            <a:schemeClr val="accent2"/>
-          </a:effectRef>
-          <a:fontRef idx="minor">
-            <a:schemeClr val="tx1"/>
-          </a:fontRef>
-        </p:style>
-      </p:cxnSp>
-      <p:cxnSp>
-        <p:nvCxnSpPr>
-          <p:cNvPr id="10" name="Straight Arrow Connector 9">
-            <a:extLst>
-              <a:ext uri="{FF2B5EF4-FFF2-40B4-BE49-F238E27FC236}">
-                <a16:creationId xmlns:a16="http://schemas.microsoft.com/office/drawing/2014/main" id="{BF05EFE3-4D0C-0E84-52A7-16EBC36D3905}"/>
-              </a:ext>
-            </a:extLst>
-          </p:cNvPr>
-          <p:cNvCxnSpPr>
-            <a:stCxn id="4098" idx="2"/>
-          </p:cNvCxnSpPr>
-          <p:nvPr/>
-        </p:nvCxnSpPr>
-        <p:spPr>
-          <a:xfrm>
-            <a:off x="8943360" y="3701383"/>
-            <a:ext cx="0" cy="487680"/>
-          </a:xfrm>
-          <a:prstGeom prst="straightConnector1">
-            <a:avLst/>
-          </a:prstGeom>
-          <a:ln>
-            <a:tailEnd type="triangle"/>
-          </a:ln>
-        </p:spPr>
-        <p:style>
-          <a:lnRef idx="1">
-            <a:schemeClr val="accent2"/>
-          </a:lnRef>
-          <a:fillRef idx="0">
-            <a:schemeClr val="accent2"/>
-          </a:fillRef>
-          <a:effectRef idx="0">
-            <a:schemeClr val="accent2"/>
-          </a:effectRef>
-          <a:fontRef idx="minor">
-            <a:schemeClr val="tx1"/>
-          </a:fontRef>
-        </p:style>
-      </p:cxnSp>
-      <p:cxnSp>
-        <p:nvCxnSpPr>
-          <p:cNvPr id="12" name="Straight Arrow Connector 11">
-            <a:extLst>
-              <a:ext uri="{FF2B5EF4-FFF2-40B4-BE49-F238E27FC236}">
-                <a16:creationId xmlns:a16="http://schemas.microsoft.com/office/drawing/2014/main" id="{155677C2-BDB7-D360-9C93-0DFD19FA96D0}"/>
-              </a:ext>
-            </a:extLst>
-          </p:cNvPr>
-          <p:cNvCxnSpPr/>
-          <p:nvPr/>
-        </p:nvCxnSpPr>
-        <p:spPr>
-          <a:xfrm>
-            <a:off x="9593361" y="3701383"/>
-            <a:ext cx="801188" cy="444137"/>
-          </a:xfrm>
-          <a:prstGeom prst="straightConnector1">
-            <a:avLst/>
-          </a:prstGeom>
-          <a:ln>
-            <a:tailEnd type="triangle"/>
-          </a:ln>
-        </p:spPr>
-        <p:style>
-          <a:lnRef idx="1">
-            <a:schemeClr val="accent2"/>
-          </a:lnRef>
-          <a:fillRef idx="0">
-            <a:schemeClr val="accent2"/>
-          </a:fillRef>
-          <a:effectRef idx="0">
-            <a:schemeClr val="accent2"/>
-          </a:effectRef>
-          <a:fontRef idx="minor">
-            <a:schemeClr val="tx1"/>
-          </a:fontRef>
-        </p:style>
-      </p:cxnSp>
-      <p:sp>
-        <p:nvSpPr>
-          <p:cNvPr id="14" name="TextBox 13">
-            <a:extLst>
-              <a:ext uri="{FF2B5EF4-FFF2-40B4-BE49-F238E27FC236}">
-                <a16:creationId xmlns:a16="http://schemas.microsoft.com/office/drawing/2014/main" id="{0464041F-218E-B264-B824-B359DE191889}"/>
-              </a:ext>
-            </a:extLst>
-          </p:cNvPr>
-          <p:cNvSpPr txBox="1"/>
-          <p:nvPr/>
-        </p:nvSpPr>
-        <p:spPr>
-          <a:xfrm>
-            <a:off x="838199" y="6223805"/>
-            <a:ext cx="10824596" cy="369332"/>
-          </a:xfrm>
-          <a:prstGeom prst="rect">
-            <a:avLst/>
-          </a:prstGeom>
-          <a:noFill/>
-        </p:spPr>
-        <p:txBody>
-          <a:bodyPr wrap="square">
-            <a:spAutoFit/>
-          </a:bodyPr>
-          <a:lstStyle/>
-          <a:p>
-            <a:r>
-              <a:rPr lang="en-GB" dirty="0">
-                <a:solidFill>
-                  <a:srgbClr val="FF0000"/>
-                </a:solidFill>
-              </a:rPr>
-              <a:t>Takeaway</a:t>
-            </a:r>
-            <a:r>
-              <a:rPr lang="en-GB" dirty="0"/>
-              <a:t>: A trained model should produce </a:t>
-            </a:r>
-            <a:r>
-              <a:rPr lang="en-GB" dirty="0">
-                <a:solidFill>
-                  <a:srgbClr val="FF0000"/>
-                </a:solidFill>
-              </a:rPr>
-              <a:t>low-entropy</a:t>
-            </a:r>
-            <a:r>
-              <a:rPr lang="en-GB" dirty="0"/>
-              <a:t> outputs (e.g., [0.8, 0.1, 0.1]) for accurate classification.</a:t>
-            </a:r>
-          </a:p>
-        </p:txBody>
-      </p:sp>
-      <p:sp>
-        <p:nvSpPr>
-          <p:cNvPr id="16" name="TextBox 15">
-            <a:extLst>
-              <a:ext uri="{FF2B5EF4-FFF2-40B4-BE49-F238E27FC236}">
-                <a16:creationId xmlns:a16="http://schemas.microsoft.com/office/drawing/2014/main" id="{0A81282A-53A6-183B-EA77-1F958018F632}"/>
-              </a:ext>
-            </a:extLst>
-          </p:cNvPr>
-          <p:cNvSpPr txBox="1"/>
-          <p:nvPr/>
-        </p:nvSpPr>
-        <p:spPr>
-          <a:xfrm>
-            <a:off x="5949912" y="3767257"/>
-            <a:ext cx="5063527" cy="369332"/>
-          </a:xfrm>
-          <a:prstGeom prst="rect">
-            <a:avLst/>
-          </a:prstGeom>
-          <a:noFill/>
-        </p:spPr>
-        <p:txBody>
-          <a:bodyPr wrap="square">
-            <a:spAutoFit/>
-          </a:bodyPr>
-          <a:lstStyle/>
-          <a:p>
-            <a:r>
-              <a:rPr lang="en-GB" dirty="0"/>
-              <a:t>Prediction case 2: </a:t>
-            </a:r>
-            <a:r>
-              <a:rPr lang="en-GB" dirty="0">
-                <a:solidFill>
-                  <a:srgbClr val="7030A0"/>
-                </a:solidFill>
-              </a:rPr>
-              <a:t>[</a:t>
-            </a:r>
-            <a:r>
-              <a:rPr lang="en-GB" b="1" dirty="0">
-                <a:solidFill>
-                  <a:srgbClr val="FF0000"/>
-                </a:solidFill>
-              </a:rPr>
-              <a:t>0.8, 	</a:t>
-            </a:r>
-            <a:r>
-              <a:rPr lang="en-GB" dirty="0">
-                <a:solidFill>
-                  <a:srgbClr val="7030A0"/>
-                </a:solidFill>
-              </a:rPr>
-              <a:t>0.1,	 0.1] </a:t>
-            </a:r>
-            <a:endParaRPr lang="en-US" dirty="0">
-              <a:solidFill>
-                <a:srgbClr val="7030A0"/>
-              </a:solidFill>
-            </a:endParaRPr>
-          </a:p>
-        </p:txBody>
-      </p:sp>
-      <p:sp>
-        <p:nvSpPr>
-          <p:cNvPr id="17" name="Rectangle 16">
-            <a:extLst>
-              <a:ext uri="{FF2B5EF4-FFF2-40B4-BE49-F238E27FC236}">
-                <a16:creationId xmlns:a16="http://schemas.microsoft.com/office/drawing/2014/main" id="{F36257D6-57AB-A3EC-ED72-1A31E8F98B36}"/>
-              </a:ext>
-            </a:extLst>
-          </p:cNvPr>
-          <p:cNvSpPr/>
-          <p:nvPr/>
-        </p:nvSpPr>
-        <p:spPr>
-          <a:xfrm>
-            <a:off x="6705600" y="4145520"/>
-            <a:ext cx="1341117" cy="1390694"/>
-          </a:xfrm>
-          <a:prstGeom prst="rect">
-            <a:avLst/>
-          </a:prstGeom>
-          <a:noFill/>
-          <a:ln w="38100">
-            <a:solidFill>
-              <a:srgbClr val="FF0000"/>
-            </a:solidFill>
-          </a:ln>
-        </p:spPr>
-        <p:style>
-          <a:lnRef idx="2">
-            <a:schemeClr val="accent1">
-              <a:shade val="15000"/>
-            </a:schemeClr>
-          </a:lnRef>
-          <a:fillRef idx="1">
-            <a:schemeClr val="accent1"/>
-          </a:fillRef>
-          <a:effectRef idx="0">
-            <a:schemeClr val="accent1"/>
-          </a:effectRef>
-          <a:fontRef idx="minor">
-            <a:schemeClr val="lt1"/>
-          </a:fontRef>
-        </p:style>
-        <p:txBody>
-          <a:bodyPr rtlCol="0" anchor="ctr"/>
-          <a:lstStyle/>
-          <a:p>
-            <a:pPr algn="ctr"/>
-            <a:endParaRPr lang="en-US"/>
           </a:p>
         </p:txBody>
       </p:sp>
     </p:spTree>
     <p:extLst>
       <p:ext uri="{BB962C8B-B14F-4D97-AF65-F5344CB8AC3E}">
-        <p14:creationId xmlns:p14="http://schemas.microsoft.com/office/powerpoint/2010/main" val="14529535"/>
+        <p14:creationId xmlns:p14="http://schemas.microsoft.com/office/powerpoint/2010/main" val="3686400147"/>
       </p:ext>
     </p:extLst>
   </p:cSld>
@@ -8288,40 +8722,10 @@
       </p:grpSpPr>
       <p:pic>
         <p:nvPicPr>
-          <p:cNvPr id="7" name="Picture 6">
-            <a:extLst>
-              <a:ext uri="{FF2B5EF4-FFF2-40B4-BE49-F238E27FC236}">
-                <a16:creationId xmlns:a16="http://schemas.microsoft.com/office/drawing/2014/main" id="{0CECFEC2-D559-CD8A-FE7A-3EE394DB4640}"/>
-              </a:ext>
-            </a:extLst>
-          </p:cNvPr>
-          <p:cNvPicPr>
-            <a:picLocks noChangeAspect="1"/>
-          </p:cNvPicPr>
-          <p:nvPr/>
-        </p:nvPicPr>
-        <p:blipFill>
-          <a:blip r:embed="rId2"/>
-          <a:stretch>
-            <a:fillRect/>
-          </a:stretch>
-        </p:blipFill>
-        <p:spPr>
-          <a:xfrm>
-            <a:off x="4931687" y="4808917"/>
-            <a:ext cx="4523673" cy="1818412"/>
-          </a:xfrm>
-          <a:prstGeom prst="rect">
-            <a:avLst/>
-          </a:prstGeom>
-        </p:spPr>
-      </p:pic>
-      <p:pic>
-        <p:nvPicPr>
-          <p:cNvPr id="8" name="Picture 2">
-            <a:extLst>
-              <a:ext uri="{FF2B5EF4-FFF2-40B4-BE49-F238E27FC236}">
-                <a16:creationId xmlns:a16="http://schemas.microsoft.com/office/drawing/2014/main" id="{F87158B2-B60C-8829-F52D-F9D9F89A765C}"/>
+          <p:cNvPr id="1026" name="Picture 2" descr="Weather Station Professional - Renke">
+            <a:extLst>
+              <a:ext uri="{FF2B5EF4-FFF2-40B4-BE49-F238E27FC236}">
+                <a16:creationId xmlns:a16="http://schemas.microsoft.com/office/drawing/2014/main" id="{C5BC6A69-E020-0D6E-C300-245C4880DD47}"/>
               </a:ext>
             </a:extLst>
           </p:cNvPr>
@@ -8331,7 +8735,7 @@
           <p:nvPr/>
         </p:nvPicPr>
         <p:blipFill>
-          <a:blip r:embed="rId3">
+          <a:blip r:embed="rId2">
             <a:extLst>
               <a:ext uri="{28A0092B-C50C-407E-A947-70E740481C1C}">
                 <a14:useLocalDpi xmlns:a14="http://schemas.microsoft.com/office/drawing/2010/main" val="0"/>
@@ -8345,8 +8749,8 @@
         </p:blipFill>
         <p:spPr bwMode="auto">
           <a:xfrm>
-            <a:off x="5649573" y="184038"/>
-            <a:ext cx="3250480" cy="2379597"/>
+            <a:off x="2399217" y="1918503"/>
+            <a:ext cx="1603103" cy="1603103"/>
           </a:xfrm>
           <a:prstGeom prst="rect">
             <a:avLst/>
@@ -8363,212 +8767,59 @@
           </a:extLst>
         </p:spPr>
       </p:pic>
-      <p:cxnSp>
-        <p:nvCxnSpPr>
-          <p:cNvPr id="9" name="Straight Arrow Connector 8">
-            <a:extLst>
-              <a:ext uri="{FF2B5EF4-FFF2-40B4-BE49-F238E27FC236}">
-                <a16:creationId xmlns:a16="http://schemas.microsoft.com/office/drawing/2014/main" id="{79E005F0-6537-ED18-91C5-FC357B37BA26}"/>
-              </a:ext>
-            </a:extLst>
-          </p:cNvPr>
-          <p:cNvCxnSpPr>
-            <a:cxnSpLocks/>
-          </p:cNvCxnSpPr>
+      <p:pic>
+        <p:nvPicPr>
+          <p:cNvPr id="1032" name="Picture 8" descr="Weather Forecast - Apps on Google Play">
+            <a:extLst>
+              <a:ext uri="{FF2B5EF4-FFF2-40B4-BE49-F238E27FC236}">
+                <a16:creationId xmlns:a16="http://schemas.microsoft.com/office/drawing/2014/main" id="{A8F2FD44-3097-5519-BAB0-5100FB692CAD}"/>
+              </a:ext>
+            </a:extLst>
+          </p:cNvPr>
+          <p:cNvPicPr>
+            <a:picLocks noChangeAspect="1" noChangeArrowheads="1"/>
+          </p:cNvPicPr>
           <p:nvPr/>
-        </p:nvCxnSpPr>
-        <p:spPr>
-          <a:xfrm flipH="1">
-            <a:off x="5878272" y="2485258"/>
-            <a:ext cx="722839" cy="939880"/>
-          </a:xfrm>
-          <a:prstGeom prst="straightConnector1">
-            <a:avLst/>
-          </a:prstGeom>
-          <a:ln>
-            <a:tailEnd type="triangle"/>
-          </a:ln>
-        </p:spPr>
-        <p:style>
-          <a:lnRef idx="1">
-            <a:schemeClr val="accent2"/>
-          </a:lnRef>
-          <a:fillRef idx="0">
-            <a:schemeClr val="accent2"/>
-          </a:fillRef>
-          <a:effectRef idx="0">
-            <a:schemeClr val="accent2"/>
-          </a:effectRef>
-          <a:fontRef idx="minor">
-            <a:schemeClr val="tx1"/>
-          </a:fontRef>
-        </p:style>
-      </p:cxnSp>
-      <p:cxnSp>
-        <p:nvCxnSpPr>
-          <p:cNvPr id="10" name="Straight Arrow Connector 9">
-            <a:extLst>
-              <a:ext uri="{FF2B5EF4-FFF2-40B4-BE49-F238E27FC236}">
-                <a16:creationId xmlns:a16="http://schemas.microsoft.com/office/drawing/2014/main" id="{45AFC310-57FF-E92E-7125-C3285FEA0A94}"/>
-              </a:ext>
-            </a:extLst>
-          </p:cNvPr>
-          <p:cNvCxnSpPr>
-            <a:cxnSpLocks/>
-            <a:stCxn id="8" idx="2"/>
-          </p:cNvCxnSpPr>
-          <p:nvPr/>
-        </p:nvCxnSpPr>
-        <p:spPr>
+        </p:nvPicPr>
+        <p:blipFill>
+          <a:blip r:embed="rId3">
+            <a:extLst>
+              <a:ext uri="{28A0092B-C50C-407E-A947-70E740481C1C}">
+                <a14:useLocalDpi xmlns:a14="http://schemas.microsoft.com/office/drawing/2010/main" val="0"/>
+              </a:ext>
+            </a:extLst>
+          </a:blip>
+          <a:srcRect/>
+          <a:stretch>
+            <a:fillRect/>
+          </a:stretch>
+        </p:blipFill>
+        <p:spPr bwMode="auto">
           <a:xfrm>
-            <a:off x="7274813" y="2563635"/>
-            <a:ext cx="0" cy="861503"/>
-          </a:xfrm>
-          <a:prstGeom prst="straightConnector1">
-            <a:avLst/>
-          </a:prstGeom>
-          <a:ln>
-            <a:tailEnd type="triangle"/>
-          </a:ln>
-        </p:spPr>
-        <p:style>
-          <a:lnRef idx="1">
-            <a:schemeClr val="accent2"/>
-          </a:lnRef>
-          <a:fillRef idx="0">
-            <a:schemeClr val="accent2"/>
-          </a:fillRef>
-          <a:effectRef idx="0">
-            <a:schemeClr val="accent2"/>
-          </a:effectRef>
-          <a:fontRef idx="minor">
-            <a:schemeClr val="tx1"/>
-          </a:fontRef>
-        </p:style>
-      </p:cxnSp>
-      <p:cxnSp>
-        <p:nvCxnSpPr>
-          <p:cNvPr id="11" name="Straight Arrow Connector 10">
-            <a:extLst>
-              <a:ext uri="{FF2B5EF4-FFF2-40B4-BE49-F238E27FC236}">
-                <a16:creationId xmlns:a16="http://schemas.microsoft.com/office/drawing/2014/main" id="{97C57C21-7913-8FD2-0D5D-EAC18C68769F}"/>
-              </a:ext>
-            </a:extLst>
-          </p:cNvPr>
-          <p:cNvCxnSpPr>
-            <a:cxnSpLocks/>
-          </p:cNvCxnSpPr>
-          <p:nvPr/>
-        </p:nvCxnSpPr>
-        <p:spPr>
-          <a:xfrm>
-            <a:off x="7924814" y="2563635"/>
-            <a:ext cx="644282" cy="906177"/>
-          </a:xfrm>
-          <a:prstGeom prst="straightConnector1">
-            <a:avLst/>
-          </a:prstGeom>
-          <a:ln>
-            <a:tailEnd type="triangle"/>
-          </a:ln>
-        </p:spPr>
-        <p:style>
-          <a:lnRef idx="1">
-            <a:schemeClr val="accent2"/>
-          </a:lnRef>
-          <a:fillRef idx="0">
-            <a:schemeClr val="accent2"/>
-          </a:fillRef>
-          <a:effectRef idx="0">
-            <a:schemeClr val="accent2"/>
-          </a:effectRef>
-          <a:fontRef idx="minor">
-            <a:schemeClr val="tx1"/>
-          </a:fontRef>
-        </p:style>
-      </p:cxnSp>
-      <p:sp>
-        <p:nvSpPr>
-          <p:cNvPr id="12" name="TextBox 11">
-            <a:extLst>
-              <a:ext uri="{FF2B5EF4-FFF2-40B4-BE49-F238E27FC236}">
-                <a16:creationId xmlns:a16="http://schemas.microsoft.com/office/drawing/2014/main" id="{A61B0243-4A3E-742F-1F2F-3BBE083F16C8}"/>
-              </a:ext>
-            </a:extLst>
-          </p:cNvPr>
-          <p:cNvSpPr txBox="1"/>
-          <p:nvPr/>
-        </p:nvSpPr>
-        <p:spPr>
-          <a:xfrm>
-            <a:off x="4572001" y="4268026"/>
-            <a:ext cx="5140869" cy="461665"/>
+            <a:off x="8302759" y="1852812"/>
+            <a:ext cx="1668794" cy="1668794"/>
           </a:xfrm>
           <a:prstGeom prst="rect">
             <a:avLst/>
           </a:prstGeom>
           <a:noFill/>
-        </p:spPr>
-        <p:txBody>
-          <a:bodyPr wrap="square">
-            <a:spAutoFit/>
-          </a:bodyPr>
-          <a:lstStyle/>
-          <a:p>
-            <a:r>
-              <a:rPr lang="en-GB" sz="2400" b="1" dirty="0">
+          <a:extLst>
+            <a:ext uri="{909E8E84-426E-40DD-AFC4-6F175D3DCCD1}">
+              <a14:hiddenFill xmlns:a14="http://schemas.microsoft.com/office/drawing/2010/main">
                 <a:solidFill>
-                  <a:srgbClr val="7030A0"/>
+                  <a:srgbClr val="FFFFFF"/>
                 </a:solidFill>
-              </a:rPr>
-              <a:t>sum</a:t>
-            </a:r>
-            <a:r>
-              <a:rPr lang="en-GB" sz="2400" dirty="0">
-                <a:solidFill>
-                  <a:srgbClr val="7030A0"/>
-                </a:solidFill>
-              </a:rPr>
-              <a:t>([</a:t>
-            </a:r>
-            <a:r>
-              <a:rPr lang="en-GB" sz="2400" b="1" dirty="0">
-                <a:solidFill>
-                  <a:srgbClr val="FF0000"/>
-                </a:solidFill>
-              </a:rPr>
-              <a:t>0.8, 	    </a:t>
-            </a:r>
-            <a:r>
-              <a:rPr lang="en-GB" sz="2400" dirty="0">
-                <a:solidFill>
-                  <a:srgbClr val="7030A0"/>
-                </a:solidFill>
-              </a:rPr>
-              <a:t>0.1,		 0.1])=</a:t>
-            </a:r>
-            <a:r>
-              <a:rPr lang="en-GB" sz="2400" b="1" dirty="0">
-                <a:solidFill>
-                  <a:srgbClr val="FF0000"/>
-                </a:solidFill>
-              </a:rPr>
-              <a:t>1 </a:t>
-            </a:r>
-            <a:endParaRPr lang="en-US" sz="2400" b="1" dirty="0">
-              <a:solidFill>
-                <a:srgbClr val="FF0000"/>
-              </a:solidFill>
-            </a:endParaRPr>
-          </a:p>
-        </p:txBody>
-      </p:sp>
+              </a14:hiddenFill>
+            </a:ext>
+          </a:extLst>
+        </p:spPr>
+      </p:pic>
       <p:sp>
         <p:nvSpPr>
-          <p:cNvPr id="13" name="Rectangle 12">
-            <a:extLst>
-              <a:ext uri="{FF2B5EF4-FFF2-40B4-BE49-F238E27FC236}">
-                <a16:creationId xmlns:a16="http://schemas.microsoft.com/office/drawing/2014/main" id="{F12B9F95-4040-C4B4-2D08-341471D152E1}"/>
+          <p:cNvPr id="6" name="Arrow: Right 5">
+            <a:extLst>
+              <a:ext uri="{FF2B5EF4-FFF2-40B4-BE49-F238E27FC236}">
+                <a16:creationId xmlns:a16="http://schemas.microsoft.com/office/drawing/2014/main" id="{19FC117B-5F48-27FF-6BCD-F66A9019D887}"/>
               </a:ext>
             </a:extLst>
           </p:cNvPr>
@@ -8577,16 +8828,18 @@
         </p:nvSpPr>
         <p:spPr>
           <a:xfrm>
-            <a:off x="5019726" y="4900513"/>
-            <a:ext cx="1341117" cy="1390694"/>
-          </a:xfrm>
-          <a:prstGeom prst="rect">
+            <a:off x="4194736" y="2642126"/>
+            <a:ext cx="3184634" cy="388882"/>
+          </a:xfrm>
+          <a:prstGeom prst="rightArrow">
             <a:avLst/>
           </a:prstGeom>
-          <a:noFill/>
-          <a:ln w="38100">
+          <a:solidFill>
+            <a:schemeClr val="accent2"/>
+          </a:solidFill>
+          <a:ln>
             <a:solidFill>
-              <a:srgbClr val="FF0000"/>
+              <a:schemeClr val="accent2"/>
             </a:solidFill>
           </a:ln>
         </p:spPr>
@@ -8617,10 +8870,10 @@
       </p:sp>
       <p:sp>
         <p:nvSpPr>
-          <p:cNvPr id="21" name="TextBox 20">
-            <a:extLst>
-              <a:ext uri="{FF2B5EF4-FFF2-40B4-BE49-F238E27FC236}">
-                <a16:creationId xmlns:a16="http://schemas.microsoft.com/office/drawing/2014/main" id="{F524A50E-B6B1-4564-FC4A-D0F0AF9DEAE1}"/>
+          <p:cNvPr id="8" name="TextBox 7">
+            <a:extLst>
+              <a:ext uri="{FF2B5EF4-FFF2-40B4-BE49-F238E27FC236}">
+                <a16:creationId xmlns:a16="http://schemas.microsoft.com/office/drawing/2014/main" id="{F7BD7984-ABD3-968E-6678-C458FAA6ADD7}"/>
               </a:ext>
             </a:extLst>
           </p:cNvPr>
@@ -8629,8 +8882,203 @@
         </p:nvSpPr>
         <p:spPr>
           <a:xfrm>
-            <a:off x="5496560" y="2790428"/>
-            <a:ext cx="3889987" cy="369332"/>
+            <a:off x="8488948" y="3593250"/>
+            <a:ext cx="1168077" cy="369332"/>
+          </a:xfrm>
+          <a:prstGeom prst="rect">
+            <a:avLst/>
+          </a:prstGeom>
+          <a:noFill/>
+        </p:spPr>
+        <p:txBody>
+          <a:bodyPr wrap="none" rtlCol="0">
+            <a:spAutoFit/>
+          </a:bodyPr>
+          <a:lstStyle/>
+          <a:p>
+            <a:r>
+              <a:rPr lang="en-US" dirty="0">
+                <a:solidFill>
+                  <a:srgbClr val="FF0000"/>
+                </a:solidFill>
+              </a:rPr>
+              <a:t>Location B</a:t>
+            </a:r>
+          </a:p>
+        </p:txBody>
+      </p:sp>
+      <p:sp>
+        <p:nvSpPr>
+          <p:cNvPr id="9" name="TextBox 8">
+            <a:extLst>
+              <a:ext uri="{FF2B5EF4-FFF2-40B4-BE49-F238E27FC236}">
+                <a16:creationId xmlns:a16="http://schemas.microsoft.com/office/drawing/2014/main" id="{5A49F3B4-135F-9995-A339-ECDB4628C43A}"/>
+              </a:ext>
+            </a:extLst>
+          </p:cNvPr>
+          <p:cNvSpPr txBox="1"/>
+          <p:nvPr/>
+        </p:nvSpPr>
+        <p:spPr>
+          <a:xfrm>
+            <a:off x="875207" y="2228671"/>
+            <a:ext cx="1345240" cy="923330"/>
+          </a:xfrm>
+          <a:prstGeom prst="rect">
+            <a:avLst/>
+          </a:prstGeom>
+          <a:noFill/>
+        </p:spPr>
+        <p:txBody>
+          <a:bodyPr wrap="none" rtlCol="0">
+            <a:spAutoFit/>
+          </a:bodyPr>
+          <a:lstStyle/>
+          <a:p>
+            <a:r>
+              <a:rPr lang="en-US" b="1" dirty="0"/>
+              <a:t>Sunn</a:t>
+            </a:r>
+            <a:r>
+              <a:rPr lang="en-US" dirty="0"/>
+              <a:t>: 50%</a:t>
+            </a:r>
+          </a:p>
+          <a:p>
+            <a:r>
+              <a:rPr lang="en-US" b="1" dirty="0"/>
+              <a:t>Cloudy</a:t>
+            </a:r>
+            <a:r>
+              <a:rPr lang="en-US" dirty="0"/>
+              <a:t>: 25%</a:t>
+            </a:r>
+          </a:p>
+          <a:p>
+            <a:r>
+              <a:rPr lang="en-US" b="1" dirty="0"/>
+              <a:t>Windy</a:t>
+            </a:r>
+            <a:r>
+              <a:rPr lang="en-US" dirty="0"/>
+              <a:t>: 25%</a:t>
+            </a:r>
+          </a:p>
+        </p:txBody>
+      </p:sp>
+      <p:sp>
+        <p:nvSpPr>
+          <p:cNvPr id="10" name="TextBox 9">
+            <a:extLst>
+              <a:ext uri="{FF2B5EF4-FFF2-40B4-BE49-F238E27FC236}">
+                <a16:creationId xmlns:a16="http://schemas.microsoft.com/office/drawing/2014/main" id="{6E48D9BD-372B-939D-9585-A670C4C81391}"/>
+              </a:ext>
+            </a:extLst>
+          </p:cNvPr>
+          <p:cNvSpPr txBox="1"/>
+          <p:nvPr/>
+        </p:nvSpPr>
+        <p:spPr>
+          <a:xfrm>
+            <a:off x="1034761" y="839581"/>
+            <a:ext cx="10491492" cy="646331"/>
+          </a:xfrm>
+          <a:prstGeom prst="rect">
+            <a:avLst/>
+          </a:prstGeom>
+          <a:noFill/>
+        </p:spPr>
+        <p:txBody>
+          <a:bodyPr wrap="square" rtlCol="0">
+            <a:spAutoFit/>
+          </a:bodyPr>
+          <a:lstStyle/>
+          <a:p>
+            <a:r>
+              <a:rPr lang="en-US" b="1" dirty="0"/>
+              <a:t>Background</a:t>
+            </a:r>
+            <a:r>
+              <a:rPr lang="en-US" dirty="0"/>
+              <a:t>: Location A needs to send weather information (</a:t>
+            </a:r>
+            <a:r>
+              <a:rPr lang="en-US" b="1" dirty="0"/>
+              <a:t>Sunny</a:t>
+            </a:r>
+            <a:r>
+              <a:rPr lang="en-US" dirty="0"/>
+              <a:t>, </a:t>
+            </a:r>
+            <a:r>
+              <a:rPr lang="en-US" b="1" dirty="0"/>
+              <a:t>Cloudy</a:t>
+            </a:r>
+            <a:r>
+              <a:rPr lang="en-US" dirty="0"/>
+              <a:t>, </a:t>
+            </a:r>
+            <a:r>
+              <a:rPr lang="en-US" b="1" dirty="0"/>
+              <a:t>Windy</a:t>
+            </a:r>
+            <a:r>
+              <a:rPr lang="en-US" dirty="0"/>
+              <a:t>) to Location B every day. </a:t>
+            </a:r>
+          </a:p>
+          <a:p>
+            <a:r>
+              <a:rPr lang="en-US" b="1" dirty="0"/>
+              <a:t>Question</a:t>
+            </a:r>
+            <a:r>
+              <a:rPr lang="en-US" dirty="0"/>
+              <a:t>: What is the </a:t>
+            </a:r>
+            <a:r>
+              <a:rPr lang="en-US" dirty="0">
+                <a:solidFill>
+                  <a:srgbClr val="FF0000"/>
+                </a:solidFill>
+              </a:rPr>
+              <a:t>minimum</a:t>
+            </a:r>
+            <a:r>
+              <a:rPr lang="en-US" dirty="0"/>
+              <a:t> bits </a:t>
+            </a:r>
+            <a:r>
+              <a:rPr lang="en-US" dirty="0">
+                <a:solidFill>
+                  <a:srgbClr val="FF0000"/>
+                </a:solidFill>
+              </a:rPr>
+              <a:t>required</a:t>
+            </a:r>
+            <a:r>
+              <a:rPr lang="en-US" dirty="0"/>
+              <a:t> to transfer weather information for 100 days?</a:t>
+            </a:r>
+          </a:p>
+        </p:txBody>
+      </p:sp>
+      <p:sp>
+        <p:nvSpPr>
+          <p:cNvPr id="12" name="TextBox 11">
+            <a:extLst>
+              <a:ext uri="{FF2B5EF4-FFF2-40B4-BE49-F238E27FC236}">
+                <a16:creationId xmlns:a16="http://schemas.microsoft.com/office/drawing/2014/main" id="{4148360A-D505-F3FF-B018-2140A5E7875F}"/>
+              </a:ext>
+            </a:extLst>
+          </p:cNvPr>
+          <p:cNvSpPr txBox="1"/>
+          <p:nvPr/>
+        </p:nvSpPr>
+        <p:spPr>
+          <a:xfrm>
+            <a:off x="2644572" y="3593250"/>
+            <a:ext cx="1397668" cy="369332"/>
           </a:xfrm>
           <a:prstGeom prst="rect">
             <a:avLst/>
@@ -8644,51 +9092,456 @@
           <a:lstStyle/>
           <a:p>
             <a:r>
-              <a:rPr lang="en-GB" dirty="0">
-                <a:solidFill>
-                  <a:srgbClr val="7030A0"/>
-                </a:solidFill>
-              </a:rPr>
-              <a:t>z= [</a:t>
-            </a:r>
-            <a:r>
-              <a:rPr lang="en-GB" dirty="0">
+              <a:rPr lang="en-US" dirty="0">
                 <a:solidFill>
                   <a:srgbClr val="FF0000"/>
                 </a:solidFill>
               </a:rPr>
-              <a:t>3.1</a:t>
-            </a:r>
-            <a:r>
-              <a:rPr lang="en-GB" b="1" dirty="0">
-                <a:solidFill>
-                  <a:srgbClr val="FF0000"/>
-                </a:solidFill>
-              </a:rPr>
-              <a:t> 		</a:t>
-            </a:r>
-            <a:r>
-              <a:rPr lang="en-GB" dirty="0">
-                <a:solidFill>
-                  <a:srgbClr val="7030A0"/>
-                </a:solidFill>
-              </a:rPr>
-              <a:t>1.01	1.01] </a:t>
-            </a:r>
-            <a:endParaRPr lang="en-US" dirty="0">
-              <a:solidFill>
-                <a:srgbClr val="7030A0"/>
-              </a:solidFill>
-            </a:endParaRPr>
+              <a:t>Location A</a:t>
+            </a:r>
           </a:p>
         </p:txBody>
       </p:sp>
+      <p:graphicFrame>
+        <p:nvGraphicFramePr>
+          <p:cNvPr id="14" name="Table 13">
+            <a:extLst>
+              <a:ext uri="{FF2B5EF4-FFF2-40B4-BE49-F238E27FC236}">
+                <a16:creationId xmlns:a16="http://schemas.microsoft.com/office/drawing/2014/main" id="{52565C83-04E3-5C94-023C-34576D22549E}"/>
+              </a:ext>
+            </a:extLst>
+          </p:cNvPr>
+          <p:cNvGraphicFramePr>
+            <a:graphicFrameLocks noGrp="1"/>
+          </p:cNvGraphicFramePr>
+          <p:nvPr>
+            <p:extLst>
+              <p:ext uri="{D42A27DB-BD31-4B8C-83A1-F6EECF244321}">
+                <p14:modId xmlns:p14="http://schemas.microsoft.com/office/powerpoint/2010/main" val="2237286408"/>
+              </p:ext>
+            </p:extLst>
+          </p:nvPr>
+        </p:nvGraphicFramePr>
+        <p:xfrm>
+          <a:off x="1034761" y="4187222"/>
+          <a:ext cx="8872638" cy="1752600"/>
+        </p:xfrm>
+        <a:graphic>
+          <a:graphicData uri="http://schemas.openxmlformats.org/drawingml/2006/table">
+            <a:tbl>
+              <a:tblPr firstRow="1" bandRow="1">
+                <a:tableStyleId>{5940675A-B579-460E-94D1-54222C63F5DA}</a:tableStyleId>
+              </a:tblPr>
+              <a:tblGrid>
+                <a:gridCol w="1437207">
+                  <a:extLst>
+                    <a:ext uri="{9D8B030D-6E8A-4147-A177-3AD203B41FA5}">
+                      <a16:colId xmlns:a16="http://schemas.microsoft.com/office/drawing/2014/main" val="2554003057"/>
+                    </a:ext>
+                  </a:extLst>
+                </a:gridCol>
+                <a:gridCol w="3719107">
+                  <a:extLst>
+                    <a:ext uri="{9D8B030D-6E8A-4147-A177-3AD203B41FA5}">
+                      <a16:colId xmlns:a16="http://schemas.microsoft.com/office/drawing/2014/main" val="2594332675"/>
+                    </a:ext>
+                  </a:extLst>
+                </a:gridCol>
+                <a:gridCol w="1702965">
+                  <a:extLst>
+                    <a:ext uri="{9D8B030D-6E8A-4147-A177-3AD203B41FA5}">
+                      <a16:colId xmlns:a16="http://schemas.microsoft.com/office/drawing/2014/main" val="2020707053"/>
+                    </a:ext>
+                  </a:extLst>
+                </a:gridCol>
+                <a:gridCol w="2013359">
+                  <a:extLst>
+                    <a:ext uri="{9D8B030D-6E8A-4147-A177-3AD203B41FA5}">
+                      <a16:colId xmlns:a16="http://schemas.microsoft.com/office/drawing/2014/main" val="2790105838"/>
+                    </a:ext>
+                  </a:extLst>
+                </a:gridCol>
+              </a:tblGrid>
+              <a:tr h="370840">
+                <a:tc>
+                  <a:txBody>
+                    <a:bodyPr/>
+                    <a:lstStyle/>
+                    <a:p>
+                      <a:pPr algn="ctr"/>
+                      <a:r>
+                        <a:rPr lang="en-US" b="1" dirty="0"/>
+                        <a:t>Encode </a:t>
+                      </a:r>
+                    </a:p>
+                    <a:p>
+                      <a:pPr algn="ctr"/>
+                      <a:r>
+                        <a:rPr lang="en-US" b="1" dirty="0"/>
+                        <a:t>Solution</a:t>
+                      </a:r>
+                    </a:p>
+                  </a:txBody>
+                  <a:tcPr/>
+                </a:tc>
+                <a:tc>
+                  <a:txBody>
+                    <a:bodyPr/>
+                    <a:lstStyle/>
+                    <a:p>
+                      <a:pPr marL="0" marR="0" lvl="0" indent="0" algn="ctr" defTabSz="914400" rtl="0" eaLnBrk="1" fontAlgn="auto" latinLnBrk="0" hangingPunct="1">
+                        <a:lnSpc>
+                          <a:spcPct val="100000"/>
+                        </a:lnSpc>
+                        <a:spcBef>
+                          <a:spcPts val="0"/>
+                        </a:spcBef>
+                        <a:spcAft>
+                          <a:spcPts val="0"/>
+                        </a:spcAft>
+                        <a:buClrTx/>
+                        <a:buSzTx/>
+                        <a:buFontTx/>
+                        <a:buNone/>
+                        <a:tabLst/>
+                        <a:defRPr/>
+                      </a:pPr>
+                      <a:r>
+                        <a:rPr lang="en-US" b="1" dirty="0"/>
+                        <a:t>Encoding method</a:t>
+                      </a:r>
+                    </a:p>
+                  </a:txBody>
+                  <a:tcPr/>
+                </a:tc>
+                <a:tc>
+                  <a:txBody>
+                    <a:bodyPr/>
+                    <a:lstStyle/>
+                    <a:p>
+                      <a:pPr algn="ctr"/>
+                      <a:r>
+                        <a:rPr lang="en-US" b="1" dirty="0"/>
+                        <a:t>Bits Needed </a:t>
+                      </a:r>
+                    </a:p>
+                    <a:p>
+                      <a:pPr algn="ctr"/>
+                      <a:r>
+                        <a:rPr lang="en-US" b="1" dirty="0"/>
+                        <a:t>Each Day</a:t>
+                      </a:r>
+                    </a:p>
+                  </a:txBody>
+                  <a:tcPr/>
+                </a:tc>
+                <a:tc>
+                  <a:txBody>
+                    <a:bodyPr/>
+                    <a:lstStyle/>
+                    <a:p>
+                      <a:pPr marL="0" marR="0" lvl="0" indent="0" algn="ctr" defTabSz="914400" rtl="0" eaLnBrk="1" fontAlgn="auto" latinLnBrk="0" hangingPunct="1">
+                        <a:lnSpc>
+                          <a:spcPct val="100000"/>
+                        </a:lnSpc>
+                        <a:spcBef>
+                          <a:spcPts val="0"/>
+                        </a:spcBef>
+                        <a:spcAft>
+                          <a:spcPts val="0"/>
+                        </a:spcAft>
+                        <a:buClrTx/>
+                        <a:buSzTx/>
+                        <a:buFontTx/>
+                        <a:buNone/>
+                        <a:tabLst/>
+                        <a:defRPr/>
+                      </a:pPr>
+                      <a:r>
+                        <a:rPr lang="en-US" b="1" dirty="0"/>
+                        <a:t>Bits Needed </a:t>
+                      </a:r>
+                    </a:p>
+                    <a:p>
+                      <a:pPr marL="0" marR="0" lvl="0" indent="0" algn="ctr" defTabSz="914400" rtl="0" eaLnBrk="1" fontAlgn="auto" latinLnBrk="0" hangingPunct="1">
+                        <a:lnSpc>
+                          <a:spcPct val="100000"/>
+                        </a:lnSpc>
+                        <a:spcBef>
+                          <a:spcPts val="0"/>
+                        </a:spcBef>
+                        <a:spcAft>
+                          <a:spcPts val="0"/>
+                        </a:spcAft>
+                        <a:buClrTx/>
+                        <a:buSzTx/>
+                        <a:buFontTx/>
+                        <a:buNone/>
+                        <a:tabLst/>
+                        <a:defRPr/>
+                      </a:pPr>
+                      <a:r>
+                        <a:rPr lang="en-US" b="1" dirty="0"/>
+                        <a:t>100 Days</a:t>
+                      </a:r>
+                    </a:p>
+                  </a:txBody>
+                  <a:tcPr/>
+                </a:tc>
+                <a:extLst>
+                  <a:ext uri="{0D108BD9-81ED-4DB2-BD59-A6C34878D82A}">
+                    <a16:rowId xmlns:a16="http://schemas.microsoft.com/office/drawing/2014/main" val="438294534"/>
+                  </a:ext>
+                </a:extLst>
+              </a:tr>
+              <a:tr h="370840">
+                <a:tc>
+                  <a:txBody>
+                    <a:bodyPr/>
+                    <a:lstStyle/>
+                    <a:p>
+                      <a:r>
+                        <a:rPr lang="en-US" dirty="0"/>
+                        <a:t>1: message</a:t>
+                      </a:r>
+                    </a:p>
+                  </a:txBody>
+                  <a:tcPr/>
+                </a:tc>
+                <a:tc>
+                  <a:txBody>
+                    <a:bodyPr/>
+                    <a:lstStyle/>
+                    <a:p>
+                      <a:r>
+                        <a:rPr lang="en-GB" dirty="0"/>
+                        <a:t>Sunny (1) , Cloudy (2), Windy (3) </a:t>
+                      </a:r>
+                      <a:endParaRPr lang="en-US" dirty="0"/>
+                    </a:p>
+                  </a:txBody>
+                  <a:tcPr/>
+                </a:tc>
+                <a:tc>
+                  <a:txBody>
+                    <a:bodyPr/>
+                    <a:lstStyle/>
+                    <a:p>
+                      <a:r>
+                        <a:rPr lang="en-US" dirty="0"/>
+                        <a:t>8</a:t>
+                      </a:r>
+                    </a:p>
+                  </a:txBody>
+                  <a:tcPr/>
+                </a:tc>
+                <a:tc>
+                  <a:txBody>
+                    <a:bodyPr/>
+                    <a:lstStyle/>
+                    <a:p>
+                      <a:r>
+                        <a:rPr lang="en-US" dirty="0"/>
+                        <a:t>800</a:t>
+                      </a:r>
+                    </a:p>
+                  </a:txBody>
+                  <a:tcPr/>
+                </a:tc>
+                <a:extLst>
+                  <a:ext uri="{0D108BD9-81ED-4DB2-BD59-A6C34878D82A}">
+                    <a16:rowId xmlns:a16="http://schemas.microsoft.com/office/drawing/2014/main" val="2833606287"/>
+                  </a:ext>
+                </a:extLst>
+              </a:tr>
+              <a:tr h="370840">
+                <a:tc>
+                  <a:txBody>
+                    <a:bodyPr/>
+                    <a:lstStyle/>
+                    <a:p>
+                      <a:r>
+                        <a:rPr lang="en-US" dirty="0"/>
+                        <a:t>2: bits</a:t>
+                      </a:r>
+                    </a:p>
+                  </a:txBody>
+                  <a:tcPr/>
+                </a:tc>
+                <a:tc>
+                  <a:txBody>
+                    <a:bodyPr/>
+                    <a:lstStyle/>
+                    <a:p>
+                      <a:pPr marL="0" marR="0" lvl="0" indent="0" algn="l" defTabSz="914400" rtl="0" eaLnBrk="1" fontAlgn="auto" latinLnBrk="0" hangingPunct="1">
+                        <a:lnSpc>
+                          <a:spcPct val="100000"/>
+                        </a:lnSpc>
+                        <a:spcBef>
+                          <a:spcPts val="0"/>
+                        </a:spcBef>
+                        <a:spcAft>
+                          <a:spcPts val="0"/>
+                        </a:spcAft>
+                        <a:buClrTx/>
+                        <a:buSzTx/>
+                        <a:buFontTx/>
+                        <a:buNone/>
+                        <a:tabLst/>
+                        <a:defRPr/>
+                      </a:pPr>
+                      <a:r>
+                        <a:rPr lang="en-GB" dirty="0"/>
+                        <a:t>Sunny (00) , Cloudy (01), Windy (10) </a:t>
+                      </a:r>
+                      <a:endParaRPr lang="en-US" dirty="0"/>
+                    </a:p>
+                  </a:txBody>
+                  <a:tcPr/>
+                </a:tc>
+                <a:tc>
+                  <a:txBody>
+                    <a:bodyPr/>
+                    <a:lstStyle/>
+                    <a:p>
+                      <a:r>
+                        <a:rPr lang="en-US" dirty="0"/>
+                        <a:t>2</a:t>
+                      </a:r>
+                    </a:p>
+                  </a:txBody>
+                  <a:tcPr/>
+                </a:tc>
+                <a:tc>
+                  <a:txBody>
+                    <a:bodyPr/>
+                    <a:lstStyle/>
+                    <a:p>
+                      <a:r>
+                        <a:rPr lang="en-US" dirty="0"/>
+                        <a:t>200</a:t>
+                      </a:r>
+                    </a:p>
+                  </a:txBody>
+                  <a:tcPr/>
+                </a:tc>
+                <a:extLst>
+                  <a:ext uri="{0D108BD9-81ED-4DB2-BD59-A6C34878D82A}">
+                    <a16:rowId xmlns:a16="http://schemas.microsoft.com/office/drawing/2014/main" val="1725175333"/>
+                  </a:ext>
+                </a:extLst>
+              </a:tr>
+              <a:tr h="370840">
+                <a:tc>
+                  <a:txBody>
+                    <a:bodyPr/>
+                    <a:lstStyle/>
+                    <a:p>
+                      <a:r>
+                        <a:rPr lang="en-US" dirty="0"/>
+                        <a:t>3. entropy</a:t>
+                      </a:r>
+                    </a:p>
+                  </a:txBody>
+                  <a:tcPr/>
+                </a:tc>
+                <a:tc>
+                  <a:txBody>
+                    <a:bodyPr/>
+                    <a:lstStyle/>
+                    <a:p>
+                      <a:r>
+                        <a:rPr lang="en-US" dirty="0">
+                          <a:solidFill>
+                            <a:schemeClr val="accent5"/>
+                          </a:solidFill>
+                        </a:rPr>
+                        <a:t>next slide</a:t>
+                      </a:r>
+                    </a:p>
+                  </a:txBody>
+                  <a:tcPr/>
+                </a:tc>
+                <a:tc>
+                  <a:txBody>
+                    <a:bodyPr/>
+                    <a:lstStyle/>
+                    <a:p>
+                      <a:r>
+                        <a:rPr lang="en-US" dirty="0">
+                          <a:solidFill>
+                            <a:srgbClr val="FF0000"/>
+                          </a:solidFill>
+                        </a:rPr>
+                        <a:t>1</a:t>
+                      </a:r>
+                    </a:p>
+                  </a:txBody>
+                  <a:tcPr/>
+                </a:tc>
+                <a:tc>
+                  <a:txBody>
+                    <a:bodyPr/>
+                    <a:lstStyle/>
+                    <a:p>
+                      <a:r>
+                        <a:rPr lang="en-US" b="1" dirty="0">
+                          <a:solidFill>
+                            <a:srgbClr val="FF0000"/>
+                          </a:solidFill>
+                        </a:rPr>
+                        <a:t>100</a:t>
+                      </a:r>
+                    </a:p>
+                  </a:txBody>
+                  <a:tcPr/>
+                </a:tc>
+                <a:extLst>
+                  <a:ext uri="{0D108BD9-81ED-4DB2-BD59-A6C34878D82A}">
+                    <a16:rowId xmlns:a16="http://schemas.microsoft.com/office/drawing/2014/main" val="1632844861"/>
+                  </a:ext>
+                </a:extLst>
+              </a:tr>
+            </a:tbl>
+          </a:graphicData>
+        </a:graphic>
+      </p:graphicFrame>
+    </p:spTree>
+    <p:extLst>
+      <p:ext uri="{BB962C8B-B14F-4D97-AF65-F5344CB8AC3E}">
+        <p14:creationId xmlns:p14="http://schemas.microsoft.com/office/powerpoint/2010/main" val="1807367971"/>
+      </p:ext>
+    </p:extLst>
+  </p:cSld>
+  <p:clrMapOvr>
+    <a:masterClrMapping/>
+  </p:clrMapOvr>
+</p:sld>
+</file>
+
+<file path=ppt/slides/slide12.xml><?xml version="1.0" encoding="utf-8"?>
+<p:sld xmlns:a="http://schemas.openxmlformats.org/drawingml/2006/main" xmlns:r="http://schemas.openxmlformats.org/officeDocument/2006/relationships" xmlns:p="http://schemas.openxmlformats.org/presentationml/2006/main">
+  <p:cSld>
+    <p:spTree>
+      <p:nvGrpSpPr>
+        <p:cNvPr id="1" name=""/>
+        <p:cNvGrpSpPr/>
+        <p:nvPr/>
+      </p:nvGrpSpPr>
+      <p:grpSpPr>
+        <a:xfrm>
+          <a:off x="0" y="0"/>
+          <a:ext cx="0" cy="0"/>
+          <a:chOff x="0" y="0"/>
+          <a:chExt cx="0" cy="0"/>
+        </a:xfrm>
+      </p:grpSpPr>
       <p:sp>
         <p:nvSpPr>
-          <p:cNvPr id="22" name="Rectangle 21">
-            <a:extLst>
-              <a:ext uri="{FF2B5EF4-FFF2-40B4-BE49-F238E27FC236}">
-                <a16:creationId xmlns:a16="http://schemas.microsoft.com/office/drawing/2014/main" id="{409C95CB-251D-8040-932B-CB0E369B0E52}"/>
+          <p:cNvPr id="2" name="Rectangle 1">
+            <a:extLst>
+              <a:ext uri="{FF2B5EF4-FFF2-40B4-BE49-F238E27FC236}">
+                <a16:creationId xmlns:a16="http://schemas.microsoft.com/office/drawing/2014/main" id="{0C643C25-02D3-FCE9-3FD2-EF04A1C483BC}"/>
               </a:ext>
             </a:extLst>
           </p:cNvPr>
@@ -8697,19 +9550,12 @@
         </p:nvSpPr>
         <p:spPr>
           <a:xfrm>
-            <a:off x="5003496" y="3425138"/>
-            <a:ext cx="4296586" cy="620787"/>
+            <a:off x="4240637" y="721453"/>
+            <a:ext cx="478172" cy="385894"/>
           </a:xfrm>
           <a:prstGeom prst="rect">
             <a:avLst/>
           </a:prstGeom>
-          <a:noFill/>
-          <a:ln w="38100">
-            <a:solidFill>
-              <a:srgbClr val="FF0000"/>
-            </a:solidFill>
-            <a:prstDash val="dash"/>
-          </a:ln>
         </p:spPr>
         <p:style>
           <a:lnRef idx="2">
@@ -8732,6 +9578,2451 @@
           <a:lstStyle/>
           <a:p>
             <a:pPr algn="ctr"/>
+            <a:r>
+              <a:rPr lang="en-US" dirty="0"/>
+              <a:t>S</a:t>
+            </a:r>
+          </a:p>
+        </p:txBody>
+      </p:sp>
+      <p:sp>
+        <p:nvSpPr>
+          <p:cNvPr id="3" name="Rectangle 2">
+            <a:extLst>
+              <a:ext uri="{FF2B5EF4-FFF2-40B4-BE49-F238E27FC236}">
+                <a16:creationId xmlns:a16="http://schemas.microsoft.com/office/drawing/2014/main" id="{02E99F81-0325-DBEC-E7C5-4FA6ACEE1D01}"/>
+              </a:ext>
+            </a:extLst>
+          </p:cNvPr>
+          <p:cNvSpPr/>
+          <p:nvPr/>
+        </p:nvSpPr>
+        <p:spPr>
+          <a:xfrm>
+            <a:off x="4983061" y="721453"/>
+            <a:ext cx="478172" cy="385894"/>
+          </a:xfrm>
+          <a:prstGeom prst="rect">
+            <a:avLst/>
+          </a:prstGeom>
+          <a:solidFill>
+            <a:schemeClr val="accent4"/>
+          </a:solidFill>
+        </p:spPr>
+        <p:style>
+          <a:lnRef idx="2">
+            <a:schemeClr val="accent1">
+              <a:shade val="15000"/>
+            </a:schemeClr>
+          </a:lnRef>
+          <a:fillRef idx="1">
+            <a:schemeClr val="accent1"/>
+          </a:fillRef>
+          <a:effectRef idx="0">
+            <a:schemeClr val="accent1"/>
+          </a:effectRef>
+          <a:fontRef idx="minor">
+            <a:schemeClr val="lt1"/>
+          </a:fontRef>
+        </p:style>
+        <p:txBody>
+          <a:bodyPr rtlCol="0" anchor="ctr"/>
+          <a:lstStyle/>
+          <a:p>
+            <a:pPr algn="ctr"/>
+            <a:r>
+              <a:rPr lang="en-US" dirty="0"/>
+              <a:t>C</a:t>
+            </a:r>
+          </a:p>
+        </p:txBody>
+      </p:sp>
+      <p:sp>
+        <p:nvSpPr>
+          <p:cNvPr id="4" name="Rectangle 3">
+            <a:extLst>
+              <a:ext uri="{FF2B5EF4-FFF2-40B4-BE49-F238E27FC236}">
+                <a16:creationId xmlns:a16="http://schemas.microsoft.com/office/drawing/2014/main" id="{7AA7506C-E141-CB27-23E2-72A837BAC968}"/>
+              </a:ext>
+            </a:extLst>
+          </p:cNvPr>
+          <p:cNvSpPr/>
+          <p:nvPr/>
+        </p:nvSpPr>
+        <p:spPr>
+          <a:xfrm>
+            <a:off x="5821859" y="721453"/>
+            <a:ext cx="478172" cy="385894"/>
+          </a:xfrm>
+          <a:prstGeom prst="rect">
+            <a:avLst/>
+          </a:prstGeom>
+          <a:solidFill>
+            <a:schemeClr val="accent6">
+              <a:lumMod val="40000"/>
+              <a:lumOff val="60000"/>
+            </a:schemeClr>
+          </a:solidFill>
+        </p:spPr>
+        <p:style>
+          <a:lnRef idx="2">
+            <a:schemeClr val="accent1">
+              <a:shade val="15000"/>
+            </a:schemeClr>
+          </a:lnRef>
+          <a:fillRef idx="1">
+            <a:schemeClr val="accent1"/>
+          </a:fillRef>
+          <a:effectRef idx="0">
+            <a:schemeClr val="accent1"/>
+          </a:effectRef>
+          <a:fontRef idx="minor">
+            <a:schemeClr val="lt1"/>
+          </a:fontRef>
+        </p:style>
+        <p:txBody>
+          <a:bodyPr rtlCol="0" anchor="ctr"/>
+          <a:lstStyle/>
+          <a:p>
+            <a:pPr algn="ctr"/>
+            <a:r>
+              <a:rPr lang="en-US" dirty="0"/>
+              <a:t>W</a:t>
+            </a:r>
+          </a:p>
+        </p:txBody>
+      </p:sp>
+      <p:sp>
+        <p:nvSpPr>
+          <p:cNvPr id="5" name="TextBox 4">
+            <a:extLst>
+              <a:ext uri="{FF2B5EF4-FFF2-40B4-BE49-F238E27FC236}">
+                <a16:creationId xmlns:a16="http://schemas.microsoft.com/office/drawing/2014/main" id="{B42D2810-FB40-4134-9319-BF39A5858364}"/>
+              </a:ext>
+            </a:extLst>
+          </p:cNvPr>
+          <p:cNvSpPr txBox="1"/>
+          <p:nvPr/>
+        </p:nvSpPr>
+        <p:spPr>
+          <a:xfrm>
+            <a:off x="7080106" y="645682"/>
+            <a:ext cx="1345240" cy="923330"/>
+          </a:xfrm>
+          <a:prstGeom prst="rect">
+            <a:avLst/>
+          </a:prstGeom>
+          <a:noFill/>
+        </p:spPr>
+        <p:txBody>
+          <a:bodyPr wrap="square" rtlCol="0">
+            <a:spAutoFit/>
+          </a:bodyPr>
+          <a:lstStyle/>
+          <a:p>
+            <a:r>
+              <a:rPr lang="en-US" b="1" dirty="0"/>
+              <a:t>Sunn</a:t>
+            </a:r>
+            <a:r>
+              <a:rPr lang="en-US" dirty="0"/>
+              <a:t>: </a:t>
+            </a:r>
+            <a:r>
+              <a:rPr lang="en-US" dirty="0">
+                <a:solidFill>
+                  <a:schemeClr val="accent5"/>
+                </a:solidFill>
+              </a:rPr>
+              <a:t>50%</a:t>
+            </a:r>
+          </a:p>
+          <a:p>
+            <a:r>
+              <a:rPr lang="en-US" b="1" dirty="0"/>
+              <a:t>Cloudy</a:t>
+            </a:r>
+            <a:r>
+              <a:rPr lang="en-US" dirty="0"/>
+              <a:t>: </a:t>
+            </a:r>
+            <a:r>
+              <a:rPr lang="en-US" dirty="0">
+                <a:solidFill>
+                  <a:schemeClr val="accent2"/>
+                </a:solidFill>
+              </a:rPr>
+              <a:t>25%</a:t>
+            </a:r>
+          </a:p>
+          <a:p>
+            <a:r>
+              <a:rPr lang="en-US" b="1" dirty="0"/>
+              <a:t>Windy</a:t>
+            </a:r>
+            <a:r>
+              <a:rPr lang="en-US" dirty="0"/>
+              <a:t>: </a:t>
+            </a:r>
+            <a:r>
+              <a:rPr lang="en-US" dirty="0">
+                <a:solidFill>
+                  <a:schemeClr val="accent6"/>
+                </a:solidFill>
+              </a:rPr>
+              <a:t>25%</a:t>
+            </a:r>
+          </a:p>
+        </p:txBody>
+      </p:sp>
+      <p:sp>
+        <p:nvSpPr>
+          <p:cNvPr id="7" name="TextBox 6">
+            <a:extLst>
+              <a:ext uri="{FF2B5EF4-FFF2-40B4-BE49-F238E27FC236}">
+                <a16:creationId xmlns:a16="http://schemas.microsoft.com/office/drawing/2014/main" id="{8285E031-EF52-E40F-3BF3-0D1DBCBB439B}"/>
+              </a:ext>
+            </a:extLst>
+          </p:cNvPr>
+          <p:cNvSpPr txBox="1"/>
+          <p:nvPr/>
+        </p:nvSpPr>
+        <p:spPr>
+          <a:xfrm>
+            <a:off x="1283442" y="2399007"/>
+            <a:ext cx="2631896" cy="369332"/>
+          </a:xfrm>
+          <a:prstGeom prst="rect">
+            <a:avLst/>
+          </a:prstGeom>
+          <a:noFill/>
+        </p:spPr>
+        <p:txBody>
+          <a:bodyPr wrap="square">
+            <a:spAutoFit/>
+          </a:bodyPr>
+          <a:lstStyle/>
+          <a:p>
+            <a:r>
+              <a:rPr lang="en-GB" dirty="0"/>
+              <a:t>2. Build a tree structure.</a:t>
+            </a:r>
+            <a:endParaRPr lang="en-US" dirty="0"/>
+          </a:p>
+        </p:txBody>
+      </p:sp>
+      <p:sp>
+        <p:nvSpPr>
+          <p:cNvPr id="8" name="Rectangle 7">
+            <a:extLst>
+              <a:ext uri="{FF2B5EF4-FFF2-40B4-BE49-F238E27FC236}">
+                <a16:creationId xmlns:a16="http://schemas.microsoft.com/office/drawing/2014/main" id="{A8442563-8A10-64C4-27AA-F6C824CC35B9}"/>
+              </a:ext>
+            </a:extLst>
+          </p:cNvPr>
+          <p:cNvSpPr/>
+          <p:nvPr/>
+        </p:nvSpPr>
+        <p:spPr>
+          <a:xfrm>
+            <a:off x="4718809" y="1756658"/>
+            <a:ext cx="1026251" cy="385894"/>
+          </a:xfrm>
+          <a:prstGeom prst="rect">
+            <a:avLst/>
+          </a:prstGeom>
+          <a:solidFill>
+            <a:schemeClr val="bg1"/>
+          </a:solidFill>
+        </p:spPr>
+        <p:style>
+          <a:lnRef idx="2">
+            <a:schemeClr val="accent1">
+              <a:shade val="15000"/>
+            </a:schemeClr>
+          </a:lnRef>
+          <a:fillRef idx="1">
+            <a:schemeClr val="accent1"/>
+          </a:fillRef>
+          <a:effectRef idx="0">
+            <a:schemeClr val="accent1"/>
+          </a:effectRef>
+          <a:fontRef idx="minor">
+            <a:schemeClr val="lt1"/>
+          </a:fontRef>
+        </p:style>
+        <p:txBody>
+          <a:bodyPr rtlCol="0" anchor="ctr"/>
+          <a:lstStyle/>
+          <a:p>
+            <a:pPr algn="ctr"/>
+            <a:r>
+              <a:rPr lang="en-US" dirty="0">
+                <a:solidFill>
+                  <a:schemeClr val="tx1"/>
+                </a:solidFill>
+              </a:rPr>
+              <a:t>Root</a:t>
+            </a:r>
+          </a:p>
+        </p:txBody>
+      </p:sp>
+      <p:sp>
+        <p:nvSpPr>
+          <p:cNvPr id="9" name="Rectangle 8">
+            <a:extLst>
+              <a:ext uri="{FF2B5EF4-FFF2-40B4-BE49-F238E27FC236}">
+                <a16:creationId xmlns:a16="http://schemas.microsoft.com/office/drawing/2014/main" id="{D7EC7BB6-A8AE-889A-DF38-BCF132A03538}"/>
+              </a:ext>
+            </a:extLst>
+          </p:cNvPr>
+          <p:cNvSpPr/>
+          <p:nvPr/>
+        </p:nvSpPr>
+        <p:spPr>
+          <a:xfrm>
+            <a:off x="4092776" y="2497711"/>
+            <a:ext cx="478172" cy="385894"/>
+          </a:xfrm>
+          <a:prstGeom prst="rect">
+            <a:avLst/>
+          </a:prstGeom>
+        </p:spPr>
+        <p:style>
+          <a:lnRef idx="2">
+            <a:schemeClr val="accent1">
+              <a:shade val="15000"/>
+            </a:schemeClr>
+          </a:lnRef>
+          <a:fillRef idx="1">
+            <a:schemeClr val="accent1"/>
+          </a:fillRef>
+          <a:effectRef idx="0">
+            <a:schemeClr val="accent1"/>
+          </a:effectRef>
+          <a:fontRef idx="minor">
+            <a:schemeClr val="lt1"/>
+          </a:fontRef>
+        </p:style>
+        <p:txBody>
+          <a:bodyPr rtlCol="0" anchor="ctr"/>
+          <a:lstStyle/>
+          <a:p>
+            <a:pPr algn="ctr"/>
+            <a:r>
+              <a:rPr lang="en-US" dirty="0"/>
+              <a:t>S</a:t>
+            </a:r>
+          </a:p>
+        </p:txBody>
+      </p:sp>
+      <p:sp>
+        <p:nvSpPr>
+          <p:cNvPr id="10" name="Rectangle 9">
+            <a:extLst>
+              <a:ext uri="{FF2B5EF4-FFF2-40B4-BE49-F238E27FC236}">
+                <a16:creationId xmlns:a16="http://schemas.microsoft.com/office/drawing/2014/main" id="{065E40EA-4364-F5AA-25F4-C75593E32A38}"/>
+              </a:ext>
+            </a:extLst>
+          </p:cNvPr>
+          <p:cNvSpPr/>
+          <p:nvPr/>
+        </p:nvSpPr>
+        <p:spPr>
+          <a:xfrm>
+            <a:off x="5876460" y="2497711"/>
+            <a:ext cx="478172" cy="385894"/>
+          </a:xfrm>
+          <a:prstGeom prst="rect">
+            <a:avLst/>
+          </a:prstGeom>
+          <a:solidFill>
+            <a:schemeClr val="bg1"/>
+          </a:solidFill>
+        </p:spPr>
+        <p:style>
+          <a:lnRef idx="2">
+            <a:schemeClr val="accent1">
+              <a:shade val="15000"/>
+            </a:schemeClr>
+          </a:lnRef>
+          <a:fillRef idx="1">
+            <a:schemeClr val="accent1"/>
+          </a:fillRef>
+          <a:effectRef idx="0">
+            <a:schemeClr val="accent1"/>
+          </a:effectRef>
+          <a:fontRef idx="minor">
+            <a:schemeClr val="lt1"/>
+          </a:fontRef>
+        </p:style>
+        <p:txBody>
+          <a:bodyPr rtlCol="0" anchor="ctr"/>
+          <a:lstStyle/>
+          <a:p>
+            <a:pPr algn="ctr"/>
+            <a:endParaRPr lang="en-US" dirty="0"/>
+          </a:p>
+        </p:txBody>
+      </p:sp>
+      <p:sp>
+        <p:nvSpPr>
+          <p:cNvPr id="11" name="Rectangle 10">
+            <a:extLst>
+              <a:ext uri="{FF2B5EF4-FFF2-40B4-BE49-F238E27FC236}">
+                <a16:creationId xmlns:a16="http://schemas.microsoft.com/office/drawing/2014/main" id="{AB9E5F4D-12A3-6964-1490-EA6063035E87}"/>
+              </a:ext>
+            </a:extLst>
+          </p:cNvPr>
+          <p:cNvSpPr/>
+          <p:nvPr/>
+        </p:nvSpPr>
+        <p:spPr>
+          <a:xfrm>
+            <a:off x="5515834" y="3412111"/>
+            <a:ext cx="478172" cy="385894"/>
+          </a:xfrm>
+          <a:prstGeom prst="rect">
+            <a:avLst/>
+          </a:prstGeom>
+          <a:solidFill>
+            <a:schemeClr val="accent4"/>
+          </a:solidFill>
+        </p:spPr>
+        <p:style>
+          <a:lnRef idx="2">
+            <a:schemeClr val="accent1">
+              <a:shade val="15000"/>
+            </a:schemeClr>
+          </a:lnRef>
+          <a:fillRef idx="1">
+            <a:schemeClr val="accent1"/>
+          </a:fillRef>
+          <a:effectRef idx="0">
+            <a:schemeClr val="accent1"/>
+          </a:effectRef>
+          <a:fontRef idx="minor">
+            <a:schemeClr val="lt1"/>
+          </a:fontRef>
+        </p:style>
+        <p:txBody>
+          <a:bodyPr rtlCol="0" anchor="ctr"/>
+          <a:lstStyle/>
+          <a:p>
+            <a:pPr algn="ctr"/>
+            <a:r>
+              <a:rPr lang="en-US" dirty="0"/>
+              <a:t>C</a:t>
+            </a:r>
+          </a:p>
+        </p:txBody>
+      </p:sp>
+      <p:sp>
+        <p:nvSpPr>
+          <p:cNvPr id="12" name="Rectangle 11">
+            <a:extLst>
+              <a:ext uri="{FF2B5EF4-FFF2-40B4-BE49-F238E27FC236}">
+                <a16:creationId xmlns:a16="http://schemas.microsoft.com/office/drawing/2014/main" id="{11FEDF55-F827-0D8E-3E71-53F556F9267A}"/>
+              </a:ext>
+            </a:extLst>
+          </p:cNvPr>
+          <p:cNvSpPr/>
+          <p:nvPr/>
+        </p:nvSpPr>
+        <p:spPr>
+          <a:xfrm>
+            <a:off x="6354632" y="3412111"/>
+            <a:ext cx="478172" cy="385894"/>
+          </a:xfrm>
+          <a:prstGeom prst="rect">
+            <a:avLst/>
+          </a:prstGeom>
+          <a:solidFill>
+            <a:schemeClr val="accent6">
+              <a:lumMod val="40000"/>
+              <a:lumOff val="60000"/>
+            </a:schemeClr>
+          </a:solidFill>
+        </p:spPr>
+        <p:style>
+          <a:lnRef idx="2">
+            <a:schemeClr val="accent1">
+              <a:shade val="15000"/>
+            </a:schemeClr>
+          </a:lnRef>
+          <a:fillRef idx="1">
+            <a:schemeClr val="accent1"/>
+          </a:fillRef>
+          <a:effectRef idx="0">
+            <a:schemeClr val="accent1"/>
+          </a:effectRef>
+          <a:fontRef idx="minor">
+            <a:schemeClr val="lt1"/>
+          </a:fontRef>
+        </p:style>
+        <p:txBody>
+          <a:bodyPr rtlCol="0" anchor="ctr"/>
+          <a:lstStyle/>
+          <a:p>
+            <a:pPr algn="ctr"/>
+            <a:r>
+              <a:rPr lang="en-US" dirty="0"/>
+              <a:t>W</a:t>
+            </a:r>
+          </a:p>
+        </p:txBody>
+      </p:sp>
+      <p:cxnSp>
+        <p:nvCxnSpPr>
+          <p:cNvPr id="14" name="Straight Arrow Connector 13">
+            <a:extLst>
+              <a:ext uri="{FF2B5EF4-FFF2-40B4-BE49-F238E27FC236}">
+                <a16:creationId xmlns:a16="http://schemas.microsoft.com/office/drawing/2014/main" id="{C2D00B67-CC88-3555-9B48-7836D15173AE}"/>
+              </a:ext>
+            </a:extLst>
+          </p:cNvPr>
+          <p:cNvCxnSpPr>
+            <a:stCxn id="8" idx="2"/>
+            <a:endCxn id="9" idx="0"/>
+          </p:cNvCxnSpPr>
+          <p:nvPr/>
+        </p:nvCxnSpPr>
+        <p:spPr>
+          <a:xfrm flipH="1">
+            <a:off x="4331862" y="2142552"/>
+            <a:ext cx="900073" cy="355159"/>
+          </a:xfrm>
+          <a:prstGeom prst="straightConnector1">
+            <a:avLst/>
+          </a:prstGeom>
+          <a:ln>
+            <a:tailEnd type="triangle"/>
+          </a:ln>
+        </p:spPr>
+        <p:style>
+          <a:lnRef idx="1">
+            <a:schemeClr val="dk1"/>
+          </a:lnRef>
+          <a:fillRef idx="0">
+            <a:schemeClr val="dk1"/>
+          </a:fillRef>
+          <a:effectRef idx="0">
+            <a:schemeClr val="dk1"/>
+          </a:effectRef>
+          <a:fontRef idx="minor">
+            <a:schemeClr val="tx1"/>
+          </a:fontRef>
+        </p:style>
+      </p:cxnSp>
+      <p:cxnSp>
+        <p:nvCxnSpPr>
+          <p:cNvPr id="16" name="Straight Arrow Connector 15">
+            <a:extLst>
+              <a:ext uri="{FF2B5EF4-FFF2-40B4-BE49-F238E27FC236}">
+                <a16:creationId xmlns:a16="http://schemas.microsoft.com/office/drawing/2014/main" id="{05F2DED3-F4A4-6F95-EA56-2F21F631962E}"/>
+              </a:ext>
+            </a:extLst>
+          </p:cNvPr>
+          <p:cNvCxnSpPr>
+            <a:stCxn id="8" idx="2"/>
+            <a:endCxn id="10" idx="0"/>
+          </p:cNvCxnSpPr>
+          <p:nvPr/>
+        </p:nvCxnSpPr>
+        <p:spPr>
+          <a:xfrm>
+            <a:off x="5231935" y="2142552"/>
+            <a:ext cx="883611" cy="355159"/>
+          </a:xfrm>
+          <a:prstGeom prst="straightConnector1">
+            <a:avLst/>
+          </a:prstGeom>
+          <a:ln>
+            <a:tailEnd type="triangle"/>
+          </a:ln>
+        </p:spPr>
+        <p:style>
+          <a:lnRef idx="1">
+            <a:schemeClr val="accent1"/>
+          </a:lnRef>
+          <a:fillRef idx="0">
+            <a:schemeClr val="accent1"/>
+          </a:fillRef>
+          <a:effectRef idx="0">
+            <a:schemeClr val="accent1"/>
+          </a:effectRef>
+          <a:fontRef idx="minor">
+            <a:schemeClr val="tx1"/>
+          </a:fontRef>
+        </p:style>
+      </p:cxnSp>
+      <p:cxnSp>
+        <p:nvCxnSpPr>
+          <p:cNvPr id="18" name="Straight Arrow Connector 17">
+            <a:extLst>
+              <a:ext uri="{FF2B5EF4-FFF2-40B4-BE49-F238E27FC236}">
+                <a16:creationId xmlns:a16="http://schemas.microsoft.com/office/drawing/2014/main" id="{031EFEF5-13AF-46E5-98F2-D016FA755E39}"/>
+              </a:ext>
+            </a:extLst>
+          </p:cNvPr>
+          <p:cNvCxnSpPr>
+            <a:stCxn id="10" idx="2"/>
+            <a:endCxn id="11" idx="0"/>
+          </p:cNvCxnSpPr>
+          <p:nvPr/>
+        </p:nvCxnSpPr>
+        <p:spPr>
+          <a:xfrm flipH="1">
+            <a:off x="5754920" y="2883605"/>
+            <a:ext cx="360626" cy="528506"/>
+          </a:xfrm>
+          <a:prstGeom prst="straightConnector1">
+            <a:avLst/>
+          </a:prstGeom>
+          <a:ln>
+            <a:tailEnd type="triangle"/>
+          </a:ln>
+        </p:spPr>
+        <p:style>
+          <a:lnRef idx="1">
+            <a:schemeClr val="accent1"/>
+          </a:lnRef>
+          <a:fillRef idx="0">
+            <a:schemeClr val="accent1"/>
+          </a:fillRef>
+          <a:effectRef idx="0">
+            <a:schemeClr val="accent1"/>
+          </a:effectRef>
+          <a:fontRef idx="minor">
+            <a:schemeClr val="tx1"/>
+          </a:fontRef>
+        </p:style>
+      </p:cxnSp>
+      <p:cxnSp>
+        <p:nvCxnSpPr>
+          <p:cNvPr id="20" name="Straight Arrow Connector 19">
+            <a:extLst>
+              <a:ext uri="{FF2B5EF4-FFF2-40B4-BE49-F238E27FC236}">
+                <a16:creationId xmlns:a16="http://schemas.microsoft.com/office/drawing/2014/main" id="{7E7FDF6B-F7CB-8E46-B4CD-466C3A15D72C}"/>
+              </a:ext>
+            </a:extLst>
+          </p:cNvPr>
+          <p:cNvCxnSpPr>
+            <a:cxnSpLocks/>
+            <a:stCxn id="10" idx="2"/>
+            <a:endCxn id="12" idx="0"/>
+          </p:cNvCxnSpPr>
+          <p:nvPr/>
+        </p:nvCxnSpPr>
+        <p:spPr>
+          <a:xfrm>
+            <a:off x="6115546" y="2883605"/>
+            <a:ext cx="478172" cy="528506"/>
+          </a:xfrm>
+          <a:prstGeom prst="straightConnector1">
+            <a:avLst/>
+          </a:prstGeom>
+          <a:ln>
+            <a:tailEnd type="triangle"/>
+          </a:ln>
+        </p:spPr>
+        <p:style>
+          <a:lnRef idx="1">
+            <a:schemeClr val="accent1"/>
+          </a:lnRef>
+          <a:fillRef idx="0">
+            <a:schemeClr val="accent1"/>
+          </a:fillRef>
+          <a:effectRef idx="0">
+            <a:schemeClr val="accent1"/>
+          </a:effectRef>
+          <a:fontRef idx="minor">
+            <a:schemeClr val="tx1"/>
+          </a:fontRef>
+        </p:style>
+      </p:cxnSp>
+      <p:sp>
+        <p:nvSpPr>
+          <p:cNvPr id="21" name="TextBox 20">
+            <a:extLst>
+              <a:ext uri="{FF2B5EF4-FFF2-40B4-BE49-F238E27FC236}">
+                <a16:creationId xmlns:a16="http://schemas.microsoft.com/office/drawing/2014/main" id="{3BAE48EC-FA14-363C-B4CC-7808B0F93774}"/>
+              </a:ext>
+            </a:extLst>
+          </p:cNvPr>
+          <p:cNvSpPr txBox="1"/>
+          <p:nvPr/>
+        </p:nvSpPr>
+        <p:spPr>
+          <a:xfrm>
+            <a:off x="4417123" y="2001362"/>
+            <a:ext cx="301686" cy="369332"/>
+          </a:xfrm>
+          <a:prstGeom prst="rect">
+            <a:avLst/>
+          </a:prstGeom>
+          <a:noFill/>
+        </p:spPr>
+        <p:txBody>
+          <a:bodyPr wrap="square" rtlCol="0">
+            <a:spAutoFit/>
+          </a:bodyPr>
+          <a:lstStyle/>
+          <a:p>
+            <a:r>
+              <a:rPr lang="en-US" b="1" dirty="0">
+                <a:solidFill>
+                  <a:srgbClr val="FF0000"/>
+                </a:solidFill>
+              </a:rPr>
+              <a:t>0</a:t>
+            </a:r>
+          </a:p>
+        </p:txBody>
+      </p:sp>
+      <p:sp>
+        <p:nvSpPr>
+          <p:cNvPr id="22" name="TextBox 21">
+            <a:extLst>
+              <a:ext uri="{FF2B5EF4-FFF2-40B4-BE49-F238E27FC236}">
+                <a16:creationId xmlns:a16="http://schemas.microsoft.com/office/drawing/2014/main" id="{776788C9-2917-715F-DC81-209CFCC9CDDE}"/>
+              </a:ext>
+            </a:extLst>
+          </p:cNvPr>
+          <p:cNvSpPr txBox="1"/>
+          <p:nvPr/>
+        </p:nvSpPr>
+        <p:spPr>
+          <a:xfrm>
+            <a:off x="6396284" y="2883605"/>
+            <a:ext cx="301686" cy="369332"/>
+          </a:xfrm>
+          <a:prstGeom prst="rect">
+            <a:avLst/>
+          </a:prstGeom>
+          <a:noFill/>
+        </p:spPr>
+        <p:txBody>
+          <a:bodyPr wrap="square" rtlCol="0">
+            <a:spAutoFit/>
+          </a:bodyPr>
+          <a:lstStyle/>
+          <a:p>
+            <a:r>
+              <a:rPr lang="en-US" b="1" dirty="0">
+                <a:solidFill>
+                  <a:srgbClr val="FF0000"/>
+                </a:solidFill>
+              </a:rPr>
+              <a:t>1</a:t>
+            </a:r>
+          </a:p>
+        </p:txBody>
+      </p:sp>
+      <p:sp>
+        <p:nvSpPr>
+          <p:cNvPr id="23" name="TextBox 22">
+            <a:extLst>
+              <a:ext uri="{FF2B5EF4-FFF2-40B4-BE49-F238E27FC236}">
+                <a16:creationId xmlns:a16="http://schemas.microsoft.com/office/drawing/2014/main" id="{3A86216E-A05A-B762-B0CC-B37CD1D38ED8}"/>
+              </a:ext>
+            </a:extLst>
+          </p:cNvPr>
+          <p:cNvSpPr txBox="1"/>
+          <p:nvPr/>
+        </p:nvSpPr>
+        <p:spPr>
+          <a:xfrm>
+            <a:off x="5588652" y="2927513"/>
+            <a:ext cx="301686" cy="369332"/>
+          </a:xfrm>
+          <a:prstGeom prst="rect">
+            <a:avLst/>
+          </a:prstGeom>
+          <a:noFill/>
+        </p:spPr>
+        <p:txBody>
+          <a:bodyPr wrap="square" rtlCol="0">
+            <a:spAutoFit/>
+          </a:bodyPr>
+          <a:lstStyle/>
+          <a:p>
+            <a:r>
+              <a:rPr lang="en-US" b="1" dirty="0">
+                <a:solidFill>
+                  <a:srgbClr val="FF0000"/>
+                </a:solidFill>
+              </a:rPr>
+              <a:t>0</a:t>
+            </a:r>
+          </a:p>
+        </p:txBody>
+      </p:sp>
+      <p:sp>
+        <p:nvSpPr>
+          <p:cNvPr id="24" name="TextBox 23">
+            <a:extLst>
+              <a:ext uri="{FF2B5EF4-FFF2-40B4-BE49-F238E27FC236}">
+                <a16:creationId xmlns:a16="http://schemas.microsoft.com/office/drawing/2014/main" id="{D7330894-97E4-7260-73E4-C498350D0EE3}"/>
+              </a:ext>
+            </a:extLst>
+          </p:cNvPr>
+          <p:cNvSpPr txBox="1"/>
+          <p:nvPr/>
+        </p:nvSpPr>
+        <p:spPr>
+          <a:xfrm>
+            <a:off x="5725617" y="2029675"/>
+            <a:ext cx="301686" cy="369332"/>
+          </a:xfrm>
+          <a:prstGeom prst="rect">
+            <a:avLst/>
+          </a:prstGeom>
+          <a:noFill/>
+        </p:spPr>
+        <p:txBody>
+          <a:bodyPr wrap="square" rtlCol="0">
+            <a:spAutoFit/>
+          </a:bodyPr>
+          <a:lstStyle/>
+          <a:p>
+            <a:r>
+              <a:rPr lang="en-US" b="1" dirty="0">
+                <a:solidFill>
+                  <a:srgbClr val="FF0000"/>
+                </a:solidFill>
+              </a:rPr>
+              <a:t>1</a:t>
+            </a:r>
+          </a:p>
+        </p:txBody>
+      </p:sp>
+      <p:sp>
+        <p:nvSpPr>
+          <p:cNvPr id="25" name="TextBox 24">
+            <a:extLst>
+              <a:ext uri="{FF2B5EF4-FFF2-40B4-BE49-F238E27FC236}">
+                <a16:creationId xmlns:a16="http://schemas.microsoft.com/office/drawing/2014/main" id="{4EF122CC-3D77-D0DE-AA0E-7F682D15FCCD}"/>
+              </a:ext>
+            </a:extLst>
+          </p:cNvPr>
+          <p:cNvSpPr txBox="1"/>
+          <p:nvPr/>
+        </p:nvSpPr>
+        <p:spPr>
+          <a:xfrm>
+            <a:off x="1264042" y="735515"/>
+            <a:ext cx="2631896" cy="923330"/>
+          </a:xfrm>
+          <a:prstGeom prst="rect">
+            <a:avLst/>
+          </a:prstGeom>
+          <a:noFill/>
+        </p:spPr>
+        <p:txBody>
+          <a:bodyPr wrap="square">
+            <a:spAutoFit/>
+          </a:bodyPr>
+          <a:lstStyle/>
+          <a:p>
+            <a:r>
+              <a:rPr lang="en-GB" dirty="0"/>
+              <a:t>1. Sort the weather in order of decreasing frequency.</a:t>
+            </a:r>
+            <a:endParaRPr lang="en-US" dirty="0"/>
+          </a:p>
+        </p:txBody>
+      </p:sp>
+      <p:sp>
+        <p:nvSpPr>
+          <p:cNvPr id="26" name="TextBox 25">
+            <a:extLst>
+              <a:ext uri="{FF2B5EF4-FFF2-40B4-BE49-F238E27FC236}">
+                <a16:creationId xmlns:a16="http://schemas.microsoft.com/office/drawing/2014/main" id="{43900D36-3196-B4C7-282C-B916A9EC1358}"/>
+              </a:ext>
+            </a:extLst>
+          </p:cNvPr>
+          <p:cNvSpPr txBox="1"/>
+          <p:nvPr/>
+        </p:nvSpPr>
+        <p:spPr>
+          <a:xfrm>
+            <a:off x="1283442" y="4089662"/>
+            <a:ext cx="2631896" cy="646331"/>
+          </a:xfrm>
+          <a:prstGeom prst="rect">
+            <a:avLst/>
+          </a:prstGeom>
+          <a:noFill/>
+        </p:spPr>
+        <p:txBody>
+          <a:bodyPr wrap="square">
+            <a:spAutoFit/>
+          </a:bodyPr>
+          <a:lstStyle/>
+          <a:p>
+            <a:r>
+              <a:rPr lang="en-GB" dirty="0"/>
+              <a:t>3. Traverse from root to each weather </a:t>
+            </a:r>
+            <a:endParaRPr lang="en-US" dirty="0"/>
+          </a:p>
+        </p:txBody>
+      </p:sp>
+      <p:sp>
+        <p:nvSpPr>
+          <p:cNvPr id="27" name="Rectangle 26">
+            <a:extLst>
+              <a:ext uri="{FF2B5EF4-FFF2-40B4-BE49-F238E27FC236}">
+                <a16:creationId xmlns:a16="http://schemas.microsoft.com/office/drawing/2014/main" id="{DD9853B7-5F8D-FE22-D10C-0B0FA1BB4030}"/>
+              </a:ext>
+            </a:extLst>
+          </p:cNvPr>
+          <p:cNvSpPr/>
+          <p:nvPr/>
+        </p:nvSpPr>
+        <p:spPr>
+          <a:xfrm>
+            <a:off x="4310371" y="4288390"/>
+            <a:ext cx="692090" cy="385894"/>
+          </a:xfrm>
+          <a:prstGeom prst="rect">
+            <a:avLst/>
+          </a:prstGeom>
+        </p:spPr>
+        <p:style>
+          <a:lnRef idx="2">
+            <a:schemeClr val="accent1">
+              <a:shade val="15000"/>
+            </a:schemeClr>
+          </a:lnRef>
+          <a:fillRef idx="1">
+            <a:schemeClr val="accent1"/>
+          </a:fillRef>
+          <a:effectRef idx="0">
+            <a:schemeClr val="accent1"/>
+          </a:effectRef>
+          <a:fontRef idx="minor">
+            <a:schemeClr val="lt1"/>
+          </a:fontRef>
+        </p:style>
+        <p:txBody>
+          <a:bodyPr rtlCol="0" anchor="ctr"/>
+          <a:lstStyle/>
+          <a:p>
+            <a:pPr algn="ctr"/>
+            <a:r>
+              <a:rPr lang="en-US" dirty="0"/>
+              <a:t>S (</a:t>
+            </a:r>
+            <a:r>
+              <a:rPr lang="en-US" dirty="0">
+                <a:solidFill>
+                  <a:srgbClr val="FF0000"/>
+                </a:solidFill>
+              </a:rPr>
+              <a:t>0</a:t>
+            </a:r>
+            <a:r>
+              <a:rPr lang="en-US" dirty="0"/>
+              <a:t>)</a:t>
+            </a:r>
+          </a:p>
+        </p:txBody>
+      </p:sp>
+      <p:sp>
+        <p:nvSpPr>
+          <p:cNvPr id="28" name="Rectangle 27">
+            <a:extLst>
+              <a:ext uri="{FF2B5EF4-FFF2-40B4-BE49-F238E27FC236}">
+                <a16:creationId xmlns:a16="http://schemas.microsoft.com/office/drawing/2014/main" id="{BEE6EB8A-8ACE-3BD0-65F6-BE063EEC0FC8}"/>
+              </a:ext>
+            </a:extLst>
+          </p:cNvPr>
+          <p:cNvSpPr/>
+          <p:nvPr/>
+        </p:nvSpPr>
+        <p:spPr>
+          <a:xfrm>
+            <a:off x="5738161" y="4288390"/>
+            <a:ext cx="757540" cy="385894"/>
+          </a:xfrm>
+          <a:prstGeom prst="rect">
+            <a:avLst/>
+          </a:prstGeom>
+          <a:solidFill>
+            <a:schemeClr val="accent4"/>
+          </a:solidFill>
+        </p:spPr>
+        <p:style>
+          <a:lnRef idx="2">
+            <a:schemeClr val="accent1">
+              <a:shade val="15000"/>
+            </a:schemeClr>
+          </a:lnRef>
+          <a:fillRef idx="1">
+            <a:schemeClr val="accent1"/>
+          </a:fillRef>
+          <a:effectRef idx="0">
+            <a:schemeClr val="accent1"/>
+          </a:effectRef>
+          <a:fontRef idx="minor">
+            <a:schemeClr val="lt1"/>
+          </a:fontRef>
+        </p:style>
+        <p:txBody>
+          <a:bodyPr rtlCol="0" anchor="ctr"/>
+          <a:lstStyle/>
+          <a:p>
+            <a:pPr algn="ctr"/>
+            <a:r>
+              <a:rPr lang="en-US" dirty="0"/>
+              <a:t>C (10)</a:t>
+            </a:r>
+          </a:p>
+        </p:txBody>
+      </p:sp>
+      <p:sp>
+        <p:nvSpPr>
+          <p:cNvPr id="29" name="Rectangle 28">
+            <a:extLst>
+              <a:ext uri="{FF2B5EF4-FFF2-40B4-BE49-F238E27FC236}">
+                <a16:creationId xmlns:a16="http://schemas.microsoft.com/office/drawing/2014/main" id="{C74942E8-7133-1B6B-F917-E5F22C534D0D}"/>
+              </a:ext>
+            </a:extLst>
+          </p:cNvPr>
+          <p:cNvSpPr/>
+          <p:nvPr/>
+        </p:nvSpPr>
+        <p:spPr>
+          <a:xfrm>
+            <a:off x="7177004" y="4288390"/>
+            <a:ext cx="918796" cy="385894"/>
+          </a:xfrm>
+          <a:prstGeom prst="rect">
+            <a:avLst/>
+          </a:prstGeom>
+          <a:solidFill>
+            <a:schemeClr val="accent6">
+              <a:lumMod val="40000"/>
+              <a:lumOff val="60000"/>
+            </a:schemeClr>
+          </a:solidFill>
+        </p:spPr>
+        <p:style>
+          <a:lnRef idx="2">
+            <a:schemeClr val="accent1">
+              <a:shade val="15000"/>
+            </a:schemeClr>
+          </a:lnRef>
+          <a:fillRef idx="1">
+            <a:schemeClr val="accent1"/>
+          </a:fillRef>
+          <a:effectRef idx="0">
+            <a:schemeClr val="accent1"/>
+          </a:effectRef>
+          <a:fontRef idx="minor">
+            <a:schemeClr val="lt1"/>
+          </a:fontRef>
+        </p:style>
+        <p:txBody>
+          <a:bodyPr rtlCol="0" anchor="ctr"/>
+          <a:lstStyle/>
+          <a:p>
+            <a:pPr algn="ctr"/>
+            <a:r>
+              <a:rPr lang="en-US" dirty="0"/>
+              <a:t>W (11)</a:t>
+            </a:r>
+          </a:p>
+        </p:txBody>
+      </p:sp>
+      <p:sp>
+        <p:nvSpPr>
+          <p:cNvPr id="32" name="TextBox 31">
+            <a:extLst>
+              <a:ext uri="{FF2B5EF4-FFF2-40B4-BE49-F238E27FC236}">
+                <a16:creationId xmlns:a16="http://schemas.microsoft.com/office/drawing/2014/main" id="{57F1B27A-0DBF-C994-4D32-B5717DD816B6}"/>
+              </a:ext>
+            </a:extLst>
+          </p:cNvPr>
+          <p:cNvSpPr txBox="1"/>
+          <p:nvPr/>
+        </p:nvSpPr>
+        <p:spPr>
+          <a:xfrm>
+            <a:off x="1237636" y="5273633"/>
+            <a:ext cx="9034567" cy="646331"/>
+          </a:xfrm>
+          <a:prstGeom prst="rect">
+            <a:avLst/>
+          </a:prstGeom>
+          <a:noFill/>
+        </p:spPr>
+        <p:txBody>
+          <a:bodyPr wrap="square">
+            <a:spAutoFit/>
+          </a:bodyPr>
+          <a:lstStyle/>
+          <a:p>
+            <a:pPr marL="0" marR="0" lvl="0" indent="0" algn="ctr" defTabSz="914400" rtl="0" eaLnBrk="1" fontAlgn="auto" latinLnBrk="0" hangingPunct="1">
+              <a:lnSpc>
+                <a:spcPct val="100000"/>
+              </a:lnSpc>
+              <a:spcBef>
+                <a:spcPts val="0"/>
+              </a:spcBef>
+              <a:spcAft>
+                <a:spcPts val="0"/>
+              </a:spcAft>
+              <a:buClrTx/>
+              <a:buSzTx/>
+              <a:buFontTx/>
+              <a:buNone/>
+              <a:tabLst/>
+              <a:defRPr/>
+            </a:pPr>
+            <a:r>
+              <a:rPr lang="en-US" dirty="0"/>
+              <a:t>4</a:t>
+            </a:r>
+            <a:r>
+              <a:rPr lang="en-US" b="1" dirty="0"/>
+              <a:t>: </a:t>
+            </a:r>
+            <a:r>
+              <a:rPr lang="en-US" dirty="0"/>
+              <a:t>Bits Needed 100 Days = </a:t>
+            </a:r>
+            <a:r>
+              <a:rPr lang="en-US" b="1" dirty="0">
+                <a:solidFill>
+                  <a:schemeClr val="accent1"/>
+                </a:solidFill>
+              </a:rPr>
+              <a:t>50</a:t>
+            </a:r>
+            <a:r>
+              <a:rPr lang="en-US" dirty="0"/>
+              <a:t>*1+</a:t>
+            </a:r>
+            <a:r>
+              <a:rPr lang="en-US" b="1" dirty="0">
+                <a:solidFill>
+                  <a:schemeClr val="accent2"/>
+                </a:solidFill>
+              </a:rPr>
+              <a:t>25</a:t>
+            </a:r>
+            <a:r>
+              <a:rPr lang="en-US" dirty="0"/>
+              <a:t>*2+</a:t>
+            </a:r>
+            <a:r>
+              <a:rPr lang="en-US" b="1" dirty="0">
+                <a:solidFill>
+                  <a:schemeClr val="accent6"/>
+                </a:solidFill>
+              </a:rPr>
+              <a:t>25</a:t>
+            </a:r>
+            <a:r>
+              <a:rPr lang="en-US" dirty="0"/>
+              <a:t>*2 =100 (average bit 100 bits/100 day =</a:t>
+            </a:r>
+            <a:r>
+              <a:rPr lang="en-US" dirty="0">
+                <a:solidFill>
+                  <a:srgbClr val="FF0000"/>
+                </a:solidFill>
+              </a:rPr>
+              <a:t>1 bit per day</a:t>
+            </a:r>
+          </a:p>
+          <a:p>
+            <a:pPr marL="0" marR="0" lvl="0" indent="0" algn="ctr" defTabSz="914400" rtl="0" eaLnBrk="1" fontAlgn="auto" latinLnBrk="0" hangingPunct="1">
+              <a:lnSpc>
+                <a:spcPct val="100000"/>
+              </a:lnSpc>
+              <a:spcBef>
+                <a:spcPts val="0"/>
+              </a:spcBef>
+              <a:spcAft>
+                <a:spcPts val="0"/>
+              </a:spcAft>
+              <a:buClrTx/>
+              <a:buSzTx/>
+              <a:buFontTx/>
+              <a:buNone/>
+              <a:tabLst/>
+              <a:defRPr/>
+            </a:pPr>
+            <a:endParaRPr lang="en-US" dirty="0"/>
+          </a:p>
+        </p:txBody>
+      </p:sp>
+      <p:sp>
+        <p:nvSpPr>
+          <p:cNvPr id="35" name="TextBox 34">
+            <a:extLst>
+              <a:ext uri="{FF2B5EF4-FFF2-40B4-BE49-F238E27FC236}">
+                <a16:creationId xmlns:a16="http://schemas.microsoft.com/office/drawing/2014/main" id="{ACC4C347-41FA-EB5F-CC9A-AC24EA1AB651}"/>
+              </a:ext>
+            </a:extLst>
+          </p:cNvPr>
+          <p:cNvSpPr txBox="1"/>
+          <p:nvPr/>
+        </p:nvSpPr>
+        <p:spPr>
+          <a:xfrm>
+            <a:off x="983815" y="5894843"/>
+            <a:ext cx="10632431" cy="369332"/>
+          </a:xfrm>
+          <a:prstGeom prst="rect">
+            <a:avLst/>
+          </a:prstGeom>
+          <a:noFill/>
+        </p:spPr>
+        <p:txBody>
+          <a:bodyPr wrap="square">
+            <a:spAutoFit/>
+          </a:bodyPr>
+          <a:lstStyle/>
+          <a:p>
+            <a:pPr lvl="0" algn="ctr">
+              <a:defRPr/>
+            </a:pPr>
+            <a:r>
+              <a:rPr lang="en-US" b="1" dirty="0"/>
+              <a:t>Entropy: Average </a:t>
+            </a:r>
+            <a:r>
+              <a:rPr lang="en-US" dirty="0"/>
+              <a:t>Bits Needed 100 Days = </a:t>
+            </a:r>
+            <a:r>
+              <a:rPr lang="en-US" b="1" dirty="0">
+                <a:solidFill>
+                  <a:schemeClr val="accent1"/>
+                </a:solidFill>
+              </a:rPr>
+              <a:t>0.50</a:t>
+            </a:r>
+            <a:r>
+              <a:rPr lang="en-US" dirty="0"/>
+              <a:t>*(log 1/</a:t>
+            </a:r>
+            <a:r>
+              <a:rPr lang="en-US" b="1" dirty="0">
+                <a:solidFill>
+                  <a:schemeClr val="accent5"/>
+                </a:solidFill>
+              </a:rPr>
+              <a:t>0.5</a:t>
+            </a:r>
+            <a:r>
+              <a:rPr lang="en-US" dirty="0">
+                <a:solidFill>
+                  <a:srgbClr val="0000FF"/>
+                </a:solidFill>
+              </a:rPr>
+              <a:t>) </a:t>
+            </a:r>
+            <a:r>
+              <a:rPr lang="en-US" dirty="0"/>
+              <a:t>+</a:t>
+            </a:r>
+            <a:r>
+              <a:rPr lang="en-US" b="1" dirty="0">
+                <a:solidFill>
+                  <a:schemeClr val="accent2"/>
+                </a:solidFill>
+              </a:rPr>
+              <a:t>0.25</a:t>
+            </a:r>
+            <a:r>
+              <a:rPr lang="en-US" dirty="0"/>
+              <a:t>* (log 1/</a:t>
+            </a:r>
+            <a:r>
+              <a:rPr lang="en-US" b="1" dirty="0">
+                <a:solidFill>
+                  <a:schemeClr val="accent2"/>
+                </a:solidFill>
+              </a:rPr>
+              <a:t>0.25</a:t>
+            </a:r>
+            <a:r>
+              <a:rPr lang="en-US" dirty="0"/>
+              <a:t>)+</a:t>
+            </a:r>
+            <a:r>
+              <a:rPr lang="en-US" b="1" dirty="0">
+                <a:solidFill>
+                  <a:schemeClr val="accent6"/>
+                </a:solidFill>
+              </a:rPr>
+              <a:t>0.25</a:t>
+            </a:r>
+            <a:r>
+              <a:rPr lang="en-US" dirty="0"/>
+              <a:t>*(log 1/</a:t>
+            </a:r>
+            <a:r>
+              <a:rPr lang="en-US" b="1" dirty="0">
+                <a:solidFill>
+                  <a:schemeClr val="accent6"/>
+                </a:solidFill>
+              </a:rPr>
+              <a:t>0.25</a:t>
+            </a:r>
+            <a:r>
+              <a:rPr lang="en-US" dirty="0"/>
+              <a:t>) =</a:t>
+            </a:r>
+            <a:r>
+              <a:rPr lang="en-US" dirty="0">
+                <a:solidFill>
+                  <a:srgbClr val="FF0000"/>
+                </a:solidFill>
+              </a:rPr>
+              <a:t> 1 bit per day</a:t>
+            </a:r>
+            <a:endParaRPr lang="en-US" dirty="0"/>
+          </a:p>
+        </p:txBody>
+      </p:sp>
+    </p:spTree>
+    <p:extLst>
+      <p:ext uri="{BB962C8B-B14F-4D97-AF65-F5344CB8AC3E}">
+        <p14:creationId xmlns:p14="http://schemas.microsoft.com/office/powerpoint/2010/main" val="3779709545"/>
+      </p:ext>
+    </p:extLst>
+  </p:cSld>
+  <p:clrMapOvr>
+    <a:masterClrMapping/>
+  </p:clrMapOvr>
+</p:sld>
+</file>
+
+<file path=ppt/slides/slide13.xml><?xml version="1.0" encoding="utf-8"?>
+<p:sld xmlns:a="http://schemas.openxmlformats.org/drawingml/2006/main" xmlns:r="http://schemas.openxmlformats.org/officeDocument/2006/relationships" xmlns:p="http://schemas.openxmlformats.org/presentationml/2006/main">
+  <p:cSld>
+    <p:spTree>
+      <p:nvGrpSpPr>
+        <p:cNvPr id="1" name="">
+          <a:extLst>
+            <a:ext uri="{FF2B5EF4-FFF2-40B4-BE49-F238E27FC236}">
+              <a16:creationId xmlns:a16="http://schemas.microsoft.com/office/drawing/2014/main" id="{874C9D5B-DB4D-0643-1467-4C312E58C095}"/>
+            </a:ext>
+          </a:extLst>
+        </p:cNvPr>
+        <p:cNvGrpSpPr/>
+        <p:nvPr/>
+      </p:nvGrpSpPr>
+      <p:grpSpPr>
+        <a:xfrm>
+          <a:off x="0" y="0"/>
+          <a:ext cx="0" cy="0"/>
+          <a:chOff x="0" y="0"/>
+          <a:chExt cx="0" cy="0"/>
+        </a:xfrm>
+      </p:grpSpPr>
+      <p:sp>
+        <p:nvSpPr>
+          <p:cNvPr id="4" name="Title 3">
+            <a:extLst>
+              <a:ext uri="{FF2B5EF4-FFF2-40B4-BE49-F238E27FC236}">
+                <a16:creationId xmlns:a16="http://schemas.microsoft.com/office/drawing/2014/main" id="{B09E384C-5E82-114F-F713-B73A92B6F546}"/>
+              </a:ext>
+            </a:extLst>
+          </p:cNvPr>
+          <p:cNvSpPr>
+            <a:spLocks noGrp="1"/>
+          </p:cNvSpPr>
+          <p:nvPr>
+            <p:ph type="title"/>
+          </p:nvPr>
+        </p:nvSpPr>
+        <p:spPr/>
+        <p:txBody>
+          <a:bodyPr/>
+          <a:lstStyle/>
+          <a:p>
+            <a:r>
+              <a:rPr lang="en-US" dirty="0"/>
+              <a:t>Example 2: Entropy (In ML) for Measuring a model’s Confidence</a:t>
+            </a:r>
+          </a:p>
+        </p:txBody>
+      </p:sp>
+      <p:sp>
+        <p:nvSpPr>
+          <p:cNvPr id="5" name="Text Placeholder 4">
+            <a:extLst>
+              <a:ext uri="{FF2B5EF4-FFF2-40B4-BE49-F238E27FC236}">
+                <a16:creationId xmlns:a16="http://schemas.microsoft.com/office/drawing/2014/main" id="{631964EB-4086-3321-272A-BFC344DA889A}"/>
+              </a:ext>
+            </a:extLst>
+          </p:cNvPr>
+          <p:cNvSpPr>
+            <a:spLocks noGrp="1"/>
+          </p:cNvSpPr>
+          <p:nvPr>
+            <p:ph type="body" idx="1"/>
+          </p:nvPr>
+        </p:nvSpPr>
+        <p:spPr/>
+        <p:txBody>
+          <a:bodyPr/>
+          <a:lstStyle/>
+          <a:p>
+            <a:endParaRPr lang="en-US"/>
+          </a:p>
+        </p:txBody>
+      </p:sp>
+    </p:spTree>
+    <p:extLst>
+      <p:ext uri="{BB962C8B-B14F-4D97-AF65-F5344CB8AC3E}">
+        <p14:creationId xmlns:p14="http://schemas.microsoft.com/office/powerpoint/2010/main" val="263890869"/>
+      </p:ext>
+    </p:extLst>
+  </p:cSld>
+  <p:clrMapOvr>
+    <a:masterClrMapping/>
+  </p:clrMapOvr>
+</p:sld>
+</file>
+
+<file path=ppt/slides/slide14.xml><?xml version="1.0" encoding="utf-8"?>
+<p:sld xmlns:a="http://schemas.openxmlformats.org/drawingml/2006/main" xmlns:r="http://schemas.openxmlformats.org/officeDocument/2006/relationships" xmlns:p="http://schemas.openxmlformats.org/presentationml/2006/main">
+  <p:cSld>
+    <p:spTree>
+      <p:nvGrpSpPr>
+        <p:cNvPr id="1" name=""/>
+        <p:cNvGrpSpPr/>
+        <p:nvPr/>
+      </p:nvGrpSpPr>
+      <p:grpSpPr>
+        <a:xfrm>
+          <a:off x="0" y="0"/>
+          <a:ext cx="0" cy="0"/>
+          <a:chOff x="0" y="0"/>
+          <a:chExt cx="0" cy="0"/>
+        </a:xfrm>
+      </p:grpSpPr>
+      <p:sp>
+        <p:nvSpPr>
+          <p:cNvPr id="2" name="Title 1">
+            <a:extLst>
+              <a:ext uri="{FF2B5EF4-FFF2-40B4-BE49-F238E27FC236}">
+                <a16:creationId xmlns:a16="http://schemas.microsoft.com/office/drawing/2014/main" id="{618AD4ED-DC94-C0AF-6A84-DDFC5879D74A}"/>
+              </a:ext>
+            </a:extLst>
+          </p:cNvPr>
+          <p:cNvSpPr>
+            <a:spLocks noGrp="1"/>
+          </p:cNvSpPr>
+          <p:nvPr>
+            <p:ph type="title"/>
+          </p:nvPr>
+        </p:nvSpPr>
+        <p:spPr/>
+        <p:txBody>
+          <a:bodyPr/>
+          <a:lstStyle/>
+          <a:p>
+            <a:r>
+              <a:rPr lang="en-US" dirty="0"/>
+              <a:t>Measure a model’s confidence</a:t>
+            </a:r>
+            <a:br>
+              <a:rPr lang="en-US" dirty="0"/>
+            </a:br>
+            <a:r>
+              <a:rPr lang="en-US" dirty="0"/>
+              <a:t>using entropy </a:t>
+            </a:r>
+          </a:p>
+        </p:txBody>
+      </p:sp>
+      <p:sp>
+        <p:nvSpPr>
+          <p:cNvPr id="3" name="Content Placeholder 2">
+            <a:extLst>
+              <a:ext uri="{FF2B5EF4-FFF2-40B4-BE49-F238E27FC236}">
+                <a16:creationId xmlns:a16="http://schemas.microsoft.com/office/drawing/2014/main" id="{D29E05CE-0409-6D8A-C49E-C9BE2E2F0CF5}"/>
+              </a:ext>
+            </a:extLst>
+          </p:cNvPr>
+          <p:cNvSpPr>
+            <a:spLocks noGrp="1"/>
+          </p:cNvSpPr>
+          <p:nvPr>
+            <p:ph idx="1"/>
+          </p:nvPr>
+        </p:nvSpPr>
+        <p:spPr>
+          <a:xfrm>
+            <a:off x="838199" y="1825626"/>
+            <a:ext cx="5257801" cy="4474506"/>
+          </a:xfrm>
+        </p:spPr>
+        <p:txBody>
+          <a:bodyPr>
+            <a:normAutofit/>
+          </a:bodyPr>
+          <a:lstStyle/>
+          <a:p>
+            <a:r>
+              <a:rPr lang="pt-BR" dirty="0"/>
+              <a:t>Iris dataset with 3 classes [Setosa, Versicolor, Virginica]</a:t>
+            </a:r>
+          </a:p>
+          <a:p>
+            <a:r>
+              <a:rPr lang="pt-BR" dirty="0"/>
+              <a:t>The model is a random variable</a:t>
+            </a:r>
+          </a:p>
+          <a:p>
+            <a:pPr lvl="1"/>
+            <a:r>
+              <a:rPr lang="pt-BR" dirty="0"/>
+              <a:t>with or without training</a:t>
+            </a:r>
+          </a:p>
+          <a:p>
+            <a:r>
+              <a:rPr lang="pt-BR" dirty="0"/>
+              <a:t>Model prediction results:</a:t>
+            </a:r>
+          </a:p>
+          <a:p>
+            <a:pPr lvl="1"/>
+            <a:r>
+              <a:rPr lang="en-GB" dirty="0"/>
+              <a:t>Prediction case 1 : [0.33, 0.33, 0.33] → </a:t>
+            </a:r>
+            <a:r>
+              <a:rPr lang="en-GB" dirty="0">
+                <a:solidFill>
+                  <a:srgbClr val="FF0000"/>
+                </a:solidFill>
+              </a:rPr>
+              <a:t>High</a:t>
+            </a:r>
+            <a:r>
+              <a:rPr lang="en-GB" dirty="0"/>
+              <a:t> entropy → </a:t>
+            </a:r>
+            <a:r>
+              <a:rPr lang="en-GB" dirty="0">
+                <a:solidFill>
+                  <a:srgbClr val="FF0000"/>
+                </a:solidFill>
+              </a:rPr>
+              <a:t>High</a:t>
+            </a:r>
+            <a:r>
+              <a:rPr lang="en-GB" dirty="0"/>
+              <a:t> uncertainty → confidence is low</a:t>
+            </a:r>
+          </a:p>
+          <a:p>
+            <a:pPr lvl="1"/>
+            <a:r>
+              <a:rPr lang="en-GB" dirty="0"/>
+              <a:t>Prediction case 2: [0.8, 0.1, 0.1] → </a:t>
+            </a:r>
+            <a:r>
+              <a:rPr lang="en-GB" dirty="0">
+                <a:solidFill>
+                  <a:schemeClr val="accent5"/>
+                </a:solidFill>
+              </a:rPr>
+              <a:t>Low</a:t>
+            </a:r>
+            <a:r>
+              <a:rPr lang="en-GB" dirty="0"/>
+              <a:t> entropy → </a:t>
+            </a:r>
+            <a:r>
+              <a:rPr lang="en-GB" dirty="0">
+                <a:solidFill>
+                  <a:schemeClr val="accent5"/>
+                </a:solidFill>
+              </a:rPr>
+              <a:t>Low</a:t>
+            </a:r>
+            <a:r>
+              <a:rPr lang="en-GB" dirty="0"/>
+              <a:t> uncertainty → </a:t>
+            </a:r>
+            <a:r>
+              <a:rPr lang="en-US" dirty="0"/>
+              <a:t>confidence</a:t>
+            </a:r>
+            <a:r>
+              <a:rPr lang="en-GB" dirty="0"/>
+              <a:t> is higher</a:t>
+            </a:r>
+          </a:p>
+          <a:p>
+            <a:pPr lvl="1"/>
+            <a:endParaRPr lang="en-GB" dirty="0"/>
+          </a:p>
+          <a:p>
+            <a:pPr marL="0" indent="0">
+              <a:buNone/>
+            </a:pPr>
+            <a:endParaRPr lang="en-US" dirty="0"/>
+          </a:p>
+        </p:txBody>
+      </p:sp>
+      <p:pic>
+        <p:nvPicPr>
+          <p:cNvPr id="4" name="Picture 3">
+            <a:extLst>
+              <a:ext uri="{FF2B5EF4-FFF2-40B4-BE49-F238E27FC236}">
+                <a16:creationId xmlns:a16="http://schemas.microsoft.com/office/drawing/2014/main" id="{A5A18B8E-196F-4DB7-406C-5BD0CAADA528}"/>
+              </a:ext>
+            </a:extLst>
+          </p:cNvPr>
+          <p:cNvPicPr>
+            <a:picLocks noChangeAspect="1"/>
+          </p:cNvPicPr>
+          <p:nvPr/>
+        </p:nvPicPr>
+        <p:blipFill>
+          <a:blip r:embed="rId3"/>
+          <a:stretch>
+            <a:fillRect/>
+          </a:stretch>
+        </p:blipFill>
+        <p:spPr>
+          <a:xfrm>
+            <a:off x="6617561" y="4053924"/>
+            <a:ext cx="4523673" cy="1818412"/>
+          </a:xfrm>
+          <a:prstGeom prst="rect">
+            <a:avLst/>
+          </a:prstGeom>
+        </p:spPr>
+      </p:pic>
+      <p:pic>
+        <p:nvPicPr>
+          <p:cNvPr id="4098" name="Picture 2">
+            <a:extLst>
+              <a:ext uri="{FF2B5EF4-FFF2-40B4-BE49-F238E27FC236}">
+                <a16:creationId xmlns:a16="http://schemas.microsoft.com/office/drawing/2014/main" id="{5EB3E601-AABF-BAEA-EC0E-758A2EBC16B1}"/>
+              </a:ext>
+            </a:extLst>
+          </p:cNvPr>
+          <p:cNvPicPr>
+            <a:picLocks noChangeAspect="1" noChangeArrowheads="1"/>
+          </p:cNvPicPr>
+          <p:nvPr/>
+        </p:nvPicPr>
+        <p:blipFill>
+          <a:blip r:embed="rId4">
+            <a:extLst>
+              <a:ext uri="{28A0092B-C50C-407E-A947-70E740481C1C}">
+                <a14:useLocalDpi xmlns:a14="http://schemas.microsoft.com/office/drawing/2010/main" val="0"/>
+              </a:ext>
+            </a:extLst>
+          </a:blip>
+          <a:srcRect/>
+          <a:stretch>
+            <a:fillRect/>
+          </a:stretch>
+        </p:blipFill>
+        <p:spPr bwMode="auto">
+          <a:xfrm>
+            <a:off x="7318120" y="1321786"/>
+            <a:ext cx="3250480" cy="2379597"/>
+          </a:xfrm>
+          <a:prstGeom prst="rect">
+            <a:avLst/>
+          </a:prstGeom>
+          <a:noFill/>
+          <a:extLst>
+            <a:ext uri="{909E8E84-426E-40DD-AFC4-6F175D3DCCD1}">
+              <a14:hiddenFill xmlns:a14="http://schemas.microsoft.com/office/drawing/2010/main">
+                <a:solidFill>
+                  <a:srgbClr val="FFFFFF"/>
+                </a:solidFill>
+              </a14:hiddenFill>
+            </a:ext>
+          </a:extLst>
+        </p:spPr>
+      </p:pic>
+      <p:cxnSp>
+        <p:nvCxnSpPr>
+          <p:cNvPr id="8" name="Straight Arrow Connector 7">
+            <a:extLst>
+              <a:ext uri="{FF2B5EF4-FFF2-40B4-BE49-F238E27FC236}">
+                <a16:creationId xmlns:a16="http://schemas.microsoft.com/office/drawing/2014/main" id="{71B1AAE0-F1CE-5A76-72E2-C8C7B74CFEB3}"/>
+              </a:ext>
+            </a:extLst>
+          </p:cNvPr>
+          <p:cNvCxnSpPr/>
+          <p:nvPr/>
+        </p:nvCxnSpPr>
+        <p:spPr>
+          <a:xfrm flipH="1">
+            <a:off x="7477178" y="3623006"/>
+            <a:ext cx="792480" cy="522514"/>
+          </a:xfrm>
+          <a:prstGeom prst="straightConnector1">
+            <a:avLst/>
+          </a:prstGeom>
+          <a:ln>
+            <a:tailEnd type="triangle"/>
+          </a:ln>
+        </p:spPr>
+        <p:style>
+          <a:lnRef idx="1">
+            <a:schemeClr val="accent2"/>
+          </a:lnRef>
+          <a:fillRef idx="0">
+            <a:schemeClr val="accent2"/>
+          </a:fillRef>
+          <a:effectRef idx="0">
+            <a:schemeClr val="accent2"/>
+          </a:effectRef>
+          <a:fontRef idx="minor">
+            <a:schemeClr val="tx1"/>
+          </a:fontRef>
+        </p:style>
+      </p:cxnSp>
+      <p:cxnSp>
+        <p:nvCxnSpPr>
+          <p:cNvPr id="10" name="Straight Arrow Connector 9">
+            <a:extLst>
+              <a:ext uri="{FF2B5EF4-FFF2-40B4-BE49-F238E27FC236}">
+                <a16:creationId xmlns:a16="http://schemas.microsoft.com/office/drawing/2014/main" id="{BF05EFE3-4D0C-0E84-52A7-16EBC36D3905}"/>
+              </a:ext>
+            </a:extLst>
+          </p:cNvPr>
+          <p:cNvCxnSpPr>
+            <a:stCxn id="4098" idx="2"/>
+          </p:cNvCxnSpPr>
+          <p:nvPr/>
+        </p:nvCxnSpPr>
+        <p:spPr>
+          <a:xfrm>
+            <a:off x="8943360" y="3701383"/>
+            <a:ext cx="0" cy="487680"/>
+          </a:xfrm>
+          <a:prstGeom prst="straightConnector1">
+            <a:avLst/>
+          </a:prstGeom>
+          <a:ln>
+            <a:tailEnd type="triangle"/>
+          </a:ln>
+        </p:spPr>
+        <p:style>
+          <a:lnRef idx="1">
+            <a:schemeClr val="accent2"/>
+          </a:lnRef>
+          <a:fillRef idx="0">
+            <a:schemeClr val="accent2"/>
+          </a:fillRef>
+          <a:effectRef idx="0">
+            <a:schemeClr val="accent2"/>
+          </a:effectRef>
+          <a:fontRef idx="minor">
+            <a:schemeClr val="tx1"/>
+          </a:fontRef>
+        </p:style>
+      </p:cxnSp>
+      <p:cxnSp>
+        <p:nvCxnSpPr>
+          <p:cNvPr id="12" name="Straight Arrow Connector 11">
+            <a:extLst>
+              <a:ext uri="{FF2B5EF4-FFF2-40B4-BE49-F238E27FC236}">
+                <a16:creationId xmlns:a16="http://schemas.microsoft.com/office/drawing/2014/main" id="{155677C2-BDB7-D360-9C93-0DFD19FA96D0}"/>
+              </a:ext>
+            </a:extLst>
+          </p:cNvPr>
+          <p:cNvCxnSpPr/>
+          <p:nvPr/>
+        </p:nvCxnSpPr>
+        <p:spPr>
+          <a:xfrm>
+            <a:off x="9593361" y="3701383"/>
+            <a:ext cx="801188" cy="444137"/>
+          </a:xfrm>
+          <a:prstGeom prst="straightConnector1">
+            <a:avLst/>
+          </a:prstGeom>
+          <a:ln>
+            <a:tailEnd type="triangle"/>
+          </a:ln>
+        </p:spPr>
+        <p:style>
+          <a:lnRef idx="1">
+            <a:schemeClr val="accent2"/>
+          </a:lnRef>
+          <a:fillRef idx="0">
+            <a:schemeClr val="accent2"/>
+          </a:fillRef>
+          <a:effectRef idx="0">
+            <a:schemeClr val="accent2"/>
+          </a:effectRef>
+          <a:fontRef idx="minor">
+            <a:schemeClr val="tx1"/>
+          </a:fontRef>
+        </p:style>
+      </p:cxnSp>
+      <p:sp>
+        <p:nvSpPr>
+          <p:cNvPr id="14" name="TextBox 13">
+            <a:extLst>
+              <a:ext uri="{FF2B5EF4-FFF2-40B4-BE49-F238E27FC236}">
+                <a16:creationId xmlns:a16="http://schemas.microsoft.com/office/drawing/2014/main" id="{0464041F-218E-B264-B824-B359DE191889}"/>
+              </a:ext>
+            </a:extLst>
+          </p:cNvPr>
+          <p:cNvSpPr txBox="1"/>
+          <p:nvPr/>
+        </p:nvSpPr>
+        <p:spPr>
+          <a:xfrm>
+            <a:off x="838199" y="6223805"/>
+            <a:ext cx="10824596" cy="369332"/>
+          </a:xfrm>
+          <a:prstGeom prst="rect">
+            <a:avLst/>
+          </a:prstGeom>
+          <a:noFill/>
+        </p:spPr>
+        <p:txBody>
+          <a:bodyPr wrap="square">
+            <a:spAutoFit/>
+          </a:bodyPr>
+          <a:lstStyle/>
+          <a:p>
+            <a:r>
+              <a:rPr lang="en-GB" dirty="0">
+                <a:solidFill>
+                  <a:srgbClr val="FF0000"/>
+                </a:solidFill>
+              </a:rPr>
+              <a:t>Takeaway</a:t>
+            </a:r>
+            <a:r>
+              <a:rPr lang="en-GB" dirty="0"/>
+              <a:t>: A trained model should produce </a:t>
+            </a:r>
+            <a:r>
+              <a:rPr lang="en-GB" dirty="0">
+                <a:solidFill>
+                  <a:srgbClr val="FF0000"/>
+                </a:solidFill>
+              </a:rPr>
+              <a:t>low-entropy</a:t>
+            </a:r>
+            <a:r>
+              <a:rPr lang="en-GB" dirty="0"/>
+              <a:t> outputs (e.g., [0.8, 0.1, 0.1]) for accurate classification.</a:t>
+            </a:r>
+          </a:p>
+        </p:txBody>
+      </p:sp>
+      <p:sp>
+        <p:nvSpPr>
+          <p:cNvPr id="16" name="TextBox 15">
+            <a:extLst>
+              <a:ext uri="{FF2B5EF4-FFF2-40B4-BE49-F238E27FC236}">
+                <a16:creationId xmlns:a16="http://schemas.microsoft.com/office/drawing/2014/main" id="{0A81282A-53A6-183B-EA77-1F958018F632}"/>
+              </a:ext>
+            </a:extLst>
+          </p:cNvPr>
+          <p:cNvSpPr txBox="1"/>
+          <p:nvPr/>
+        </p:nvSpPr>
+        <p:spPr>
+          <a:xfrm>
+            <a:off x="5949912" y="3767257"/>
+            <a:ext cx="5063527" cy="369332"/>
+          </a:xfrm>
+          <a:prstGeom prst="rect">
+            <a:avLst/>
+          </a:prstGeom>
+          <a:noFill/>
+        </p:spPr>
+        <p:txBody>
+          <a:bodyPr wrap="square">
+            <a:spAutoFit/>
+          </a:bodyPr>
+          <a:lstStyle/>
+          <a:p>
+            <a:r>
+              <a:rPr lang="en-GB" dirty="0"/>
+              <a:t>Prediction case 2: </a:t>
+            </a:r>
+            <a:r>
+              <a:rPr lang="en-GB" dirty="0">
+                <a:solidFill>
+                  <a:srgbClr val="7030A0"/>
+                </a:solidFill>
+              </a:rPr>
+              <a:t>[</a:t>
+            </a:r>
+            <a:r>
+              <a:rPr lang="en-GB" b="1" dirty="0">
+                <a:solidFill>
+                  <a:srgbClr val="FF0000"/>
+                </a:solidFill>
+              </a:rPr>
+              <a:t>0.8, 	</a:t>
+            </a:r>
+            <a:r>
+              <a:rPr lang="en-GB" dirty="0">
+                <a:solidFill>
+                  <a:srgbClr val="7030A0"/>
+                </a:solidFill>
+              </a:rPr>
+              <a:t>0.1,	 0.1] </a:t>
+            </a:r>
+            <a:endParaRPr lang="en-US" dirty="0">
+              <a:solidFill>
+                <a:srgbClr val="7030A0"/>
+              </a:solidFill>
+            </a:endParaRPr>
+          </a:p>
+        </p:txBody>
+      </p:sp>
+      <p:sp>
+        <p:nvSpPr>
+          <p:cNvPr id="17" name="Rectangle 16">
+            <a:extLst>
+              <a:ext uri="{FF2B5EF4-FFF2-40B4-BE49-F238E27FC236}">
+                <a16:creationId xmlns:a16="http://schemas.microsoft.com/office/drawing/2014/main" id="{F36257D6-57AB-A3EC-ED72-1A31E8F98B36}"/>
+              </a:ext>
+            </a:extLst>
+          </p:cNvPr>
+          <p:cNvSpPr/>
+          <p:nvPr/>
+        </p:nvSpPr>
+        <p:spPr>
+          <a:xfrm>
+            <a:off x="6705600" y="4145520"/>
+            <a:ext cx="1341117" cy="1390694"/>
+          </a:xfrm>
+          <a:prstGeom prst="rect">
+            <a:avLst/>
+          </a:prstGeom>
+          <a:noFill/>
+          <a:ln w="38100">
+            <a:solidFill>
+              <a:srgbClr val="FF0000"/>
+            </a:solidFill>
+          </a:ln>
+        </p:spPr>
+        <p:style>
+          <a:lnRef idx="2">
+            <a:schemeClr val="accent1">
+              <a:shade val="15000"/>
+            </a:schemeClr>
+          </a:lnRef>
+          <a:fillRef idx="1">
+            <a:schemeClr val="accent1"/>
+          </a:fillRef>
+          <a:effectRef idx="0">
+            <a:schemeClr val="accent1"/>
+          </a:effectRef>
+          <a:fontRef idx="minor">
+            <a:schemeClr val="lt1"/>
+          </a:fontRef>
+        </p:style>
+        <p:txBody>
+          <a:bodyPr rtlCol="0" anchor="ctr"/>
+          <a:lstStyle/>
+          <a:p>
+            <a:pPr algn="ctr"/>
+            <a:endParaRPr lang="en-US"/>
+          </a:p>
+        </p:txBody>
+      </p:sp>
+    </p:spTree>
+    <p:extLst>
+      <p:ext uri="{BB962C8B-B14F-4D97-AF65-F5344CB8AC3E}">
+        <p14:creationId xmlns:p14="http://schemas.microsoft.com/office/powerpoint/2010/main" val="14529535"/>
+      </p:ext>
+    </p:extLst>
+  </p:cSld>
+  <p:clrMapOvr>
+    <a:masterClrMapping/>
+  </p:clrMapOvr>
+</p:sld>
+</file>
+
+<file path=ppt/slides/slide15.xml><?xml version="1.0" encoding="utf-8"?>
+<p:sld xmlns:a="http://schemas.openxmlformats.org/drawingml/2006/main" xmlns:r="http://schemas.openxmlformats.org/officeDocument/2006/relationships" xmlns:p="http://schemas.openxmlformats.org/presentationml/2006/main">
+  <p:cSld>
+    <p:spTree>
+      <p:nvGrpSpPr>
+        <p:cNvPr id="1" name=""/>
+        <p:cNvGrpSpPr/>
+        <p:nvPr/>
+      </p:nvGrpSpPr>
+      <p:grpSpPr>
+        <a:xfrm>
+          <a:off x="0" y="0"/>
+          <a:ext cx="0" cy="0"/>
+          <a:chOff x="0" y="0"/>
+          <a:chExt cx="0" cy="0"/>
+        </a:xfrm>
+      </p:grpSpPr>
+      <p:pic>
+        <p:nvPicPr>
+          <p:cNvPr id="7" name="Picture 6">
+            <a:extLst>
+              <a:ext uri="{FF2B5EF4-FFF2-40B4-BE49-F238E27FC236}">
+                <a16:creationId xmlns:a16="http://schemas.microsoft.com/office/drawing/2014/main" id="{0CECFEC2-D559-CD8A-FE7A-3EE394DB4640}"/>
+              </a:ext>
+            </a:extLst>
+          </p:cNvPr>
+          <p:cNvPicPr>
+            <a:picLocks noChangeAspect="1"/>
+          </p:cNvPicPr>
+          <p:nvPr/>
+        </p:nvPicPr>
+        <p:blipFill>
+          <a:blip r:embed="rId2"/>
+          <a:stretch>
+            <a:fillRect/>
+          </a:stretch>
+        </p:blipFill>
+        <p:spPr>
+          <a:xfrm>
+            <a:off x="4931687" y="4808917"/>
+            <a:ext cx="4523673" cy="1818412"/>
+          </a:xfrm>
+          <a:prstGeom prst="rect">
+            <a:avLst/>
+          </a:prstGeom>
+        </p:spPr>
+      </p:pic>
+      <p:pic>
+        <p:nvPicPr>
+          <p:cNvPr id="8" name="Picture 2">
+            <a:extLst>
+              <a:ext uri="{FF2B5EF4-FFF2-40B4-BE49-F238E27FC236}">
+                <a16:creationId xmlns:a16="http://schemas.microsoft.com/office/drawing/2014/main" id="{F87158B2-B60C-8829-F52D-F9D9F89A765C}"/>
+              </a:ext>
+            </a:extLst>
+          </p:cNvPr>
+          <p:cNvPicPr>
+            <a:picLocks noChangeAspect="1" noChangeArrowheads="1"/>
+          </p:cNvPicPr>
+          <p:nvPr/>
+        </p:nvPicPr>
+        <p:blipFill>
+          <a:blip r:embed="rId3">
+            <a:extLst>
+              <a:ext uri="{28A0092B-C50C-407E-A947-70E740481C1C}">
+                <a14:useLocalDpi xmlns:a14="http://schemas.microsoft.com/office/drawing/2010/main" val="0"/>
+              </a:ext>
+            </a:extLst>
+          </a:blip>
+          <a:srcRect/>
+          <a:stretch>
+            <a:fillRect/>
+          </a:stretch>
+        </p:blipFill>
+        <p:spPr bwMode="auto">
+          <a:xfrm>
+            <a:off x="5649573" y="184038"/>
+            <a:ext cx="3250480" cy="2379597"/>
+          </a:xfrm>
+          <a:prstGeom prst="rect">
+            <a:avLst/>
+          </a:prstGeom>
+          <a:noFill/>
+          <a:extLst>
+            <a:ext uri="{909E8E84-426E-40DD-AFC4-6F175D3DCCD1}">
+              <a14:hiddenFill xmlns:a14="http://schemas.microsoft.com/office/drawing/2010/main">
+                <a:solidFill>
+                  <a:srgbClr val="FFFFFF"/>
+                </a:solidFill>
+              </a14:hiddenFill>
+            </a:ext>
+          </a:extLst>
+        </p:spPr>
+      </p:pic>
+      <p:cxnSp>
+        <p:nvCxnSpPr>
+          <p:cNvPr id="9" name="Straight Arrow Connector 8">
+            <a:extLst>
+              <a:ext uri="{FF2B5EF4-FFF2-40B4-BE49-F238E27FC236}">
+                <a16:creationId xmlns:a16="http://schemas.microsoft.com/office/drawing/2014/main" id="{79E005F0-6537-ED18-91C5-FC357B37BA26}"/>
+              </a:ext>
+            </a:extLst>
+          </p:cNvPr>
+          <p:cNvCxnSpPr>
+            <a:cxnSpLocks/>
+          </p:cNvCxnSpPr>
+          <p:nvPr/>
+        </p:nvCxnSpPr>
+        <p:spPr>
+          <a:xfrm flipH="1">
+            <a:off x="5878272" y="2485258"/>
+            <a:ext cx="722839" cy="939880"/>
+          </a:xfrm>
+          <a:prstGeom prst="straightConnector1">
+            <a:avLst/>
+          </a:prstGeom>
+          <a:ln>
+            <a:tailEnd type="triangle"/>
+          </a:ln>
+        </p:spPr>
+        <p:style>
+          <a:lnRef idx="1">
+            <a:schemeClr val="accent2"/>
+          </a:lnRef>
+          <a:fillRef idx="0">
+            <a:schemeClr val="accent2"/>
+          </a:fillRef>
+          <a:effectRef idx="0">
+            <a:schemeClr val="accent2"/>
+          </a:effectRef>
+          <a:fontRef idx="minor">
+            <a:schemeClr val="tx1"/>
+          </a:fontRef>
+        </p:style>
+      </p:cxnSp>
+      <p:cxnSp>
+        <p:nvCxnSpPr>
+          <p:cNvPr id="10" name="Straight Arrow Connector 9">
+            <a:extLst>
+              <a:ext uri="{FF2B5EF4-FFF2-40B4-BE49-F238E27FC236}">
+                <a16:creationId xmlns:a16="http://schemas.microsoft.com/office/drawing/2014/main" id="{45AFC310-57FF-E92E-7125-C3285FEA0A94}"/>
+              </a:ext>
+            </a:extLst>
+          </p:cNvPr>
+          <p:cNvCxnSpPr>
+            <a:cxnSpLocks/>
+            <a:stCxn id="8" idx="2"/>
+          </p:cNvCxnSpPr>
+          <p:nvPr/>
+        </p:nvCxnSpPr>
+        <p:spPr>
+          <a:xfrm>
+            <a:off x="7274813" y="2563635"/>
+            <a:ext cx="0" cy="861503"/>
+          </a:xfrm>
+          <a:prstGeom prst="straightConnector1">
+            <a:avLst/>
+          </a:prstGeom>
+          <a:ln>
+            <a:tailEnd type="triangle"/>
+          </a:ln>
+        </p:spPr>
+        <p:style>
+          <a:lnRef idx="1">
+            <a:schemeClr val="accent2"/>
+          </a:lnRef>
+          <a:fillRef idx="0">
+            <a:schemeClr val="accent2"/>
+          </a:fillRef>
+          <a:effectRef idx="0">
+            <a:schemeClr val="accent2"/>
+          </a:effectRef>
+          <a:fontRef idx="minor">
+            <a:schemeClr val="tx1"/>
+          </a:fontRef>
+        </p:style>
+      </p:cxnSp>
+      <p:cxnSp>
+        <p:nvCxnSpPr>
+          <p:cNvPr id="11" name="Straight Arrow Connector 10">
+            <a:extLst>
+              <a:ext uri="{FF2B5EF4-FFF2-40B4-BE49-F238E27FC236}">
+                <a16:creationId xmlns:a16="http://schemas.microsoft.com/office/drawing/2014/main" id="{97C57C21-7913-8FD2-0D5D-EAC18C68769F}"/>
+              </a:ext>
+            </a:extLst>
+          </p:cNvPr>
+          <p:cNvCxnSpPr>
+            <a:cxnSpLocks/>
+          </p:cNvCxnSpPr>
+          <p:nvPr/>
+        </p:nvCxnSpPr>
+        <p:spPr>
+          <a:xfrm>
+            <a:off x="7924814" y="2563635"/>
+            <a:ext cx="644282" cy="906177"/>
+          </a:xfrm>
+          <a:prstGeom prst="straightConnector1">
+            <a:avLst/>
+          </a:prstGeom>
+          <a:ln>
+            <a:tailEnd type="triangle"/>
+          </a:ln>
+        </p:spPr>
+        <p:style>
+          <a:lnRef idx="1">
+            <a:schemeClr val="accent2"/>
+          </a:lnRef>
+          <a:fillRef idx="0">
+            <a:schemeClr val="accent2"/>
+          </a:fillRef>
+          <a:effectRef idx="0">
+            <a:schemeClr val="accent2"/>
+          </a:effectRef>
+          <a:fontRef idx="minor">
+            <a:schemeClr val="tx1"/>
+          </a:fontRef>
+        </p:style>
+      </p:cxnSp>
+      <p:sp>
+        <p:nvSpPr>
+          <p:cNvPr id="12" name="TextBox 11">
+            <a:extLst>
+              <a:ext uri="{FF2B5EF4-FFF2-40B4-BE49-F238E27FC236}">
+                <a16:creationId xmlns:a16="http://schemas.microsoft.com/office/drawing/2014/main" id="{A61B0243-4A3E-742F-1F2F-3BBE083F16C8}"/>
+              </a:ext>
+            </a:extLst>
+          </p:cNvPr>
+          <p:cNvSpPr txBox="1"/>
+          <p:nvPr/>
+        </p:nvSpPr>
+        <p:spPr>
+          <a:xfrm>
+            <a:off x="4572001" y="4268026"/>
+            <a:ext cx="5140869" cy="461665"/>
+          </a:xfrm>
+          <a:prstGeom prst="rect">
+            <a:avLst/>
+          </a:prstGeom>
+          <a:noFill/>
+        </p:spPr>
+        <p:txBody>
+          <a:bodyPr wrap="square">
+            <a:spAutoFit/>
+          </a:bodyPr>
+          <a:lstStyle/>
+          <a:p>
+            <a:r>
+              <a:rPr lang="en-GB" sz="2400" b="1" dirty="0">
+                <a:solidFill>
+                  <a:srgbClr val="7030A0"/>
+                </a:solidFill>
+              </a:rPr>
+              <a:t>sum</a:t>
+            </a:r>
+            <a:r>
+              <a:rPr lang="en-GB" sz="2400" dirty="0">
+                <a:solidFill>
+                  <a:srgbClr val="7030A0"/>
+                </a:solidFill>
+              </a:rPr>
+              <a:t>([</a:t>
+            </a:r>
+            <a:r>
+              <a:rPr lang="en-GB" sz="2400" b="1" dirty="0">
+                <a:solidFill>
+                  <a:srgbClr val="FF0000"/>
+                </a:solidFill>
+              </a:rPr>
+              <a:t>0.8, 	    </a:t>
+            </a:r>
+            <a:r>
+              <a:rPr lang="en-GB" sz="2400" dirty="0">
+                <a:solidFill>
+                  <a:srgbClr val="7030A0"/>
+                </a:solidFill>
+              </a:rPr>
+              <a:t>0.1,		 0.1])=</a:t>
+            </a:r>
+            <a:r>
+              <a:rPr lang="en-GB" sz="2400" b="1" dirty="0">
+                <a:solidFill>
+                  <a:srgbClr val="FF0000"/>
+                </a:solidFill>
+              </a:rPr>
+              <a:t>1 </a:t>
+            </a:r>
+            <a:endParaRPr lang="en-US" sz="2400" b="1" dirty="0">
+              <a:solidFill>
+                <a:srgbClr val="FF0000"/>
+              </a:solidFill>
+            </a:endParaRPr>
+          </a:p>
+        </p:txBody>
+      </p:sp>
+      <p:sp>
+        <p:nvSpPr>
+          <p:cNvPr id="13" name="Rectangle 12">
+            <a:extLst>
+              <a:ext uri="{FF2B5EF4-FFF2-40B4-BE49-F238E27FC236}">
+                <a16:creationId xmlns:a16="http://schemas.microsoft.com/office/drawing/2014/main" id="{F12B9F95-4040-C4B4-2D08-341471D152E1}"/>
+              </a:ext>
+            </a:extLst>
+          </p:cNvPr>
+          <p:cNvSpPr/>
+          <p:nvPr/>
+        </p:nvSpPr>
+        <p:spPr>
+          <a:xfrm>
+            <a:off x="5019726" y="4900513"/>
+            <a:ext cx="1341117" cy="1390694"/>
+          </a:xfrm>
+          <a:prstGeom prst="rect">
+            <a:avLst/>
+          </a:prstGeom>
+          <a:noFill/>
+          <a:ln w="38100">
+            <a:solidFill>
+              <a:srgbClr val="FF0000"/>
+            </a:solidFill>
+          </a:ln>
+        </p:spPr>
+        <p:style>
+          <a:lnRef idx="2">
+            <a:schemeClr val="accent1">
+              <a:shade val="15000"/>
+            </a:schemeClr>
+          </a:lnRef>
+          <a:fillRef idx="1">
+            <a:schemeClr val="accent1"/>
+          </a:fillRef>
+          <a:effectRef idx="0">
+            <a:schemeClr val="accent1"/>
+          </a:effectRef>
+          <a:fontRef idx="minor">
+            <a:schemeClr val="lt1"/>
+          </a:fontRef>
+        </p:style>
+        <p:txBody>
+          <a:bodyPr rtlCol="0" anchor="ctr"/>
+          <a:lstStyle/>
+          <a:p>
+            <a:pPr algn="ctr"/>
+            <a:endParaRPr lang="en-US"/>
+          </a:p>
+        </p:txBody>
+      </p:sp>
+      <p:sp>
+        <p:nvSpPr>
+          <p:cNvPr id="21" name="TextBox 20">
+            <a:extLst>
+              <a:ext uri="{FF2B5EF4-FFF2-40B4-BE49-F238E27FC236}">
+                <a16:creationId xmlns:a16="http://schemas.microsoft.com/office/drawing/2014/main" id="{F524A50E-B6B1-4564-FC4A-D0F0AF9DEAE1}"/>
+              </a:ext>
+            </a:extLst>
+          </p:cNvPr>
+          <p:cNvSpPr txBox="1"/>
+          <p:nvPr/>
+        </p:nvSpPr>
+        <p:spPr>
+          <a:xfrm>
+            <a:off x="5496560" y="2790428"/>
+            <a:ext cx="3889987" cy="369332"/>
+          </a:xfrm>
+          <a:prstGeom prst="rect">
+            <a:avLst/>
+          </a:prstGeom>
+          <a:noFill/>
+        </p:spPr>
+        <p:txBody>
+          <a:bodyPr wrap="square">
+            <a:spAutoFit/>
+          </a:bodyPr>
+          <a:lstStyle/>
+          <a:p>
+            <a:r>
+              <a:rPr lang="en-GB" dirty="0">
+                <a:solidFill>
+                  <a:srgbClr val="7030A0"/>
+                </a:solidFill>
+              </a:rPr>
+              <a:t>z= [</a:t>
+            </a:r>
+            <a:r>
+              <a:rPr lang="en-GB" dirty="0">
+                <a:solidFill>
+                  <a:srgbClr val="FF0000"/>
+                </a:solidFill>
+              </a:rPr>
+              <a:t>3.1</a:t>
+            </a:r>
+            <a:r>
+              <a:rPr lang="en-GB" b="1" dirty="0">
+                <a:solidFill>
+                  <a:srgbClr val="FF0000"/>
+                </a:solidFill>
+              </a:rPr>
+              <a:t> 		</a:t>
+            </a:r>
+            <a:r>
+              <a:rPr lang="en-GB" dirty="0">
+                <a:solidFill>
+                  <a:srgbClr val="7030A0"/>
+                </a:solidFill>
+              </a:rPr>
+              <a:t>1.01	1.01] </a:t>
+            </a:r>
+            <a:endParaRPr lang="en-US" dirty="0">
+              <a:solidFill>
+                <a:srgbClr val="7030A0"/>
+              </a:solidFill>
+            </a:endParaRPr>
+          </a:p>
+        </p:txBody>
+      </p:sp>
+      <p:sp>
+        <p:nvSpPr>
+          <p:cNvPr id="22" name="Rectangle 21">
+            <a:extLst>
+              <a:ext uri="{FF2B5EF4-FFF2-40B4-BE49-F238E27FC236}">
+                <a16:creationId xmlns:a16="http://schemas.microsoft.com/office/drawing/2014/main" id="{409C95CB-251D-8040-932B-CB0E369B0E52}"/>
+              </a:ext>
+            </a:extLst>
+          </p:cNvPr>
+          <p:cNvSpPr/>
+          <p:nvPr/>
+        </p:nvSpPr>
+        <p:spPr>
+          <a:xfrm>
+            <a:off x="5003496" y="3425138"/>
+            <a:ext cx="4296586" cy="620787"/>
+          </a:xfrm>
+          <a:prstGeom prst="rect">
+            <a:avLst/>
+          </a:prstGeom>
+          <a:noFill/>
+          <a:ln w="38100">
+            <a:solidFill>
+              <a:srgbClr val="FF0000"/>
+            </a:solidFill>
+            <a:prstDash val="dash"/>
+          </a:ln>
+        </p:spPr>
+        <p:style>
+          <a:lnRef idx="2">
+            <a:schemeClr val="accent1">
+              <a:shade val="15000"/>
+            </a:schemeClr>
+          </a:lnRef>
+          <a:fillRef idx="1">
+            <a:schemeClr val="accent1"/>
+          </a:fillRef>
+          <a:effectRef idx="0">
+            <a:schemeClr val="accent1"/>
+          </a:effectRef>
+          <a:fontRef idx="minor">
+            <a:schemeClr val="lt1"/>
+          </a:fontRef>
+        </p:style>
+        <p:txBody>
+          <a:bodyPr rtlCol="0" anchor="ctr"/>
+          <a:lstStyle/>
+          <a:p>
+            <a:pPr algn="ctr"/>
             <a:endParaRPr lang="en-US"/>
           </a:p>
         </p:txBody>
@@ -9149,7 +12440,7 @@
 </p:sld>
 </file>
 
-<file path=ppt/slides/slide12.xml><?xml version="1.0" encoding="utf-8"?>
+<file path=ppt/slides/slide16.xml><?xml version="1.0" encoding="utf-8"?>
 <p:sld xmlns:a="http://schemas.openxmlformats.org/drawingml/2006/main" xmlns:r="http://schemas.openxmlformats.org/officeDocument/2006/relationships" xmlns:p="http://schemas.openxmlformats.org/presentationml/2006/main">
   <p:cSld>
     <p:spTree>
@@ -9347,7 +12638,7 @@
 </p:sld>
 </file>
 
-<file path=ppt/slides/slide13.xml><?xml version="1.0" encoding="utf-8"?>
+<file path=ppt/slides/slide17.xml><?xml version="1.0" encoding="utf-8"?>
 <p:sld xmlns:a="http://schemas.openxmlformats.org/drawingml/2006/main" xmlns:r="http://schemas.openxmlformats.org/officeDocument/2006/relationships" xmlns:p="http://schemas.openxmlformats.org/presentationml/2006/main">
   <p:cSld>
     <p:spTree>
@@ -9430,7 +12721,1649 @@
 </p:sld>
 </file>
 
-<file path=ppt/slides/slide14.xml><?xml version="1.0" encoding="utf-8"?>
+<file path=ppt/slides/slide18.xml><?xml version="1.0" encoding="utf-8"?>
+<p:sld xmlns:a="http://schemas.openxmlformats.org/drawingml/2006/main" xmlns:r="http://schemas.openxmlformats.org/officeDocument/2006/relationships" xmlns:p="http://schemas.openxmlformats.org/presentationml/2006/main">
+  <p:cSld>
+    <p:spTree>
+      <p:nvGrpSpPr>
+        <p:cNvPr id="1" name="">
+          <a:extLst>
+            <a:ext uri="{FF2B5EF4-FFF2-40B4-BE49-F238E27FC236}">
+              <a16:creationId xmlns:a16="http://schemas.microsoft.com/office/drawing/2014/main" id="{478F27BA-8E95-5CF7-34BA-59D0188A368B}"/>
+            </a:ext>
+          </a:extLst>
+        </p:cNvPr>
+        <p:cNvGrpSpPr/>
+        <p:nvPr/>
+      </p:nvGrpSpPr>
+      <p:grpSpPr>
+        <a:xfrm>
+          <a:off x="0" y="0"/>
+          <a:ext cx="0" cy="0"/>
+          <a:chOff x="0" y="0"/>
+          <a:chExt cx="0" cy="0"/>
+        </a:xfrm>
+      </p:grpSpPr>
+      <p:pic>
+        <p:nvPicPr>
+          <p:cNvPr id="8" name="Picture 7">
+            <a:extLst>
+              <a:ext uri="{FF2B5EF4-FFF2-40B4-BE49-F238E27FC236}">
+                <a16:creationId xmlns:a16="http://schemas.microsoft.com/office/drawing/2014/main" id="{5F9190EF-2CDB-F82F-AC96-B64E4B5FA9CC}"/>
+              </a:ext>
+            </a:extLst>
+          </p:cNvPr>
+          <p:cNvPicPr>
+            <a:picLocks noChangeAspect="1"/>
+          </p:cNvPicPr>
+          <p:nvPr/>
+        </p:nvPicPr>
+        <p:blipFill>
+          <a:blip r:embed="rId3"/>
+          <a:srcRect b="33260"/>
+          <a:stretch/>
+        </p:blipFill>
+        <p:spPr>
+          <a:xfrm>
+            <a:off x="6581056" y="4688148"/>
+            <a:ext cx="5568999" cy="2169852"/>
+          </a:xfrm>
+          <a:prstGeom prst="rect">
+            <a:avLst/>
+          </a:prstGeom>
+        </p:spPr>
+      </p:pic>
+      <p:sp>
+        <p:nvSpPr>
+          <p:cNvPr id="2" name="TextBox 1">
+            <a:extLst>
+              <a:ext uri="{FF2B5EF4-FFF2-40B4-BE49-F238E27FC236}">
+                <a16:creationId xmlns:a16="http://schemas.microsoft.com/office/drawing/2014/main" id="{E86C2BB9-F73F-C099-4842-A58C9239708A}"/>
+              </a:ext>
+            </a:extLst>
+          </p:cNvPr>
+          <p:cNvSpPr txBox="1"/>
+          <p:nvPr/>
+        </p:nvSpPr>
+        <p:spPr>
+          <a:xfrm>
+            <a:off x="282891" y="948605"/>
+            <a:ext cx="11772038" cy="369332"/>
+          </a:xfrm>
+          <a:prstGeom prst="rect">
+            <a:avLst/>
+          </a:prstGeom>
+          <a:noFill/>
+        </p:spPr>
+        <p:txBody>
+          <a:bodyPr wrap="square">
+            <a:spAutoFit/>
+          </a:bodyPr>
+          <a:lstStyle/>
+          <a:p>
+            <a:pPr lvl="0" algn="ctr">
+              <a:defRPr/>
+            </a:pPr>
+            <a:r>
+              <a:rPr lang="en-US" b="1" dirty="0"/>
+              <a:t>Recall Entropy: Average </a:t>
+            </a:r>
+            <a:r>
+              <a:rPr lang="en-US" dirty="0"/>
+              <a:t>Bits Needed 100 Days = </a:t>
+            </a:r>
+            <a:r>
+              <a:rPr lang="en-US" b="1" dirty="0">
+                <a:solidFill>
+                  <a:schemeClr val="accent1"/>
+                </a:solidFill>
+              </a:rPr>
+              <a:t>0.50</a:t>
+            </a:r>
+            <a:r>
+              <a:rPr lang="en-US" dirty="0"/>
+              <a:t>*(log 1/</a:t>
+            </a:r>
+            <a:r>
+              <a:rPr lang="en-US" b="1" dirty="0">
+                <a:solidFill>
+                  <a:schemeClr val="accent5"/>
+                </a:solidFill>
+              </a:rPr>
+              <a:t>0.5</a:t>
+            </a:r>
+            <a:r>
+              <a:rPr lang="en-US" dirty="0">
+                <a:solidFill>
+                  <a:srgbClr val="0000FF"/>
+                </a:solidFill>
+              </a:rPr>
+              <a:t>) </a:t>
+            </a:r>
+            <a:r>
+              <a:rPr lang="en-US" dirty="0"/>
+              <a:t>+</a:t>
+            </a:r>
+            <a:r>
+              <a:rPr lang="en-US" b="1" dirty="0">
+                <a:solidFill>
+                  <a:schemeClr val="accent2"/>
+                </a:solidFill>
+              </a:rPr>
+              <a:t>0.25</a:t>
+            </a:r>
+            <a:r>
+              <a:rPr lang="en-US" dirty="0"/>
+              <a:t>* (log 1/</a:t>
+            </a:r>
+            <a:r>
+              <a:rPr lang="en-US" b="1" dirty="0">
+                <a:solidFill>
+                  <a:schemeClr val="accent2"/>
+                </a:solidFill>
+              </a:rPr>
+              <a:t>0.25</a:t>
+            </a:r>
+            <a:r>
+              <a:rPr lang="en-US" dirty="0"/>
+              <a:t>)+</a:t>
+            </a:r>
+            <a:r>
+              <a:rPr lang="en-US" b="1" dirty="0">
+                <a:solidFill>
+                  <a:schemeClr val="accent6"/>
+                </a:solidFill>
+              </a:rPr>
+              <a:t>0.25</a:t>
+            </a:r>
+            <a:r>
+              <a:rPr lang="en-US" dirty="0"/>
+              <a:t>*(log 1/</a:t>
+            </a:r>
+            <a:r>
+              <a:rPr lang="en-US" b="1" dirty="0">
+                <a:solidFill>
+                  <a:schemeClr val="accent6"/>
+                </a:solidFill>
+              </a:rPr>
+              <a:t>0.25</a:t>
+            </a:r>
+            <a:r>
+              <a:rPr lang="en-US" dirty="0"/>
+              <a:t>) =</a:t>
+            </a:r>
+            <a:r>
+              <a:rPr lang="en-US" dirty="0">
+                <a:solidFill>
+                  <a:srgbClr val="FF0000"/>
+                </a:solidFill>
+              </a:rPr>
+              <a:t> 1 bit per day</a:t>
+            </a:r>
+            <a:endParaRPr lang="en-US" dirty="0"/>
+          </a:p>
+        </p:txBody>
+      </p:sp>
+      <p:sp>
+        <p:nvSpPr>
+          <p:cNvPr id="3" name="TextBox 2">
+            <a:extLst>
+              <a:ext uri="{FF2B5EF4-FFF2-40B4-BE49-F238E27FC236}">
+                <a16:creationId xmlns:a16="http://schemas.microsoft.com/office/drawing/2014/main" id="{5022CAC2-4CD6-67C7-07B7-FA77BA51D658}"/>
+              </a:ext>
+            </a:extLst>
+          </p:cNvPr>
+          <p:cNvSpPr txBox="1"/>
+          <p:nvPr/>
+        </p:nvSpPr>
+        <p:spPr>
+          <a:xfrm>
+            <a:off x="7810150" y="161987"/>
+            <a:ext cx="3910512" cy="369332"/>
+          </a:xfrm>
+          <a:prstGeom prst="rect">
+            <a:avLst/>
+          </a:prstGeom>
+          <a:noFill/>
+        </p:spPr>
+        <p:txBody>
+          <a:bodyPr wrap="square" rtlCol="0">
+            <a:spAutoFit/>
+          </a:bodyPr>
+          <a:lstStyle/>
+          <a:p>
+            <a:r>
+              <a:rPr lang="en-US" b="1" dirty="0"/>
+              <a:t>Sunn</a:t>
+            </a:r>
+            <a:r>
+              <a:rPr lang="en-US" dirty="0"/>
+              <a:t>: </a:t>
+            </a:r>
+            <a:r>
+              <a:rPr lang="en-US" dirty="0">
+                <a:solidFill>
+                  <a:schemeClr val="accent5"/>
+                </a:solidFill>
+              </a:rPr>
+              <a:t>50% ; </a:t>
+            </a:r>
+            <a:r>
+              <a:rPr lang="en-US" b="1" dirty="0"/>
+              <a:t>Cloudy</a:t>
+            </a:r>
+            <a:r>
+              <a:rPr lang="en-US" dirty="0"/>
+              <a:t>: </a:t>
+            </a:r>
+            <a:r>
+              <a:rPr lang="en-US" dirty="0">
+                <a:solidFill>
+                  <a:schemeClr val="accent2"/>
+                </a:solidFill>
+              </a:rPr>
+              <a:t>25%; </a:t>
+            </a:r>
+            <a:r>
+              <a:rPr lang="en-US" b="1" dirty="0"/>
+              <a:t>Windy</a:t>
+            </a:r>
+            <a:r>
+              <a:rPr lang="en-US" dirty="0"/>
+              <a:t>: </a:t>
+            </a:r>
+            <a:r>
+              <a:rPr lang="en-US" dirty="0">
+                <a:solidFill>
+                  <a:schemeClr val="accent6"/>
+                </a:solidFill>
+              </a:rPr>
+              <a:t>25%</a:t>
+            </a:r>
+          </a:p>
+        </p:txBody>
+      </p:sp>
+      <p:sp>
+        <p:nvSpPr>
+          <p:cNvPr id="4" name="Left Brace 3">
+            <a:extLst>
+              <a:ext uri="{FF2B5EF4-FFF2-40B4-BE49-F238E27FC236}">
+                <a16:creationId xmlns:a16="http://schemas.microsoft.com/office/drawing/2014/main" id="{8C832118-6020-16C0-1FDB-F6A7827761BC}"/>
+              </a:ext>
+            </a:extLst>
+          </p:cNvPr>
+          <p:cNvSpPr/>
+          <p:nvPr/>
+        </p:nvSpPr>
+        <p:spPr>
+          <a:xfrm rot="16200000">
+            <a:off x="6050791" y="1066365"/>
+            <a:ext cx="276837" cy="932316"/>
+          </a:xfrm>
+          <a:prstGeom prst="leftBrace">
+            <a:avLst/>
+          </a:prstGeom>
+          <a:ln w="38100">
+            <a:solidFill>
+              <a:srgbClr val="7030A0"/>
+            </a:solidFill>
+          </a:ln>
+        </p:spPr>
+        <p:style>
+          <a:lnRef idx="1">
+            <a:schemeClr val="accent1"/>
+          </a:lnRef>
+          <a:fillRef idx="0">
+            <a:schemeClr val="accent1"/>
+          </a:fillRef>
+          <a:effectRef idx="0">
+            <a:schemeClr val="accent1"/>
+          </a:effectRef>
+          <a:fontRef idx="minor">
+            <a:schemeClr val="tx1"/>
+          </a:fontRef>
+        </p:style>
+        <p:txBody>
+          <a:bodyPr rtlCol="0" anchor="ctr"/>
+          <a:lstStyle/>
+          <a:p>
+            <a:pPr algn="ctr"/>
+            <a:endParaRPr lang="en-US"/>
+          </a:p>
+        </p:txBody>
+      </p:sp>
+      <p:sp>
+        <p:nvSpPr>
+          <p:cNvPr id="5" name="Left Brace 4">
+            <a:extLst>
+              <a:ext uri="{FF2B5EF4-FFF2-40B4-BE49-F238E27FC236}">
+                <a16:creationId xmlns:a16="http://schemas.microsoft.com/office/drawing/2014/main" id="{EE438E7B-7495-B793-7404-582DF8BC4BA0}"/>
+              </a:ext>
+            </a:extLst>
+          </p:cNvPr>
+          <p:cNvSpPr/>
+          <p:nvPr/>
+        </p:nvSpPr>
+        <p:spPr>
+          <a:xfrm rot="16200000">
+            <a:off x="7805489" y="1066364"/>
+            <a:ext cx="276837" cy="932316"/>
+          </a:xfrm>
+          <a:prstGeom prst="leftBrace">
+            <a:avLst/>
+          </a:prstGeom>
+          <a:ln w="38100">
+            <a:solidFill>
+              <a:srgbClr val="7030A0"/>
+            </a:solidFill>
+          </a:ln>
+        </p:spPr>
+        <p:style>
+          <a:lnRef idx="1">
+            <a:schemeClr val="accent1"/>
+          </a:lnRef>
+          <a:fillRef idx="0">
+            <a:schemeClr val="accent1"/>
+          </a:fillRef>
+          <a:effectRef idx="0">
+            <a:schemeClr val="accent1"/>
+          </a:effectRef>
+          <a:fontRef idx="minor">
+            <a:schemeClr val="tx1"/>
+          </a:fontRef>
+        </p:style>
+        <p:txBody>
+          <a:bodyPr rtlCol="0" anchor="ctr"/>
+          <a:lstStyle/>
+          <a:p>
+            <a:pPr algn="ctr"/>
+            <a:endParaRPr lang="en-US"/>
+          </a:p>
+        </p:txBody>
+      </p:sp>
+      <p:sp>
+        <p:nvSpPr>
+          <p:cNvPr id="7" name="Left Brace 6">
+            <a:extLst>
+              <a:ext uri="{FF2B5EF4-FFF2-40B4-BE49-F238E27FC236}">
+                <a16:creationId xmlns:a16="http://schemas.microsoft.com/office/drawing/2014/main" id="{7285E129-8AED-2042-ADF9-9AA41D40BFE3}"/>
+              </a:ext>
+            </a:extLst>
+          </p:cNvPr>
+          <p:cNvSpPr/>
+          <p:nvPr/>
+        </p:nvSpPr>
+        <p:spPr>
+          <a:xfrm rot="16200000">
+            <a:off x="9560187" y="1066365"/>
+            <a:ext cx="276837" cy="932316"/>
+          </a:xfrm>
+          <a:prstGeom prst="leftBrace">
+            <a:avLst/>
+          </a:prstGeom>
+          <a:ln w="38100">
+            <a:solidFill>
+              <a:srgbClr val="7030A0"/>
+            </a:solidFill>
+          </a:ln>
+        </p:spPr>
+        <p:style>
+          <a:lnRef idx="1">
+            <a:schemeClr val="accent1"/>
+          </a:lnRef>
+          <a:fillRef idx="0">
+            <a:schemeClr val="accent1"/>
+          </a:fillRef>
+          <a:effectRef idx="0">
+            <a:schemeClr val="accent1"/>
+          </a:effectRef>
+          <a:fontRef idx="minor">
+            <a:schemeClr val="tx1"/>
+          </a:fontRef>
+        </p:style>
+        <p:txBody>
+          <a:bodyPr rtlCol="0" anchor="ctr"/>
+          <a:lstStyle/>
+          <a:p>
+            <a:pPr algn="ctr"/>
+            <a:endParaRPr lang="en-US"/>
+          </a:p>
+        </p:txBody>
+      </p:sp>
+      <p:sp>
+        <p:nvSpPr>
+          <p:cNvPr id="11" name="TextBox 10">
+            <a:extLst>
+              <a:ext uri="{FF2B5EF4-FFF2-40B4-BE49-F238E27FC236}">
+                <a16:creationId xmlns:a16="http://schemas.microsoft.com/office/drawing/2014/main" id="{90A7E917-3806-2FDB-A831-E7DF4BA3FDD3}"/>
+              </a:ext>
+            </a:extLst>
+          </p:cNvPr>
+          <p:cNvSpPr txBox="1"/>
+          <p:nvPr/>
+        </p:nvSpPr>
+        <p:spPr>
+          <a:xfrm>
+            <a:off x="2825723" y="1347856"/>
+            <a:ext cx="2234971" cy="369332"/>
+          </a:xfrm>
+          <a:prstGeom prst="rect">
+            <a:avLst/>
+          </a:prstGeom>
+          <a:noFill/>
+        </p:spPr>
+        <p:txBody>
+          <a:bodyPr wrap="none" rtlCol="0">
+            <a:spAutoFit/>
+          </a:bodyPr>
+          <a:lstStyle/>
+          <a:p>
+            <a:r>
+              <a:rPr lang="en-US" b="1" dirty="0">
+                <a:solidFill>
+                  <a:srgbClr val="7030A0"/>
+                </a:solidFill>
+              </a:rPr>
+              <a:t>optimized encoding </a:t>
+            </a:r>
+            <a:r>
+              <a:rPr lang="en-US" b="1" i="1" dirty="0">
+                <a:solidFill>
+                  <a:srgbClr val="FF0000"/>
+                </a:solidFill>
+              </a:rPr>
+              <a:t>P</a:t>
+            </a:r>
+          </a:p>
+        </p:txBody>
+      </p:sp>
+      <p:sp>
+        <p:nvSpPr>
+          <p:cNvPr id="12" name="Left Brace 11">
+            <a:extLst>
+              <a:ext uri="{FF2B5EF4-FFF2-40B4-BE49-F238E27FC236}">
+                <a16:creationId xmlns:a16="http://schemas.microsoft.com/office/drawing/2014/main" id="{8EB4F382-3C2E-C842-3DC2-EC987A27E117}"/>
+              </a:ext>
+            </a:extLst>
+          </p:cNvPr>
+          <p:cNvSpPr/>
+          <p:nvPr/>
+        </p:nvSpPr>
+        <p:spPr>
+          <a:xfrm rot="16200000">
+            <a:off x="5280819" y="1888900"/>
+            <a:ext cx="276837" cy="397389"/>
+          </a:xfrm>
+          <a:prstGeom prst="leftBrace">
+            <a:avLst/>
+          </a:prstGeom>
+          <a:ln w="38100">
+            <a:solidFill>
+              <a:srgbClr val="00B0F0"/>
+            </a:solidFill>
+          </a:ln>
+        </p:spPr>
+        <p:style>
+          <a:lnRef idx="1">
+            <a:schemeClr val="accent1"/>
+          </a:lnRef>
+          <a:fillRef idx="0">
+            <a:schemeClr val="accent1"/>
+          </a:fillRef>
+          <a:effectRef idx="0">
+            <a:schemeClr val="accent1"/>
+          </a:effectRef>
+          <a:fontRef idx="minor">
+            <a:schemeClr val="tx1"/>
+          </a:fontRef>
+        </p:style>
+        <p:txBody>
+          <a:bodyPr rtlCol="0" anchor="ctr"/>
+          <a:lstStyle/>
+          <a:p>
+            <a:pPr algn="ctr"/>
+            <a:endParaRPr lang="en-US" dirty="0"/>
+          </a:p>
+        </p:txBody>
+      </p:sp>
+      <p:sp>
+        <p:nvSpPr>
+          <p:cNvPr id="13" name="Left Brace 12">
+            <a:extLst>
+              <a:ext uri="{FF2B5EF4-FFF2-40B4-BE49-F238E27FC236}">
+                <a16:creationId xmlns:a16="http://schemas.microsoft.com/office/drawing/2014/main" id="{BB6F7B74-073B-AAB5-2392-CC8F1BFEB7E2}"/>
+              </a:ext>
+            </a:extLst>
+          </p:cNvPr>
+          <p:cNvSpPr/>
+          <p:nvPr/>
+        </p:nvSpPr>
+        <p:spPr>
+          <a:xfrm rot="16200000">
+            <a:off x="8696537" y="1826249"/>
+            <a:ext cx="276837" cy="397389"/>
+          </a:xfrm>
+          <a:prstGeom prst="leftBrace">
+            <a:avLst/>
+          </a:prstGeom>
+          <a:ln w="38100">
+            <a:solidFill>
+              <a:srgbClr val="00B0F0"/>
+            </a:solidFill>
+          </a:ln>
+        </p:spPr>
+        <p:style>
+          <a:lnRef idx="1">
+            <a:schemeClr val="accent1"/>
+          </a:lnRef>
+          <a:fillRef idx="0">
+            <a:schemeClr val="accent1"/>
+          </a:fillRef>
+          <a:effectRef idx="0">
+            <a:schemeClr val="accent1"/>
+          </a:effectRef>
+          <a:fontRef idx="minor">
+            <a:schemeClr val="tx1"/>
+          </a:fontRef>
+        </p:style>
+        <p:txBody>
+          <a:bodyPr rtlCol="0" anchor="ctr"/>
+          <a:lstStyle/>
+          <a:p>
+            <a:pPr algn="ctr"/>
+            <a:endParaRPr lang="en-US" dirty="0"/>
+          </a:p>
+        </p:txBody>
+      </p:sp>
+      <p:sp>
+        <p:nvSpPr>
+          <p:cNvPr id="14" name="Left Brace 13">
+            <a:extLst>
+              <a:ext uri="{FF2B5EF4-FFF2-40B4-BE49-F238E27FC236}">
+                <a16:creationId xmlns:a16="http://schemas.microsoft.com/office/drawing/2014/main" id="{2B58BE7A-D2A2-A01C-A384-08B6B3FABA7D}"/>
+              </a:ext>
+            </a:extLst>
+          </p:cNvPr>
+          <p:cNvSpPr/>
+          <p:nvPr/>
+        </p:nvSpPr>
+        <p:spPr>
+          <a:xfrm rot="16200000">
+            <a:off x="6947378" y="1851283"/>
+            <a:ext cx="276837" cy="397389"/>
+          </a:xfrm>
+          <a:prstGeom prst="leftBrace">
+            <a:avLst/>
+          </a:prstGeom>
+          <a:ln w="38100">
+            <a:solidFill>
+              <a:srgbClr val="00B0F0"/>
+            </a:solidFill>
+          </a:ln>
+        </p:spPr>
+        <p:style>
+          <a:lnRef idx="1">
+            <a:schemeClr val="accent1"/>
+          </a:lnRef>
+          <a:fillRef idx="0">
+            <a:schemeClr val="accent1"/>
+          </a:fillRef>
+          <a:effectRef idx="0">
+            <a:schemeClr val="accent1"/>
+          </a:effectRef>
+          <a:fontRef idx="minor">
+            <a:schemeClr val="tx1"/>
+          </a:fontRef>
+        </p:style>
+        <p:txBody>
+          <a:bodyPr rtlCol="0" anchor="ctr"/>
+          <a:lstStyle/>
+          <a:p>
+            <a:pPr algn="ctr"/>
+            <a:endParaRPr lang="en-US" dirty="0"/>
+          </a:p>
+        </p:txBody>
+      </p:sp>
+      <p:sp>
+        <p:nvSpPr>
+          <p:cNvPr id="16" name="TextBox 15">
+            <a:extLst>
+              <a:ext uri="{FF2B5EF4-FFF2-40B4-BE49-F238E27FC236}">
+                <a16:creationId xmlns:a16="http://schemas.microsoft.com/office/drawing/2014/main" id="{D19EF253-DA30-D5B6-9179-6F052DB9CD92}"/>
+              </a:ext>
+            </a:extLst>
+          </p:cNvPr>
+          <p:cNvSpPr txBox="1"/>
+          <p:nvPr/>
+        </p:nvSpPr>
+        <p:spPr>
+          <a:xfrm>
+            <a:off x="2939951" y="1886524"/>
+            <a:ext cx="1930978" cy="369332"/>
+          </a:xfrm>
+          <a:prstGeom prst="rect">
+            <a:avLst/>
+          </a:prstGeom>
+          <a:noFill/>
+        </p:spPr>
+        <p:txBody>
+          <a:bodyPr wrap="none" rtlCol="0">
+            <a:spAutoFit/>
+          </a:bodyPr>
+          <a:lstStyle/>
+          <a:p>
+            <a:r>
+              <a:rPr lang="en-US" b="1" dirty="0">
+                <a:solidFill>
+                  <a:schemeClr val="accent1"/>
+                </a:solidFill>
+              </a:rPr>
+              <a:t>true distribution </a:t>
+            </a:r>
+            <a:r>
+              <a:rPr lang="en-US" b="1" i="1" dirty="0">
+                <a:solidFill>
+                  <a:srgbClr val="FF0000"/>
+                </a:solidFill>
+              </a:rPr>
+              <a:t>P</a:t>
+            </a:r>
+          </a:p>
+        </p:txBody>
+      </p:sp>
+      <p:sp>
+        <p:nvSpPr>
+          <p:cNvPr id="18" name="TextBox 17">
+            <a:extLst>
+              <a:ext uri="{FF2B5EF4-FFF2-40B4-BE49-F238E27FC236}">
+                <a16:creationId xmlns:a16="http://schemas.microsoft.com/office/drawing/2014/main" id="{A486D88A-59C0-FECE-D81F-8D081F9BADFF}"/>
+              </a:ext>
+            </a:extLst>
+          </p:cNvPr>
+          <p:cNvSpPr txBox="1"/>
+          <p:nvPr/>
+        </p:nvSpPr>
+        <p:spPr>
+          <a:xfrm>
+            <a:off x="795602" y="2395060"/>
+            <a:ext cx="10632431" cy="584775"/>
+          </a:xfrm>
+          <a:prstGeom prst="rect">
+            <a:avLst/>
+          </a:prstGeom>
+          <a:noFill/>
+        </p:spPr>
+        <p:txBody>
+          <a:bodyPr wrap="square">
+            <a:spAutoFit/>
+          </a:bodyPr>
+          <a:lstStyle/>
+          <a:p>
+            <a:r>
+              <a:rPr lang="en-US" sz="3200" b="1" dirty="0"/>
+              <a:t>Cross-Entropy: </a:t>
+            </a:r>
+            <a:r>
+              <a:rPr lang="en-US" sz="3200" b="1" dirty="0">
+                <a:solidFill>
+                  <a:srgbClr val="FF0000"/>
+                </a:solidFill>
+              </a:rPr>
+              <a:t>What if we did not optimize encoding?</a:t>
+            </a:r>
+            <a:endParaRPr lang="en-US" sz="3200" dirty="0">
+              <a:solidFill>
+                <a:srgbClr val="FF0000"/>
+              </a:solidFill>
+            </a:endParaRPr>
+          </a:p>
+        </p:txBody>
+      </p:sp>
+      <p:sp>
+        <p:nvSpPr>
+          <p:cNvPr id="21" name="TextBox 20">
+            <a:extLst>
+              <a:ext uri="{FF2B5EF4-FFF2-40B4-BE49-F238E27FC236}">
+                <a16:creationId xmlns:a16="http://schemas.microsoft.com/office/drawing/2014/main" id="{E600A070-B39D-D8E9-72B6-0BFB90E3C216}"/>
+              </a:ext>
+            </a:extLst>
+          </p:cNvPr>
+          <p:cNvSpPr txBox="1"/>
+          <p:nvPr/>
+        </p:nvSpPr>
+        <p:spPr>
+          <a:xfrm>
+            <a:off x="655760" y="3214611"/>
+            <a:ext cx="10632431" cy="369332"/>
+          </a:xfrm>
+          <a:prstGeom prst="rect">
+            <a:avLst/>
+          </a:prstGeom>
+          <a:noFill/>
+        </p:spPr>
+        <p:txBody>
+          <a:bodyPr wrap="square">
+            <a:spAutoFit/>
+          </a:bodyPr>
+          <a:lstStyle/>
+          <a:p>
+            <a:pPr lvl="0" algn="ctr">
+              <a:defRPr/>
+            </a:pPr>
+            <a:r>
+              <a:rPr lang="en-US" b="1" dirty="0"/>
+              <a:t>Cross Entropy: </a:t>
+            </a:r>
+            <a:r>
+              <a:rPr lang="en-US" b="1" dirty="0">
+                <a:solidFill>
+                  <a:schemeClr val="accent1"/>
+                </a:solidFill>
+              </a:rPr>
+              <a:t>0.50</a:t>
+            </a:r>
+            <a:r>
+              <a:rPr lang="en-US" dirty="0"/>
+              <a:t>*(log 1/</a:t>
+            </a:r>
+            <a:r>
+              <a:rPr lang="en-US" b="1" dirty="0" err="1">
+                <a:solidFill>
+                  <a:schemeClr val="accent5"/>
+                </a:solidFill>
+              </a:rPr>
+              <a:t>pre_a</a:t>
+            </a:r>
+            <a:r>
+              <a:rPr lang="en-US" dirty="0">
+                <a:solidFill>
+                  <a:srgbClr val="0000FF"/>
+                </a:solidFill>
+              </a:rPr>
+              <a:t>) </a:t>
+            </a:r>
+            <a:r>
+              <a:rPr lang="en-US" dirty="0"/>
+              <a:t>+</a:t>
+            </a:r>
+            <a:r>
+              <a:rPr lang="en-US" b="1" dirty="0">
+                <a:solidFill>
+                  <a:schemeClr val="accent2"/>
+                </a:solidFill>
+              </a:rPr>
+              <a:t>0.25</a:t>
+            </a:r>
+            <a:r>
+              <a:rPr lang="en-US" dirty="0"/>
+              <a:t>* (log 1/</a:t>
+            </a:r>
+            <a:r>
+              <a:rPr lang="en-US" dirty="0" err="1">
+                <a:solidFill>
+                  <a:schemeClr val="accent2"/>
+                </a:solidFill>
+              </a:rPr>
+              <a:t>pre_b</a:t>
+            </a:r>
+            <a:r>
+              <a:rPr lang="en-US" dirty="0"/>
+              <a:t>)+</a:t>
+            </a:r>
+            <a:r>
+              <a:rPr lang="en-US" b="1" dirty="0">
+                <a:solidFill>
+                  <a:schemeClr val="accent6"/>
+                </a:solidFill>
+              </a:rPr>
+              <a:t>0.25</a:t>
+            </a:r>
+            <a:r>
+              <a:rPr lang="en-US" dirty="0"/>
+              <a:t>*(log 1/</a:t>
+            </a:r>
+            <a:r>
+              <a:rPr lang="en-US" b="1" dirty="0" err="1">
+                <a:solidFill>
+                  <a:schemeClr val="accent6"/>
+                </a:solidFill>
+              </a:rPr>
+              <a:t>pre_c</a:t>
+            </a:r>
+            <a:r>
+              <a:rPr lang="en-US" dirty="0"/>
+              <a:t>) =</a:t>
+            </a:r>
+            <a:r>
+              <a:rPr lang="en-US" dirty="0">
+                <a:solidFill>
+                  <a:srgbClr val="FF0000"/>
+                </a:solidFill>
+              </a:rPr>
+              <a:t> 1 bit per day</a:t>
+            </a:r>
+            <a:endParaRPr lang="en-US" dirty="0"/>
+          </a:p>
+        </p:txBody>
+      </p:sp>
+      <p:sp>
+        <p:nvSpPr>
+          <p:cNvPr id="23" name="Left Brace 22">
+            <a:extLst>
+              <a:ext uri="{FF2B5EF4-FFF2-40B4-BE49-F238E27FC236}">
+                <a16:creationId xmlns:a16="http://schemas.microsoft.com/office/drawing/2014/main" id="{0A29A196-2477-2396-16F5-E79AF0B3DA41}"/>
+              </a:ext>
+            </a:extLst>
+          </p:cNvPr>
+          <p:cNvSpPr/>
+          <p:nvPr/>
+        </p:nvSpPr>
+        <p:spPr>
+          <a:xfrm rot="16200000">
+            <a:off x="4202927" y="3388518"/>
+            <a:ext cx="276837" cy="1059169"/>
+          </a:xfrm>
+          <a:prstGeom prst="leftBrace">
+            <a:avLst/>
+          </a:prstGeom>
+          <a:ln w="38100">
+            <a:solidFill>
+              <a:srgbClr val="7030A0"/>
+            </a:solidFill>
+          </a:ln>
+        </p:spPr>
+        <p:style>
+          <a:lnRef idx="1">
+            <a:schemeClr val="accent1"/>
+          </a:lnRef>
+          <a:fillRef idx="0">
+            <a:schemeClr val="accent1"/>
+          </a:fillRef>
+          <a:effectRef idx="0">
+            <a:schemeClr val="accent1"/>
+          </a:effectRef>
+          <a:fontRef idx="minor">
+            <a:schemeClr val="tx1"/>
+          </a:fontRef>
+        </p:style>
+        <p:txBody>
+          <a:bodyPr rtlCol="0" anchor="ctr"/>
+          <a:lstStyle/>
+          <a:p>
+            <a:pPr algn="ctr"/>
+            <a:endParaRPr lang="en-US"/>
+          </a:p>
+        </p:txBody>
+      </p:sp>
+      <p:sp>
+        <p:nvSpPr>
+          <p:cNvPr id="24" name="Left Brace 23">
+            <a:extLst>
+              <a:ext uri="{FF2B5EF4-FFF2-40B4-BE49-F238E27FC236}">
+                <a16:creationId xmlns:a16="http://schemas.microsoft.com/office/drawing/2014/main" id="{213C9BD1-EA04-1250-4D12-20A5F939B765}"/>
+              </a:ext>
+            </a:extLst>
+          </p:cNvPr>
+          <p:cNvSpPr/>
+          <p:nvPr/>
+        </p:nvSpPr>
+        <p:spPr>
+          <a:xfrm rot="16200000">
+            <a:off x="6175739" y="3388519"/>
+            <a:ext cx="276837" cy="1059170"/>
+          </a:xfrm>
+          <a:prstGeom prst="leftBrace">
+            <a:avLst/>
+          </a:prstGeom>
+          <a:ln w="38100">
+            <a:solidFill>
+              <a:srgbClr val="7030A0"/>
+            </a:solidFill>
+          </a:ln>
+        </p:spPr>
+        <p:style>
+          <a:lnRef idx="1">
+            <a:schemeClr val="accent1"/>
+          </a:lnRef>
+          <a:fillRef idx="0">
+            <a:schemeClr val="accent1"/>
+          </a:fillRef>
+          <a:effectRef idx="0">
+            <a:schemeClr val="accent1"/>
+          </a:effectRef>
+          <a:fontRef idx="minor">
+            <a:schemeClr val="tx1"/>
+          </a:fontRef>
+        </p:style>
+        <p:txBody>
+          <a:bodyPr rtlCol="0" anchor="ctr"/>
+          <a:lstStyle/>
+          <a:p>
+            <a:pPr algn="ctr"/>
+            <a:endParaRPr lang="en-US"/>
+          </a:p>
+        </p:txBody>
+      </p:sp>
+      <p:sp>
+        <p:nvSpPr>
+          <p:cNvPr id="25" name="Left Brace 24">
+            <a:extLst>
+              <a:ext uri="{FF2B5EF4-FFF2-40B4-BE49-F238E27FC236}">
+                <a16:creationId xmlns:a16="http://schemas.microsoft.com/office/drawing/2014/main" id="{37F2D8A6-D6EB-155D-181B-03436B25C59A}"/>
+              </a:ext>
+            </a:extLst>
+          </p:cNvPr>
+          <p:cNvSpPr/>
+          <p:nvPr/>
+        </p:nvSpPr>
+        <p:spPr>
+          <a:xfrm rot="16200000">
+            <a:off x="8050017" y="3353033"/>
+            <a:ext cx="276837" cy="1096992"/>
+          </a:xfrm>
+          <a:prstGeom prst="leftBrace">
+            <a:avLst/>
+          </a:prstGeom>
+          <a:ln w="38100">
+            <a:solidFill>
+              <a:srgbClr val="7030A0"/>
+            </a:solidFill>
+          </a:ln>
+        </p:spPr>
+        <p:style>
+          <a:lnRef idx="1">
+            <a:schemeClr val="accent1"/>
+          </a:lnRef>
+          <a:fillRef idx="0">
+            <a:schemeClr val="accent1"/>
+          </a:fillRef>
+          <a:effectRef idx="0">
+            <a:schemeClr val="accent1"/>
+          </a:effectRef>
+          <a:fontRef idx="minor">
+            <a:schemeClr val="tx1"/>
+          </a:fontRef>
+        </p:style>
+        <p:txBody>
+          <a:bodyPr rtlCol="0" anchor="ctr"/>
+          <a:lstStyle/>
+          <a:p>
+            <a:pPr algn="ctr"/>
+            <a:endParaRPr lang="en-US"/>
+          </a:p>
+        </p:txBody>
+      </p:sp>
+      <p:sp>
+        <p:nvSpPr>
+          <p:cNvPr id="26" name="TextBox 25">
+            <a:extLst>
+              <a:ext uri="{FF2B5EF4-FFF2-40B4-BE49-F238E27FC236}">
+                <a16:creationId xmlns:a16="http://schemas.microsoft.com/office/drawing/2014/main" id="{61E842C9-1C17-4173-721A-5FE40E560819}"/>
+              </a:ext>
+            </a:extLst>
+          </p:cNvPr>
+          <p:cNvSpPr txBox="1"/>
+          <p:nvPr/>
+        </p:nvSpPr>
+        <p:spPr>
+          <a:xfrm>
+            <a:off x="872487" y="3755875"/>
+            <a:ext cx="2226763" cy="369332"/>
+          </a:xfrm>
+          <a:prstGeom prst="rect">
+            <a:avLst/>
+          </a:prstGeom>
+          <a:noFill/>
+        </p:spPr>
+        <p:txBody>
+          <a:bodyPr wrap="none" rtlCol="0">
+            <a:spAutoFit/>
+          </a:bodyPr>
+          <a:lstStyle/>
+          <a:p>
+            <a:r>
+              <a:rPr lang="en-US" b="1" dirty="0">
+                <a:solidFill>
+                  <a:srgbClr val="7030A0"/>
+                </a:solidFill>
+              </a:rPr>
+              <a:t>Predicted encoding </a:t>
+            </a:r>
+            <a:r>
+              <a:rPr lang="en-US" b="1" i="1" dirty="0">
+                <a:solidFill>
+                  <a:srgbClr val="FF0000"/>
+                </a:solidFill>
+              </a:rPr>
+              <a:t>Q</a:t>
+            </a:r>
+          </a:p>
+        </p:txBody>
+      </p:sp>
+      <p:sp>
+        <p:nvSpPr>
+          <p:cNvPr id="27" name="Left Brace 26">
+            <a:extLst>
+              <a:ext uri="{FF2B5EF4-FFF2-40B4-BE49-F238E27FC236}">
+                <a16:creationId xmlns:a16="http://schemas.microsoft.com/office/drawing/2014/main" id="{4FE886FC-571F-2DC7-3E41-E801209FAEC4}"/>
+              </a:ext>
+            </a:extLst>
+          </p:cNvPr>
+          <p:cNvSpPr/>
+          <p:nvPr/>
+        </p:nvSpPr>
+        <p:spPr>
+          <a:xfrm rot="16200000">
+            <a:off x="3419585" y="4304325"/>
+            <a:ext cx="276837" cy="397389"/>
+          </a:xfrm>
+          <a:prstGeom prst="leftBrace">
+            <a:avLst/>
+          </a:prstGeom>
+          <a:ln w="38100">
+            <a:solidFill>
+              <a:srgbClr val="00B0F0"/>
+            </a:solidFill>
+          </a:ln>
+        </p:spPr>
+        <p:style>
+          <a:lnRef idx="1">
+            <a:schemeClr val="accent1"/>
+          </a:lnRef>
+          <a:fillRef idx="0">
+            <a:schemeClr val="accent1"/>
+          </a:fillRef>
+          <a:effectRef idx="0">
+            <a:schemeClr val="accent1"/>
+          </a:effectRef>
+          <a:fontRef idx="minor">
+            <a:schemeClr val="tx1"/>
+          </a:fontRef>
+        </p:style>
+        <p:txBody>
+          <a:bodyPr rtlCol="0" anchor="ctr"/>
+          <a:lstStyle/>
+          <a:p>
+            <a:pPr algn="ctr"/>
+            <a:endParaRPr lang="en-US" dirty="0"/>
+          </a:p>
+        </p:txBody>
+      </p:sp>
+      <p:sp>
+        <p:nvSpPr>
+          <p:cNvPr id="28" name="Left Brace 27">
+            <a:extLst>
+              <a:ext uri="{FF2B5EF4-FFF2-40B4-BE49-F238E27FC236}">
+                <a16:creationId xmlns:a16="http://schemas.microsoft.com/office/drawing/2014/main" id="{D66F7837-42A5-FFFC-7D7D-3AD89F1D7448}"/>
+              </a:ext>
+            </a:extLst>
+          </p:cNvPr>
+          <p:cNvSpPr/>
+          <p:nvPr/>
+        </p:nvSpPr>
+        <p:spPr>
+          <a:xfrm rot="16200000">
+            <a:off x="7003360" y="4211831"/>
+            <a:ext cx="276837" cy="397389"/>
+          </a:xfrm>
+          <a:prstGeom prst="leftBrace">
+            <a:avLst/>
+          </a:prstGeom>
+          <a:ln w="38100">
+            <a:solidFill>
+              <a:srgbClr val="00B0F0"/>
+            </a:solidFill>
+          </a:ln>
+        </p:spPr>
+        <p:style>
+          <a:lnRef idx="1">
+            <a:schemeClr val="accent1"/>
+          </a:lnRef>
+          <a:fillRef idx="0">
+            <a:schemeClr val="accent1"/>
+          </a:fillRef>
+          <a:effectRef idx="0">
+            <a:schemeClr val="accent1"/>
+          </a:effectRef>
+          <a:fontRef idx="minor">
+            <a:schemeClr val="tx1"/>
+          </a:fontRef>
+        </p:style>
+        <p:txBody>
+          <a:bodyPr rtlCol="0" anchor="ctr"/>
+          <a:lstStyle/>
+          <a:p>
+            <a:pPr algn="ctr"/>
+            <a:endParaRPr lang="en-US" dirty="0"/>
+          </a:p>
+        </p:txBody>
+      </p:sp>
+      <p:sp>
+        <p:nvSpPr>
+          <p:cNvPr id="30" name="Left Brace 29">
+            <a:extLst>
+              <a:ext uri="{FF2B5EF4-FFF2-40B4-BE49-F238E27FC236}">
+                <a16:creationId xmlns:a16="http://schemas.microsoft.com/office/drawing/2014/main" id="{C3A5DEA0-E490-FEA4-03E8-28BF21849BC2}"/>
+              </a:ext>
+            </a:extLst>
+          </p:cNvPr>
+          <p:cNvSpPr/>
+          <p:nvPr/>
+        </p:nvSpPr>
+        <p:spPr>
+          <a:xfrm rot="16200000">
+            <a:off x="5254201" y="4236865"/>
+            <a:ext cx="276837" cy="397389"/>
+          </a:xfrm>
+          <a:prstGeom prst="leftBrace">
+            <a:avLst/>
+          </a:prstGeom>
+          <a:ln w="38100">
+            <a:solidFill>
+              <a:srgbClr val="00B0F0"/>
+            </a:solidFill>
+          </a:ln>
+        </p:spPr>
+        <p:style>
+          <a:lnRef idx="1">
+            <a:schemeClr val="accent1"/>
+          </a:lnRef>
+          <a:fillRef idx="0">
+            <a:schemeClr val="accent1"/>
+          </a:fillRef>
+          <a:effectRef idx="0">
+            <a:schemeClr val="accent1"/>
+          </a:effectRef>
+          <a:fontRef idx="minor">
+            <a:schemeClr val="tx1"/>
+          </a:fontRef>
+        </p:style>
+        <p:txBody>
+          <a:bodyPr rtlCol="0" anchor="ctr"/>
+          <a:lstStyle/>
+          <a:p>
+            <a:pPr algn="ctr"/>
+            <a:endParaRPr lang="en-US" dirty="0"/>
+          </a:p>
+        </p:txBody>
+      </p:sp>
+      <p:sp>
+        <p:nvSpPr>
+          <p:cNvPr id="31" name="TextBox 30">
+            <a:extLst>
+              <a:ext uri="{FF2B5EF4-FFF2-40B4-BE49-F238E27FC236}">
+                <a16:creationId xmlns:a16="http://schemas.microsoft.com/office/drawing/2014/main" id="{1C1F075D-D1F0-5812-3284-8C20879CF08B}"/>
+              </a:ext>
+            </a:extLst>
+          </p:cNvPr>
+          <p:cNvSpPr txBox="1"/>
+          <p:nvPr/>
+        </p:nvSpPr>
+        <p:spPr>
+          <a:xfrm>
+            <a:off x="1168272" y="4307638"/>
+            <a:ext cx="1930978" cy="369332"/>
+          </a:xfrm>
+          <a:prstGeom prst="rect">
+            <a:avLst/>
+          </a:prstGeom>
+          <a:noFill/>
+        </p:spPr>
+        <p:txBody>
+          <a:bodyPr wrap="none" rtlCol="0">
+            <a:spAutoFit/>
+          </a:bodyPr>
+          <a:lstStyle/>
+          <a:p>
+            <a:r>
+              <a:rPr lang="en-US" b="1" dirty="0">
+                <a:solidFill>
+                  <a:schemeClr val="accent1"/>
+                </a:solidFill>
+              </a:rPr>
+              <a:t>true distribution </a:t>
+            </a:r>
+            <a:r>
+              <a:rPr lang="en-US" b="1" i="1" dirty="0">
+                <a:solidFill>
+                  <a:srgbClr val="FF0000"/>
+                </a:solidFill>
+              </a:rPr>
+              <a:t>P</a:t>
+            </a:r>
+          </a:p>
+        </p:txBody>
+      </p:sp>
+    </p:spTree>
+    <p:extLst>
+      <p:ext uri="{BB962C8B-B14F-4D97-AF65-F5344CB8AC3E}">
+        <p14:creationId xmlns:p14="http://schemas.microsoft.com/office/powerpoint/2010/main" val="2994016025"/>
+      </p:ext>
+    </p:extLst>
+  </p:cSld>
+  <p:clrMapOvr>
+    <a:masterClrMapping/>
+  </p:clrMapOvr>
+</p:sld>
+</file>
+
+<file path=ppt/slides/slide19.xml><?xml version="1.0" encoding="utf-8"?>
+<p:sld xmlns:a="http://schemas.openxmlformats.org/drawingml/2006/main" xmlns:r="http://schemas.openxmlformats.org/officeDocument/2006/relationships" xmlns:p="http://schemas.openxmlformats.org/presentationml/2006/main">
+  <p:cSld>
+    <p:spTree>
+      <p:nvGrpSpPr>
+        <p:cNvPr id="1" name="">
+          <a:extLst>
+            <a:ext uri="{FF2B5EF4-FFF2-40B4-BE49-F238E27FC236}">
+              <a16:creationId xmlns:a16="http://schemas.microsoft.com/office/drawing/2014/main" id="{4C9789CA-EC1C-CC9B-7E13-561D45FA689B}"/>
+            </a:ext>
+          </a:extLst>
+        </p:cNvPr>
+        <p:cNvGrpSpPr/>
+        <p:nvPr/>
+      </p:nvGrpSpPr>
+      <p:grpSpPr>
+        <a:xfrm>
+          <a:off x="0" y="0"/>
+          <a:ext cx="0" cy="0"/>
+          <a:chOff x="0" y="0"/>
+          <a:chExt cx="0" cy="0"/>
+        </a:xfrm>
+      </p:grpSpPr>
+      <p:sp>
+        <p:nvSpPr>
+          <p:cNvPr id="15" name="TextBox 14">
+            <a:extLst>
+              <a:ext uri="{FF2B5EF4-FFF2-40B4-BE49-F238E27FC236}">
+                <a16:creationId xmlns:a16="http://schemas.microsoft.com/office/drawing/2014/main" id="{F1713B3E-2D32-62EF-BE5E-48B0DCF25346}"/>
+              </a:ext>
+            </a:extLst>
+          </p:cNvPr>
+          <p:cNvSpPr txBox="1"/>
+          <p:nvPr/>
+        </p:nvSpPr>
+        <p:spPr>
+          <a:xfrm>
+            <a:off x="3503725" y="6523990"/>
+            <a:ext cx="3331415" cy="261610"/>
+          </a:xfrm>
+          <a:prstGeom prst="rect">
+            <a:avLst/>
+          </a:prstGeom>
+          <a:noFill/>
+        </p:spPr>
+        <p:txBody>
+          <a:bodyPr wrap="square">
+            <a:spAutoFit/>
+          </a:bodyPr>
+          <a:lstStyle/>
+          <a:p>
+            <a:r>
+              <a:rPr lang="en-US" sz="1100" dirty="0"/>
+              <a:t>https://www.youtube.com/watch?v=ErfnhcEV1O8</a:t>
+            </a:r>
+          </a:p>
+        </p:txBody>
+      </p:sp>
+      <p:pic>
+        <p:nvPicPr>
+          <p:cNvPr id="19" name="Picture 18">
+            <a:extLst>
+              <a:ext uri="{FF2B5EF4-FFF2-40B4-BE49-F238E27FC236}">
+                <a16:creationId xmlns:a16="http://schemas.microsoft.com/office/drawing/2014/main" id="{91561FF8-D8A8-60FE-EABD-6424279F2086}"/>
+              </a:ext>
+            </a:extLst>
+          </p:cNvPr>
+          <p:cNvPicPr>
+            <a:picLocks noChangeAspect="1"/>
+          </p:cNvPicPr>
+          <p:nvPr/>
+        </p:nvPicPr>
+        <p:blipFill>
+          <a:blip r:embed="rId3"/>
+          <a:srcRect l="3481"/>
+          <a:stretch/>
+        </p:blipFill>
+        <p:spPr>
+          <a:xfrm>
+            <a:off x="1361647" y="1755594"/>
+            <a:ext cx="8413162" cy="2841572"/>
+          </a:xfrm>
+          <a:prstGeom prst="rect">
+            <a:avLst/>
+          </a:prstGeom>
+        </p:spPr>
+      </p:pic>
+      <p:sp>
+        <p:nvSpPr>
+          <p:cNvPr id="20" name="TextBox 19">
+            <a:extLst>
+              <a:ext uri="{FF2B5EF4-FFF2-40B4-BE49-F238E27FC236}">
+                <a16:creationId xmlns:a16="http://schemas.microsoft.com/office/drawing/2014/main" id="{DACDD88A-814E-1F1D-A50E-3C84FC01E404}"/>
+              </a:ext>
+            </a:extLst>
+          </p:cNvPr>
+          <p:cNvSpPr txBox="1"/>
+          <p:nvPr/>
+        </p:nvSpPr>
+        <p:spPr>
+          <a:xfrm>
+            <a:off x="8115860" y="2883001"/>
+            <a:ext cx="2991164" cy="584775"/>
+          </a:xfrm>
+          <a:prstGeom prst="rect">
+            <a:avLst/>
+          </a:prstGeom>
+          <a:solidFill>
+            <a:schemeClr val="accent4">
+              <a:lumMod val="20000"/>
+              <a:lumOff val="80000"/>
+            </a:schemeClr>
+          </a:solidFill>
+        </p:spPr>
+        <p:txBody>
+          <a:bodyPr wrap="square" rtlCol="0">
+            <a:spAutoFit/>
+          </a:bodyPr>
+          <a:lstStyle/>
+          <a:p>
+            <a:r>
+              <a:rPr lang="en-US" sz="1600" dirty="0"/>
+              <a:t>extract bits need to encode information</a:t>
+            </a:r>
+          </a:p>
+        </p:txBody>
+      </p:sp>
+      <p:cxnSp>
+        <p:nvCxnSpPr>
+          <p:cNvPr id="22" name="Straight Arrow Connector 21">
+            <a:extLst>
+              <a:ext uri="{FF2B5EF4-FFF2-40B4-BE49-F238E27FC236}">
+                <a16:creationId xmlns:a16="http://schemas.microsoft.com/office/drawing/2014/main" id="{7F2BF856-CA6D-279B-573F-34F5A52A8047}"/>
+              </a:ext>
+            </a:extLst>
+          </p:cNvPr>
+          <p:cNvCxnSpPr>
+            <a:cxnSpLocks/>
+            <a:stCxn id="20" idx="0"/>
+          </p:cNvCxnSpPr>
+          <p:nvPr/>
+        </p:nvCxnSpPr>
+        <p:spPr>
+          <a:xfrm flipH="1" flipV="1">
+            <a:off x="8593787" y="2686987"/>
+            <a:ext cx="1017655" cy="196014"/>
+          </a:xfrm>
+          <a:prstGeom prst="straightConnector1">
+            <a:avLst/>
+          </a:prstGeom>
+          <a:ln>
+            <a:tailEnd type="triangle"/>
+          </a:ln>
+        </p:spPr>
+        <p:style>
+          <a:lnRef idx="1">
+            <a:schemeClr val="accent1"/>
+          </a:lnRef>
+          <a:fillRef idx="0">
+            <a:schemeClr val="accent1"/>
+          </a:fillRef>
+          <a:effectRef idx="0">
+            <a:schemeClr val="accent1"/>
+          </a:effectRef>
+          <a:fontRef idx="minor">
+            <a:schemeClr val="tx1"/>
+          </a:fontRef>
+        </p:style>
+      </p:cxnSp>
+    </p:spTree>
+    <p:extLst>
+      <p:ext uri="{BB962C8B-B14F-4D97-AF65-F5344CB8AC3E}">
+        <p14:creationId xmlns:p14="http://schemas.microsoft.com/office/powerpoint/2010/main" val="34415168"/>
+      </p:ext>
+    </p:extLst>
+  </p:cSld>
+  <p:clrMapOvr>
+    <a:masterClrMapping/>
+  </p:clrMapOvr>
+</p:sld>
+</file>
+
+<file path=ppt/slides/slide2.xml><?xml version="1.0" encoding="utf-8"?>
+<p:sld xmlns:a="http://schemas.openxmlformats.org/drawingml/2006/main" xmlns:r="http://schemas.openxmlformats.org/officeDocument/2006/relationships" xmlns:p="http://schemas.openxmlformats.org/presentationml/2006/main">
+  <p:cSld>
+    <p:spTree>
+      <p:nvGrpSpPr>
+        <p:cNvPr id="1" name=""/>
+        <p:cNvGrpSpPr/>
+        <p:nvPr/>
+      </p:nvGrpSpPr>
+      <p:grpSpPr>
+        <a:xfrm>
+          <a:off x="0" y="0"/>
+          <a:ext cx="0" cy="0"/>
+          <a:chOff x="0" y="0"/>
+          <a:chExt cx="0" cy="0"/>
+        </a:xfrm>
+      </p:grpSpPr>
+      <p:sp>
+        <p:nvSpPr>
+          <p:cNvPr id="2" name="Title 1">
+            <a:extLst>
+              <a:ext uri="{FF2B5EF4-FFF2-40B4-BE49-F238E27FC236}">
+                <a16:creationId xmlns:a16="http://schemas.microsoft.com/office/drawing/2014/main" id="{581B0BDA-EADA-7012-694F-60F1BFB9D6D9}"/>
+              </a:ext>
+            </a:extLst>
+          </p:cNvPr>
+          <p:cNvSpPr>
+            <a:spLocks noGrp="1"/>
+          </p:cNvSpPr>
+          <p:nvPr>
+            <p:ph type="title"/>
+          </p:nvPr>
+        </p:nvSpPr>
+        <p:spPr/>
+        <p:txBody>
+          <a:bodyPr/>
+          <a:lstStyle/>
+          <a:p>
+            <a:r>
+              <a:rPr lang="en-US" dirty="0"/>
+              <a:t>Overview</a:t>
+            </a:r>
+          </a:p>
+        </p:txBody>
+      </p:sp>
+      <p:sp>
+        <p:nvSpPr>
+          <p:cNvPr id="3" name="Content Placeholder 2">
+            <a:extLst>
+              <a:ext uri="{FF2B5EF4-FFF2-40B4-BE49-F238E27FC236}">
+                <a16:creationId xmlns:a16="http://schemas.microsoft.com/office/drawing/2014/main" id="{06162081-A63F-B575-CA37-6004D51E7702}"/>
+              </a:ext>
+            </a:extLst>
+          </p:cNvPr>
+          <p:cNvSpPr>
+            <a:spLocks noGrp="1"/>
+          </p:cNvSpPr>
+          <p:nvPr>
+            <p:ph idx="1"/>
+          </p:nvPr>
+        </p:nvSpPr>
+        <p:spPr/>
+        <p:txBody>
+          <a:bodyPr/>
+          <a:lstStyle/>
+          <a:p>
+            <a:pPr rtl="0">
+              <a:buFont typeface="Arial" panose="020B0604020202020204" pitchFamily="34" charset="0"/>
+              <a:buChar char="•"/>
+            </a:pPr>
+            <a:r>
+              <a:rPr lang="en-GB" dirty="0"/>
+              <a:t>Entropy: Measuring uncertainty in data</a:t>
+            </a:r>
+          </a:p>
+          <a:p>
+            <a:pPr rtl="0">
+              <a:buFont typeface="Arial" panose="020B0604020202020204" pitchFamily="34" charset="0"/>
+              <a:buChar char="•"/>
+            </a:pPr>
+            <a:r>
+              <a:rPr lang="en-GB" dirty="0"/>
+              <a:t>Cross-Entropy Loss: Evaluating model predictions</a:t>
+            </a:r>
+          </a:p>
+          <a:p>
+            <a:pPr rtl="0">
+              <a:buFont typeface="Arial" panose="020B0604020202020204" pitchFamily="34" charset="0"/>
+              <a:buChar char="•"/>
+            </a:pPr>
+            <a:r>
+              <a:rPr lang="en-GB" dirty="0" err="1"/>
+              <a:t>ReLU</a:t>
+            </a:r>
+            <a:r>
+              <a:rPr lang="en-GB" dirty="0"/>
+              <a:t> Activation: Enabling non-linear learning</a:t>
+            </a:r>
+          </a:p>
+          <a:p>
+            <a:pPr rtl="0">
+              <a:buFont typeface="Arial" panose="020B0604020202020204" pitchFamily="34" charset="0"/>
+              <a:buChar char="•"/>
+            </a:pPr>
+            <a:r>
+              <a:rPr lang="en-GB" dirty="0"/>
+              <a:t>Adam Optimizer: Efficiently updating model weights</a:t>
+            </a:r>
+          </a:p>
+          <a:p>
+            <a:pPr rtl="0">
+              <a:buFont typeface="Arial" panose="020B0604020202020204" pitchFamily="34" charset="0"/>
+              <a:buChar char="•"/>
+            </a:pPr>
+            <a:r>
+              <a:rPr lang="en-GB" dirty="0"/>
+              <a:t>How these concepts work together in our </a:t>
+            </a:r>
+            <a:r>
+              <a:rPr lang="en-GB" dirty="0" err="1"/>
+              <a:t>PyTorch</a:t>
+            </a:r>
+            <a:r>
+              <a:rPr lang="en-GB" dirty="0"/>
+              <a:t> model</a:t>
+            </a:r>
+          </a:p>
+          <a:p>
+            <a:endParaRPr lang="en-US" dirty="0"/>
+          </a:p>
+        </p:txBody>
+      </p:sp>
+    </p:spTree>
+    <p:extLst>
+      <p:ext uri="{BB962C8B-B14F-4D97-AF65-F5344CB8AC3E}">
+        <p14:creationId xmlns:p14="http://schemas.microsoft.com/office/powerpoint/2010/main" val="3637650244"/>
+      </p:ext>
+    </p:extLst>
+  </p:cSld>
+  <p:clrMapOvr>
+    <a:masterClrMapping/>
+  </p:clrMapOvr>
+</p:sld>
+</file>
+
+<file path=ppt/slides/slide20.xml><?xml version="1.0" encoding="utf-8"?>
+<p:sld xmlns:a="http://schemas.openxmlformats.org/drawingml/2006/main" xmlns:r="http://schemas.openxmlformats.org/officeDocument/2006/relationships" xmlns:p="http://schemas.openxmlformats.org/presentationml/2006/main">
+  <p:cSld>
+    <p:spTree>
+      <p:nvGrpSpPr>
+        <p:cNvPr id="1" name="">
+          <a:extLst>
+            <a:ext uri="{FF2B5EF4-FFF2-40B4-BE49-F238E27FC236}">
+              <a16:creationId xmlns:a16="http://schemas.microsoft.com/office/drawing/2014/main" id="{4D761066-F792-900C-74B5-465919515B00}"/>
+            </a:ext>
+          </a:extLst>
+        </p:cNvPr>
+        <p:cNvGrpSpPr/>
+        <p:nvPr/>
+      </p:nvGrpSpPr>
+      <p:grpSpPr>
+        <a:xfrm>
+          <a:off x="0" y="0"/>
+          <a:ext cx="0" cy="0"/>
+          <a:chOff x="0" y="0"/>
+          <a:chExt cx="0" cy="0"/>
+        </a:xfrm>
+      </p:grpSpPr>
+      <p:sp>
+        <p:nvSpPr>
+          <p:cNvPr id="4" name="Title 3">
+            <a:extLst>
+              <a:ext uri="{FF2B5EF4-FFF2-40B4-BE49-F238E27FC236}">
+                <a16:creationId xmlns:a16="http://schemas.microsoft.com/office/drawing/2014/main" id="{9B7AE238-387F-A395-6F37-C5CFEF8C54A3}"/>
+              </a:ext>
+            </a:extLst>
+          </p:cNvPr>
+          <p:cNvSpPr>
+            <a:spLocks noGrp="1"/>
+          </p:cNvSpPr>
+          <p:nvPr>
+            <p:ph type="title"/>
+          </p:nvPr>
+        </p:nvSpPr>
+        <p:spPr/>
+        <p:txBody>
+          <a:bodyPr/>
+          <a:lstStyle/>
+          <a:p>
+            <a:r>
+              <a:rPr lang="en-US" dirty="0"/>
+              <a:t>Cross-Entropy Loss</a:t>
+            </a:r>
+          </a:p>
+        </p:txBody>
+      </p:sp>
+      <p:sp>
+        <p:nvSpPr>
+          <p:cNvPr id="5" name="Text Placeholder 4">
+            <a:extLst>
+              <a:ext uri="{FF2B5EF4-FFF2-40B4-BE49-F238E27FC236}">
+                <a16:creationId xmlns:a16="http://schemas.microsoft.com/office/drawing/2014/main" id="{D4ABCCA8-AB5E-303E-EC11-64A6D631F0CC}"/>
+              </a:ext>
+            </a:extLst>
+          </p:cNvPr>
+          <p:cNvSpPr>
+            <a:spLocks noGrp="1"/>
+          </p:cNvSpPr>
+          <p:nvPr>
+            <p:ph type="body" idx="1"/>
+          </p:nvPr>
+        </p:nvSpPr>
+        <p:spPr/>
+        <p:txBody>
+          <a:bodyPr/>
+          <a:lstStyle/>
+          <a:p>
+            <a:endParaRPr lang="en-US"/>
+          </a:p>
+        </p:txBody>
+      </p:sp>
+    </p:spTree>
+    <p:extLst>
+      <p:ext uri="{BB962C8B-B14F-4D97-AF65-F5344CB8AC3E}">
+        <p14:creationId xmlns:p14="http://schemas.microsoft.com/office/powerpoint/2010/main" val="2958233388"/>
+      </p:ext>
+    </p:extLst>
+  </p:cSld>
+  <p:clrMapOvr>
+    <a:masterClrMapping/>
+  </p:clrMapOvr>
+</p:sld>
+</file>
+
+<file path=ppt/slides/slide21.xml><?xml version="1.0" encoding="utf-8"?>
 <p:sld xmlns:a="http://schemas.openxmlformats.org/drawingml/2006/main" xmlns:r="http://schemas.openxmlformats.org/officeDocument/2006/relationships" xmlns:p="http://schemas.openxmlformats.org/presentationml/2006/main">
   <p:cSld>
     <p:spTree>
@@ -9470,7 +14403,7 @@
           <a:p>
             <a:r>
               <a:rPr lang="en-US" dirty="0"/>
-              <a:t>Cross-Entropy: Evaluating Predictions</a:t>
+              <a:t>Cross-Entropy loss: Evaluating Predictions</a:t>
             </a:r>
           </a:p>
         </p:txBody>
@@ -10175,7 +15108,7 @@
 </p:sld>
 </file>
 
-<file path=ppt/slides/slide15.xml><?xml version="1.0" encoding="utf-8"?>
+<file path=ppt/slides/slide22.xml><?xml version="1.0" encoding="utf-8"?>
 <p:sld xmlns:a="http://schemas.openxmlformats.org/drawingml/2006/main" xmlns:r="http://schemas.openxmlformats.org/officeDocument/2006/relationships" xmlns:p="http://schemas.openxmlformats.org/presentationml/2006/main">
   <p:cSld>
     <p:spTree>
@@ -10183,7 +15116,7 @@
         <p:cNvPr id="1" name="">
           <a:extLst>
             <a:ext uri="{FF2B5EF4-FFF2-40B4-BE49-F238E27FC236}">
-              <a16:creationId xmlns:a16="http://schemas.microsoft.com/office/drawing/2014/main" id="{478F27BA-8E95-5CF7-34BA-59D0188A368B}"/>
+              <a16:creationId xmlns:a16="http://schemas.microsoft.com/office/drawing/2014/main" id="{7CA97A7E-CE69-A3D7-C856-F2311B026D81}"/>
             </a:ext>
           </a:extLst>
         </p:cNvPr>
@@ -10203,7 +15136,7 @@
           <p:cNvPr id="9" name="Picture 8">
             <a:extLst>
               <a:ext uri="{FF2B5EF4-FFF2-40B4-BE49-F238E27FC236}">
-                <a16:creationId xmlns:a16="http://schemas.microsoft.com/office/drawing/2014/main" id="{FA8CE187-455F-75F4-F8E8-FE9CF4D8C3F8}"/>
+                <a16:creationId xmlns:a16="http://schemas.microsoft.com/office/drawing/2014/main" id="{B8BEDC24-BB17-8C6D-55D9-175A361BC5EC}"/>
               </a:ext>
             </a:extLst>
           </p:cNvPr>
@@ -10232,7 +15165,7 @@
           <p:cNvPr id="6" name="Title 5">
             <a:extLst>
               <a:ext uri="{FF2B5EF4-FFF2-40B4-BE49-F238E27FC236}">
-                <a16:creationId xmlns:a16="http://schemas.microsoft.com/office/drawing/2014/main" id="{9C9BDA24-8E2C-3BB2-3441-450E02F640D6}"/>
+                <a16:creationId xmlns:a16="http://schemas.microsoft.com/office/drawing/2014/main" id="{B9DD433C-7690-9433-FC0A-65F490BF68DC}"/>
               </a:ext>
             </a:extLst>
           </p:cNvPr>
@@ -10260,7 +15193,7 @@
           <p:cNvPr id="8" name="Picture 7">
             <a:extLst>
               <a:ext uri="{FF2B5EF4-FFF2-40B4-BE49-F238E27FC236}">
-                <a16:creationId xmlns:a16="http://schemas.microsoft.com/office/drawing/2014/main" id="{5F9190EF-2CDB-F82F-AC96-B64E4B5FA9CC}"/>
+                <a16:creationId xmlns:a16="http://schemas.microsoft.com/office/drawing/2014/main" id="{FE84682E-B34C-4337-E703-96EE02A47DA9}"/>
               </a:ext>
             </a:extLst>
           </p:cNvPr>
@@ -10276,7 +15209,7 @@
         </p:blipFill>
         <p:spPr>
           <a:xfrm>
-            <a:off x="306986" y="1715069"/>
+            <a:off x="491908" y="2640554"/>
             <a:ext cx="4944987" cy="1926718"/>
           </a:xfrm>
           <a:prstGeom prst="rect">
@@ -10289,7 +15222,7 @@
           <p:cNvPr id="10" name="TextBox 9">
             <a:extLst>
               <a:ext uri="{FF2B5EF4-FFF2-40B4-BE49-F238E27FC236}">
-                <a16:creationId xmlns:a16="http://schemas.microsoft.com/office/drawing/2014/main" id="{309FD157-BB31-7105-A217-52FB838711CC}"/>
+                <a16:creationId xmlns:a16="http://schemas.microsoft.com/office/drawing/2014/main" id="{6E32591D-E4F9-D2E3-4CAF-37294415B99F}"/>
               </a:ext>
             </a:extLst>
           </p:cNvPr>
@@ -10328,7 +15261,7 @@
           <p:cNvPr id="15" name="TextBox 14">
             <a:extLst>
               <a:ext uri="{FF2B5EF4-FFF2-40B4-BE49-F238E27FC236}">
-                <a16:creationId xmlns:a16="http://schemas.microsoft.com/office/drawing/2014/main" id="{D8D48CDA-2310-7105-C67B-2F5B856D65FD}"/>
+                <a16:creationId xmlns:a16="http://schemas.microsoft.com/office/drawing/2014/main" id="{888CF701-565B-5980-AAA2-6B64EF1CEA32}"/>
               </a:ext>
             </a:extLst>
           </p:cNvPr>
@@ -10360,120 +15293,10 @@
       </p:sp>
       <p:pic>
         <p:nvPicPr>
-          <p:cNvPr id="19" name="Picture 18">
-            <a:extLst>
-              <a:ext uri="{FF2B5EF4-FFF2-40B4-BE49-F238E27FC236}">
-                <a16:creationId xmlns:a16="http://schemas.microsoft.com/office/drawing/2014/main" id="{2DD0C426-5B20-1643-9A5B-AAC43B7CDA9D}"/>
-              </a:ext>
-            </a:extLst>
-          </p:cNvPr>
-          <p:cNvPicPr>
-            <a:picLocks noChangeAspect="1"/>
-          </p:cNvPicPr>
-          <p:nvPr/>
-        </p:nvPicPr>
-        <p:blipFill>
-          <a:blip r:embed="rId5"/>
-          <a:srcRect l="3481"/>
-          <a:stretch/>
-        </p:blipFill>
-        <p:spPr>
-          <a:xfrm>
-            <a:off x="274352" y="3911674"/>
-            <a:ext cx="5704515" cy="1926718"/>
-          </a:xfrm>
-          <a:prstGeom prst="rect">
-            <a:avLst/>
-          </a:prstGeom>
-        </p:spPr>
-      </p:pic>
-      <p:sp>
-        <p:nvSpPr>
-          <p:cNvPr id="20" name="TextBox 19">
-            <a:extLst>
-              <a:ext uri="{FF2B5EF4-FFF2-40B4-BE49-F238E27FC236}">
-                <a16:creationId xmlns:a16="http://schemas.microsoft.com/office/drawing/2014/main" id="{70F099BF-D9D1-B768-016F-4F2BA2A9CF73}"/>
-              </a:ext>
-            </a:extLst>
-          </p:cNvPr>
-          <p:cNvSpPr txBox="1"/>
-          <p:nvPr/>
-        </p:nvSpPr>
-        <p:spPr>
-          <a:xfrm>
-            <a:off x="4274799" y="4703414"/>
-            <a:ext cx="1219199" cy="600164"/>
-          </a:xfrm>
-          <a:prstGeom prst="rect">
-            <a:avLst/>
-          </a:prstGeom>
-          <a:solidFill>
-            <a:schemeClr val="accent4">
-              <a:lumMod val="20000"/>
-              <a:lumOff val="80000"/>
-            </a:schemeClr>
-          </a:solidFill>
-        </p:spPr>
-        <p:txBody>
-          <a:bodyPr wrap="square" rtlCol="0">
-            <a:spAutoFit/>
-          </a:bodyPr>
-          <a:lstStyle/>
-          <a:p>
-            <a:r>
-              <a:rPr lang="en-US" sz="1100" dirty="0"/>
-              <a:t>extract bits need to encode information</a:t>
-            </a:r>
-          </a:p>
-        </p:txBody>
-      </p:sp>
-      <p:cxnSp>
-        <p:nvCxnSpPr>
-          <p:cNvPr id="22" name="Straight Arrow Connector 21">
-            <a:extLst>
-              <a:ext uri="{FF2B5EF4-FFF2-40B4-BE49-F238E27FC236}">
-                <a16:creationId xmlns:a16="http://schemas.microsoft.com/office/drawing/2014/main" id="{AD3E06A6-5F34-7860-9DB4-B7735ADA5563}"/>
-              </a:ext>
-            </a:extLst>
-          </p:cNvPr>
-          <p:cNvCxnSpPr>
-            <a:stCxn id="20" idx="0"/>
-          </p:cNvCxnSpPr>
-          <p:nvPr/>
-        </p:nvCxnSpPr>
-        <p:spPr>
-          <a:xfrm flipH="1" flipV="1">
-            <a:off x="4752726" y="4507399"/>
-            <a:ext cx="131673" cy="196015"/>
-          </a:xfrm>
-          <a:prstGeom prst="straightConnector1">
-            <a:avLst/>
-          </a:prstGeom>
-          <a:ln>
-            <a:tailEnd type="triangle"/>
-          </a:ln>
-        </p:spPr>
-        <p:style>
-          <a:lnRef idx="1">
-            <a:schemeClr val="accent1"/>
-          </a:lnRef>
-          <a:fillRef idx="0">
-            <a:schemeClr val="accent1"/>
-          </a:fillRef>
-          <a:effectRef idx="0">
-            <a:schemeClr val="accent1"/>
-          </a:effectRef>
-          <a:fontRef idx="minor">
-            <a:schemeClr val="tx1"/>
-          </a:fontRef>
-        </p:style>
-      </p:cxnSp>
-      <p:pic>
-        <p:nvPicPr>
           <p:cNvPr id="29" name="Picture 28">
             <a:extLst>
               <a:ext uri="{FF2B5EF4-FFF2-40B4-BE49-F238E27FC236}">
-                <a16:creationId xmlns:a16="http://schemas.microsoft.com/office/drawing/2014/main" id="{8FE5B172-0671-3E21-6BC8-E2A86A90618B}"/>
+                <a16:creationId xmlns:a16="http://schemas.microsoft.com/office/drawing/2014/main" id="{FB9DC8B0-422C-7C3C-A7A7-8BF80278CAEE}"/>
               </a:ext>
             </a:extLst>
           </p:cNvPr>
@@ -10500,7 +15323,7 @@
     </p:spTree>
     <p:extLst>
       <p:ext uri="{BB962C8B-B14F-4D97-AF65-F5344CB8AC3E}">
-        <p14:creationId xmlns:p14="http://schemas.microsoft.com/office/powerpoint/2010/main" val="2994016025"/>
+        <p14:creationId xmlns:p14="http://schemas.microsoft.com/office/powerpoint/2010/main" val="2668507805"/>
       </p:ext>
     </p:extLst>
   </p:cSld>
@@ -10510,7 +15333,7 @@
 </p:sld>
 </file>
 
-<file path=ppt/slides/slide16.xml><?xml version="1.0" encoding="utf-8"?>
+<file path=ppt/slides/slide23.xml><?xml version="1.0" encoding="utf-8"?>
 <p:sld xmlns:a="http://schemas.openxmlformats.org/drawingml/2006/main" xmlns:r="http://schemas.openxmlformats.org/officeDocument/2006/relationships" xmlns:p="http://schemas.openxmlformats.org/presentationml/2006/main">
   <p:cSld>
     <p:spTree>
@@ -10570,7 +15393,7 @@
 </p:sld>
 </file>
 
-<file path=ppt/slides/slide17.xml><?xml version="1.0" encoding="utf-8"?>
+<file path=ppt/slides/slide24.xml><?xml version="1.0" encoding="utf-8"?>
 <p:sld xmlns:a="http://schemas.openxmlformats.org/drawingml/2006/main" xmlns:r="http://schemas.openxmlformats.org/officeDocument/2006/relationships" xmlns:p="http://schemas.openxmlformats.org/presentationml/2006/main">
   <p:cSld>
     <p:spTree>
@@ -11297,7 +16120,7 @@
 </p:sld>
 </file>
 
-<file path=ppt/slides/slide18.xml><?xml version="1.0" encoding="utf-8"?>
+<file path=ppt/slides/slide25.xml><?xml version="1.0" encoding="utf-8"?>
 <p:sld xmlns:a="http://schemas.openxmlformats.org/drawingml/2006/main" xmlns:r="http://schemas.openxmlformats.org/officeDocument/2006/relationships" xmlns:p="http://schemas.openxmlformats.org/presentationml/2006/main">
   <p:cSld>
     <p:spTree>
@@ -11416,7 +16239,7 @@
 </p:sld>
 </file>
 
-<file path=ppt/slides/slide19.xml><?xml version="1.0" encoding="utf-8"?>
+<file path=ppt/slides/slide26.xml><?xml version="1.0" encoding="utf-8"?>
 <p:sld xmlns:a="http://schemas.openxmlformats.org/drawingml/2006/main" xmlns:r="http://schemas.openxmlformats.org/officeDocument/2006/relationships" xmlns:p="http://schemas.openxmlformats.org/presentationml/2006/main">
   <p:cSld>
     <p:spTree>
@@ -11614,1052 +16437,6 @@
 </p:sld>
 </file>
 
-<file path=ppt/slides/slide2.xml><?xml version="1.0" encoding="utf-8"?>
-<p:sld xmlns:a="http://schemas.openxmlformats.org/drawingml/2006/main" xmlns:r="http://schemas.openxmlformats.org/officeDocument/2006/relationships" xmlns:p="http://schemas.openxmlformats.org/presentationml/2006/main">
-  <p:cSld>
-    <p:spTree>
-      <p:nvGrpSpPr>
-        <p:cNvPr id="1" name=""/>
-        <p:cNvGrpSpPr/>
-        <p:nvPr/>
-      </p:nvGrpSpPr>
-      <p:grpSpPr>
-        <a:xfrm>
-          <a:off x="0" y="0"/>
-          <a:ext cx="0" cy="0"/>
-          <a:chOff x="0" y="0"/>
-          <a:chExt cx="0" cy="0"/>
-        </a:xfrm>
-      </p:grpSpPr>
-      <p:sp>
-        <p:nvSpPr>
-          <p:cNvPr id="2" name="Title 1">
-            <a:extLst>
-              <a:ext uri="{FF2B5EF4-FFF2-40B4-BE49-F238E27FC236}">
-                <a16:creationId xmlns:a16="http://schemas.microsoft.com/office/drawing/2014/main" id="{581B0BDA-EADA-7012-694F-60F1BFB9D6D9}"/>
-              </a:ext>
-            </a:extLst>
-          </p:cNvPr>
-          <p:cNvSpPr>
-            <a:spLocks noGrp="1"/>
-          </p:cNvSpPr>
-          <p:nvPr>
-            <p:ph type="title"/>
-          </p:nvPr>
-        </p:nvSpPr>
-        <p:spPr/>
-        <p:txBody>
-          <a:bodyPr/>
-          <a:lstStyle/>
-          <a:p>
-            <a:r>
-              <a:rPr lang="en-US" dirty="0"/>
-              <a:t>Overview</a:t>
-            </a:r>
-          </a:p>
-        </p:txBody>
-      </p:sp>
-      <p:sp>
-        <p:nvSpPr>
-          <p:cNvPr id="3" name="Content Placeholder 2">
-            <a:extLst>
-              <a:ext uri="{FF2B5EF4-FFF2-40B4-BE49-F238E27FC236}">
-                <a16:creationId xmlns:a16="http://schemas.microsoft.com/office/drawing/2014/main" id="{06162081-A63F-B575-CA37-6004D51E7702}"/>
-              </a:ext>
-            </a:extLst>
-          </p:cNvPr>
-          <p:cNvSpPr>
-            <a:spLocks noGrp="1"/>
-          </p:cNvSpPr>
-          <p:nvPr>
-            <p:ph idx="1"/>
-          </p:nvPr>
-        </p:nvSpPr>
-        <p:spPr/>
-        <p:txBody>
-          <a:bodyPr/>
-          <a:lstStyle/>
-          <a:p>
-            <a:pPr rtl="0">
-              <a:buFont typeface="Arial" panose="020B0604020202020204" pitchFamily="34" charset="0"/>
-              <a:buChar char="•"/>
-            </a:pPr>
-            <a:r>
-              <a:rPr lang="en-GB" dirty="0"/>
-              <a:t>Entropy: Measuring uncertainty in data</a:t>
-            </a:r>
-          </a:p>
-          <a:p>
-            <a:pPr rtl="0">
-              <a:buFont typeface="Arial" panose="020B0604020202020204" pitchFamily="34" charset="0"/>
-              <a:buChar char="•"/>
-            </a:pPr>
-            <a:r>
-              <a:rPr lang="en-GB" dirty="0"/>
-              <a:t>Cross-Entropy Loss: Evaluating model predictions</a:t>
-            </a:r>
-          </a:p>
-          <a:p>
-            <a:pPr rtl="0">
-              <a:buFont typeface="Arial" panose="020B0604020202020204" pitchFamily="34" charset="0"/>
-              <a:buChar char="•"/>
-            </a:pPr>
-            <a:r>
-              <a:rPr lang="en-GB" dirty="0" err="1"/>
-              <a:t>ReLU</a:t>
-            </a:r>
-            <a:r>
-              <a:rPr lang="en-GB" dirty="0"/>
-              <a:t> Activation: Enabling non-linear learning</a:t>
-            </a:r>
-          </a:p>
-          <a:p>
-            <a:pPr rtl="0">
-              <a:buFont typeface="Arial" panose="020B0604020202020204" pitchFamily="34" charset="0"/>
-              <a:buChar char="•"/>
-            </a:pPr>
-            <a:r>
-              <a:rPr lang="en-GB" dirty="0"/>
-              <a:t>Adam Optimizer: Efficiently updating model weights</a:t>
-            </a:r>
-          </a:p>
-          <a:p>
-            <a:pPr rtl="0">
-              <a:buFont typeface="Arial" panose="020B0604020202020204" pitchFamily="34" charset="0"/>
-              <a:buChar char="•"/>
-            </a:pPr>
-            <a:r>
-              <a:rPr lang="en-GB" dirty="0"/>
-              <a:t>How these concepts work together in our </a:t>
-            </a:r>
-            <a:r>
-              <a:rPr lang="en-GB" dirty="0" err="1"/>
-              <a:t>PyTorch</a:t>
-            </a:r>
-            <a:r>
-              <a:rPr lang="en-GB" dirty="0"/>
-              <a:t> model</a:t>
-            </a:r>
-          </a:p>
-          <a:p>
-            <a:endParaRPr lang="en-US" dirty="0"/>
-          </a:p>
-        </p:txBody>
-      </p:sp>
-    </p:spTree>
-    <p:extLst>
-      <p:ext uri="{BB962C8B-B14F-4D97-AF65-F5344CB8AC3E}">
-        <p14:creationId xmlns:p14="http://schemas.microsoft.com/office/powerpoint/2010/main" val="3637650244"/>
-      </p:ext>
-    </p:extLst>
-  </p:cSld>
-  <p:clrMapOvr>
-    <a:masterClrMapping/>
-  </p:clrMapOvr>
-</p:sld>
-</file>
-
-<file path=ppt/slides/slide20.xml><?xml version="1.0" encoding="utf-8"?>
-<p:sld xmlns:a="http://schemas.openxmlformats.org/drawingml/2006/main" xmlns:r="http://schemas.openxmlformats.org/officeDocument/2006/relationships" xmlns:p="http://schemas.openxmlformats.org/presentationml/2006/main">
-  <p:cSld>
-    <p:spTree>
-      <p:nvGrpSpPr>
-        <p:cNvPr id="1" name=""/>
-        <p:cNvGrpSpPr/>
-        <p:nvPr/>
-      </p:nvGrpSpPr>
-      <p:grpSpPr>
-        <a:xfrm>
-          <a:off x="0" y="0"/>
-          <a:ext cx="0" cy="0"/>
-          <a:chOff x="0" y="0"/>
-          <a:chExt cx="0" cy="0"/>
-        </a:xfrm>
-      </p:grpSpPr>
-      <p:sp>
-        <p:nvSpPr>
-          <p:cNvPr id="2" name="Title 1">
-            <a:extLst>
-              <a:ext uri="{FF2B5EF4-FFF2-40B4-BE49-F238E27FC236}">
-                <a16:creationId xmlns:a16="http://schemas.microsoft.com/office/drawing/2014/main" id="{05EE78BB-519C-86FD-511B-DE62EAFF1CC2}"/>
-              </a:ext>
-            </a:extLst>
-          </p:cNvPr>
-          <p:cNvSpPr>
-            <a:spLocks noGrp="1"/>
-          </p:cNvSpPr>
-          <p:nvPr>
-            <p:ph type="title"/>
-          </p:nvPr>
-        </p:nvSpPr>
-        <p:spPr/>
-        <p:txBody>
-          <a:bodyPr/>
-          <a:lstStyle/>
-          <a:p>
-            <a:r>
-              <a:rPr lang="en-US" dirty="0"/>
-              <a:t>Activation Function</a:t>
-            </a:r>
-          </a:p>
-        </p:txBody>
-      </p:sp>
-      <p:sp>
-        <p:nvSpPr>
-          <p:cNvPr id="3" name="Text Placeholder 2">
-            <a:extLst>
-              <a:ext uri="{FF2B5EF4-FFF2-40B4-BE49-F238E27FC236}">
-                <a16:creationId xmlns:a16="http://schemas.microsoft.com/office/drawing/2014/main" id="{606AF7ED-2A7B-ABF1-133B-A3C8E9F6AC68}"/>
-              </a:ext>
-            </a:extLst>
-          </p:cNvPr>
-          <p:cNvSpPr>
-            <a:spLocks noGrp="1"/>
-          </p:cNvSpPr>
-          <p:nvPr>
-            <p:ph type="body" idx="1"/>
-          </p:nvPr>
-        </p:nvSpPr>
-        <p:spPr/>
-        <p:txBody>
-          <a:bodyPr/>
-          <a:lstStyle/>
-          <a:p>
-            <a:r>
-              <a:rPr lang="en-US" dirty="0"/>
-              <a:t>Enabling Non-Linear Learning</a:t>
-            </a:r>
-          </a:p>
-        </p:txBody>
-      </p:sp>
-    </p:spTree>
-    <p:extLst>
-      <p:ext uri="{BB962C8B-B14F-4D97-AF65-F5344CB8AC3E}">
-        <p14:creationId xmlns:p14="http://schemas.microsoft.com/office/powerpoint/2010/main" val="495228592"/>
-      </p:ext>
-    </p:extLst>
-  </p:cSld>
-  <p:clrMapOvr>
-    <a:masterClrMapping/>
-  </p:clrMapOvr>
-</p:sld>
-</file>
-
-<file path=ppt/slides/slide21.xml><?xml version="1.0" encoding="utf-8"?>
-<p:sld xmlns:a="http://schemas.openxmlformats.org/drawingml/2006/main" xmlns:r="http://schemas.openxmlformats.org/officeDocument/2006/relationships" xmlns:p="http://schemas.openxmlformats.org/presentationml/2006/main">
-  <p:cSld>
-    <p:spTree>
-      <p:nvGrpSpPr>
-        <p:cNvPr id="1" name=""/>
-        <p:cNvGrpSpPr/>
-        <p:nvPr/>
-      </p:nvGrpSpPr>
-      <p:grpSpPr>
-        <a:xfrm>
-          <a:off x="0" y="0"/>
-          <a:ext cx="0" cy="0"/>
-          <a:chOff x="0" y="0"/>
-          <a:chExt cx="0" cy="0"/>
-        </a:xfrm>
-      </p:grpSpPr>
-      <p:sp>
-        <p:nvSpPr>
-          <p:cNvPr id="4" name="Title 3">
-            <a:extLst>
-              <a:ext uri="{FF2B5EF4-FFF2-40B4-BE49-F238E27FC236}">
-                <a16:creationId xmlns:a16="http://schemas.microsoft.com/office/drawing/2014/main" id="{78DE5A5C-2BEA-53EE-62A6-79CEBC804C34}"/>
-              </a:ext>
-            </a:extLst>
-          </p:cNvPr>
-          <p:cNvSpPr>
-            <a:spLocks noGrp="1"/>
-          </p:cNvSpPr>
-          <p:nvPr>
-            <p:ph type="title"/>
-          </p:nvPr>
-        </p:nvSpPr>
-        <p:spPr/>
-        <p:txBody>
-          <a:bodyPr/>
-          <a:lstStyle/>
-          <a:p>
-            <a:r>
-              <a:rPr lang="en-US" dirty="0"/>
-              <a:t>Activation Function: </a:t>
-            </a:r>
-            <a:r>
-              <a:rPr lang="en-GB" dirty="0"/>
-              <a:t>Introduces non-linearity in neural networks</a:t>
-            </a:r>
-            <a:endParaRPr lang="en-US" dirty="0"/>
-          </a:p>
-        </p:txBody>
-      </p:sp>
-      <p:pic>
-        <p:nvPicPr>
-          <p:cNvPr id="7170" name="Picture 2">
-            <a:extLst>
-              <a:ext uri="{FF2B5EF4-FFF2-40B4-BE49-F238E27FC236}">
-                <a16:creationId xmlns:a16="http://schemas.microsoft.com/office/drawing/2014/main" id="{9939C3CF-F287-FD7F-6342-6E44F6F67D74}"/>
-              </a:ext>
-            </a:extLst>
-          </p:cNvPr>
-          <p:cNvPicPr>
-            <a:picLocks noChangeAspect="1" noChangeArrowheads="1"/>
-          </p:cNvPicPr>
-          <p:nvPr/>
-        </p:nvPicPr>
-        <p:blipFill>
-          <a:blip r:embed="rId2">
-            <a:extLst>
-              <a:ext uri="{28A0092B-C50C-407E-A947-70E740481C1C}">
-                <a14:useLocalDpi xmlns:a14="http://schemas.microsoft.com/office/drawing/2010/main" val="0"/>
-              </a:ext>
-            </a:extLst>
-          </a:blip>
-          <a:srcRect/>
-          <a:stretch>
-            <a:fillRect/>
-          </a:stretch>
-        </p:blipFill>
-        <p:spPr bwMode="auto">
-          <a:xfrm>
-            <a:off x="2849880" y="1845464"/>
-            <a:ext cx="8334375" cy="4191000"/>
-          </a:xfrm>
-          <a:prstGeom prst="rect">
-            <a:avLst/>
-          </a:prstGeom>
-          <a:noFill/>
-          <a:extLst>
-            <a:ext uri="{909E8E84-426E-40DD-AFC4-6F175D3DCCD1}">
-              <a14:hiddenFill xmlns:a14="http://schemas.microsoft.com/office/drawing/2010/main">
-                <a:solidFill>
-                  <a:srgbClr val="FFFFFF"/>
-                </a:solidFill>
-              </a14:hiddenFill>
-            </a:ext>
-          </a:extLst>
-        </p:spPr>
-      </p:pic>
-      <p:pic>
-        <p:nvPicPr>
-          <p:cNvPr id="11" name="Picture 10">
-            <a:extLst>
-              <a:ext uri="{FF2B5EF4-FFF2-40B4-BE49-F238E27FC236}">
-                <a16:creationId xmlns:a16="http://schemas.microsoft.com/office/drawing/2014/main" id="{ECC42EAF-B437-09A6-8D3D-80D9C0EDC8B4}"/>
-              </a:ext>
-            </a:extLst>
-          </p:cNvPr>
-          <p:cNvPicPr>
-            <a:picLocks noChangeAspect="1"/>
-          </p:cNvPicPr>
-          <p:nvPr/>
-        </p:nvPicPr>
-        <p:blipFill>
-          <a:blip r:embed="rId3"/>
-          <a:stretch>
-            <a:fillRect/>
-          </a:stretch>
-        </p:blipFill>
-        <p:spPr>
-          <a:xfrm>
-            <a:off x="281940" y="6040423"/>
-            <a:ext cx="3340314" cy="301634"/>
-          </a:xfrm>
-          <a:prstGeom prst="rect">
-            <a:avLst/>
-          </a:prstGeom>
-        </p:spPr>
-      </p:pic>
-      <p:sp>
-        <p:nvSpPr>
-          <p:cNvPr id="13" name="TextBox 12">
-            <a:extLst>
-              <a:ext uri="{FF2B5EF4-FFF2-40B4-BE49-F238E27FC236}">
-                <a16:creationId xmlns:a16="http://schemas.microsoft.com/office/drawing/2014/main" id="{37FA6BE3-3B85-A390-6584-2C7884915F61}"/>
-              </a:ext>
-            </a:extLst>
-          </p:cNvPr>
-          <p:cNvSpPr txBox="1"/>
-          <p:nvPr/>
-        </p:nvSpPr>
-        <p:spPr>
-          <a:xfrm>
-            <a:off x="281940" y="5144356"/>
-            <a:ext cx="2451100" cy="646331"/>
-          </a:xfrm>
-          <a:prstGeom prst="rect">
-            <a:avLst/>
-          </a:prstGeom>
-          <a:solidFill>
-            <a:schemeClr val="accent4">
-              <a:lumMod val="20000"/>
-              <a:lumOff val="80000"/>
-            </a:schemeClr>
-          </a:solidFill>
-        </p:spPr>
-        <p:txBody>
-          <a:bodyPr wrap="square">
-            <a:spAutoFit/>
-          </a:bodyPr>
-          <a:lstStyle/>
-          <a:p>
-            <a:r>
-              <a:rPr lang="en-GB" dirty="0" err="1"/>
-              <a:t>ReLU’s</a:t>
-            </a:r>
-            <a:r>
-              <a:rPr lang="en-GB" dirty="0"/>
-              <a:t> simplicity makes training faster</a:t>
-            </a:r>
-            <a:endParaRPr lang="en-US" dirty="0"/>
-          </a:p>
-        </p:txBody>
-      </p:sp>
-    </p:spTree>
-    <p:extLst>
-      <p:ext uri="{BB962C8B-B14F-4D97-AF65-F5344CB8AC3E}">
-        <p14:creationId xmlns:p14="http://schemas.microsoft.com/office/powerpoint/2010/main" val="3629368376"/>
-      </p:ext>
-    </p:extLst>
-  </p:cSld>
-  <p:clrMapOvr>
-    <a:masterClrMapping/>
-  </p:clrMapOvr>
-</p:sld>
-</file>
-
-<file path=ppt/slides/slide22.xml><?xml version="1.0" encoding="utf-8"?>
-<p:sld xmlns:a="http://schemas.openxmlformats.org/drawingml/2006/main" xmlns:r="http://schemas.openxmlformats.org/officeDocument/2006/relationships" xmlns:p="http://schemas.openxmlformats.org/presentationml/2006/main">
-  <p:cSld>
-    <p:spTree>
-      <p:nvGrpSpPr>
-        <p:cNvPr id="1" name=""/>
-        <p:cNvGrpSpPr/>
-        <p:nvPr/>
-      </p:nvGrpSpPr>
-      <p:grpSpPr>
-        <a:xfrm>
-          <a:off x="0" y="0"/>
-          <a:ext cx="0" cy="0"/>
-          <a:chOff x="0" y="0"/>
-          <a:chExt cx="0" cy="0"/>
-        </a:xfrm>
-      </p:grpSpPr>
-      <p:sp>
-        <p:nvSpPr>
-          <p:cNvPr id="3" name="Title 2">
-            <a:extLst>
-              <a:ext uri="{FF2B5EF4-FFF2-40B4-BE49-F238E27FC236}">
-                <a16:creationId xmlns:a16="http://schemas.microsoft.com/office/drawing/2014/main" id="{78287D52-35B6-0CF8-6F95-5C063852C261}"/>
-              </a:ext>
-            </a:extLst>
-          </p:cNvPr>
-          <p:cNvSpPr>
-            <a:spLocks noGrp="1"/>
-          </p:cNvSpPr>
-          <p:nvPr>
-            <p:ph type="title"/>
-          </p:nvPr>
-        </p:nvSpPr>
-        <p:spPr/>
-        <p:txBody>
-          <a:bodyPr/>
-          <a:lstStyle/>
-          <a:p>
-            <a:r>
-              <a:rPr lang="en-US" dirty="0"/>
-              <a:t>Optimizer</a:t>
-            </a:r>
-          </a:p>
-        </p:txBody>
-      </p:sp>
-      <p:sp>
-        <p:nvSpPr>
-          <p:cNvPr id="4" name="Text Placeholder 3">
-            <a:extLst>
-              <a:ext uri="{FF2B5EF4-FFF2-40B4-BE49-F238E27FC236}">
-                <a16:creationId xmlns:a16="http://schemas.microsoft.com/office/drawing/2014/main" id="{360DA14D-F7C3-EE03-8532-6A311AFC313B}"/>
-              </a:ext>
-            </a:extLst>
-          </p:cNvPr>
-          <p:cNvSpPr>
-            <a:spLocks noGrp="1"/>
-          </p:cNvSpPr>
-          <p:nvPr>
-            <p:ph type="body" idx="1"/>
-          </p:nvPr>
-        </p:nvSpPr>
-        <p:spPr/>
-        <p:txBody>
-          <a:bodyPr/>
-          <a:lstStyle/>
-          <a:p>
-            <a:endParaRPr lang="en-US"/>
-          </a:p>
-        </p:txBody>
-      </p:sp>
-    </p:spTree>
-    <p:extLst>
-      <p:ext uri="{BB962C8B-B14F-4D97-AF65-F5344CB8AC3E}">
-        <p14:creationId xmlns:p14="http://schemas.microsoft.com/office/powerpoint/2010/main" val="1472723351"/>
-      </p:ext>
-    </p:extLst>
-  </p:cSld>
-  <p:clrMapOvr>
-    <a:masterClrMapping/>
-  </p:clrMapOvr>
-</p:sld>
-</file>
-
-<file path=ppt/slides/slide23.xml><?xml version="1.0" encoding="utf-8"?>
-<p:sld xmlns:a="http://schemas.openxmlformats.org/drawingml/2006/main" xmlns:r="http://schemas.openxmlformats.org/officeDocument/2006/relationships" xmlns:p="http://schemas.openxmlformats.org/presentationml/2006/main">
-  <p:cSld>
-    <p:spTree>
-      <p:nvGrpSpPr>
-        <p:cNvPr id="1" name=""/>
-        <p:cNvGrpSpPr/>
-        <p:nvPr/>
-      </p:nvGrpSpPr>
-      <p:grpSpPr>
-        <a:xfrm>
-          <a:off x="0" y="0"/>
-          <a:ext cx="0" cy="0"/>
-          <a:chOff x="0" y="0"/>
-          <a:chExt cx="0" cy="0"/>
-        </a:xfrm>
-      </p:grpSpPr>
-      <p:pic>
-        <p:nvPicPr>
-          <p:cNvPr id="10242" name="Picture 2">
-            <a:extLst>
-              <a:ext uri="{FF2B5EF4-FFF2-40B4-BE49-F238E27FC236}">
-                <a16:creationId xmlns:a16="http://schemas.microsoft.com/office/drawing/2014/main" id="{1343F3F4-E3B1-3117-3F37-E0CF745DFFA4}"/>
-              </a:ext>
-            </a:extLst>
-          </p:cNvPr>
-          <p:cNvPicPr>
-            <a:picLocks noChangeAspect="1" noChangeArrowheads="1"/>
-          </p:cNvPicPr>
-          <p:nvPr/>
-        </p:nvPicPr>
-        <p:blipFill>
-          <a:blip r:embed="rId2">
-            <a:extLst>
-              <a:ext uri="{28A0092B-C50C-407E-A947-70E740481C1C}">
-                <a14:useLocalDpi xmlns:a14="http://schemas.microsoft.com/office/drawing/2010/main" val="0"/>
-              </a:ext>
-            </a:extLst>
-          </a:blip>
-          <a:srcRect/>
-          <a:stretch>
-            <a:fillRect/>
-          </a:stretch>
-        </p:blipFill>
-        <p:spPr bwMode="auto">
-          <a:xfrm>
-            <a:off x="2067560" y="285750"/>
-            <a:ext cx="8056880" cy="6042660"/>
-          </a:xfrm>
-          <a:prstGeom prst="rect">
-            <a:avLst/>
-          </a:prstGeom>
-          <a:noFill/>
-          <a:extLst>
-            <a:ext uri="{909E8E84-426E-40DD-AFC4-6F175D3DCCD1}">
-              <a14:hiddenFill xmlns:a14="http://schemas.microsoft.com/office/drawing/2010/main">
-                <a:solidFill>
-                  <a:srgbClr val="FFFFFF"/>
-                </a:solidFill>
-              </a14:hiddenFill>
-            </a:ext>
-          </a:extLst>
-        </p:spPr>
-      </p:pic>
-      <p:sp>
-        <p:nvSpPr>
-          <p:cNvPr id="5" name="TextBox 4">
-            <a:extLst>
-              <a:ext uri="{FF2B5EF4-FFF2-40B4-BE49-F238E27FC236}">
-                <a16:creationId xmlns:a16="http://schemas.microsoft.com/office/drawing/2014/main" id="{4E39BB3D-B79B-AFD4-E6B8-3B02084EEF65}"/>
-              </a:ext>
-            </a:extLst>
-          </p:cNvPr>
-          <p:cNvSpPr txBox="1"/>
-          <p:nvPr/>
-        </p:nvSpPr>
-        <p:spPr>
-          <a:xfrm>
-            <a:off x="2506980" y="6328410"/>
-            <a:ext cx="6525260" cy="338554"/>
-          </a:xfrm>
-          <a:prstGeom prst="rect">
-            <a:avLst/>
-          </a:prstGeom>
-          <a:noFill/>
-        </p:spPr>
-        <p:txBody>
-          <a:bodyPr wrap="square">
-            <a:spAutoFit/>
-          </a:bodyPr>
-          <a:lstStyle/>
-          <a:p>
-            <a:r>
-              <a:rPr lang="en-US" sz="1600" dirty="0"/>
-              <a:t>https://community.deeplearning.ai/t/optimization-algorithms/305154/3</a:t>
-            </a:r>
-          </a:p>
-        </p:txBody>
-      </p:sp>
-    </p:spTree>
-    <p:extLst>
-      <p:ext uri="{BB962C8B-B14F-4D97-AF65-F5344CB8AC3E}">
-        <p14:creationId xmlns:p14="http://schemas.microsoft.com/office/powerpoint/2010/main" val="545826806"/>
-      </p:ext>
-    </p:extLst>
-  </p:cSld>
-  <p:clrMapOvr>
-    <a:masterClrMapping/>
-  </p:clrMapOvr>
-</p:sld>
-</file>
-
-<file path=ppt/slides/slide24.xml><?xml version="1.0" encoding="utf-8"?>
-<p:sld xmlns:a="http://schemas.openxmlformats.org/drawingml/2006/main" xmlns:r="http://schemas.openxmlformats.org/officeDocument/2006/relationships" xmlns:p="http://schemas.openxmlformats.org/presentationml/2006/main">
-  <p:cSld>
-    <p:spTree>
-      <p:nvGrpSpPr>
-        <p:cNvPr id="1" name=""/>
-        <p:cNvGrpSpPr/>
-        <p:nvPr/>
-      </p:nvGrpSpPr>
-      <p:grpSpPr>
-        <a:xfrm>
-          <a:off x="0" y="0"/>
-          <a:ext cx="0" cy="0"/>
-          <a:chOff x="0" y="0"/>
-          <a:chExt cx="0" cy="0"/>
-        </a:xfrm>
-      </p:grpSpPr>
-      <p:sp>
-        <p:nvSpPr>
-          <p:cNvPr id="2" name="Title 1">
-            <a:extLst>
-              <a:ext uri="{FF2B5EF4-FFF2-40B4-BE49-F238E27FC236}">
-                <a16:creationId xmlns:a16="http://schemas.microsoft.com/office/drawing/2014/main" id="{96D7FC87-E36A-D83A-96C4-A01CC08B16F6}"/>
-              </a:ext>
-            </a:extLst>
-          </p:cNvPr>
-          <p:cNvSpPr>
-            <a:spLocks noGrp="1"/>
-          </p:cNvSpPr>
-          <p:nvPr>
-            <p:ph type="title"/>
-          </p:nvPr>
-        </p:nvSpPr>
-        <p:spPr/>
-        <p:txBody>
-          <a:bodyPr/>
-          <a:lstStyle/>
-          <a:p>
-            <a:r>
-              <a:rPr lang="en-US" dirty="0"/>
-              <a:t>Adam Optimizer</a:t>
-            </a:r>
-          </a:p>
-        </p:txBody>
-      </p:sp>
-      <p:sp>
-        <p:nvSpPr>
-          <p:cNvPr id="3" name="Content Placeholder 2">
-            <a:extLst>
-              <a:ext uri="{FF2B5EF4-FFF2-40B4-BE49-F238E27FC236}">
-                <a16:creationId xmlns:a16="http://schemas.microsoft.com/office/drawing/2014/main" id="{78F9E78F-53B4-E732-923B-ECCB30D08BED}"/>
-              </a:ext>
-            </a:extLst>
-          </p:cNvPr>
-          <p:cNvSpPr>
-            <a:spLocks noGrp="1"/>
-          </p:cNvSpPr>
-          <p:nvPr>
-            <p:ph idx="1"/>
-          </p:nvPr>
-        </p:nvSpPr>
-        <p:spPr/>
-        <p:txBody>
-          <a:bodyPr>
-            <a:normAutofit fontScale="92500" lnSpcReduction="10000"/>
-          </a:bodyPr>
-          <a:lstStyle/>
-          <a:p>
-            <a:pPr rtl="0">
-              <a:buFont typeface="Arial" panose="020B0604020202020204" pitchFamily="34" charset="0"/>
-              <a:buChar char="•"/>
-            </a:pPr>
-            <a:r>
-              <a:rPr lang="en-US" dirty="0"/>
-              <a:t>Definition: Adaptive Moment Estimation, a gradient-based optimization algorithm</a:t>
-            </a:r>
-          </a:p>
-          <a:p>
-            <a:pPr rtl="0">
-              <a:buFont typeface="Arial" panose="020B0604020202020204" pitchFamily="34" charset="0"/>
-              <a:buChar char="•"/>
-            </a:pPr>
-            <a:r>
-              <a:rPr lang="en-US" dirty="0"/>
-              <a:t>How It Works:</a:t>
-            </a:r>
-          </a:p>
-          <a:p>
-            <a:pPr marL="742950" lvl="1" indent="-285750" rtl="0">
-              <a:buFont typeface="Arial" panose="020B0604020202020204" pitchFamily="34" charset="0"/>
-              <a:buChar char="•"/>
-            </a:pPr>
-            <a:r>
-              <a:rPr lang="en-US" dirty="0"/>
-              <a:t>Combines momentum (moving average of gradients) and </a:t>
-            </a:r>
-            <a:r>
-              <a:rPr lang="en-US" dirty="0" err="1"/>
-              <a:t>RMSProp</a:t>
-            </a:r>
-            <a:r>
-              <a:rPr lang="en-US" dirty="0"/>
-              <a:t> (adaptive learning rates)</a:t>
-            </a:r>
-          </a:p>
-          <a:p>
-            <a:pPr marL="742950" lvl="1" indent="-285750" rtl="0">
-              <a:buFont typeface="Arial" panose="020B0604020202020204" pitchFamily="34" charset="0"/>
-              <a:buChar char="•"/>
-            </a:pPr>
-            <a:r>
-              <a:rPr lang="en-US" dirty="0"/>
-              <a:t>Updates weights to minimize cross-entropy loss</a:t>
-            </a:r>
-          </a:p>
-          <a:p>
-            <a:pPr rtl="0">
-              <a:buFont typeface="Arial" panose="020B0604020202020204" pitchFamily="34" charset="0"/>
-              <a:buChar char="•"/>
-            </a:pPr>
-            <a:r>
-              <a:rPr lang="en-US" dirty="0"/>
-              <a:t>In </a:t>
-            </a:r>
-            <a:r>
-              <a:rPr lang="en-US" dirty="0" err="1"/>
-              <a:t>PyTorch</a:t>
-            </a:r>
-            <a:r>
-              <a:rPr lang="en-US" dirty="0"/>
-              <a:t> Code:</a:t>
-            </a:r>
-          </a:p>
-          <a:p>
-            <a:pPr marL="742950" lvl="1" indent="-285750" rtl="0">
-              <a:buFont typeface="Arial" panose="020B0604020202020204" pitchFamily="34" charset="0"/>
-              <a:buChar char="•"/>
-            </a:pPr>
-            <a:r>
-              <a:rPr lang="en-US" dirty="0">
-                <a:solidFill>
-                  <a:schemeClr val="accent2"/>
-                </a:solidFill>
-              </a:rPr>
-              <a:t>optimizer = </a:t>
-            </a:r>
-            <a:r>
-              <a:rPr lang="en-US" dirty="0" err="1">
-                <a:solidFill>
-                  <a:schemeClr val="accent2"/>
-                </a:solidFill>
-              </a:rPr>
-              <a:t>optim.Adam</a:t>
-            </a:r>
-            <a:r>
-              <a:rPr lang="en-US" dirty="0">
-                <a:solidFill>
-                  <a:schemeClr val="accent2"/>
-                </a:solidFill>
-              </a:rPr>
-              <a:t>(</a:t>
-            </a:r>
-            <a:r>
-              <a:rPr lang="en-US" dirty="0" err="1">
-                <a:solidFill>
-                  <a:schemeClr val="accent2"/>
-                </a:solidFill>
-              </a:rPr>
-              <a:t>model.parameters</a:t>
-            </a:r>
-            <a:r>
-              <a:rPr lang="en-US" dirty="0">
-                <a:solidFill>
-                  <a:schemeClr val="accent2"/>
-                </a:solidFill>
-              </a:rPr>
-              <a:t>(), </a:t>
-            </a:r>
-            <a:r>
-              <a:rPr lang="en-US" dirty="0" err="1">
-                <a:solidFill>
-                  <a:schemeClr val="accent2"/>
-                </a:solidFill>
-              </a:rPr>
-              <a:t>lr</a:t>
-            </a:r>
-            <a:r>
-              <a:rPr lang="en-US" dirty="0">
-                <a:solidFill>
-                  <a:schemeClr val="accent2"/>
-                </a:solidFill>
-              </a:rPr>
-              <a:t>=0.001)</a:t>
-            </a:r>
-          </a:p>
-          <a:p>
-            <a:pPr marL="742950" lvl="1" indent="-285750" rtl="0">
-              <a:buFont typeface="Arial" panose="020B0604020202020204" pitchFamily="34" charset="0"/>
-              <a:buChar char="•"/>
-            </a:pPr>
-            <a:r>
-              <a:rPr lang="en-US" dirty="0" err="1">
-                <a:solidFill>
-                  <a:schemeClr val="accent2"/>
-                </a:solidFill>
-              </a:rPr>
-              <a:t>optimizer.step</a:t>
-            </a:r>
-            <a:r>
-              <a:rPr lang="en-US" dirty="0">
-                <a:solidFill>
-                  <a:schemeClr val="accent2"/>
-                </a:solidFill>
-              </a:rPr>
-              <a:t>() </a:t>
-            </a:r>
-            <a:r>
-              <a:rPr lang="en-US" dirty="0"/>
-              <a:t>updates weights after backpropagation</a:t>
-            </a:r>
-          </a:p>
-          <a:p>
-            <a:pPr rtl="0">
-              <a:buFont typeface="Arial" panose="020B0604020202020204" pitchFamily="34" charset="0"/>
-              <a:buChar char="•"/>
-            </a:pPr>
-            <a:r>
-              <a:rPr lang="en-US" dirty="0"/>
-              <a:t>Benefits:</a:t>
-            </a:r>
-          </a:p>
-          <a:p>
-            <a:pPr marL="742950" lvl="1" indent="-285750" rtl="0">
-              <a:buFont typeface="Arial" panose="020B0604020202020204" pitchFamily="34" charset="0"/>
-              <a:buChar char="•"/>
-            </a:pPr>
-            <a:r>
-              <a:rPr lang="en-US" dirty="0"/>
-              <a:t>Fast convergence</a:t>
-            </a:r>
-          </a:p>
-          <a:p>
-            <a:pPr marL="742950" lvl="1" indent="-285750" rtl="0">
-              <a:buFont typeface="Arial" panose="020B0604020202020204" pitchFamily="34" charset="0"/>
-              <a:buChar char="•"/>
-            </a:pPr>
-            <a:r>
-              <a:rPr lang="en-US" dirty="0"/>
-              <a:t>Adapts to different features (e.g., Iris’s varying scales)</a:t>
-            </a:r>
-          </a:p>
-        </p:txBody>
-      </p:sp>
-    </p:spTree>
-    <p:extLst>
-      <p:ext uri="{BB962C8B-B14F-4D97-AF65-F5344CB8AC3E}">
-        <p14:creationId xmlns:p14="http://schemas.microsoft.com/office/powerpoint/2010/main" val="1846476847"/>
-      </p:ext>
-    </p:extLst>
-  </p:cSld>
-  <p:clrMapOvr>
-    <a:masterClrMapping/>
-  </p:clrMapOvr>
-</p:sld>
-</file>
-
-<file path=ppt/slides/slide25.xml><?xml version="1.0" encoding="utf-8"?>
-<p:sld xmlns:a="http://schemas.openxmlformats.org/drawingml/2006/main" xmlns:r="http://schemas.openxmlformats.org/officeDocument/2006/relationships" xmlns:p="http://schemas.openxmlformats.org/presentationml/2006/main">
-  <p:cSld>
-    <p:spTree>
-      <p:nvGrpSpPr>
-        <p:cNvPr id="1" name=""/>
-        <p:cNvGrpSpPr/>
-        <p:nvPr/>
-      </p:nvGrpSpPr>
-      <p:grpSpPr>
-        <a:xfrm>
-          <a:off x="0" y="0"/>
-          <a:ext cx="0" cy="0"/>
-          <a:chOff x="0" y="0"/>
-          <a:chExt cx="0" cy="0"/>
-        </a:xfrm>
-      </p:grpSpPr>
-      <p:pic>
-        <p:nvPicPr>
-          <p:cNvPr id="5" name="Picture 4">
-            <a:extLst>
-              <a:ext uri="{FF2B5EF4-FFF2-40B4-BE49-F238E27FC236}">
-                <a16:creationId xmlns:a16="http://schemas.microsoft.com/office/drawing/2014/main" id="{B1E92E06-8E6E-750D-CDA6-9714052C3FF6}"/>
-              </a:ext>
-            </a:extLst>
-          </p:cNvPr>
-          <p:cNvPicPr>
-            <a:picLocks noChangeAspect="1"/>
-          </p:cNvPicPr>
-          <p:nvPr/>
-        </p:nvPicPr>
-        <p:blipFill>
-          <a:blip r:embed="rId2"/>
-          <a:stretch>
-            <a:fillRect/>
-          </a:stretch>
-        </p:blipFill>
-        <p:spPr>
-          <a:xfrm>
-            <a:off x="1153300" y="0"/>
-            <a:ext cx="10196888" cy="6858000"/>
-          </a:xfrm>
-          <a:prstGeom prst="rect">
-            <a:avLst/>
-          </a:prstGeom>
-        </p:spPr>
-      </p:pic>
-    </p:spTree>
-    <p:extLst>
-      <p:ext uri="{BB962C8B-B14F-4D97-AF65-F5344CB8AC3E}">
-        <p14:creationId xmlns:p14="http://schemas.microsoft.com/office/powerpoint/2010/main" val="1740457000"/>
-      </p:ext>
-    </p:extLst>
-  </p:cSld>
-  <p:clrMapOvr>
-    <a:masterClrMapping/>
-  </p:clrMapOvr>
-</p:sld>
-</file>
-
-<file path=ppt/slides/slide26.xml><?xml version="1.0" encoding="utf-8"?>
-<p:sld xmlns:a="http://schemas.openxmlformats.org/drawingml/2006/main" xmlns:r="http://schemas.openxmlformats.org/officeDocument/2006/relationships" xmlns:p="http://schemas.openxmlformats.org/presentationml/2006/main">
-  <p:cSld>
-    <p:spTree>
-      <p:nvGrpSpPr>
-        <p:cNvPr id="1" name=""/>
-        <p:cNvGrpSpPr/>
-        <p:nvPr/>
-      </p:nvGrpSpPr>
-      <p:grpSpPr>
-        <a:xfrm>
-          <a:off x="0" y="0"/>
-          <a:ext cx="0" cy="0"/>
-          <a:chOff x="0" y="0"/>
-          <a:chExt cx="0" cy="0"/>
-        </a:xfrm>
-      </p:grpSpPr>
-      <p:sp>
-        <p:nvSpPr>
-          <p:cNvPr id="2" name="Title 1">
-            <a:extLst>
-              <a:ext uri="{FF2B5EF4-FFF2-40B4-BE49-F238E27FC236}">
-                <a16:creationId xmlns:a16="http://schemas.microsoft.com/office/drawing/2014/main" id="{3A7D6A03-A22D-46EE-F960-A431154FCEC2}"/>
-              </a:ext>
-            </a:extLst>
-          </p:cNvPr>
-          <p:cNvSpPr>
-            <a:spLocks noGrp="1"/>
-          </p:cNvSpPr>
-          <p:nvPr>
-            <p:ph type="title"/>
-          </p:nvPr>
-        </p:nvSpPr>
-        <p:spPr/>
-        <p:txBody>
-          <a:bodyPr/>
-          <a:lstStyle/>
-          <a:p>
-            <a:r>
-              <a:rPr lang="en-US" dirty="0"/>
-              <a:t>Which optimizer to use</a:t>
-            </a:r>
-          </a:p>
-        </p:txBody>
-      </p:sp>
-      <p:sp>
-        <p:nvSpPr>
-          <p:cNvPr id="3" name="Content Placeholder 2">
-            <a:extLst>
-              <a:ext uri="{FF2B5EF4-FFF2-40B4-BE49-F238E27FC236}">
-                <a16:creationId xmlns:a16="http://schemas.microsoft.com/office/drawing/2014/main" id="{3E281087-FD8D-D04A-DEA2-DB7F598F989B}"/>
-              </a:ext>
-            </a:extLst>
-          </p:cNvPr>
-          <p:cNvSpPr>
-            <a:spLocks noGrp="1"/>
-          </p:cNvSpPr>
-          <p:nvPr>
-            <p:ph idx="1"/>
-          </p:nvPr>
-        </p:nvSpPr>
-        <p:spPr/>
-        <p:txBody>
-          <a:bodyPr/>
-          <a:lstStyle/>
-          <a:p>
-            <a:r>
-              <a:rPr lang="en-GB" dirty="0"/>
-              <a:t>Use Adam when you want good performance quickly and don't want to worry too much about hyperparameter tuning.</a:t>
-            </a:r>
-          </a:p>
-          <a:p>
-            <a:r>
-              <a:rPr lang="en-GB" dirty="0"/>
-              <a:t>Use SGD (with momentum) when training very large models, fine-tuning pre-trained networks, or when you want tighter control over optimization </a:t>
-            </a:r>
-            <a:r>
-              <a:rPr lang="en-GB" dirty="0" err="1"/>
-              <a:t>behavior</a:t>
-            </a:r>
-            <a:r>
-              <a:rPr lang="en-GB" dirty="0"/>
-              <a:t>.</a:t>
-            </a:r>
-          </a:p>
-          <a:p>
-            <a:r>
-              <a:rPr lang="en-US" dirty="0"/>
-              <a:t>Compare both optimizers for Iris training with 100 epochs (150 samples) </a:t>
-            </a:r>
-          </a:p>
-          <a:p>
-            <a:endParaRPr lang="en-GB" dirty="0"/>
-          </a:p>
-        </p:txBody>
-      </p:sp>
-    </p:spTree>
-    <p:extLst>
-      <p:ext uri="{BB962C8B-B14F-4D97-AF65-F5344CB8AC3E}">
-        <p14:creationId xmlns:p14="http://schemas.microsoft.com/office/powerpoint/2010/main" val="1312178182"/>
-      </p:ext>
-    </p:extLst>
-  </p:cSld>
-  <p:clrMapOvr>
-    <a:masterClrMapping/>
-  </p:clrMapOvr>
-</p:sld>
-</file>
-
 <file path=ppt/slides/slide27.xml><?xml version="1.0" encoding="utf-8"?>
 <p:sld xmlns:a="http://schemas.openxmlformats.org/drawingml/2006/main" xmlns:r="http://schemas.openxmlformats.org/officeDocument/2006/relationships" xmlns:p="http://schemas.openxmlformats.org/presentationml/2006/main">
   <p:cSld>
@@ -12682,7 +16459,7 @@
           <p:cNvPr id="2" name="Title 1">
             <a:extLst>
               <a:ext uri="{FF2B5EF4-FFF2-40B4-BE49-F238E27FC236}">
-                <a16:creationId xmlns:a16="http://schemas.microsoft.com/office/drawing/2014/main" id="{85BC1A98-0533-672A-1569-25B4C9F7CB0A}"/>
+                <a16:creationId xmlns:a16="http://schemas.microsoft.com/office/drawing/2014/main" id="{05EE78BB-519C-86FD-511B-DE62EAFF1CC2}"/>
               </a:ext>
             </a:extLst>
           </p:cNvPr>
@@ -12700,17 +16477,17 @@
           <a:p>
             <a:r>
               <a:rPr lang="en-US" dirty="0"/>
-              <a:t>Putting It All Together</a:t>
+              <a:t>Activation Function</a:t>
             </a:r>
           </a:p>
         </p:txBody>
       </p:sp>
       <p:sp>
         <p:nvSpPr>
-          <p:cNvPr id="3" name="Content Placeholder 2">
-            <a:extLst>
-              <a:ext uri="{FF2B5EF4-FFF2-40B4-BE49-F238E27FC236}">
-                <a16:creationId xmlns:a16="http://schemas.microsoft.com/office/drawing/2014/main" id="{72B03BB4-FD0C-BA6C-A3FA-E279216A4430}"/>
+          <p:cNvPr id="3" name="Text Placeholder 2">
+            <a:extLst>
+              <a:ext uri="{FF2B5EF4-FFF2-40B4-BE49-F238E27FC236}">
+                <a16:creationId xmlns:a16="http://schemas.microsoft.com/office/drawing/2014/main" id="{606AF7ED-2A7B-ABF1-133B-A3C8E9F6AC68}"/>
               </a:ext>
             </a:extLst>
           </p:cNvPr>
@@ -12718,110 +16495,25 @@
             <a:spLocks noGrp="1"/>
           </p:cNvSpPr>
           <p:nvPr>
-            <p:ph idx="1"/>
+            <p:ph type="body" idx="1"/>
           </p:nvPr>
         </p:nvSpPr>
-        <p:spPr>
-          <a:xfrm>
-            <a:off x="838200" y="1825625"/>
-            <a:ext cx="10515600" cy="2573655"/>
-          </a:xfrm>
-        </p:spPr>
+        <p:spPr/>
         <p:txBody>
           <a:bodyPr/>
           <a:lstStyle/>
           <a:p>
-            <a:pPr rtl="0">
-              <a:buFont typeface="Arial" panose="020B0604020202020204" pitchFamily="34" charset="0"/>
-              <a:buChar char="•"/>
-            </a:pPr>
-            <a:r>
-              <a:rPr lang="en-US" b="1" dirty="0"/>
-              <a:t>Entropy</a:t>
-            </a:r>
             <a:r>
               <a:rPr lang="en-US" dirty="0"/>
-              <a:t>: Measures uncertainty in predictions (goal: low entropy for correct class)</a:t>
-            </a:r>
-          </a:p>
-          <a:p>
-            <a:pPr rtl="0">
-              <a:buFont typeface="Arial" panose="020B0604020202020204" pitchFamily="34" charset="0"/>
-              <a:buChar char="•"/>
-            </a:pPr>
-            <a:r>
-              <a:rPr lang="en-US" b="1" dirty="0"/>
-              <a:t>Cross-Entropy Loss</a:t>
-            </a:r>
-            <a:r>
-              <a:rPr lang="en-US" dirty="0"/>
-              <a:t>: Guides model to reduce uncertainty (criterion)</a:t>
-            </a:r>
-          </a:p>
-          <a:p>
-            <a:pPr rtl="0">
-              <a:buFont typeface="Arial" panose="020B0604020202020204" pitchFamily="34" charset="0"/>
-              <a:buChar char="•"/>
-            </a:pPr>
-            <a:r>
-              <a:rPr lang="en-US" b="1" dirty="0" err="1"/>
-              <a:t>ReLU</a:t>
-            </a:r>
-            <a:r>
-              <a:rPr lang="en-US" dirty="0"/>
-              <a:t>: Enables learning complex patterns in Iris features (relu1, relu2)</a:t>
-            </a:r>
-          </a:p>
-          <a:p>
-            <a:pPr rtl="0">
-              <a:buFont typeface="Arial" panose="020B0604020202020204" pitchFamily="34" charset="0"/>
-              <a:buChar char="•"/>
-            </a:pPr>
-            <a:r>
-              <a:rPr lang="en-US" b="1" dirty="0"/>
-              <a:t>Adam</a:t>
-            </a:r>
-            <a:r>
-              <a:rPr lang="en-US" dirty="0"/>
-              <a:t>: Optimizes weights to minimize loss (optimizer)</a:t>
+              <a:t>Enabling Non-Linear Learning</a:t>
             </a:r>
           </a:p>
         </p:txBody>
       </p:sp>
-      <p:pic>
-        <p:nvPicPr>
-          <p:cNvPr id="7" name="Picture 6">
-            <a:extLst>
-              <a:ext uri="{FF2B5EF4-FFF2-40B4-BE49-F238E27FC236}">
-                <a16:creationId xmlns:a16="http://schemas.microsoft.com/office/drawing/2014/main" id="{6F5E78A8-A985-6229-2C39-B54A76021699}"/>
-              </a:ext>
-            </a:extLst>
-          </p:cNvPr>
-          <p:cNvPicPr>
-            <a:picLocks noChangeAspect="1"/>
-          </p:cNvPicPr>
-          <p:nvPr/>
-        </p:nvPicPr>
-        <p:blipFill>
-          <a:blip r:embed="rId2"/>
-          <a:stretch>
-            <a:fillRect/>
-          </a:stretch>
-        </p:blipFill>
-        <p:spPr>
-          <a:xfrm>
-            <a:off x="929384" y="4399280"/>
-            <a:ext cx="8638273" cy="1846263"/>
-          </a:xfrm>
-          <a:prstGeom prst="rect">
-            <a:avLst/>
-          </a:prstGeom>
-        </p:spPr>
-      </p:pic>
     </p:spTree>
     <p:extLst>
       <p:ext uri="{BB962C8B-B14F-4D97-AF65-F5344CB8AC3E}">
-        <p14:creationId xmlns:p14="http://schemas.microsoft.com/office/powerpoint/2010/main" val="383624214"/>
+        <p14:creationId xmlns:p14="http://schemas.microsoft.com/office/powerpoint/2010/main" val="495228592"/>
       </p:ext>
     </p:extLst>
   </p:cSld>
@@ -12850,10 +16542,10 @@
       </p:grpSpPr>
       <p:sp>
         <p:nvSpPr>
-          <p:cNvPr id="2" name="Title 1">
-            <a:extLst>
-              <a:ext uri="{FF2B5EF4-FFF2-40B4-BE49-F238E27FC236}">
-                <a16:creationId xmlns:a16="http://schemas.microsoft.com/office/drawing/2014/main" id="{53196785-2E4F-2843-F302-C1DA79193394}"/>
+          <p:cNvPr id="4" name="Title 3">
+            <a:extLst>
+              <a:ext uri="{FF2B5EF4-FFF2-40B4-BE49-F238E27FC236}">
+                <a16:creationId xmlns:a16="http://schemas.microsoft.com/office/drawing/2014/main" id="{78DE5A5C-2BEA-53EE-62A6-79CEBC804C34}"/>
               </a:ext>
             </a:extLst>
           </p:cNvPr>
@@ -12871,17 +16563,174 @@
           <a:p>
             <a:r>
               <a:rPr lang="en-US" dirty="0"/>
-              <a:t>Summary</a:t>
-            </a:r>
+              <a:t>Activation Function: </a:t>
+            </a:r>
+            <a:r>
+              <a:rPr lang="en-GB" dirty="0"/>
+              <a:t>Introduces non-linearity in neural networks</a:t>
+            </a:r>
+            <a:endParaRPr lang="en-US" dirty="0"/>
           </a:p>
         </p:txBody>
       </p:sp>
+      <p:pic>
+        <p:nvPicPr>
+          <p:cNvPr id="7170" name="Picture 2">
+            <a:extLst>
+              <a:ext uri="{FF2B5EF4-FFF2-40B4-BE49-F238E27FC236}">
+                <a16:creationId xmlns:a16="http://schemas.microsoft.com/office/drawing/2014/main" id="{9939C3CF-F287-FD7F-6342-6E44F6F67D74}"/>
+              </a:ext>
+            </a:extLst>
+          </p:cNvPr>
+          <p:cNvPicPr>
+            <a:picLocks noChangeAspect="1" noChangeArrowheads="1"/>
+          </p:cNvPicPr>
+          <p:nvPr/>
+        </p:nvPicPr>
+        <p:blipFill>
+          <a:blip r:embed="rId2">
+            <a:extLst>
+              <a:ext uri="{28A0092B-C50C-407E-A947-70E740481C1C}">
+                <a14:useLocalDpi xmlns:a14="http://schemas.microsoft.com/office/drawing/2010/main" val="0"/>
+              </a:ext>
+            </a:extLst>
+          </a:blip>
+          <a:srcRect/>
+          <a:stretch>
+            <a:fillRect/>
+          </a:stretch>
+        </p:blipFill>
+        <p:spPr bwMode="auto">
+          <a:xfrm>
+            <a:off x="2849880" y="1845464"/>
+            <a:ext cx="8334375" cy="4191000"/>
+          </a:xfrm>
+          <a:prstGeom prst="rect">
+            <a:avLst/>
+          </a:prstGeom>
+          <a:noFill/>
+          <a:extLst>
+            <a:ext uri="{909E8E84-426E-40DD-AFC4-6F175D3DCCD1}">
+              <a14:hiddenFill xmlns:a14="http://schemas.microsoft.com/office/drawing/2010/main">
+                <a:solidFill>
+                  <a:srgbClr val="FFFFFF"/>
+                </a:solidFill>
+              </a14:hiddenFill>
+            </a:ext>
+          </a:extLst>
+        </p:spPr>
+      </p:pic>
+      <p:pic>
+        <p:nvPicPr>
+          <p:cNvPr id="11" name="Picture 10">
+            <a:extLst>
+              <a:ext uri="{FF2B5EF4-FFF2-40B4-BE49-F238E27FC236}">
+                <a16:creationId xmlns:a16="http://schemas.microsoft.com/office/drawing/2014/main" id="{ECC42EAF-B437-09A6-8D3D-80D9C0EDC8B4}"/>
+              </a:ext>
+            </a:extLst>
+          </p:cNvPr>
+          <p:cNvPicPr>
+            <a:picLocks noChangeAspect="1"/>
+          </p:cNvPicPr>
+          <p:nvPr/>
+        </p:nvPicPr>
+        <p:blipFill>
+          <a:blip r:embed="rId3"/>
+          <a:stretch>
+            <a:fillRect/>
+          </a:stretch>
+        </p:blipFill>
+        <p:spPr>
+          <a:xfrm>
+            <a:off x="281940" y="6040423"/>
+            <a:ext cx="3340314" cy="301634"/>
+          </a:xfrm>
+          <a:prstGeom prst="rect">
+            <a:avLst/>
+          </a:prstGeom>
+        </p:spPr>
+      </p:pic>
       <p:sp>
         <p:nvSpPr>
-          <p:cNvPr id="3" name="Content Placeholder 2">
-            <a:extLst>
-              <a:ext uri="{FF2B5EF4-FFF2-40B4-BE49-F238E27FC236}">
-                <a16:creationId xmlns:a16="http://schemas.microsoft.com/office/drawing/2014/main" id="{4977BAF4-F7D6-CE1D-1AE7-5E273BABDE53}"/>
+          <p:cNvPr id="13" name="TextBox 12">
+            <a:extLst>
+              <a:ext uri="{FF2B5EF4-FFF2-40B4-BE49-F238E27FC236}">
+                <a16:creationId xmlns:a16="http://schemas.microsoft.com/office/drawing/2014/main" id="{37FA6BE3-3B85-A390-6584-2C7884915F61}"/>
+              </a:ext>
+            </a:extLst>
+          </p:cNvPr>
+          <p:cNvSpPr txBox="1"/>
+          <p:nvPr/>
+        </p:nvSpPr>
+        <p:spPr>
+          <a:xfrm>
+            <a:off x="281940" y="5144356"/>
+            <a:ext cx="2451100" cy="646331"/>
+          </a:xfrm>
+          <a:prstGeom prst="rect">
+            <a:avLst/>
+          </a:prstGeom>
+          <a:solidFill>
+            <a:schemeClr val="accent4">
+              <a:lumMod val="20000"/>
+              <a:lumOff val="80000"/>
+            </a:schemeClr>
+          </a:solidFill>
+        </p:spPr>
+        <p:txBody>
+          <a:bodyPr wrap="square">
+            <a:spAutoFit/>
+          </a:bodyPr>
+          <a:lstStyle/>
+          <a:p>
+            <a:r>
+              <a:rPr lang="en-GB" dirty="0" err="1"/>
+              <a:t>ReLU’s</a:t>
+            </a:r>
+            <a:r>
+              <a:rPr lang="en-GB" dirty="0"/>
+              <a:t> simplicity makes training faster</a:t>
+            </a:r>
+            <a:endParaRPr lang="en-US" dirty="0"/>
+          </a:p>
+        </p:txBody>
+      </p:sp>
+    </p:spTree>
+    <p:extLst>
+      <p:ext uri="{BB962C8B-B14F-4D97-AF65-F5344CB8AC3E}">
+        <p14:creationId xmlns:p14="http://schemas.microsoft.com/office/powerpoint/2010/main" val="3629368376"/>
+      </p:ext>
+    </p:extLst>
+  </p:cSld>
+  <p:clrMapOvr>
+    <a:masterClrMapping/>
+  </p:clrMapOvr>
+</p:sld>
+</file>
+
+<file path=ppt/slides/slide29.xml><?xml version="1.0" encoding="utf-8"?>
+<p:sld xmlns:a="http://schemas.openxmlformats.org/drawingml/2006/main" xmlns:r="http://schemas.openxmlformats.org/officeDocument/2006/relationships" xmlns:p="http://schemas.openxmlformats.org/presentationml/2006/main">
+  <p:cSld>
+    <p:spTree>
+      <p:nvGrpSpPr>
+        <p:cNvPr id="1" name=""/>
+        <p:cNvGrpSpPr/>
+        <p:nvPr/>
+      </p:nvGrpSpPr>
+      <p:grpSpPr>
+        <a:xfrm>
+          <a:off x="0" y="0"/>
+          <a:ext cx="0" cy="0"/>
+          <a:chOff x="0" y="0"/>
+          <a:chExt cx="0" cy="0"/>
+        </a:xfrm>
+      </p:grpSpPr>
+      <p:sp>
+        <p:nvSpPr>
+          <p:cNvPr id="3" name="Title 2">
+            <a:extLst>
+              <a:ext uri="{FF2B5EF4-FFF2-40B4-BE49-F238E27FC236}">
+                <a16:creationId xmlns:a16="http://schemas.microsoft.com/office/drawing/2014/main" id="{78287D52-35B6-0CF8-6F95-5C063852C261}"/>
               </a:ext>
             </a:extLst>
           </p:cNvPr>
@@ -12889,7 +16738,7 @@
             <a:spLocks noGrp="1"/>
           </p:cNvSpPr>
           <p:nvPr>
-            <p:ph idx="1"/>
+            <p:ph type="title"/>
           </p:nvPr>
         </p:nvSpPr>
         <p:spPr/>
@@ -12897,76 +16746,42 @@
           <a:bodyPr/>
           <a:lstStyle/>
           <a:p>
-            <a:pPr rtl="0">
-              <a:buFont typeface="Arial" panose="020B0604020202020204" pitchFamily="34" charset="0"/>
-              <a:buChar char="•"/>
-            </a:pPr>
             <a:r>
               <a:rPr lang="en-US" dirty="0"/>
-              <a:t>Entropy: Quantifies prediction uncertainty</a:t>
-            </a:r>
-          </a:p>
-          <a:p>
-            <a:pPr rtl="0">
-              <a:buFont typeface="Arial" panose="020B0604020202020204" pitchFamily="34" charset="0"/>
-              <a:buChar char="•"/>
-            </a:pPr>
-            <a:r>
-              <a:rPr lang="en-US" dirty="0"/>
-              <a:t>Cross-Entropy Loss: Measures prediction error for multiclass tasks</a:t>
-            </a:r>
-          </a:p>
-          <a:p>
-            <a:pPr rtl="0">
-              <a:buFont typeface="Arial" panose="020B0604020202020204" pitchFamily="34" charset="0"/>
-              <a:buChar char="•"/>
-            </a:pPr>
-            <a:r>
-              <a:rPr lang="en-US" dirty="0" err="1"/>
-              <a:t>ReLU</a:t>
-            </a:r>
-            <a:r>
-              <a:rPr lang="en-US" dirty="0"/>
-              <a:t>: Adds non-linearity for complex patterns</a:t>
-            </a:r>
-          </a:p>
-          <a:p>
-            <a:pPr rtl="0">
-              <a:buFont typeface="Arial" panose="020B0604020202020204" pitchFamily="34" charset="0"/>
-              <a:buChar char="•"/>
-            </a:pPr>
-            <a:r>
-              <a:rPr lang="en-US" dirty="0"/>
-              <a:t>Adam Optimizer: Efficiently minimizes loss</a:t>
-            </a:r>
-          </a:p>
-          <a:p>
-            <a:pPr rtl="0">
-              <a:buFont typeface="Arial" panose="020B0604020202020204" pitchFamily="34" charset="0"/>
-              <a:buChar char="•"/>
-            </a:pPr>
-            <a:r>
-              <a:rPr lang="en-US" dirty="0"/>
-              <a:t>Application: These concepts power our </a:t>
-            </a:r>
-            <a:r>
-              <a:rPr lang="en-US" dirty="0" err="1"/>
-              <a:t>PyTorch</a:t>
-            </a:r>
-            <a:r>
-              <a:rPr lang="en-US" dirty="0"/>
-              <a:t> model to classify Iris species with high accuracy</a:t>
-            </a:r>
-          </a:p>
-          <a:p>
-            <a:endParaRPr lang="en-US" dirty="0"/>
+              <a:t>Optimizer</a:t>
+            </a:r>
+          </a:p>
+        </p:txBody>
+      </p:sp>
+      <p:sp>
+        <p:nvSpPr>
+          <p:cNvPr id="4" name="Text Placeholder 3">
+            <a:extLst>
+              <a:ext uri="{FF2B5EF4-FFF2-40B4-BE49-F238E27FC236}">
+                <a16:creationId xmlns:a16="http://schemas.microsoft.com/office/drawing/2014/main" id="{360DA14D-F7C3-EE03-8532-6A311AFC313B}"/>
+              </a:ext>
+            </a:extLst>
+          </p:cNvPr>
+          <p:cNvSpPr>
+            <a:spLocks noGrp="1"/>
+          </p:cNvSpPr>
+          <p:nvPr>
+            <p:ph type="body" idx="1"/>
+          </p:nvPr>
+        </p:nvSpPr>
+        <p:spPr/>
+        <p:txBody>
+          <a:bodyPr/>
+          <a:lstStyle/>
+          <a:p>
+            <a:endParaRPr lang="en-US"/>
           </a:p>
         </p:txBody>
       </p:sp>
     </p:spTree>
     <p:extLst>
       <p:ext uri="{BB962C8B-B14F-4D97-AF65-F5344CB8AC3E}">
-        <p14:creationId xmlns:p14="http://schemas.microsoft.com/office/powerpoint/2010/main" val="3552171113"/>
+        <p14:creationId xmlns:p14="http://schemas.microsoft.com/office/powerpoint/2010/main" val="1472723351"/>
       </p:ext>
     </p:extLst>
   </p:cSld>
@@ -13059,6 +16874,869 @@
 </p:sld>
 </file>
 
+<file path=ppt/slides/slide30.xml><?xml version="1.0" encoding="utf-8"?>
+<p:sld xmlns:a="http://schemas.openxmlformats.org/drawingml/2006/main" xmlns:r="http://schemas.openxmlformats.org/officeDocument/2006/relationships" xmlns:p="http://schemas.openxmlformats.org/presentationml/2006/main">
+  <p:cSld>
+    <p:spTree>
+      <p:nvGrpSpPr>
+        <p:cNvPr id="1" name=""/>
+        <p:cNvGrpSpPr/>
+        <p:nvPr/>
+      </p:nvGrpSpPr>
+      <p:grpSpPr>
+        <a:xfrm>
+          <a:off x="0" y="0"/>
+          <a:ext cx="0" cy="0"/>
+          <a:chOff x="0" y="0"/>
+          <a:chExt cx="0" cy="0"/>
+        </a:xfrm>
+      </p:grpSpPr>
+      <p:pic>
+        <p:nvPicPr>
+          <p:cNvPr id="10242" name="Picture 2">
+            <a:extLst>
+              <a:ext uri="{FF2B5EF4-FFF2-40B4-BE49-F238E27FC236}">
+                <a16:creationId xmlns:a16="http://schemas.microsoft.com/office/drawing/2014/main" id="{1343F3F4-E3B1-3117-3F37-E0CF745DFFA4}"/>
+              </a:ext>
+            </a:extLst>
+          </p:cNvPr>
+          <p:cNvPicPr>
+            <a:picLocks noChangeAspect="1" noChangeArrowheads="1"/>
+          </p:cNvPicPr>
+          <p:nvPr/>
+        </p:nvPicPr>
+        <p:blipFill>
+          <a:blip r:embed="rId2">
+            <a:extLst>
+              <a:ext uri="{28A0092B-C50C-407E-A947-70E740481C1C}">
+                <a14:useLocalDpi xmlns:a14="http://schemas.microsoft.com/office/drawing/2010/main" val="0"/>
+              </a:ext>
+            </a:extLst>
+          </a:blip>
+          <a:srcRect/>
+          <a:stretch>
+            <a:fillRect/>
+          </a:stretch>
+        </p:blipFill>
+        <p:spPr bwMode="auto">
+          <a:xfrm>
+            <a:off x="2067560" y="285750"/>
+            <a:ext cx="8056880" cy="6042660"/>
+          </a:xfrm>
+          <a:prstGeom prst="rect">
+            <a:avLst/>
+          </a:prstGeom>
+          <a:noFill/>
+          <a:extLst>
+            <a:ext uri="{909E8E84-426E-40DD-AFC4-6F175D3DCCD1}">
+              <a14:hiddenFill xmlns:a14="http://schemas.microsoft.com/office/drawing/2010/main">
+                <a:solidFill>
+                  <a:srgbClr val="FFFFFF"/>
+                </a:solidFill>
+              </a14:hiddenFill>
+            </a:ext>
+          </a:extLst>
+        </p:spPr>
+      </p:pic>
+      <p:sp>
+        <p:nvSpPr>
+          <p:cNvPr id="5" name="TextBox 4">
+            <a:extLst>
+              <a:ext uri="{FF2B5EF4-FFF2-40B4-BE49-F238E27FC236}">
+                <a16:creationId xmlns:a16="http://schemas.microsoft.com/office/drawing/2014/main" id="{4E39BB3D-B79B-AFD4-E6B8-3B02084EEF65}"/>
+              </a:ext>
+            </a:extLst>
+          </p:cNvPr>
+          <p:cNvSpPr txBox="1"/>
+          <p:nvPr/>
+        </p:nvSpPr>
+        <p:spPr>
+          <a:xfrm>
+            <a:off x="2506980" y="6328410"/>
+            <a:ext cx="6525260" cy="338554"/>
+          </a:xfrm>
+          <a:prstGeom prst="rect">
+            <a:avLst/>
+          </a:prstGeom>
+          <a:noFill/>
+        </p:spPr>
+        <p:txBody>
+          <a:bodyPr wrap="square">
+            <a:spAutoFit/>
+          </a:bodyPr>
+          <a:lstStyle/>
+          <a:p>
+            <a:r>
+              <a:rPr lang="en-US" sz="1600" dirty="0"/>
+              <a:t>https://community.deeplearning.ai/t/optimization-algorithms/305154/3</a:t>
+            </a:r>
+          </a:p>
+        </p:txBody>
+      </p:sp>
+    </p:spTree>
+    <p:extLst>
+      <p:ext uri="{BB962C8B-B14F-4D97-AF65-F5344CB8AC3E}">
+        <p14:creationId xmlns:p14="http://schemas.microsoft.com/office/powerpoint/2010/main" val="545826806"/>
+      </p:ext>
+    </p:extLst>
+  </p:cSld>
+  <p:clrMapOvr>
+    <a:masterClrMapping/>
+  </p:clrMapOvr>
+</p:sld>
+</file>
+
+<file path=ppt/slides/slide31.xml><?xml version="1.0" encoding="utf-8"?>
+<p:sld xmlns:a="http://schemas.openxmlformats.org/drawingml/2006/main" xmlns:r="http://schemas.openxmlformats.org/officeDocument/2006/relationships" xmlns:p="http://schemas.openxmlformats.org/presentationml/2006/main">
+  <p:cSld>
+    <p:spTree>
+      <p:nvGrpSpPr>
+        <p:cNvPr id="1" name=""/>
+        <p:cNvGrpSpPr/>
+        <p:nvPr/>
+      </p:nvGrpSpPr>
+      <p:grpSpPr>
+        <a:xfrm>
+          <a:off x="0" y="0"/>
+          <a:ext cx="0" cy="0"/>
+          <a:chOff x="0" y="0"/>
+          <a:chExt cx="0" cy="0"/>
+        </a:xfrm>
+      </p:grpSpPr>
+      <p:sp>
+        <p:nvSpPr>
+          <p:cNvPr id="2" name="Title 1">
+            <a:extLst>
+              <a:ext uri="{FF2B5EF4-FFF2-40B4-BE49-F238E27FC236}">
+                <a16:creationId xmlns:a16="http://schemas.microsoft.com/office/drawing/2014/main" id="{96D7FC87-E36A-D83A-96C4-A01CC08B16F6}"/>
+              </a:ext>
+            </a:extLst>
+          </p:cNvPr>
+          <p:cNvSpPr>
+            <a:spLocks noGrp="1"/>
+          </p:cNvSpPr>
+          <p:nvPr>
+            <p:ph type="title"/>
+          </p:nvPr>
+        </p:nvSpPr>
+        <p:spPr/>
+        <p:txBody>
+          <a:bodyPr/>
+          <a:lstStyle/>
+          <a:p>
+            <a:r>
+              <a:rPr lang="en-US" dirty="0"/>
+              <a:t>Adam Optimizer</a:t>
+            </a:r>
+          </a:p>
+        </p:txBody>
+      </p:sp>
+      <p:sp>
+        <p:nvSpPr>
+          <p:cNvPr id="3" name="Content Placeholder 2">
+            <a:extLst>
+              <a:ext uri="{FF2B5EF4-FFF2-40B4-BE49-F238E27FC236}">
+                <a16:creationId xmlns:a16="http://schemas.microsoft.com/office/drawing/2014/main" id="{78F9E78F-53B4-E732-923B-ECCB30D08BED}"/>
+              </a:ext>
+            </a:extLst>
+          </p:cNvPr>
+          <p:cNvSpPr>
+            <a:spLocks noGrp="1"/>
+          </p:cNvSpPr>
+          <p:nvPr>
+            <p:ph idx="1"/>
+          </p:nvPr>
+        </p:nvSpPr>
+        <p:spPr/>
+        <p:txBody>
+          <a:bodyPr>
+            <a:normAutofit fontScale="92500" lnSpcReduction="10000"/>
+          </a:bodyPr>
+          <a:lstStyle/>
+          <a:p>
+            <a:pPr rtl="0">
+              <a:buFont typeface="Arial" panose="020B0604020202020204" pitchFamily="34" charset="0"/>
+              <a:buChar char="•"/>
+            </a:pPr>
+            <a:r>
+              <a:rPr lang="en-US" dirty="0"/>
+              <a:t>Definition: Adaptive Moment Estimation, a gradient-based optimization algorithm</a:t>
+            </a:r>
+          </a:p>
+          <a:p>
+            <a:pPr rtl="0">
+              <a:buFont typeface="Arial" panose="020B0604020202020204" pitchFamily="34" charset="0"/>
+              <a:buChar char="•"/>
+            </a:pPr>
+            <a:r>
+              <a:rPr lang="en-US" dirty="0"/>
+              <a:t>How It Works:</a:t>
+            </a:r>
+          </a:p>
+          <a:p>
+            <a:pPr marL="742950" lvl="1" indent="-285750" rtl="0">
+              <a:buFont typeface="Arial" panose="020B0604020202020204" pitchFamily="34" charset="0"/>
+              <a:buChar char="•"/>
+            </a:pPr>
+            <a:r>
+              <a:rPr lang="en-US" dirty="0"/>
+              <a:t>Combines momentum (moving average of gradients) and </a:t>
+            </a:r>
+            <a:r>
+              <a:rPr lang="en-US" dirty="0" err="1"/>
+              <a:t>RMSProp</a:t>
+            </a:r>
+            <a:r>
+              <a:rPr lang="en-US" dirty="0"/>
+              <a:t> (adaptive learning rates)</a:t>
+            </a:r>
+          </a:p>
+          <a:p>
+            <a:pPr marL="742950" lvl="1" indent="-285750" rtl="0">
+              <a:buFont typeface="Arial" panose="020B0604020202020204" pitchFamily="34" charset="0"/>
+              <a:buChar char="•"/>
+            </a:pPr>
+            <a:r>
+              <a:rPr lang="en-US" dirty="0"/>
+              <a:t>Updates weights to minimize cross-entropy loss</a:t>
+            </a:r>
+          </a:p>
+          <a:p>
+            <a:pPr rtl="0">
+              <a:buFont typeface="Arial" panose="020B0604020202020204" pitchFamily="34" charset="0"/>
+              <a:buChar char="•"/>
+            </a:pPr>
+            <a:r>
+              <a:rPr lang="en-US" dirty="0"/>
+              <a:t>In </a:t>
+            </a:r>
+            <a:r>
+              <a:rPr lang="en-US" dirty="0" err="1"/>
+              <a:t>PyTorch</a:t>
+            </a:r>
+            <a:r>
+              <a:rPr lang="en-US" dirty="0"/>
+              <a:t> Code:</a:t>
+            </a:r>
+          </a:p>
+          <a:p>
+            <a:pPr marL="742950" lvl="1" indent="-285750" rtl="0">
+              <a:buFont typeface="Arial" panose="020B0604020202020204" pitchFamily="34" charset="0"/>
+              <a:buChar char="•"/>
+            </a:pPr>
+            <a:r>
+              <a:rPr lang="en-US" dirty="0">
+                <a:solidFill>
+                  <a:schemeClr val="accent2"/>
+                </a:solidFill>
+              </a:rPr>
+              <a:t>optimizer = </a:t>
+            </a:r>
+            <a:r>
+              <a:rPr lang="en-US" dirty="0" err="1">
+                <a:solidFill>
+                  <a:schemeClr val="accent2"/>
+                </a:solidFill>
+              </a:rPr>
+              <a:t>optim.Adam</a:t>
+            </a:r>
+            <a:r>
+              <a:rPr lang="en-US" dirty="0">
+                <a:solidFill>
+                  <a:schemeClr val="accent2"/>
+                </a:solidFill>
+              </a:rPr>
+              <a:t>(</a:t>
+            </a:r>
+            <a:r>
+              <a:rPr lang="en-US" dirty="0" err="1">
+                <a:solidFill>
+                  <a:schemeClr val="accent2"/>
+                </a:solidFill>
+              </a:rPr>
+              <a:t>model.parameters</a:t>
+            </a:r>
+            <a:r>
+              <a:rPr lang="en-US" dirty="0">
+                <a:solidFill>
+                  <a:schemeClr val="accent2"/>
+                </a:solidFill>
+              </a:rPr>
+              <a:t>(), </a:t>
+            </a:r>
+            <a:r>
+              <a:rPr lang="en-US" dirty="0" err="1">
+                <a:solidFill>
+                  <a:schemeClr val="accent2"/>
+                </a:solidFill>
+              </a:rPr>
+              <a:t>lr</a:t>
+            </a:r>
+            <a:r>
+              <a:rPr lang="en-US" dirty="0">
+                <a:solidFill>
+                  <a:schemeClr val="accent2"/>
+                </a:solidFill>
+              </a:rPr>
+              <a:t>=0.001)</a:t>
+            </a:r>
+          </a:p>
+          <a:p>
+            <a:pPr marL="742950" lvl="1" indent="-285750" rtl="0">
+              <a:buFont typeface="Arial" panose="020B0604020202020204" pitchFamily="34" charset="0"/>
+              <a:buChar char="•"/>
+            </a:pPr>
+            <a:r>
+              <a:rPr lang="en-US" dirty="0" err="1">
+                <a:solidFill>
+                  <a:schemeClr val="accent2"/>
+                </a:solidFill>
+              </a:rPr>
+              <a:t>optimizer.step</a:t>
+            </a:r>
+            <a:r>
+              <a:rPr lang="en-US" dirty="0">
+                <a:solidFill>
+                  <a:schemeClr val="accent2"/>
+                </a:solidFill>
+              </a:rPr>
+              <a:t>() </a:t>
+            </a:r>
+            <a:r>
+              <a:rPr lang="en-US" dirty="0"/>
+              <a:t>updates weights after backpropagation</a:t>
+            </a:r>
+          </a:p>
+          <a:p>
+            <a:pPr rtl="0">
+              <a:buFont typeface="Arial" panose="020B0604020202020204" pitchFamily="34" charset="0"/>
+              <a:buChar char="•"/>
+            </a:pPr>
+            <a:r>
+              <a:rPr lang="en-US" dirty="0"/>
+              <a:t>Benefits:</a:t>
+            </a:r>
+          </a:p>
+          <a:p>
+            <a:pPr marL="742950" lvl="1" indent="-285750" rtl="0">
+              <a:buFont typeface="Arial" panose="020B0604020202020204" pitchFamily="34" charset="0"/>
+              <a:buChar char="•"/>
+            </a:pPr>
+            <a:r>
+              <a:rPr lang="en-US" dirty="0"/>
+              <a:t>Fast convergence</a:t>
+            </a:r>
+          </a:p>
+          <a:p>
+            <a:pPr marL="742950" lvl="1" indent="-285750" rtl="0">
+              <a:buFont typeface="Arial" panose="020B0604020202020204" pitchFamily="34" charset="0"/>
+              <a:buChar char="•"/>
+            </a:pPr>
+            <a:r>
+              <a:rPr lang="en-US" dirty="0"/>
+              <a:t>Adapts to different features (e.g., Iris’s varying scales)</a:t>
+            </a:r>
+          </a:p>
+        </p:txBody>
+      </p:sp>
+    </p:spTree>
+    <p:extLst>
+      <p:ext uri="{BB962C8B-B14F-4D97-AF65-F5344CB8AC3E}">
+        <p14:creationId xmlns:p14="http://schemas.microsoft.com/office/powerpoint/2010/main" val="1846476847"/>
+      </p:ext>
+    </p:extLst>
+  </p:cSld>
+  <p:clrMapOvr>
+    <a:masterClrMapping/>
+  </p:clrMapOvr>
+</p:sld>
+</file>
+
+<file path=ppt/slides/slide32.xml><?xml version="1.0" encoding="utf-8"?>
+<p:sld xmlns:a="http://schemas.openxmlformats.org/drawingml/2006/main" xmlns:r="http://schemas.openxmlformats.org/officeDocument/2006/relationships" xmlns:p="http://schemas.openxmlformats.org/presentationml/2006/main">
+  <p:cSld>
+    <p:spTree>
+      <p:nvGrpSpPr>
+        <p:cNvPr id="1" name=""/>
+        <p:cNvGrpSpPr/>
+        <p:nvPr/>
+      </p:nvGrpSpPr>
+      <p:grpSpPr>
+        <a:xfrm>
+          <a:off x="0" y="0"/>
+          <a:ext cx="0" cy="0"/>
+          <a:chOff x="0" y="0"/>
+          <a:chExt cx="0" cy="0"/>
+        </a:xfrm>
+      </p:grpSpPr>
+      <p:pic>
+        <p:nvPicPr>
+          <p:cNvPr id="5" name="Picture 4">
+            <a:extLst>
+              <a:ext uri="{FF2B5EF4-FFF2-40B4-BE49-F238E27FC236}">
+                <a16:creationId xmlns:a16="http://schemas.microsoft.com/office/drawing/2014/main" id="{B1E92E06-8E6E-750D-CDA6-9714052C3FF6}"/>
+              </a:ext>
+            </a:extLst>
+          </p:cNvPr>
+          <p:cNvPicPr>
+            <a:picLocks noChangeAspect="1"/>
+          </p:cNvPicPr>
+          <p:nvPr/>
+        </p:nvPicPr>
+        <p:blipFill>
+          <a:blip r:embed="rId2"/>
+          <a:stretch>
+            <a:fillRect/>
+          </a:stretch>
+        </p:blipFill>
+        <p:spPr>
+          <a:xfrm>
+            <a:off x="1153300" y="0"/>
+            <a:ext cx="10196888" cy="6858000"/>
+          </a:xfrm>
+          <a:prstGeom prst="rect">
+            <a:avLst/>
+          </a:prstGeom>
+        </p:spPr>
+      </p:pic>
+    </p:spTree>
+    <p:extLst>
+      <p:ext uri="{BB962C8B-B14F-4D97-AF65-F5344CB8AC3E}">
+        <p14:creationId xmlns:p14="http://schemas.microsoft.com/office/powerpoint/2010/main" val="1740457000"/>
+      </p:ext>
+    </p:extLst>
+  </p:cSld>
+  <p:clrMapOvr>
+    <a:masterClrMapping/>
+  </p:clrMapOvr>
+</p:sld>
+</file>
+
+<file path=ppt/slides/slide33.xml><?xml version="1.0" encoding="utf-8"?>
+<p:sld xmlns:a="http://schemas.openxmlformats.org/drawingml/2006/main" xmlns:r="http://schemas.openxmlformats.org/officeDocument/2006/relationships" xmlns:p="http://schemas.openxmlformats.org/presentationml/2006/main">
+  <p:cSld>
+    <p:spTree>
+      <p:nvGrpSpPr>
+        <p:cNvPr id="1" name=""/>
+        <p:cNvGrpSpPr/>
+        <p:nvPr/>
+      </p:nvGrpSpPr>
+      <p:grpSpPr>
+        <a:xfrm>
+          <a:off x="0" y="0"/>
+          <a:ext cx="0" cy="0"/>
+          <a:chOff x="0" y="0"/>
+          <a:chExt cx="0" cy="0"/>
+        </a:xfrm>
+      </p:grpSpPr>
+      <p:sp>
+        <p:nvSpPr>
+          <p:cNvPr id="2" name="Title 1">
+            <a:extLst>
+              <a:ext uri="{FF2B5EF4-FFF2-40B4-BE49-F238E27FC236}">
+                <a16:creationId xmlns:a16="http://schemas.microsoft.com/office/drawing/2014/main" id="{3A7D6A03-A22D-46EE-F960-A431154FCEC2}"/>
+              </a:ext>
+            </a:extLst>
+          </p:cNvPr>
+          <p:cNvSpPr>
+            <a:spLocks noGrp="1"/>
+          </p:cNvSpPr>
+          <p:nvPr>
+            <p:ph type="title"/>
+          </p:nvPr>
+        </p:nvSpPr>
+        <p:spPr/>
+        <p:txBody>
+          <a:bodyPr/>
+          <a:lstStyle/>
+          <a:p>
+            <a:r>
+              <a:rPr lang="en-US" dirty="0"/>
+              <a:t>Which optimizer to use</a:t>
+            </a:r>
+          </a:p>
+        </p:txBody>
+      </p:sp>
+      <p:sp>
+        <p:nvSpPr>
+          <p:cNvPr id="3" name="Content Placeholder 2">
+            <a:extLst>
+              <a:ext uri="{FF2B5EF4-FFF2-40B4-BE49-F238E27FC236}">
+                <a16:creationId xmlns:a16="http://schemas.microsoft.com/office/drawing/2014/main" id="{3E281087-FD8D-D04A-DEA2-DB7F598F989B}"/>
+              </a:ext>
+            </a:extLst>
+          </p:cNvPr>
+          <p:cNvSpPr>
+            <a:spLocks noGrp="1"/>
+          </p:cNvSpPr>
+          <p:nvPr>
+            <p:ph idx="1"/>
+          </p:nvPr>
+        </p:nvSpPr>
+        <p:spPr/>
+        <p:txBody>
+          <a:bodyPr/>
+          <a:lstStyle/>
+          <a:p>
+            <a:r>
+              <a:rPr lang="en-GB" dirty="0"/>
+              <a:t>Use Adam when you want good performance quickly and don't want to worry too much about hyperparameter tuning.</a:t>
+            </a:r>
+          </a:p>
+          <a:p>
+            <a:r>
+              <a:rPr lang="en-GB" dirty="0"/>
+              <a:t>Use SGD (with momentum) when training very large models, fine-tuning pre-trained networks, or when you want tighter control over optimization </a:t>
+            </a:r>
+            <a:r>
+              <a:rPr lang="en-GB" dirty="0" err="1"/>
+              <a:t>behavior</a:t>
+            </a:r>
+            <a:r>
+              <a:rPr lang="en-GB" dirty="0"/>
+              <a:t>.</a:t>
+            </a:r>
+          </a:p>
+          <a:p>
+            <a:r>
+              <a:rPr lang="en-US" dirty="0"/>
+              <a:t>Compare both optimizers for Iris training with 100 epochs (150 samples) </a:t>
+            </a:r>
+          </a:p>
+          <a:p>
+            <a:endParaRPr lang="en-GB" dirty="0"/>
+          </a:p>
+        </p:txBody>
+      </p:sp>
+    </p:spTree>
+    <p:extLst>
+      <p:ext uri="{BB962C8B-B14F-4D97-AF65-F5344CB8AC3E}">
+        <p14:creationId xmlns:p14="http://schemas.microsoft.com/office/powerpoint/2010/main" val="1312178182"/>
+      </p:ext>
+    </p:extLst>
+  </p:cSld>
+  <p:clrMapOvr>
+    <a:masterClrMapping/>
+  </p:clrMapOvr>
+</p:sld>
+</file>
+
+<file path=ppt/slides/slide34.xml><?xml version="1.0" encoding="utf-8"?>
+<p:sld xmlns:a="http://schemas.openxmlformats.org/drawingml/2006/main" xmlns:r="http://schemas.openxmlformats.org/officeDocument/2006/relationships" xmlns:p="http://schemas.openxmlformats.org/presentationml/2006/main">
+  <p:cSld>
+    <p:spTree>
+      <p:nvGrpSpPr>
+        <p:cNvPr id="1" name=""/>
+        <p:cNvGrpSpPr/>
+        <p:nvPr/>
+      </p:nvGrpSpPr>
+      <p:grpSpPr>
+        <a:xfrm>
+          <a:off x="0" y="0"/>
+          <a:ext cx="0" cy="0"/>
+          <a:chOff x="0" y="0"/>
+          <a:chExt cx="0" cy="0"/>
+        </a:xfrm>
+      </p:grpSpPr>
+      <p:sp>
+        <p:nvSpPr>
+          <p:cNvPr id="2" name="Title 1">
+            <a:extLst>
+              <a:ext uri="{FF2B5EF4-FFF2-40B4-BE49-F238E27FC236}">
+                <a16:creationId xmlns:a16="http://schemas.microsoft.com/office/drawing/2014/main" id="{85BC1A98-0533-672A-1569-25B4C9F7CB0A}"/>
+              </a:ext>
+            </a:extLst>
+          </p:cNvPr>
+          <p:cNvSpPr>
+            <a:spLocks noGrp="1"/>
+          </p:cNvSpPr>
+          <p:nvPr>
+            <p:ph type="title"/>
+          </p:nvPr>
+        </p:nvSpPr>
+        <p:spPr/>
+        <p:txBody>
+          <a:bodyPr/>
+          <a:lstStyle/>
+          <a:p>
+            <a:r>
+              <a:rPr lang="en-US" dirty="0"/>
+              <a:t>Putting It All Together</a:t>
+            </a:r>
+          </a:p>
+        </p:txBody>
+      </p:sp>
+      <p:sp>
+        <p:nvSpPr>
+          <p:cNvPr id="3" name="Content Placeholder 2">
+            <a:extLst>
+              <a:ext uri="{FF2B5EF4-FFF2-40B4-BE49-F238E27FC236}">
+                <a16:creationId xmlns:a16="http://schemas.microsoft.com/office/drawing/2014/main" id="{72B03BB4-FD0C-BA6C-A3FA-E279216A4430}"/>
+              </a:ext>
+            </a:extLst>
+          </p:cNvPr>
+          <p:cNvSpPr>
+            <a:spLocks noGrp="1"/>
+          </p:cNvSpPr>
+          <p:nvPr>
+            <p:ph idx="1"/>
+          </p:nvPr>
+        </p:nvSpPr>
+        <p:spPr>
+          <a:xfrm>
+            <a:off x="838200" y="1825625"/>
+            <a:ext cx="10515600" cy="2573655"/>
+          </a:xfrm>
+        </p:spPr>
+        <p:txBody>
+          <a:bodyPr/>
+          <a:lstStyle/>
+          <a:p>
+            <a:pPr rtl="0">
+              <a:buFont typeface="Arial" panose="020B0604020202020204" pitchFamily="34" charset="0"/>
+              <a:buChar char="•"/>
+            </a:pPr>
+            <a:r>
+              <a:rPr lang="en-US" b="1" dirty="0"/>
+              <a:t>Entropy</a:t>
+            </a:r>
+            <a:r>
+              <a:rPr lang="en-US" dirty="0"/>
+              <a:t>: Measures uncertainty in predictions (goal: low entropy for correct class)</a:t>
+            </a:r>
+          </a:p>
+          <a:p>
+            <a:pPr rtl="0">
+              <a:buFont typeface="Arial" panose="020B0604020202020204" pitchFamily="34" charset="0"/>
+              <a:buChar char="•"/>
+            </a:pPr>
+            <a:r>
+              <a:rPr lang="en-US" b="1" dirty="0"/>
+              <a:t>Cross-Entropy Loss</a:t>
+            </a:r>
+            <a:r>
+              <a:rPr lang="en-US" dirty="0"/>
+              <a:t>: Guides model to reduce uncertainty (criterion)</a:t>
+            </a:r>
+          </a:p>
+          <a:p>
+            <a:pPr rtl="0">
+              <a:buFont typeface="Arial" panose="020B0604020202020204" pitchFamily="34" charset="0"/>
+              <a:buChar char="•"/>
+            </a:pPr>
+            <a:r>
+              <a:rPr lang="en-US" b="1" dirty="0" err="1"/>
+              <a:t>ReLU</a:t>
+            </a:r>
+            <a:r>
+              <a:rPr lang="en-US" dirty="0"/>
+              <a:t>: Enables learning complex patterns in Iris features (relu1, relu2)</a:t>
+            </a:r>
+          </a:p>
+          <a:p>
+            <a:pPr rtl="0">
+              <a:buFont typeface="Arial" panose="020B0604020202020204" pitchFamily="34" charset="0"/>
+              <a:buChar char="•"/>
+            </a:pPr>
+            <a:r>
+              <a:rPr lang="en-US" b="1" dirty="0"/>
+              <a:t>Adam</a:t>
+            </a:r>
+            <a:r>
+              <a:rPr lang="en-US" dirty="0"/>
+              <a:t>: Optimizes weights to minimize loss (optimizer)</a:t>
+            </a:r>
+          </a:p>
+        </p:txBody>
+      </p:sp>
+      <p:pic>
+        <p:nvPicPr>
+          <p:cNvPr id="7" name="Picture 6">
+            <a:extLst>
+              <a:ext uri="{FF2B5EF4-FFF2-40B4-BE49-F238E27FC236}">
+                <a16:creationId xmlns:a16="http://schemas.microsoft.com/office/drawing/2014/main" id="{6F5E78A8-A985-6229-2C39-B54A76021699}"/>
+              </a:ext>
+            </a:extLst>
+          </p:cNvPr>
+          <p:cNvPicPr>
+            <a:picLocks noChangeAspect="1"/>
+          </p:cNvPicPr>
+          <p:nvPr/>
+        </p:nvPicPr>
+        <p:blipFill>
+          <a:blip r:embed="rId2"/>
+          <a:stretch>
+            <a:fillRect/>
+          </a:stretch>
+        </p:blipFill>
+        <p:spPr>
+          <a:xfrm>
+            <a:off x="929384" y="4399280"/>
+            <a:ext cx="8638273" cy="1846263"/>
+          </a:xfrm>
+          <a:prstGeom prst="rect">
+            <a:avLst/>
+          </a:prstGeom>
+        </p:spPr>
+      </p:pic>
+    </p:spTree>
+    <p:extLst>
+      <p:ext uri="{BB962C8B-B14F-4D97-AF65-F5344CB8AC3E}">
+        <p14:creationId xmlns:p14="http://schemas.microsoft.com/office/powerpoint/2010/main" val="383624214"/>
+      </p:ext>
+    </p:extLst>
+  </p:cSld>
+  <p:clrMapOvr>
+    <a:masterClrMapping/>
+  </p:clrMapOvr>
+</p:sld>
+</file>
+
+<file path=ppt/slides/slide35.xml><?xml version="1.0" encoding="utf-8"?>
+<p:sld xmlns:a="http://schemas.openxmlformats.org/drawingml/2006/main" xmlns:r="http://schemas.openxmlformats.org/officeDocument/2006/relationships" xmlns:p="http://schemas.openxmlformats.org/presentationml/2006/main">
+  <p:cSld>
+    <p:spTree>
+      <p:nvGrpSpPr>
+        <p:cNvPr id="1" name=""/>
+        <p:cNvGrpSpPr/>
+        <p:nvPr/>
+      </p:nvGrpSpPr>
+      <p:grpSpPr>
+        <a:xfrm>
+          <a:off x="0" y="0"/>
+          <a:ext cx="0" cy="0"/>
+          <a:chOff x="0" y="0"/>
+          <a:chExt cx="0" cy="0"/>
+        </a:xfrm>
+      </p:grpSpPr>
+      <p:sp>
+        <p:nvSpPr>
+          <p:cNvPr id="2" name="Title 1">
+            <a:extLst>
+              <a:ext uri="{FF2B5EF4-FFF2-40B4-BE49-F238E27FC236}">
+                <a16:creationId xmlns:a16="http://schemas.microsoft.com/office/drawing/2014/main" id="{53196785-2E4F-2843-F302-C1DA79193394}"/>
+              </a:ext>
+            </a:extLst>
+          </p:cNvPr>
+          <p:cNvSpPr>
+            <a:spLocks noGrp="1"/>
+          </p:cNvSpPr>
+          <p:nvPr>
+            <p:ph type="title"/>
+          </p:nvPr>
+        </p:nvSpPr>
+        <p:spPr/>
+        <p:txBody>
+          <a:bodyPr/>
+          <a:lstStyle/>
+          <a:p>
+            <a:r>
+              <a:rPr lang="en-US" dirty="0"/>
+              <a:t>Summary</a:t>
+            </a:r>
+          </a:p>
+        </p:txBody>
+      </p:sp>
+      <p:sp>
+        <p:nvSpPr>
+          <p:cNvPr id="3" name="Content Placeholder 2">
+            <a:extLst>
+              <a:ext uri="{FF2B5EF4-FFF2-40B4-BE49-F238E27FC236}">
+                <a16:creationId xmlns:a16="http://schemas.microsoft.com/office/drawing/2014/main" id="{4977BAF4-F7D6-CE1D-1AE7-5E273BABDE53}"/>
+              </a:ext>
+            </a:extLst>
+          </p:cNvPr>
+          <p:cNvSpPr>
+            <a:spLocks noGrp="1"/>
+          </p:cNvSpPr>
+          <p:nvPr>
+            <p:ph idx="1"/>
+          </p:nvPr>
+        </p:nvSpPr>
+        <p:spPr/>
+        <p:txBody>
+          <a:bodyPr/>
+          <a:lstStyle/>
+          <a:p>
+            <a:pPr rtl="0">
+              <a:buFont typeface="Arial" panose="020B0604020202020204" pitchFamily="34" charset="0"/>
+              <a:buChar char="•"/>
+            </a:pPr>
+            <a:r>
+              <a:rPr lang="en-US" dirty="0"/>
+              <a:t>Entropy: Quantifies prediction uncertainty</a:t>
+            </a:r>
+          </a:p>
+          <a:p>
+            <a:pPr rtl="0">
+              <a:buFont typeface="Arial" panose="020B0604020202020204" pitchFamily="34" charset="0"/>
+              <a:buChar char="•"/>
+            </a:pPr>
+            <a:r>
+              <a:rPr lang="en-US" dirty="0"/>
+              <a:t>Cross-Entropy Loss: Measures prediction error for multiclass tasks</a:t>
+            </a:r>
+          </a:p>
+          <a:p>
+            <a:pPr rtl="0">
+              <a:buFont typeface="Arial" panose="020B0604020202020204" pitchFamily="34" charset="0"/>
+              <a:buChar char="•"/>
+            </a:pPr>
+            <a:r>
+              <a:rPr lang="en-US" dirty="0" err="1"/>
+              <a:t>ReLU</a:t>
+            </a:r>
+            <a:r>
+              <a:rPr lang="en-US" dirty="0"/>
+              <a:t>: Adds non-linearity for complex patterns</a:t>
+            </a:r>
+          </a:p>
+          <a:p>
+            <a:pPr rtl="0">
+              <a:buFont typeface="Arial" panose="020B0604020202020204" pitchFamily="34" charset="0"/>
+              <a:buChar char="•"/>
+            </a:pPr>
+            <a:r>
+              <a:rPr lang="en-US" dirty="0"/>
+              <a:t>Adam Optimizer: Efficiently minimizes loss</a:t>
+            </a:r>
+          </a:p>
+          <a:p>
+            <a:pPr rtl="0">
+              <a:buFont typeface="Arial" panose="020B0604020202020204" pitchFamily="34" charset="0"/>
+              <a:buChar char="•"/>
+            </a:pPr>
+            <a:r>
+              <a:rPr lang="en-US" dirty="0"/>
+              <a:t>Application: These concepts power our </a:t>
+            </a:r>
+            <a:r>
+              <a:rPr lang="en-US" dirty="0" err="1"/>
+              <a:t>PyTorch</a:t>
+            </a:r>
+            <a:r>
+              <a:rPr lang="en-US" dirty="0"/>
+              <a:t> model to classify Iris species with high accuracy</a:t>
+            </a:r>
+          </a:p>
+          <a:p>
+            <a:endParaRPr lang="en-US" dirty="0"/>
+          </a:p>
+        </p:txBody>
+      </p:sp>
+    </p:spTree>
+    <p:extLst>
+      <p:ext uri="{BB962C8B-B14F-4D97-AF65-F5344CB8AC3E}">
+        <p14:creationId xmlns:p14="http://schemas.microsoft.com/office/powerpoint/2010/main" val="3552171113"/>
+      </p:ext>
+    </p:extLst>
+  </p:cSld>
+  <p:clrMapOvr>
+    <a:masterClrMapping/>
+  </p:clrMapOvr>
+</p:sld>
+</file>
+
 <file path=ppt/slides/slide4.xml><?xml version="1.0" encoding="utf-8"?>
 <p:sld xmlns:a="http://schemas.openxmlformats.org/drawingml/2006/main" xmlns:r="http://schemas.openxmlformats.org/officeDocument/2006/relationships" xmlns:p="http://schemas.openxmlformats.org/presentationml/2006/main">
   <p:cSld>
@@ -14864,7 +19542,7 @@
           <a:p>
             <a:r>
               <a:rPr lang="en-GB" dirty="0"/>
-              <a:t>If something is very likely → you’re not surprised </a:t>
+              <a:t>If something is very likely to happen→ you’re not surprised </a:t>
             </a:r>
             <a:endParaRPr lang="en-US" dirty="0"/>
           </a:p>
